--- a/FR/1_Introduction/Introduction.pptx
+++ b/FR/1_Introduction/Introduction.pptx
@@ -5,7 +5,7 @@
     <p:sldMasterId id="2147483725" r:id="rId1"/>
   </p:sldMasterIdLst>
   <p:notesMasterIdLst>
-    <p:notesMasterId r:id="rId10"/>
+    <p:notesMasterId r:id="rId11"/>
   </p:notesMasterIdLst>
   <p:sldIdLst>
     <p:sldId id="275" r:id="rId2"/>
@@ -16,6 +16,7 @@
     <p:sldId id="279" r:id="rId7"/>
     <p:sldId id="280" r:id="rId8"/>
     <p:sldId id="281" r:id="rId9"/>
+    <p:sldId id="284" r:id="rId10"/>
   </p:sldIdLst>
   <p:sldSz cx="12192000" cy="6858000"/>
   <p:notesSz cx="6858000" cy="9144000"/>
@@ -224,7 +225,7 @@
           <a:p>
             <a:fld id="{75689CD1-46B6-4E21-9A38-6827C35460BF}" type="datetimeFigureOut">
               <a:rPr lang="en-CA" smtClean="0"/>
-              <a:t>2020-01-28</a:t>
+              <a:t>2020-01-31</a:t>
             </a:fld>
             <a:endParaRPr lang="en-CA"/>
           </a:p>
@@ -641,7 +642,7 @@
           <a:p>
             <a:fld id="{FDBD420C-7621-46C4-B0D7-0A7E12FF1E5F}" type="datetimeFigureOut">
               <a:rPr lang="en-CA" smtClean="0"/>
-              <a:t>2020-01-28</a:t>
+              <a:t>2020-01-31</a:t>
             </a:fld>
             <a:endParaRPr lang="en-CA"/>
           </a:p>
@@ -841,7 +842,7 @@
           <a:p>
             <a:fld id="{FDBD420C-7621-46C4-B0D7-0A7E12FF1E5F}" type="datetimeFigureOut">
               <a:rPr lang="en-CA" smtClean="0"/>
-              <a:t>2020-01-28</a:t>
+              <a:t>2020-01-31</a:t>
             </a:fld>
             <a:endParaRPr lang="en-CA"/>
           </a:p>
@@ -1051,7 +1052,7 @@
           <a:p>
             <a:fld id="{FDBD420C-7621-46C4-B0D7-0A7E12FF1E5F}" type="datetimeFigureOut">
               <a:rPr lang="en-CA" smtClean="0"/>
-              <a:t>2020-01-28</a:t>
+              <a:t>2020-01-31</a:t>
             </a:fld>
             <a:endParaRPr lang="en-CA"/>
           </a:p>
@@ -1251,7 +1252,7 @@
           <a:p>
             <a:fld id="{FDBD420C-7621-46C4-B0D7-0A7E12FF1E5F}" type="datetimeFigureOut">
               <a:rPr lang="en-CA" smtClean="0"/>
-              <a:t>2020-01-28</a:t>
+              <a:t>2020-01-31</a:t>
             </a:fld>
             <a:endParaRPr lang="en-CA"/>
           </a:p>
@@ -1527,7 +1528,7 @@
           <a:p>
             <a:fld id="{FDBD420C-7621-46C4-B0D7-0A7E12FF1E5F}" type="datetimeFigureOut">
               <a:rPr lang="en-CA" smtClean="0"/>
-              <a:t>2020-01-28</a:t>
+              <a:t>2020-01-31</a:t>
             </a:fld>
             <a:endParaRPr lang="en-CA"/>
           </a:p>
@@ -1795,7 +1796,7 @@
           <a:p>
             <a:fld id="{FDBD420C-7621-46C4-B0D7-0A7E12FF1E5F}" type="datetimeFigureOut">
               <a:rPr lang="en-CA" smtClean="0"/>
-              <a:t>2020-01-28</a:t>
+              <a:t>2020-01-31</a:t>
             </a:fld>
             <a:endParaRPr lang="en-CA"/>
           </a:p>
@@ -2210,7 +2211,7 @@
           <a:p>
             <a:fld id="{FDBD420C-7621-46C4-B0D7-0A7E12FF1E5F}" type="datetimeFigureOut">
               <a:rPr lang="en-CA" smtClean="0"/>
-              <a:t>2020-01-28</a:t>
+              <a:t>2020-01-31</a:t>
             </a:fld>
             <a:endParaRPr lang="en-CA"/>
           </a:p>
@@ -2352,7 +2353,7 @@
           <a:p>
             <a:fld id="{FDBD420C-7621-46C4-B0D7-0A7E12FF1E5F}" type="datetimeFigureOut">
               <a:rPr lang="en-CA" smtClean="0"/>
-              <a:t>2020-01-28</a:t>
+              <a:t>2020-01-31</a:t>
             </a:fld>
             <a:endParaRPr lang="en-CA"/>
           </a:p>
@@ -2465,7 +2466,7 @@
           <a:p>
             <a:fld id="{FDBD420C-7621-46C4-B0D7-0A7E12FF1E5F}" type="datetimeFigureOut">
               <a:rPr lang="en-CA" smtClean="0"/>
-              <a:t>2020-01-28</a:t>
+              <a:t>2020-01-31</a:t>
             </a:fld>
             <a:endParaRPr lang="en-CA"/>
           </a:p>
@@ -2778,7 +2779,7 @@
           <a:p>
             <a:fld id="{FDBD420C-7621-46C4-B0D7-0A7E12FF1E5F}" type="datetimeFigureOut">
               <a:rPr lang="en-CA" smtClean="0"/>
-              <a:t>2020-01-28</a:t>
+              <a:t>2020-01-31</a:t>
             </a:fld>
             <a:endParaRPr lang="en-CA"/>
           </a:p>
@@ -3067,7 +3068,7 @@
           <a:p>
             <a:fld id="{FDBD420C-7621-46C4-B0D7-0A7E12FF1E5F}" type="datetimeFigureOut">
               <a:rPr lang="en-CA" smtClean="0"/>
-              <a:t>2020-01-28</a:t>
+              <a:t>2020-01-31</a:t>
             </a:fld>
             <a:endParaRPr lang="en-CA"/>
           </a:p>
@@ -3310,7 +3311,7 @@
           <a:p>
             <a:fld id="{FDBD420C-7621-46C4-B0D7-0A7E12FF1E5F}" type="datetimeFigureOut">
               <a:rPr lang="en-CA" smtClean="0"/>
-              <a:t>2020-01-28</a:t>
+              <a:t>2020-01-31</a:t>
             </a:fld>
             <a:endParaRPr lang="en-CA"/>
           </a:p>
@@ -3828,10 +3829,66 @@
         </p:spPr>
         <p:txBody>
           <a:bodyPr anchor="b">
-            <a:normAutofit/>
+            <a:normAutofit fontScale="90000"/>
           </a:bodyPr>
           <a:lstStyle/>
           <a:p>
+            <a:r>
+              <a:rPr lang="en-CA" sz="4400" dirty="0" err="1">
+                <a:solidFill>
+                  <a:srgbClr val="FFFFFF"/>
+                </a:solidFill>
+              </a:rPr>
+              <a:t>Cours</a:t>
+            </a:r>
+            <a:r>
+              <a:rPr lang="en-CA" sz="4400" dirty="0">
+                <a:solidFill>
+                  <a:srgbClr val="FFFFFF"/>
+                </a:solidFill>
+              </a:rPr>
+              <a:t> </a:t>
+            </a:r>
+            <a:r>
+              <a:rPr lang="en-CA" sz="4400" dirty="0" err="1">
+                <a:solidFill>
+                  <a:srgbClr val="FFFFFF"/>
+                </a:solidFill>
+              </a:rPr>
+              <a:t>d’introduction</a:t>
+            </a:r>
+            <a:r>
+              <a:rPr lang="en-CA" sz="4400" dirty="0">
+                <a:solidFill>
+                  <a:srgbClr val="FFFFFF"/>
+                </a:solidFill>
+              </a:rPr>
+              <a:t> à la </a:t>
+            </a:r>
+            <a:r>
+              <a:rPr lang="en-CA" sz="4400" dirty="0" err="1">
+                <a:solidFill>
+                  <a:srgbClr val="FFFFFF"/>
+                </a:solidFill>
+              </a:rPr>
+              <a:t>chimie</a:t>
+            </a:r>
+            <a:r>
+              <a:rPr lang="en-CA" sz="4400" dirty="0">
+                <a:solidFill>
+                  <a:srgbClr val="FFFFFF"/>
+                </a:solidFill>
+              </a:rPr>
+              <a:t> </a:t>
+            </a:r>
+            <a:r>
+              <a:rPr lang="en-CA" sz="4400" dirty="0" err="1">
+                <a:solidFill>
+                  <a:srgbClr val="FFFFFF"/>
+                </a:solidFill>
+              </a:rPr>
+              <a:t>quantique</a:t>
+            </a:r>
             <a:br>
               <a:rPr lang="en-CA" sz="4400" dirty="0">
                 <a:solidFill>
@@ -3925,7 +3982,7 @@
           <a:lstStyle/>
           <a:p>
             <a:r>
-              <a:rPr lang="en-CA" sz="3200"/>
+              <a:rPr lang="en-CA" sz="3200" dirty="0"/>
               <a:t>Par François Dion</a:t>
             </a:r>
           </a:p>
@@ -4098,8 +4155,8 @@
         </p:blipFill>
         <p:spPr>
           <a:xfrm>
-            <a:off x="333766" y="2009067"/>
-            <a:ext cx="3800475" cy="3952875"/>
+            <a:off x="450165" y="2081364"/>
+            <a:ext cx="3567571" cy="3710632"/>
           </a:xfrm>
           <a:prstGeom prst="rect">
             <a:avLst/>
@@ -4330,8 +4387,8 @@
           </a:p>
         </p:txBody>
       </p:sp>
-      <mc:AlternateContent xmlns:mc="http://schemas.openxmlformats.org/markup-compatibility/2006">
-        <mc:Choice xmlns:a14="http://schemas.microsoft.com/office/drawing/2010/main" Requires="a14">
+      <mc:AlternateContent xmlns:mc="http://schemas.openxmlformats.org/markup-compatibility/2006" xmlns:a14="http://schemas.microsoft.com/office/drawing/2010/main">
+        <mc:Choice Requires="a14">
           <p:sp>
             <p:nvSpPr>
               <p:cNvPr id="13" name="TextBox 12">
@@ -4484,7 +4541,7 @@
             </p:txBody>
           </p:sp>
         </mc:Choice>
-        <mc:Fallback>
+        <mc:Fallback xmlns="">
           <p:sp>
             <p:nvSpPr>
               <p:cNvPr id="13" name="TextBox 12">
@@ -4831,6 +4888,205 @@
           </a:p>
         </p:txBody>
       </p:sp>
+      <mc:AlternateContent xmlns:mc="http://schemas.openxmlformats.org/markup-compatibility/2006" xmlns:a14="http://schemas.microsoft.com/office/drawing/2010/main">
+        <mc:Choice Requires="a14">
+          <p:sp>
+            <p:nvSpPr>
+              <p:cNvPr id="7" name="TextBox 6">
+                <a:extLst>
+                  <a:ext uri="{FF2B5EF4-FFF2-40B4-BE49-F238E27FC236}">
+                    <a16:creationId xmlns:a16="http://schemas.microsoft.com/office/drawing/2014/main" id="{D974251C-C027-4E14-B425-D419FF01BB99}"/>
+                  </a:ext>
+                </a:extLst>
+              </p:cNvPr>
+              <p:cNvSpPr txBox="1"/>
+              <p:nvPr/>
+            </p:nvSpPr>
+            <p:spPr>
+              <a:xfrm>
+                <a:off x="838200" y="6033254"/>
+                <a:ext cx="2424703" cy="587597"/>
+              </a:xfrm>
+              <a:prstGeom prst="rect">
+                <a:avLst/>
+              </a:prstGeom>
+              <a:noFill/>
+            </p:spPr>
+            <p:txBody>
+              <a:bodyPr wrap="none" lIns="0" tIns="0" rIns="0" bIns="0" rtlCol="0">
+                <a:spAutoFit/>
+              </a:bodyPr>
+              <a:lstStyle/>
+              <a:p>
+                <a:r>
+                  <a:rPr lang="en-CA" b="0" i="1" dirty="0">
+                    <a:latin typeface="Cambria Math" panose="02040503050406030204" pitchFamily="18" charset="0"/>
+                  </a:rPr>
+                  <a:t>Équation du </a:t>
+                </a:r>
+                <a:r>
+                  <a:rPr lang="en-CA" b="0" i="1" dirty="0" err="1">
+                    <a:latin typeface="Cambria Math" panose="02040503050406030204" pitchFamily="18" charset="0"/>
+                  </a:rPr>
+                  <a:t>mouvement</a:t>
+                </a:r>
+                <a:endParaRPr lang="en-CA" b="0" i="1" dirty="0">
+                  <a:latin typeface="Cambria Math" panose="02040503050406030204" pitchFamily="18" charset="0"/>
+                </a:endParaRPr>
+              </a:p>
+              <a:p>
+                <a:pPr/>
+                <a14:m>
+                  <m:oMathPara xmlns:m="http://schemas.openxmlformats.org/officeDocument/2006/math">
+                    <m:oMathParaPr>
+                      <m:jc m:val="centerGroup"/>
+                    </m:oMathParaPr>
+                    <m:oMath xmlns:m="http://schemas.openxmlformats.org/officeDocument/2006/math">
+                      <m:sSub>
+                        <m:sSubPr>
+                          <m:ctrlPr>
+                            <a:rPr lang="en-CA" i="1">
+                              <a:latin typeface="Cambria Math" panose="02040503050406030204" pitchFamily="18" charset="0"/>
+                            </a:rPr>
+                          </m:ctrlPr>
+                        </m:sSubPr>
+                        <m:e>
+                          <m:r>
+                            <a:rPr lang="en-CA" i="1">
+                              <a:latin typeface="Cambria Math" panose="02040503050406030204" pitchFamily="18" charset="0"/>
+                            </a:rPr>
+                            <m:t>∑</m:t>
+                          </m:r>
+                        </m:e>
+                        <m:sub>
+                          <m:r>
+                            <a:rPr lang="en-CA" b="0" i="1" smtClean="0">
+                              <a:latin typeface="Cambria Math" panose="02040503050406030204" pitchFamily="18" charset="0"/>
+                            </a:rPr>
+                            <m:t>𝑖</m:t>
+                          </m:r>
+                        </m:sub>
+                      </m:sSub>
+                      <m:sSub>
+                        <m:sSubPr>
+                          <m:ctrlPr>
+                            <a:rPr lang="en-CA" i="1">
+                              <a:latin typeface="Cambria Math" panose="02040503050406030204" pitchFamily="18" charset="0"/>
+                            </a:rPr>
+                          </m:ctrlPr>
+                        </m:sSubPr>
+                        <m:e>
+                          <m:acc>
+                            <m:accPr>
+                              <m:chr m:val="⃗"/>
+                              <m:ctrlPr>
+                                <a:rPr lang="en-CA" b="0" i="1" dirty="0" smtClean="0">
+                                  <a:latin typeface="Cambria Math" panose="02040503050406030204" pitchFamily="18" charset="0"/>
+                                </a:rPr>
+                              </m:ctrlPr>
+                            </m:accPr>
+                            <m:e>
+                              <m:r>
+                                <a:rPr lang="en-CA" b="0" i="1" dirty="0" smtClean="0">
+                                  <a:latin typeface="Cambria Math" panose="02040503050406030204" pitchFamily="18" charset="0"/>
+                                </a:rPr>
+                                <m:t>𝐹</m:t>
+                              </m:r>
+                            </m:e>
+                          </m:acc>
+                        </m:e>
+                        <m:sub>
+                          <m:r>
+                            <a:rPr lang="en-CA" b="0" i="1" smtClean="0">
+                              <a:latin typeface="Cambria Math" panose="02040503050406030204" pitchFamily="18" charset="0"/>
+                            </a:rPr>
+                            <m:t>𝑖</m:t>
+                          </m:r>
+                        </m:sub>
+                      </m:sSub>
+                      <m:r>
+                        <a:rPr lang="en-CA" b="0" i="1" smtClean="0">
+                          <a:latin typeface="Cambria Math" panose="02040503050406030204" pitchFamily="18" charset="0"/>
+                        </a:rPr>
+                        <m:t>= </m:t>
+                      </m:r>
+                      <m:r>
+                        <a:rPr lang="en-CA" b="0" i="1" smtClean="0">
+                          <a:latin typeface="Cambria Math" panose="02040503050406030204" pitchFamily="18" charset="0"/>
+                        </a:rPr>
+                        <m:t>𝑚</m:t>
+                      </m:r>
+                      <m:acc>
+                        <m:accPr>
+                          <m:chr m:val="⃗"/>
+                          <m:ctrlPr>
+                            <a:rPr lang="en-CA" b="0" i="1" smtClean="0">
+                              <a:latin typeface="Cambria Math" panose="02040503050406030204" pitchFamily="18" charset="0"/>
+                            </a:rPr>
+                          </m:ctrlPr>
+                        </m:accPr>
+                        <m:e>
+                          <m:r>
+                            <a:rPr lang="en-CA" b="0" i="1" smtClean="0">
+                              <a:latin typeface="Cambria Math" panose="02040503050406030204" pitchFamily="18" charset="0"/>
+                            </a:rPr>
+                            <m:t>𝑎</m:t>
+                          </m:r>
+                        </m:e>
+                      </m:acc>
+                    </m:oMath>
+                  </m:oMathPara>
+                </a14:m>
+                <a:endParaRPr lang="en-CA" dirty="0"/>
+              </a:p>
+            </p:txBody>
+          </p:sp>
+        </mc:Choice>
+        <mc:Fallback xmlns="">
+          <p:sp>
+            <p:nvSpPr>
+              <p:cNvPr id="7" name="TextBox 6">
+                <a:extLst>
+                  <a:ext uri="{FF2B5EF4-FFF2-40B4-BE49-F238E27FC236}">
+                    <a16:creationId xmlns:a16="http://schemas.microsoft.com/office/drawing/2014/main" id="{D974251C-C027-4E14-B425-D419FF01BB99}"/>
+                  </a:ext>
+                </a:extLst>
+              </p:cNvPr>
+              <p:cNvSpPr txBox="1">
+                <a:spLocks noRot="1" noChangeAspect="1" noMove="1" noResize="1" noEditPoints="1" noAdjustHandles="1" noChangeArrowheads="1" noChangeShapeType="1" noTextEdit="1"/>
+              </p:cNvSpPr>
+              <p:nvPr/>
+            </p:nvSpPr>
+            <p:spPr>
+              <a:xfrm>
+                <a:off x="838200" y="6033254"/>
+                <a:ext cx="2424703" cy="587597"/>
+              </a:xfrm>
+              <a:prstGeom prst="rect">
+                <a:avLst/>
+              </a:prstGeom>
+              <a:blipFill>
+                <a:blip r:embed="rId5"/>
+                <a:stretch>
+                  <a:fillRect l="-6045" t="-14583" r="-5793" b="-16667"/>
+                </a:stretch>
+              </a:blipFill>
+            </p:spPr>
+            <p:txBody>
+              <a:bodyPr/>
+              <a:lstStyle/>
+              <a:p>
+                <a:r>
+                  <a:rPr lang="fr-CA">
+                    <a:noFill/>
+                  </a:rPr>
+                  <a:t> </a:t>
+                </a:r>
+              </a:p>
+            </p:txBody>
+          </p:sp>
+        </mc:Fallback>
+      </mc:AlternateContent>
     </p:spTree>
     <p:extLst>
       <p:ext uri="{BB962C8B-B14F-4D97-AF65-F5344CB8AC3E}">
@@ -4841,18 +5097,96 @@
   <p:clrMapOvr>
     <a:masterClrMapping/>
   </p:clrMapOvr>
-  <mc:AlternateContent xmlns:mc="http://schemas.openxmlformats.org/markup-compatibility/2006">
-    <mc:Choice xmlns:p159="http://schemas.microsoft.com/office/powerpoint/2015/09/main" Requires="p159">
+  <mc:AlternateContent xmlns:mc="http://schemas.openxmlformats.org/markup-compatibility/2006" xmlns:p159="http://schemas.microsoft.com/office/powerpoint/2015/09/main">
+    <mc:Choice Requires="p159">
       <p:transition xmlns:p14="http://schemas.microsoft.com/office/powerpoint/2010/main" spd="slow" p14:dur="2000">
         <p159:morph option="byObject"/>
       </p:transition>
     </mc:Choice>
-    <mc:Fallback>
+    <mc:Fallback xmlns="">
       <p:transition spd="slow">
         <p:fade/>
       </p:transition>
     </mc:Fallback>
   </mc:AlternateContent>
+  <p:timing>
+    <p:tnLst>
+      <p:par>
+        <p:cTn id="1" dur="indefinite" restart="never" nodeType="tmRoot">
+          <p:childTnLst>
+            <p:seq concurrent="1" nextAc="seek">
+              <p:cTn id="2" dur="indefinite" nodeType="mainSeq">
+                <p:childTnLst>
+                  <p:par>
+                    <p:cTn id="3" fill="hold">
+                      <p:stCondLst>
+                        <p:cond delay="indefinite"/>
+                      </p:stCondLst>
+                      <p:childTnLst>
+                        <p:par>
+                          <p:cTn id="4" fill="hold">
+                            <p:stCondLst>
+                              <p:cond delay="0"/>
+                            </p:stCondLst>
+                            <p:childTnLst>
+                              <p:par>
+                                <p:cTn id="5" presetID="1" presetClass="entr" presetSubtype="0" fill="hold" grpId="0" nodeType="clickEffect">
+                                  <p:stCondLst>
+                                    <p:cond delay="0"/>
+                                  </p:stCondLst>
+                                  <p:childTnLst>
+                                    <p:set>
+                                      <p:cBhvr>
+                                        <p:cTn id="6" dur="1" fill="hold">
+                                          <p:stCondLst>
+                                            <p:cond delay="0"/>
+                                          </p:stCondLst>
+                                        </p:cTn>
+                                        <p:tgtEl>
+                                          <p:spTgt spid="7"/>
+                                        </p:tgtEl>
+                                        <p:attrNameLst>
+                                          <p:attrName>style.visibility</p:attrName>
+                                        </p:attrNameLst>
+                                      </p:cBhvr>
+                                      <p:to>
+                                        <p:strVal val="visible"/>
+                                      </p:to>
+                                    </p:set>
+                                  </p:childTnLst>
+                                </p:cTn>
+                              </p:par>
+                            </p:childTnLst>
+                          </p:cTn>
+                        </p:par>
+                      </p:childTnLst>
+                    </p:cTn>
+                  </p:par>
+                </p:childTnLst>
+              </p:cTn>
+              <p:prevCondLst>
+                <p:cond evt="onPrev" delay="0">
+                  <p:tgtEl>
+                    <p:sldTgt/>
+                  </p:tgtEl>
+                </p:cond>
+              </p:prevCondLst>
+              <p:nextCondLst>
+                <p:cond evt="onNext" delay="0">
+                  <p:tgtEl>
+                    <p:sldTgt/>
+                  </p:tgtEl>
+                </p:cond>
+              </p:nextCondLst>
+            </p:seq>
+          </p:childTnLst>
+        </p:cTn>
+      </p:par>
+    </p:tnLst>
+    <p:bldLst>
+      <p:bldP spid="7" grpId="0"/>
+    </p:bldLst>
+  </p:timing>
 </p:sld>
 </file>
 
@@ -5281,6 +5615,205 @@
           </a:p>
         </p:txBody>
       </p:sp>
+      <mc:AlternateContent xmlns:mc="http://schemas.openxmlformats.org/markup-compatibility/2006" xmlns:a14="http://schemas.microsoft.com/office/drawing/2010/main">
+        <mc:Choice Requires="a14">
+          <p:sp>
+            <p:nvSpPr>
+              <p:cNvPr id="16" name="TextBox 15">
+                <a:extLst>
+                  <a:ext uri="{FF2B5EF4-FFF2-40B4-BE49-F238E27FC236}">
+                    <a16:creationId xmlns:a16="http://schemas.microsoft.com/office/drawing/2014/main" id="{B1083DAA-BB11-46C1-90F7-D2FA06A4498D}"/>
+                  </a:ext>
+                </a:extLst>
+              </p:cNvPr>
+              <p:cNvSpPr txBox="1"/>
+              <p:nvPr/>
+            </p:nvSpPr>
+            <p:spPr>
+              <a:xfrm>
+                <a:off x="838200" y="6033254"/>
+                <a:ext cx="2424703" cy="587597"/>
+              </a:xfrm>
+              <a:prstGeom prst="rect">
+                <a:avLst/>
+              </a:prstGeom>
+              <a:noFill/>
+            </p:spPr>
+            <p:txBody>
+              <a:bodyPr wrap="none" lIns="0" tIns="0" rIns="0" bIns="0" rtlCol="0">
+                <a:spAutoFit/>
+              </a:bodyPr>
+              <a:lstStyle/>
+              <a:p>
+                <a:r>
+                  <a:rPr lang="en-CA" b="0" i="1" dirty="0">
+                    <a:latin typeface="Cambria Math" panose="02040503050406030204" pitchFamily="18" charset="0"/>
+                  </a:rPr>
+                  <a:t>Équation du </a:t>
+                </a:r>
+                <a:r>
+                  <a:rPr lang="en-CA" b="0" i="1" dirty="0" err="1">
+                    <a:latin typeface="Cambria Math" panose="02040503050406030204" pitchFamily="18" charset="0"/>
+                  </a:rPr>
+                  <a:t>mouvement</a:t>
+                </a:r>
+                <a:endParaRPr lang="en-CA" b="0" i="1" dirty="0">
+                  <a:latin typeface="Cambria Math" panose="02040503050406030204" pitchFamily="18" charset="0"/>
+                </a:endParaRPr>
+              </a:p>
+              <a:p>
+                <a:pPr/>
+                <a14:m>
+                  <m:oMathPara xmlns:m="http://schemas.openxmlformats.org/officeDocument/2006/math">
+                    <m:oMathParaPr>
+                      <m:jc m:val="centerGroup"/>
+                    </m:oMathParaPr>
+                    <m:oMath xmlns:m="http://schemas.openxmlformats.org/officeDocument/2006/math">
+                      <m:sSub>
+                        <m:sSubPr>
+                          <m:ctrlPr>
+                            <a:rPr lang="en-CA" i="1">
+                              <a:latin typeface="Cambria Math" panose="02040503050406030204" pitchFamily="18" charset="0"/>
+                            </a:rPr>
+                          </m:ctrlPr>
+                        </m:sSubPr>
+                        <m:e>
+                          <m:r>
+                            <a:rPr lang="en-CA" i="1">
+                              <a:latin typeface="Cambria Math" panose="02040503050406030204" pitchFamily="18" charset="0"/>
+                            </a:rPr>
+                            <m:t>∑</m:t>
+                          </m:r>
+                        </m:e>
+                        <m:sub>
+                          <m:r>
+                            <a:rPr lang="en-CA" b="0" i="1" smtClean="0">
+                              <a:latin typeface="Cambria Math" panose="02040503050406030204" pitchFamily="18" charset="0"/>
+                            </a:rPr>
+                            <m:t>𝑖</m:t>
+                          </m:r>
+                        </m:sub>
+                      </m:sSub>
+                      <m:sSub>
+                        <m:sSubPr>
+                          <m:ctrlPr>
+                            <a:rPr lang="en-CA" i="1">
+                              <a:latin typeface="Cambria Math" panose="02040503050406030204" pitchFamily="18" charset="0"/>
+                            </a:rPr>
+                          </m:ctrlPr>
+                        </m:sSubPr>
+                        <m:e>
+                          <m:acc>
+                            <m:accPr>
+                              <m:chr m:val="⃗"/>
+                              <m:ctrlPr>
+                                <a:rPr lang="en-CA" b="0" i="1" dirty="0" smtClean="0">
+                                  <a:latin typeface="Cambria Math" panose="02040503050406030204" pitchFamily="18" charset="0"/>
+                                </a:rPr>
+                              </m:ctrlPr>
+                            </m:accPr>
+                            <m:e>
+                              <m:r>
+                                <a:rPr lang="en-CA" b="0" i="1" dirty="0" smtClean="0">
+                                  <a:latin typeface="Cambria Math" panose="02040503050406030204" pitchFamily="18" charset="0"/>
+                                </a:rPr>
+                                <m:t>𝐹</m:t>
+                              </m:r>
+                            </m:e>
+                          </m:acc>
+                        </m:e>
+                        <m:sub>
+                          <m:r>
+                            <a:rPr lang="en-CA" b="0" i="1" smtClean="0">
+                              <a:latin typeface="Cambria Math" panose="02040503050406030204" pitchFamily="18" charset="0"/>
+                            </a:rPr>
+                            <m:t>𝑖</m:t>
+                          </m:r>
+                        </m:sub>
+                      </m:sSub>
+                      <m:r>
+                        <a:rPr lang="en-CA" b="0" i="1" smtClean="0">
+                          <a:latin typeface="Cambria Math" panose="02040503050406030204" pitchFamily="18" charset="0"/>
+                        </a:rPr>
+                        <m:t>= </m:t>
+                      </m:r>
+                      <m:r>
+                        <a:rPr lang="en-CA" b="0" i="1" smtClean="0">
+                          <a:latin typeface="Cambria Math" panose="02040503050406030204" pitchFamily="18" charset="0"/>
+                        </a:rPr>
+                        <m:t>𝑚</m:t>
+                      </m:r>
+                      <m:acc>
+                        <m:accPr>
+                          <m:chr m:val="⃗"/>
+                          <m:ctrlPr>
+                            <a:rPr lang="en-CA" b="0" i="1" smtClean="0">
+                              <a:latin typeface="Cambria Math" panose="02040503050406030204" pitchFamily="18" charset="0"/>
+                            </a:rPr>
+                          </m:ctrlPr>
+                        </m:accPr>
+                        <m:e>
+                          <m:r>
+                            <a:rPr lang="en-CA" b="0" i="1" smtClean="0">
+                              <a:latin typeface="Cambria Math" panose="02040503050406030204" pitchFamily="18" charset="0"/>
+                            </a:rPr>
+                            <m:t>𝑎</m:t>
+                          </m:r>
+                        </m:e>
+                      </m:acc>
+                    </m:oMath>
+                  </m:oMathPara>
+                </a14:m>
+                <a:endParaRPr lang="en-CA" dirty="0"/>
+              </a:p>
+            </p:txBody>
+          </p:sp>
+        </mc:Choice>
+        <mc:Fallback xmlns="">
+          <p:sp>
+            <p:nvSpPr>
+              <p:cNvPr id="16" name="TextBox 15">
+                <a:extLst>
+                  <a:ext uri="{FF2B5EF4-FFF2-40B4-BE49-F238E27FC236}">
+                    <a16:creationId xmlns:a16="http://schemas.microsoft.com/office/drawing/2014/main" id="{B1083DAA-BB11-46C1-90F7-D2FA06A4498D}"/>
+                  </a:ext>
+                </a:extLst>
+              </p:cNvPr>
+              <p:cNvSpPr txBox="1">
+                <a:spLocks noRot="1" noChangeAspect="1" noMove="1" noResize="1" noEditPoints="1" noAdjustHandles="1" noChangeArrowheads="1" noChangeShapeType="1" noTextEdit="1"/>
+              </p:cNvSpPr>
+              <p:nvPr/>
+            </p:nvSpPr>
+            <p:spPr>
+              <a:xfrm>
+                <a:off x="838200" y="6033254"/>
+                <a:ext cx="2424703" cy="587597"/>
+              </a:xfrm>
+              <a:prstGeom prst="rect">
+                <a:avLst/>
+              </a:prstGeom>
+              <a:blipFill>
+                <a:blip r:embed="rId4"/>
+                <a:stretch>
+                  <a:fillRect l="-6045" t="-14583" r="-5793" b="-16667"/>
+                </a:stretch>
+              </a:blipFill>
+            </p:spPr>
+            <p:txBody>
+              <a:bodyPr/>
+              <a:lstStyle/>
+              <a:p>
+                <a:r>
+                  <a:rPr lang="fr-CA">
+                    <a:noFill/>
+                  </a:rPr>
+                  <a:t> </a:t>
+                </a:r>
+              </a:p>
+            </p:txBody>
+          </p:sp>
+        </mc:Fallback>
+      </mc:AlternateContent>
     </p:spTree>
     <p:extLst>
       <p:ext uri="{BB962C8B-B14F-4D97-AF65-F5344CB8AC3E}">
@@ -5291,6 +5824,84 @@
   <p:clrMapOvr>
     <a:masterClrMapping/>
   </p:clrMapOvr>
+  <p:timing>
+    <p:tnLst>
+      <p:par>
+        <p:cTn id="1" dur="indefinite" restart="never" nodeType="tmRoot">
+          <p:childTnLst>
+            <p:seq concurrent="1" nextAc="seek">
+              <p:cTn id="2" dur="indefinite" nodeType="mainSeq">
+                <p:childTnLst>
+                  <p:par>
+                    <p:cTn id="3" fill="hold">
+                      <p:stCondLst>
+                        <p:cond delay="indefinite"/>
+                      </p:stCondLst>
+                      <p:childTnLst>
+                        <p:par>
+                          <p:cTn id="4" fill="hold">
+                            <p:stCondLst>
+                              <p:cond delay="0"/>
+                            </p:stCondLst>
+                            <p:childTnLst>
+                              <p:par>
+                                <p:cTn id="5" presetID="1" presetClass="entr" presetSubtype="0" fill="hold" grpId="0" nodeType="clickEffect">
+                                  <p:stCondLst>
+                                    <p:cond delay="0"/>
+                                  </p:stCondLst>
+                                  <p:childTnLst>
+                                    <p:set>
+                                      <p:cBhvr>
+                                        <p:cTn id="6" dur="1" fill="hold">
+                                          <p:stCondLst>
+                                            <p:cond delay="0"/>
+                                          </p:stCondLst>
+                                        </p:cTn>
+                                        <p:tgtEl>
+                                          <p:spTgt spid="16"/>
+                                        </p:tgtEl>
+                                        <p:attrNameLst>
+                                          <p:attrName>style.visibility</p:attrName>
+                                        </p:attrNameLst>
+                                      </p:cBhvr>
+                                      <p:to>
+                                        <p:strVal val="visible"/>
+                                      </p:to>
+                                    </p:set>
+                                  </p:childTnLst>
+                                </p:cTn>
+                              </p:par>
+                            </p:childTnLst>
+                          </p:cTn>
+                        </p:par>
+                      </p:childTnLst>
+                    </p:cTn>
+                  </p:par>
+                </p:childTnLst>
+              </p:cTn>
+              <p:prevCondLst>
+                <p:cond evt="onPrev" delay="0">
+                  <p:tgtEl>
+                    <p:sldTgt/>
+                  </p:tgtEl>
+                </p:cond>
+              </p:prevCondLst>
+              <p:nextCondLst>
+                <p:cond evt="onNext" delay="0">
+                  <p:tgtEl>
+                    <p:sldTgt/>
+                  </p:tgtEl>
+                </p:cond>
+              </p:nextCondLst>
+            </p:seq>
+          </p:childTnLst>
+        </p:cTn>
+      </p:par>
+    </p:tnLst>
+    <p:bldLst>
+      <p:bldP spid="16" grpId="0"/>
+    </p:bldLst>
+  </p:timing>
 </p:sld>
 </file>
 
@@ -6119,6 +6730,205 @@
           </a:p>
         </p:txBody>
       </p:sp>
+      <mc:AlternateContent xmlns:mc="http://schemas.openxmlformats.org/markup-compatibility/2006" xmlns:a14="http://schemas.microsoft.com/office/drawing/2010/main">
+        <mc:Choice Requires="a14">
+          <p:sp>
+            <p:nvSpPr>
+              <p:cNvPr id="17" name="TextBox 16">
+                <a:extLst>
+                  <a:ext uri="{FF2B5EF4-FFF2-40B4-BE49-F238E27FC236}">
+                    <a16:creationId xmlns:a16="http://schemas.microsoft.com/office/drawing/2014/main" id="{B3FFABF6-4E90-47EE-A224-569965EB377A}"/>
+                  </a:ext>
+                </a:extLst>
+              </p:cNvPr>
+              <p:cNvSpPr txBox="1"/>
+              <p:nvPr/>
+            </p:nvSpPr>
+            <p:spPr>
+              <a:xfrm>
+                <a:off x="838200" y="6033254"/>
+                <a:ext cx="2424703" cy="587597"/>
+              </a:xfrm>
+              <a:prstGeom prst="rect">
+                <a:avLst/>
+              </a:prstGeom>
+              <a:noFill/>
+            </p:spPr>
+            <p:txBody>
+              <a:bodyPr wrap="none" lIns="0" tIns="0" rIns="0" bIns="0" rtlCol="0">
+                <a:spAutoFit/>
+              </a:bodyPr>
+              <a:lstStyle/>
+              <a:p>
+                <a:r>
+                  <a:rPr lang="en-CA" b="0" i="1" dirty="0">
+                    <a:latin typeface="Cambria Math" panose="02040503050406030204" pitchFamily="18" charset="0"/>
+                  </a:rPr>
+                  <a:t>Équation du </a:t>
+                </a:r>
+                <a:r>
+                  <a:rPr lang="en-CA" b="0" i="1" dirty="0" err="1">
+                    <a:latin typeface="Cambria Math" panose="02040503050406030204" pitchFamily="18" charset="0"/>
+                  </a:rPr>
+                  <a:t>mouvement</a:t>
+                </a:r>
+                <a:endParaRPr lang="en-CA" b="0" i="1" dirty="0">
+                  <a:latin typeface="Cambria Math" panose="02040503050406030204" pitchFamily="18" charset="0"/>
+                </a:endParaRPr>
+              </a:p>
+              <a:p>
+                <a:pPr/>
+                <a14:m>
+                  <m:oMathPara xmlns:m="http://schemas.openxmlformats.org/officeDocument/2006/math">
+                    <m:oMathParaPr>
+                      <m:jc m:val="centerGroup"/>
+                    </m:oMathParaPr>
+                    <m:oMath xmlns:m="http://schemas.openxmlformats.org/officeDocument/2006/math">
+                      <m:sSub>
+                        <m:sSubPr>
+                          <m:ctrlPr>
+                            <a:rPr lang="en-CA" i="1">
+                              <a:latin typeface="Cambria Math" panose="02040503050406030204" pitchFamily="18" charset="0"/>
+                            </a:rPr>
+                          </m:ctrlPr>
+                        </m:sSubPr>
+                        <m:e>
+                          <m:r>
+                            <a:rPr lang="en-CA" i="1">
+                              <a:latin typeface="Cambria Math" panose="02040503050406030204" pitchFamily="18" charset="0"/>
+                            </a:rPr>
+                            <m:t>∑</m:t>
+                          </m:r>
+                        </m:e>
+                        <m:sub>
+                          <m:r>
+                            <a:rPr lang="en-CA" b="0" i="1" smtClean="0">
+                              <a:latin typeface="Cambria Math" panose="02040503050406030204" pitchFamily="18" charset="0"/>
+                            </a:rPr>
+                            <m:t>𝑖</m:t>
+                          </m:r>
+                        </m:sub>
+                      </m:sSub>
+                      <m:sSub>
+                        <m:sSubPr>
+                          <m:ctrlPr>
+                            <a:rPr lang="en-CA" i="1">
+                              <a:latin typeface="Cambria Math" panose="02040503050406030204" pitchFamily="18" charset="0"/>
+                            </a:rPr>
+                          </m:ctrlPr>
+                        </m:sSubPr>
+                        <m:e>
+                          <m:acc>
+                            <m:accPr>
+                              <m:chr m:val="⃗"/>
+                              <m:ctrlPr>
+                                <a:rPr lang="en-CA" b="0" i="1" dirty="0" smtClean="0">
+                                  <a:latin typeface="Cambria Math" panose="02040503050406030204" pitchFamily="18" charset="0"/>
+                                </a:rPr>
+                              </m:ctrlPr>
+                            </m:accPr>
+                            <m:e>
+                              <m:r>
+                                <a:rPr lang="en-CA" b="0" i="1" dirty="0" smtClean="0">
+                                  <a:latin typeface="Cambria Math" panose="02040503050406030204" pitchFamily="18" charset="0"/>
+                                </a:rPr>
+                                <m:t>𝐹</m:t>
+                              </m:r>
+                            </m:e>
+                          </m:acc>
+                        </m:e>
+                        <m:sub>
+                          <m:r>
+                            <a:rPr lang="en-CA" b="0" i="1" smtClean="0">
+                              <a:latin typeface="Cambria Math" panose="02040503050406030204" pitchFamily="18" charset="0"/>
+                            </a:rPr>
+                            <m:t>𝑖</m:t>
+                          </m:r>
+                        </m:sub>
+                      </m:sSub>
+                      <m:r>
+                        <a:rPr lang="en-CA" b="0" i="1" smtClean="0">
+                          <a:latin typeface="Cambria Math" panose="02040503050406030204" pitchFamily="18" charset="0"/>
+                        </a:rPr>
+                        <m:t>= </m:t>
+                      </m:r>
+                      <m:r>
+                        <a:rPr lang="en-CA" b="0" i="1" smtClean="0">
+                          <a:latin typeface="Cambria Math" panose="02040503050406030204" pitchFamily="18" charset="0"/>
+                        </a:rPr>
+                        <m:t>𝑚</m:t>
+                      </m:r>
+                      <m:acc>
+                        <m:accPr>
+                          <m:chr m:val="⃗"/>
+                          <m:ctrlPr>
+                            <a:rPr lang="en-CA" b="0" i="1" smtClean="0">
+                              <a:latin typeface="Cambria Math" panose="02040503050406030204" pitchFamily="18" charset="0"/>
+                            </a:rPr>
+                          </m:ctrlPr>
+                        </m:accPr>
+                        <m:e>
+                          <m:r>
+                            <a:rPr lang="en-CA" b="0" i="1" smtClean="0">
+                              <a:latin typeface="Cambria Math" panose="02040503050406030204" pitchFamily="18" charset="0"/>
+                            </a:rPr>
+                            <m:t>𝑎</m:t>
+                          </m:r>
+                        </m:e>
+                      </m:acc>
+                    </m:oMath>
+                  </m:oMathPara>
+                </a14:m>
+                <a:endParaRPr lang="en-CA" dirty="0"/>
+              </a:p>
+            </p:txBody>
+          </p:sp>
+        </mc:Choice>
+        <mc:Fallback xmlns="">
+          <p:sp>
+            <p:nvSpPr>
+              <p:cNvPr id="17" name="TextBox 16">
+                <a:extLst>
+                  <a:ext uri="{FF2B5EF4-FFF2-40B4-BE49-F238E27FC236}">
+                    <a16:creationId xmlns:a16="http://schemas.microsoft.com/office/drawing/2014/main" id="{B3FFABF6-4E90-47EE-A224-569965EB377A}"/>
+                  </a:ext>
+                </a:extLst>
+              </p:cNvPr>
+              <p:cNvSpPr txBox="1">
+                <a:spLocks noRot="1" noChangeAspect="1" noMove="1" noResize="1" noEditPoints="1" noAdjustHandles="1" noChangeArrowheads="1" noChangeShapeType="1" noTextEdit="1"/>
+              </p:cNvSpPr>
+              <p:nvPr/>
+            </p:nvSpPr>
+            <p:spPr>
+              <a:xfrm>
+                <a:off x="838200" y="6033254"/>
+                <a:ext cx="2424703" cy="587597"/>
+              </a:xfrm>
+              <a:prstGeom prst="rect">
+                <a:avLst/>
+              </a:prstGeom>
+              <a:blipFill>
+                <a:blip r:embed="rId4"/>
+                <a:stretch>
+                  <a:fillRect l="-6045" t="-14583" r="-5793" b="-16667"/>
+                </a:stretch>
+              </a:blipFill>
+            </p:spPr>
+            <p:txBody>
+              <a:bodyPr/>
+              <a:lstStyle/>
+              <a:p>
+                <a:r>
+                  <a:rPr lang="fr-CA">
+                    <a:noFill/>
+                  </a:rPr>
+                  <a:t> </a:t>
+                </a:r>
+              </a:p>
+            </p:txBody>
+          </p:sp>
+        </mc:Fallback>
+      </mc:AlternateContent>
     </p:spTree>
     <p:extLst>
       <p:ext uri="{BB962C8B-B14F-4D97-AF65-F5344CB8AC3E}">
@@ -6129,6 +6939,84 @@
   <p:clrMapOvr>
     <a:masterClrMapping/>
   </p:clrMapOvr>
+  <p:timing>
+    <p:tnLst>
+      <p:par>
+        <p:cTn id="1" dur="indefinite" restart="never" nodeType="tmRoot">
+          <p:childTnLst>
+            <p:seq concurrent="1" nextAc="seek">
+              <p:cTn id="2" dur="indefinite" nodeType="mainSeq">
+                <p:childTnLst>
+                  <p:par>
+                    <p:cTn id="3" fill="hold">
+                      <p:stCondLst>
+                        <p:cond delay="indefinite"/>
+                      </p:stCondLst>
+                      <p:childTnLst>
+                        <p:par>
+                          <p:cTn id="4" fill="hold">
+                            <p:stCondLst>
+                              <p:cond delay="0"/>
+                            </p:stCondLst>
+                            <p:childTnLst>
+                              <p:par>
+                                <p:cTn id="5" presetID="1" presetClass="entr" presetSubtype="0" fill="hold" grpId="0" nodeType="clickEffect">
+                                  <p:stCondLst>
+                                    <p:cond delay="0"/>
+                                  </p:stCondLst>
+                                  <p:childTnLst>
+                                    <p:set>
+                                      <p:cBhvr>
+                                        <p:cTn id="6" dur="1" fill="hold">
+                                          <p:stCondLst>
+                                            <p:cond delay="0"/>
+                                          </p:stCondLst>
+                                        </p:cTn>
+                                        <p:tgtEl>
+                                          <p:spTgt spid="17"/>
+                                        </p:tgtEl>
+                                        <p:attrNameLst>
+                                          <p:attrName>style.visibility</p:attrName>
+                                        </p:attrNameLst>
+                                      </p:cBhvr>
+                                      <p:to>
+                                        <p:strVal val="visible"/>
+                                      </p:to>
+                                    </p:set>
+                                  </p:childTnLst>
+                                </p:cTn>
+                              </p:par>
+                            </p:childTnLst>
+                          </p:cTn>
+                        </p:par>
+                      </p:childTnLst>
+                    </p:cTn>
+                  </p:par>
+                </p:childTnLst>
+              </p:cTn>
+              <p:prevCondLst>
+                <p:cond evt="onPrev" delay="0">
+                  <p:tgtEl>
+                    <p:sldTgt/>
+                  </p:tgtEl>
+                </p:cond>
+              </p:prevCondLst>
+              <p:nextCondLst>
+                <p:cond evt="onNext" delay="0">
+                  <p:tgtEl>
+                    <p:sldTgt/>
+                  </p:tgtEl>
+                </p:cond>
+              </p:nextCondLst>
+            </p:seq>
+          </p:childTnLst>
+        </p:cTn>
+      </p:par>
+    </p:tnLst>
+    <p:bldLst>
+      <p:bldP spid="17" grpId="0"/>
+    </p:bldLst>
+  </p:timing>
 </p:sld>
 </file>
 
@@ -6288,359 +7176,6 @@
           </a:p>
         </p:txBody>
       </p:sp>
-      <p:sp>
-        <p:nvSpPr>
-          <p:cNvPr id="3" name="Oval 2"/>
-          <p:cNvSpPr/>
-          <p:nvPr/>
-        </p:nvSpPr>
-        <p:spPr>
-          <a:xfrm>
-            <a:off x="528918" y="3128682"/>
-            <a:ext cx="188258" cy="179294"/>
-          </a:xfrm>
-          <a:prstGeom prst="ellipse">
-            <a:avLst/>
-          </a:prstGeom>
-        </p:spPr>
-        <p:style>
-          <a:lnRef idx="2">
-            <a:schemeClr val="accent1">
-              <a:shade val="50000"/>
-            </a:schemeClr>
-          </a:lnRef>
-          <a:fillRef idx="1">
-            <a:schemeClr val="accent1"/>
-          </a:fillRef>
-          <a:effectRef idx="0">
-            <a:schemeClr val="accent1"/>
-          </a:effectRef>
-          <a:fontRef idx="minor">
-            <a:schemeClr val="lt1"/>
-          </a:fontRef>
-        </p:style>
-        <p:txBody>
-          <a:bodyPr rtlCol="0" anchor="ctr"/>
-          <a:lstStyle/>
-          <a:p>
-            <a:pPr algn="ctr"/>
-            <a:endParaRPr lang="en-CA"/>
-          </a:p>
-        </p:txBody>
-      </p:sp>
-      <p:cxnSp>
-        <p:nvCxnSpPr>
-          <p:cNvPr id="5" name="Straight Arrow Connector 4"/>
-          <p:cNvCxnSpPr/>
-          <p:nvPr/>
-        </p:nvCxnSpPr>
-        <p:spPr>
-          <a:xfrm flipV="1">
-            <a:off x="717176" y="3218329"/>
-            <a:ext cx="528917" cy="8965"/>
-          </a:xfrm>
-          <a:prstGeom prst="straightConnector1">
-            <a:avLst/>
-          </a:prstGeom>
-          <a:ln>
-            <a:tailEnd type="triangle"/>
-          </a:ln>
-        </p:spPr>
-        <p:style>
-          <a:lnRef idx="1">
-            <a:schemeClr val="accent1"/>
-          </a:lnRef>
-          <a:fillRef idx="0">
-            <a:schemeClr val="accent1"/>
-          </a:fillRef>
-          <a:effectRef idx="0">
-            <a:schemeClr val="accent1"/>
-          </a:effectRef>
-          <a:fontRef idx="minor">
-            <a:schemeClr val="tx1"/>
-          </a:fontRef>
-        </p:style>
-      </p:cxnSp>
-      <mc:AlternateContent xmlns:mc="http://schemas.openxmlformats.org/markup-compatibility/2006" xmlns:a14="http://schemas.microsoft.com/office/drawing/2010/main">
-        <mc:Choice Requires="a14">
-          <p:sp>
-            <p:nvSpPr>
-              <p:cNvPr id="7" name="TextBox 6"/>
-              <p:cNvSpPr txBox="1"/>
-              <p:nvPr/>
-            </p:nvSpPr>
-            <p:spPr>
-              <a:xfrm>
-                <a:off x="621763" y="3316941"/>
-                <a:ext cx="869084" cy="369332"/>
-              </a:xfrm>
-              <a:prstGeom prst="rect">
-                <a:avLst/>
-              </a:prstGeom>
-              <a:noFill/>
-            </p:spPr>
-            <p:txBody>
-              <a:bodyPr wrap="none" rtlCol="0">
-                <a:spAutoFit/>
-              </a:bodyPr>
-              <a:lstStyle/>
-              <a:p>
-                <a:pPr/>
-                <a14:m>
-                  <m:oMathPara xmlns:m="http://schemas.openxmlformats.org/officeDocument/2006/math">
-                    <m:oMathParaPr>
-                      <m:jc m:val="centerGroup"/>
-                    </m:oMathParaPr>
-                    <m:oMath xmlns:m="http://schemas.openxmlformats.org/officeDocument/2006/math">
-                      <m:sSub>
-                        <m:sSubPr>
-                          <m:ctrlPr>
-                            <a:rPr lang="en-CA" i="1" dirty="0" smtClean="0">
-                              <a:latin typeface="Cambria Math" panose="02040503050406030204" pitchFamily="18" charset="0"/>
-                            </a:rPr>
-                          </m:ctrlPr>
-                        </m:sSubPr>
-                        <m:e>
-                          <m:acc>
-                            <m:accPr>
-                              <m:chr m:val="⃗"/>
-                              <m:ctrlPr>
-                                <a:rPr lang="en-CA" b="0" i="1" dirty="0" smtClean="0">
-                                  <a:latin typeface="Cambria Math" panose="02040503050406030204" pitchFamily="18" charset="0"/>
-                                </a:rPr>
-                              </m:ctrlPr>
-                            </m:accPr>
-                            <m:e>
-                              <m:r>
-                                <a:rPr lang="en-CA" b="0" i="1" dirty="0" smtClean="0">
-                                  <a:latin typeface="Cambria Math" panose="02040503050406030204" pitchFamily="18" charset="0"/>
-                                </a:rPr>
-                                <m:t>𝑞</m:t>
-                              </m:r>
-                            </m:e>
-                          </m:acc>
-                          <m:r>
-                            <a:rPr lang="en-CA" b="0" i="1" dirty="0" smtClean="0">
-                              <a:latin typeface="Cambria Math" panose="02040503050406030204" pitchFamily="18" charset="0"/>
-                            </a:rPr>
-                            <m:t>,</m:t>
-                          </m:r>
-                          <m:acc>
-                            <m:accPr>
-                              <m:chr m:val="⃗"/>
-                              <m:ctrlPr>
-                                <a:rPr lang="en-CA" b="0" i="1" dirty="0" smtClean="0">
-                                  <a:latin typeface="Cambria Math" panose="02040503050406030204" pitchFamily="18" charset="0"/>
-                                </a:rPr>
-                              </m:ctrlPr>
-                            </m:accPr>
-                            <m:e>
-                              <m:r>
-                                <a:rPr lang="en-CA" b="0" i="1" dirty="0" smtClean="0">
-                                  <a:latin typeface="Cambria Math" panose="02040503050406030204" pitchFamily="18" charset="0"/>
-                                </a:rPr>
-                                <m:t>𝑝</m:t>
-                              </m:r>
-                            </m:e>
-                          </m:acc>
-                          <m:r>
-                            <a:rPr lang="en-CA" b="0" i="1" dirty="0" smtClean="0">
-                              <a:latin typeface="Cambria Math" panose="02040503050406030204" pitchFamily="18" charset="0"/>
-                            </a:rPr>
-                            <m:t>, </m:t>
-                          </m:r>
-                          <m:r>
-                            <a:rPr lang="en-CA" i="1" dirty="0" smtClean="0">
-                              <a:latin typeface="Cambria Math" panose="02040503050406030204" pitchFamily="18" charset="0"/>
-                            </a:rPr>
-                            <m:t>𝑡</m:t>
-                          </m:r>
-                        </m:e>
-                        <m:sub>
-                          <m:r>
-                            <a:rPr lang="en-CA" i="1" dirty="0" smtClean="0">
-                              <a:latin typeface="Cambria Math" panose="02040503050406030204" pitchFamily="18" charset="0"/>
-                            </a:rPr>
-                            <m:t>0</m:t>
-                          </m:r>
-                        </m:sub>
-                      </m:sSub>
-                    </m:oMath>
-                  </m:oMathPara>
-                </a14:m>
-                <a:endParaRPr lang="en-CA" dirty="0"/>
-              </a:p>
-            </p:txBody>
-          </p:sp>
-        </mc:Choice>
-        <mc:Fallback xmlns="">
-          <p:sp>
-            <p:nvSpPr>
-              <p:cNvPr id="7" name="TextBox 6"/>
-              <p:cNvSpPr txBox="1">
-                <a:spLocks noRot="1" noChangeAspect="1" noMove="1" noResize="1" noEditPoints="1" noAdjustHandles="1" noChangeArrowheads="1" noChangeShapeType="1" noTextEdit="1"/>
-              </p:cNvSpPr>
-              <p:nvPr/>
-            </p:nvSpPr>
-            <p:spPr>
-              <a:xfrm>
-                <a:off x="621763" y="3316941"/>
-                <a:ext cx="869084" cy="369332"/>
-              </a:xfrm>
-              <a:prstGeom prst="rect">
-                <a:avLst/>
-              </a:prstGeom>
-              <a:blipFill rotWithShape="0">
-                <a:blip r:embed="rId4"/>
-                <a:stretch>
-                  <a:fillRect t="-22951" b="-6557"/>
-                </a:stretch>
-              </a:blipFill>
-            </p:spPr>
-            <p:txBody>
-              <a:bodyPr/>
-              <a:lstStyle/>
-              <a:p>
-                <a:r>
-                  <a:rPr lang="en-CA">
-                    <a:noFill/>
-                  </a:rPr>
-                  <a:t> </a:t>
-                </a:r>
-              </a:p>
-            </p:txBody>
-          </p:sp>
-        </mc:Fallback>
-      </mc:AlternateContent>
-      <mc:AlternateContent xmlns:mc="http://schemas.openxmlformats.org/markup-compatibility/2006" xmlns:a14="http://schemas.microsoft.com/office/drawing/2010/main">
-        <mc:Choice Requires="a14">
-          <p:sp>
-            <p:nvSpPr>
-              <p:cNvPr id="8" name="Rectangle 7"/>
-              <p:cNvSpPr/>
-              <p:nvPr/>
-            </p:nvSpPr>
-            <p:spPr>
-              <a:xfrm>
-                <a:off x="787799" y="2833327"/>
-                <a:ext cx="387670" cy="402931"/>
-              </a:xfrm>
-              <a:prstGeom prst="rect">
-                <a:avLst/>
-              </a:prstGeom>
-            </p:spPr>
-            <p:txBody>
-              <a:bodyPr wrap="none">
-                <a:spAutoFit/>
-              </a:bodyPr>
-              <a:lstStyle/>
-              <a:p>
-                <a:pPr/>
-                <a14:m>
-                  <m:oMathPara xmlns:m="http://schemas.openxmlformats.org/officeDocument/2006/math">
-                    <m:oMathParaPr>
-                      <m:jc m:val="centerGroup"/>
-                    </m:oMathParaPr>
-                    <m:oMath xmlns:m="http://schemas.openxmlformats.org/officeDocument/2006/math">
-                      <m:acc>
-                        <m:accPr>
-                          <m:chr m:val="⃗"/>
-                          <m:ctrlPr>
-                            <a:rPr lang="en-CA" i="1" dirty="0" smtClean="0">
-                              <a:ln w="0"/>
-                              <a:solidFill>
-                                <a:schemeClr val="accent1"/>
-                              </a:solidFill>
-                              <a:effectLst>
-                                <a:outerShdw blurRad="38100" dist="25400" dir="5400000" algn="ctr" rotWithShape="0">
-                                  <a:srgbClr val="6E747A">
-                                    <a:alpha val="43000"/>
-                                  </a:srgbClr>
-                                </a:outerShdw>
-                              </a:effectLst>
-                              <a:latin typeface="Cambria Math" panose="02040503050406030204" pitchFamily="18" charset="0"/>
-                            </a:rPr>
-                          </m:ctrlPr>
-                        </m:accPr>
-                        <m:e>
-                          <m:r>
-                            <a:rPr lang="en-CA" i="1" dirty="0" smtClean="0">
-                              <a:ln w="0"/>
-                              <a:solidFill>
-                                <a:schemeClr val="accent1"/>
-                              </a:solidFill>
-                              <a:effectLst>
-                                <a:outerShdw blurRad="38100" dist="25400" dir="5400000" algn="ctr" rotWithShape="0">
-                                  <a:srgbClr val="6E747A">
-                                    <a:alpha val="43000"/>
-                                  </a:srgbClr>
-                                </a:outerShdw>
-                              </a:effectLst>
-                              <a:latin typeface="Cambria Math" panose="02040503050406030204" pitchFamily="18" charset="0"/>
-                            </a:rPr>
-                            <m:t>𝐹</m:t>
-                          </m:r>
-                        </m:e>
-                      </m:acc>
-                    </m:oMath>
-                  </m:oMathPara>
-                </a14:m>
-                <a:endParaRPr lang="en-CA" dirty="0">
-                  <a:ln w="0"/>
-                  <a:solidFill>
-                    <a:schemeClr val="accent1"/>
-                  </a:solidFill>
-                  <a:effectLst>
-                    <a:outerShdw blurRad="38100" dist="25400" dir="5400000" algn="ctr" rotWithShape="0">
-                      <a:srgbClr val="6E747A">
-                        <a:alpha val="43000"/>
-                      </a:srgbClr>
-                    </a:outerShdw>
-                  </a:effectLst>
-                </a:endParaRPr>
-              </a:p>
-            </p:txBody>
-          </p:sp>
-        </mc:Choice>
-        <mc:Fallback xmlns="">
-          <p:sp>
-            <p:nvSpPr>
-              <p:cNvPr id="8" name="Rectangle 7"/>
-              <p:cNvSpPr>
-                <a:spLocks noRot="1" noChangeAspect="1" noMove="1" noResize="1" noEditPoints="1" noAdjustHandles="1" noChangeArrowheads="1" noChangeShapeType="1" noTextEdit="1"/>
-              </p:cNvSpPr>
-              <p:nvPr/>
-            </p:nvSpPr>
-            <p:spPr>
-              <a:xfrm>
-                <a:off x="787799" y="2833327"/>
-                <a:ext cx="387670" cy="402931"/>
-              </a:xfrm>
-              <a:prstGeom prst="rect">
-                <a:avLst/>
-              </a:prstGeom>
-              <a:blipFill rotWithShape="0">
-                <a:blip r:embed="rId5"/>
-                <a:stretch>
-                  <a:fillRect t="-24242" r="-34375"/>
-                </a:stretch>
-              </a:blipFill>
-            </p:spPr>
-            <p:txBody>
-              <a:bodyPr/>
-              <a:lstStyle/>
-              <a:p>
-                <a:r>
-                  <a:rPr lang="en-CA">
-                    <a:noFill/>
-                  </a:rPr>
-                  <a:t> </a:t>
-                </a:r>
-              </a:p>
-            </p:txBody>
-          </p:sp>
-        </mc:Fallback>
-      </mc:AlternateContent>
       <p:sp>
         <p:nvSpPr>
           <p:cNvPr id="9" name="Oval 8"/>
@@ -7314,13 +7849,1204 @@
         <mc:Choice Requires="a14">
           <p:sp>
             <p:nvSpPr>
+              <p:cNvPr id="21" name="TextBox 20">
+                <a:extLst>
+                  <a:ext uri="{FF2B5EF4-FFF2-40B4-BE49-F238E27FC236}">
+                    <a16:creationId xmlns:a16="http://schemas.microsoft.com/office/drawing/2014/main" id="{364CB79A-0F33-4EDA-9D52-2A652536C470}"/>
+                  </a:ext>
+                </a:extLst>
+              </p:cNvPr>
+              <p:cNvSpPr txBox="1"/>
+              <p:nvPr/>
+            </p:nvSpPr>
+            <p:spPr>
+              <a:xfrm>
+                <a:off x="838200" y="6033254"/>
+                <a:ext cx="2424703" cy="587597"/>
+              </a:xfrm>
+              <a:prstGeom prst="rect">
+                <a:avLst/>
+              </a:prstGeom>
+              <a:noFill/>
+            </p:spPr>
+            <p:txBody>
+              <a:bodyPr wrap="none" lIns="0" tIns="0" rIns="0" bIns="0" rtlCol="0">
+                <a:spAutoFit/>
+              </a:bodyPr>
+              <a:lstStyle/>
+              <a:p>
+                <a:r>
+                  <a:rPr lang="en-CA" b="0" i="1" dirty="0">
+                    <a:latin typeface="Cambria Math" panose="02040503050406030204" pitchFamily="18" charset="0"/>
+                  </a:rPr>
+                  <a:t>Équation du </a:t>
+                </a:r>
+                <a:r>
+                  <a:rPr lang="en-CA" b="0" i="1" dirty="0" err="1">
+                    <a:latin typeface="Cambria Math" panose="02040503050406030204" pitchFamily="18" charset="0"/>
+                  </a:rPr>
+                  <a:t>mouvement</a:t>
+                </a:r>
+                <a:endParaRPr lang="en-CA" b="0" i="1" dirty="0">
+                  <a:latin typeface="Cambria Math" panose="02040503050406030204" pitchFamily="18" charset="0"/>
+                </a:endParaRPr>
+              </a:p>
+              <a:p>
+                <a:pPr/>
+                <a14:m>
+                  <m:oMathPara xmlns:m="http://schemas.openxmlformats.org/officeDocument/2006/math">
+                    <m:oMathParaPr>
+                      <m:jc m:val="centerGroup"/>
+                    </m:oMathParaPr>
+                    <m:oMath xmlns:m="http://schemas.openxmlformats.org/officeDocument/2006/math">
+                      <m:sSub>
+                        <m:sSubPr>
+                          <m:ctrlPr>
+                            <a:rPr lang="en-CA" i="1">
+                              <a:latin typeface="Cambria Math" panose="02040503050406030204" pitchFamily="18" charset="0"/>
+                            </a:rPr>
+                          </m:ctrlPr>
+                        </m:sSubPr>
+                        <m:e>
+                          <m:r>
+                            <a:rPr lang="en-CA" i="1">
+                              <a:latin typeface="Cambria Math" panose="02040503050406030204" pitchFamily="18" charset="0"/>
+                            </a:rPr>
+                            <m:t>∑</m:t>
+                          </m:r>
+                        </m:e>
+                        <m:sub>
+                          <m:r>
+                            <a:rPr lang="en-CA" b="0" i="1" smtClean="0">
+                              <a:latin typeface="Cambria Math" panose="02040503050406030204" pitchFamily="18" charset="0"/>
+                            </a:rPr>
+                            <m:t>𝑖</m:t>
+                          </m:r>
+                        </m:sub>
+                      </m:sSub>
+                      <m:sSub>
+                        <m:sSubPr>
+                          <m:ctrlPr>
+                            <a:rPr lang="en-CA" i="1">
+                              <a:latin typeface="Cambria Math" panose="02040503050406030204" pitchFamily="18" charset="0"/>
+                            </a:rPr>
+                          </m:ctrlPr>
+                        </m:sSubPr>
+                        <m:e>
+                          <m:acc>
+                            <m:accPr>
+                              <m:chr m:val="⃗"/>
+                              <m:ctrlPr>
+                                <a:rPr lang="en-CA" b="0" i="1" dirty="0" smtClean="0">
+                                  <a:latin typeface="Cambria Math" panose="02040503050406030204" pitchFamily="18" charset="0"/>
+                                </a:rPr>
+                              </m:ctrlPr>
+                            </m:accPr>
+                            <m:e>
+                              <m:r>
+                                <a:rPr lang="en-CA" b="0" i="1" dirty="0" smtClean="0">
+                                  <a:latin typeface="Cambria Math" panose="02040503050406030204" pitchFamily="18" charset="0"/>
+                                </a:rPr>
+                                <m:t>𝐹</m:t>
+                              </m:r>
+                            </m:e>
+                          </m:acc>
+                        </m:e>
+                        <m:sub>
+                          <m:r>
+                            <a:rPr lang="en-CA" b="0" i="1" smtClean="0">
+                              <a:latin typeface="Cambria Math" panose="02040503050406030204" pitchFamily="18" charset="0"/>
+                            </a:rPr>
+                            <m:t>𝑖</m:t>
+                          </m:r>
+                        </m:sub>
+                      </m:sSub>
+                      <m:r>
+                        <a:rPr lang="en-CA" b="0" i="1" smtClean="0">
+                          <a:latin typeface="Cambria Math" panose="02040503050406030204" pitchFamily="18" charset="0"/>
+                        </a:rPr>
+                        <m:t>= </m:t>
+                      </m:r>
+                      <m:r>
+                        <a:rPr lang="en-CA" b="0" i="1" smtClean="0">
+                          <a:latin typeface="Cambria Math" panose="02040503050406030204" pitchFamily="18" charset="0"/>
+                        </a:rPr>
+                        <m:t>𝑚</m:t>
+                      </m:r>
+                      <m:acc>
+                        <m:accPr>
+                          <m:chr m:val="⃗"/>
+                          <m:ctrlPr>
+                            <a:rPr lang="en-CA" b="0" i="1" smtClean="0">
+                              <a:latin typeface="Cambria Math" panose="02040503050406030204" pitchFamily="18" charset="0"/>
+                            </a:rPr>
+                          </m:ctrlPr>
+                        </m:accPr>
+                        <m:e>
+                          <m:r>
+                            <a:rPr lang="en-CA" b="0" i="1" smtClean="0">
+                              <a:latin typeface="Cambria Math" panose="02040503050406030204" pitchFamily="18" charset="0"/>
+                            </a:rPr>
+                            <m:t>𝑎</m:t>
+                          </m:r>
+                        </m:e>
+                      </m:acc>
+                    </m:oMath>
+                  </m:oMathPara>
+                </a14:m>
+                <a:endParaRPr lang="en-CA" dirty="0"/>
+              </a:p>
+            </p:txBody>
+          </p:sp>
+        </mc:Choice>
+        <mc:Fallback xmlns="">
+          <p:sp>
+            <p:nvSpPr>
+              <p:cNvPr id="21" name="TextBox 20">
+                <a:extLst>
+                  <a:ext uri="{FF2B5EF4-FFF2-40B4-BE49-F238E27FC236}">
+                    <a16:creationId xmlns:a16="http://schemas.microsoft.com/office/drawing/2014/main" id="{364CB79A-0F33-4EDA-9D52-2A652536C470}"/>
+                  </a:ext>
+                </a:extLst>
+              </p:cNvPr>
+              <p:cNvSpPr txBox="1">
+                <a:spLocks noRot="1" noChangeAspect="1" noMove="1" noResize="1" noEditPoints="1" noAdjustHandles="1" noChangeArrowheads="1" noChangeShapeType="1" noTextEdit="1"/>
+              </p:cNvSpPr>
+              <p:nvPr/>
+            </p:nvSpPr>
+            <p:spPr>
+              <a:xfrm>
+                <a:off x="838200" y="6033254"/>
+                <a:ext cx="2424703" cy="587597"/>
+              </a:xfrm>
+              <a:prstGeom prst="rect">
+                <a:avLst/>
+              </a:prstGeom>
+              <a:blipFill>
+                <a:blip r:embed="rId4"/>
+                <a:stretch>
+                  <a:fillRect l="-6045" t="-14583" r="-5793" b="-16667"/>
+                </a:stretch>
+              </a:blipFill>
+            </p:spPr>
+            <p:txBody>
+              <a:bodyPr/>
+              <a:lstStyle/>
+              <a:p>
+                <a:r>
+                  <a:rPr lang="fr-CA">
+                    <a:noFill/>
+                  </a:rPr>
+                  <a:t> </a:t>
+                </a:r>
+              </a:p>
+            </p:txBody>
+          </p:sp>
+        </mc:Fallback>
+      </mc:AlternateContent>
+      <mc:AlternateContent xmlns:mc="http://schemas.openxmlformats.org/markup-compatibility/2006" xmlns:a14="http://schemas.microsoft.com/office/drawing/2010/main">
+        <mc:Choice Requires="a14">
+          <p:sp>
+            <p:nvSpPr>
+              <p:cNvPr id="22" name="TextBox 21">
+                <a:extLst>
+                  <a:ext uri="{FF2B5EF4-FFF2-40B4-BE49-F238E27FC236}">
+                    <a16:creationId xmlns:a16="http://schemas.microsoft.com/office/drawing/2014/main" id="{F33657A7-18BE-4C48-ABBC-82D8131AF114}"/>
+                  </a:ext>
+                </a:extLst>
+              </p:cNvPr>
+              <p:cNvSpPr txBox="1"/>
+              <p:nvPr/>
+            </p:nvSpPr>
+            <p:spPr>
+              <a:xfrm>
+                <a:off x="7761558" y="5817169"/>
+                <a:ext cx="2824043" cy="803682"/>
+              </a:xfrm>
+              <a:prstGeom prst="rect">
+                <a:avLst/>
+              </a:prstGeom>
+              <a:noFill/>
+            </p:spPr>
+            <p:txBody>
+              <a:bodyPr wrap="none" lIns="0" tIns="0" rIns="0" bIns="0" rtlCol="0">
+                <a:spAutoFit/>
+              </a:bodyPr>
+              <a:lstStyle/>
+              <a:p>
+                <a:r>
+                  <a:rPr lang="en-CA" b="0" i="1" dirty="0">
+                    <a:latin typeface="Cambria Math" panose="02040503050406030204" pitchFamily="18" charset="0"/>
+                  </a:rPr>
+                  <a:t>Équation du </a:t>
+                </a:r>
+                <a:r>
+                  <a:rPr lang="en-CA" b="0" i="1" dirty="0" err="1">
+                    <a:latin typeface="Cambria Math" panose="02040503050406030204" pitchFamily="18" charset="0"/>
+                  </a:rPr>
+                  <a:t>mouvement</a:t>
+                </a:r>
+                <a:endParaRPr lang="en-CA" b="0" i="1" dirty="0">
+                  <a:latin typeface="Cambria Math" panose="02040503050406030204" pitchFamily="18" charset="0"/>
+                </a:endParaRPr>
+              </a:p>
+              <a:p>
+                <a:pPr/>
+                <a14:m>
+                  <m:oMathPara xmlns:m="http://schemas.openxmlformats.org/officeDocument/2006/math">
+                    <m:oMathParaPr>
+                      <m:jc m:val="centerGroup"/>
+                    </m:oMathParaPr>
+                    <m:oMath xmlns:m="http://schemas.openxmlformats.org/officeDocument/2006/math">
+                      <m:r>
+                        <a:rPr lang="en-CA" b="0" i="1" smtClean="0">
+                          <a:latin typeface="Cambria Math" panose="02040503050406030204" pitchFamily="18" charset="0"/>
+                        </a:rPr>
+                        <m:t>−</m:t>
+                      </m:r>
+                      <m:r>
+                        <a:rPr lang="en-CA" b="0" i="1" smtClean="0">
+                          <a:latin typeface="Cambria Math" panose="02040503050406030204" pitchFamily="18" charset="0"/>
+                        </a:rPr>
+                        <m:t>𝑖</m:t>
+                      </m:r>
+                      <m:r>
+                        <a:rPr lang="en-CA" b="0" i="1" smtClean="0">
+                          <a:latin typeface="Cambria Math" panose="02040503050406030204" pitchFamily="18" charset="0"/>
+                        </a:rPr>
+                        <m:t>ℏ</m:t>
+                      </m:r>
+                      <m:f>
+                        <m:fPr>
+                          <m:ctrlPr>
+                            <a:rPr lang="en-CA" b="0" i="1" smtClean="0">
+                              <a:latin typeface="Cambria Math" panose="02040503050406030204" pitchFamily="18" charset="0"/>
+                            </a:rPr>
+                          </m:ctrlPr>
+                        </m:fPr>
+                        <m:num>
+                          <m:r>
+                            <a:rPr lang="en-CA" i="1">
+                              <a:latin typeface="Cambria Math" panose="02040503050406030204" pitchFamily="18" charset="0"/>
+                            </a:rPr>
+                            <m:t>𝜕</m:t>
+                          </m:r>
+                        </m:num>
+                        <m:den>
+                          <m:r>
+                            <a:rPr lang="en-CA" b="0" i="1" smtClean="0">
+                              <a:latin typeface="Cambria Math" panose="02040503050406030204" pitchFamily="18" charset="0"/>
+                            </a:rPr>
+                            <m:t>𝜕</m:t>
+                          </m:r>
+                          <m:r>
+                            <a:rPr lang="en-CA" b="0" i="1" smtClean="0">
+                              <a:latin typeface="Cambria Math" panose="02040503050406030204" pitchFamily="18" charset="0"/>
+                            </a:rPr>
+                            <m:t>𝑡</m:t>
+                          </m:r>
+                        </m:den>
+                      </m:f>
+                      <m:r>
+                        <m:rPr>
+                          <m:sty m:val="p"/>
+                        </m:rPr>
+                        <a:rPr lang="en-CA" b="0" i="0" smtClean="0">
+                          <a:latin typeface="Cambria Math" panose="02040503050406030204" pitchFamily="18" charset="0"/>
+                        </a:rPr>
+                        <m:t>Ψ</m:t>
+                      </m:r>
+                      <m:r>
+                        <a:rPr lang="en-CA" b="0" i="1" smtClean="0">
+                          <a:latin typeface="Cambria Math" panose="02040503050406030204" pitchFamily="18" charset="0"/>
+                        </a:rPr>
+                        <m:t>(</m:t>
+                      </m:r>
+                      <m:acc>
+                        <m:accPr>
+                          <m:chr m:val="⃗"/>
+                          <m:ctrlPr>
+                            <a:rPr lang="en-CA" b="0" i="1" smtClean="0">
+                              <a:latin typeface="Cambria Math" panose="02040503050406030204" pitchFamily="18" charset="0"/>
+                            </a:rPr>
+                          </m:ctrlPr>
+                        </m:accPr>
+                        <m:e>
+                          <m:r>
+                            <a:rPr lang="en-CA" b="0" i="1" smtClean="0">
+                              <a:latin typeface="Cambria Math" panose="02040503050406030204" pitchFamily="18" charset="0"/>
+                            </a:rPr>
+                            <m:t>𝑞</m:t>
+                          </m:r>
+                        </m:e>
+                      </m:acc>
+                      <m:r>
+                        <a:rPr lang="en-CA" b="0" i="1" smtClean="0">
+                          <a:latin typeface="Cambria Math" panose="02040503050406030204" pitchFamily="18" charset="0"/>
+                        </a:rPr>
+                        <m:t>,</m:t>
+                      </m:r>
+                      <m:r>
+                        <a:rPr lang="en-CA" b="0" i="1" smtClean="0">
+                          <a:latin typeface="Cambria Math" panose="02040503050406030204" pitchFamily="18" charset="0"/>
+                        </a:rPr>
+                        <m:t>𝑡</m:t>
+                      </m:r>
+                      <m:r>
+                        <a:rPr lang="en-CA" b="0" i="1" smtClean="0">
+                          <a:latin typeface="Cambria Math" panose="02040503050406030204" pitchFamily="18" charset="0"/>
+                        </a:rPr>
+                        <m:t>)=</m:t>
+                      </m:r>
+                      <m:acc>
+                        <m:accPr>
+                          <m:chr m:val="̂"/>
+                          <m:ctrlPr>
+                            <a:rPr lang="en-CA" b="0" i="1" smtClean="0">
+                              <a:latin typeface="Cambria Math" panose="02040503050406030204" pitchFamily="18" charset="0"/>
+                            </a:rPr>
+                          </m:ctrlPr>
+                        </m:accPr>
+                        <m:e>
+                          <m:r>
+                            <a:rPr lang="en-CA" b="0" i="1" smtClean="0">
+                              <a:latin typeface="Cambria Math" panose="02040503050406030204" pitchFamily="18" charset="0"/>
+                            </a:rPr>
+                            <m:t>𝐻</m:t>
+                          </m:r>
+                        </m:e>
+                      </m:acc>
+                      <m:r>
+                        <m:rPr>
+                          <m:sty m:val="p"/>
+                        </m:rPr>
+                        <a:rPr lang="en-CA" b="0" i="0" smtClean="0">
+                          <a:latin typeface="Cambria Math" panose="02040503050406030204" pitchFamily="18" charset="0"/>
+                        </a:rPr>
+                        <m:t>Ψ</m:t>
+                      </m:r>
+                      <m:r>
+                        <a:rPr lang="en-CA" i="1">
+                          <a:latin typeface="Cambria Math" panose="02040503050406030204" pitchFamily="18" charset="0"/>
+                        </a:rPr>
+                        <m:t>(</m:t>
+                      </m:r>
+                      <m:acc>
+                        <m:accPr>
+                          <m:chr m:val="⃗"/>
+                          <m:ctrlPr>
+                            <a:rPr lang="en-CA" i="1">
+                              <a:latin typeface="Cambria Math" panose="02040503050406030204" pitchFamily="18" charset="0"/>
+                            </a:rPr>
+                          </m:ctrlPr>
+                        </m:accPr>
+                        <m:e>
+                          <m:r>
+                            <a:rPr lang="en-CA" i="1">
+                              <a:latin typeface="Cambria Math" panose="02040503050406030204" pitchFamily="18" charset="0"/>
+                            </a:rPr>
+                            <m:t>𝑞</m:t>
+                          </m:r>
+                        </m:e>
+                      </m:acc>
+                      <m:r>
+                        <a:rPr lang="en-CA" i="1">
+                          <a:latin typeface="Cambria Math" panose="02040503050406030204" pitchFamily="18" charset="0"/>
+                        </a:rPr>
+                        <m:t>,</m:t>
+                      </m:r>
+                      <m:r>
+                        <a:rPr lang="en-CA" i="1">
+                          <a:latin typeface="Cambria Math" panose="02040503050406030204" pitchFamily="18" charset="0"/>
+                        </a:rPr>
+                        <m:t>𝑡</m:t>
+                      </m:r>
+                      <m:r>
+                        <a:rPr lang="en-CA" i="1">
+                          <a:latin typeface="Cambria Math" panose="02040503050406030204" pitchFamily="18" charset="0"/>
+                        </a:rPr>
+                        <m:t>)</m:t>
+                      </m:r>
+                    </m:oMath>
+                  </m:oMathPara>
+                </a14:m>
+                <a:endParaRPr lang="en-CA" dirty="0"/>
+              </a:p>
+            </p:txBody>
+          </p:sp>
+        </mc:Choice>
+        <mc:Fallback xmlns="">
+          <p:sp>
+            <p:nvSpPr>
+              <p:cNvPr id="22" name="TextBox 21">
+                <a:extLst>
+                  <a:ext uri="{FF2B5EF4-FFF2-40B4-BE49-F238E27FC236}">
+                    <a16:creationId xmlns:a16="http://schemas.microsoft.com/office/drawing/2014/main" id="{F33657A7-18BE-4C48-ABBC-82D8131AF114}"/>
+                  </a:ext>
+                </a:extLst>
+              </p:cNvPr>
+              <p:cNvSpPr txBox="1">
+                <a:spLocks noRot="1" noChangeAspect="1" noMove="1" noResize="1" noEditPoints="1" noAdjustHandles="1" noChangeArrowheads="1" noChangeShapeType="1" noTextEdit="1"/>
+              </p:cNvSpPr>
+              <p:nvPr/>
+            </p:nvSpPr>
+            <p:spPr>
+              <a:xfrm>
+                <a:off x="7761558" y="5817169"/>
+                <a:ext cx="2824043" cy="803682"/>
+              </a:xfrm>
+              <a:prstGeom prst="rect">
+                <a:avLst/>
+              </a:prstGeom>
+              <a:blipFill>
+                <a:blip r:embed="rId5"/>
+                <a:stretch>
+                  <a:fillRect l="-4968" t="-10606"/>
+                </a:stretch>
+              </a:blipFill>
+            </p:spPr>
+            <p:txBody>
+              <a:bodyPr/>
+              <a:lstStyle/>
+              <a:p>
+                <a:r>
+                  <a:rPr lang="fr-CA">
+                    <a:noFill/>
+                  </a:rPr>
+                  <a:t> </a:t>
+                </a:r>
+              </a:p>
+            </p:txBody>
+          </p:sp>
+        </mc:Fallback>
+      </mc:AlternateContent>
+    </p:spTree>
+    <p:extLst>
+      <p:ext uri="{BB962C8B-B14F-4D97-AF65-F5344CB8AC3E}">
+        <p14:creationId xmlns:p14="http://schemas.microsoft.com/office/powerpoint/2010/main" val="391247366"/>
+      </p:ext>
+    </p:extLst>
+  </p:cSld>
+  <p:clrMapOvr>
+    <a:masterClrMapping/>
+  </p:clrMapOvr>
+  <p:timing>
+    <p:tnLst>
+      <p:par>
+        <p:cTn id="1" dur="indefinite" restart="never" nodeType="tmRoot">
+          <p:childTnLst>
+            <p:seq concurrent="1" nextAc="seek">
+              <p:cTn id="2" dur="indefinite" nodeType="mainSeq">
+                <p:childTnLst>
+                  <p:par>
+                    <p:cTn id="3" fill="hold">
+                      <p:stCondLst>
+                        <p:cond delay="indefinite"/>
+                      </p:stCondLst>
+                      <p:childTnLst>
+                        <p:par>
+                          <p:cTn id="4" fill="hold">
+                            <p:stCondLst>
+                              <p:cond delay="0"/>
+                            </p:stCondLst>
+                            <p:childTnLst>
+                              <p:par>
+                                <p:cTn id="5" presetID="1" presetClass="entr" presetSubtype="0" fill="hold" grpId="0" nodeType="clickEffect">
+                                  <p:stCondLst>
+                                    <p:cond delay="0"/>
+                                  </p:stCondLst>
+                                  <p:childTnLst>
+                                    <p:set>
+                                      <p:cBhvr>
+                                        <p:cTn id="6" dur="1" fill="hold">
+                                          <p:stCondLst>
+                                            <p:cond delay="0"/>
+                                          </p:stCondLst>
+                                        </p:cTn>
+                                        <p:tgtEl>
+                                          <p:spTgt spid="21"/>
+                                        </p:tgtEl>
+                                        <p:attrNameLst>
+                                          <p:attrName>style.visibility</p:attrName>
+                                        </p:attrNameLst>
+                                      </p:cBhvr>
+                                      <p:to>
+                                        <p:strVal val="visible"/>
+                                      </p:to>
+                                    </p:set>
+                                  </p:childTnLst>
+                                </p:cTn>
+                              </p:par>
+                            </p:childTnLst>
+                          </p:cTn>
+                        </p:par>
+                      </p:childTnLst>
+                    </p:cTn>
+                  </p:par>
+                </p:childTnLst>
+              </p:cTn>
+              <p:prevCondLst>
+                <p:cond evt="onPrev" delay="0">
+                  <p:tgtEl>
+                    <p:sldTgt/>
+                  </p:tgtEl>
+                </p:cond>
+              </p:prevCondLst>
+              <p:nextCondLst>
+                <p:cond evt="onNext" delay="0">
+                  <p:tgtEl>
+                    <p:sldTgt/>
+                  </p:tgtEl>
+                </p:cond>
+              </p:nextCondLst>
+            </p:seq>
+          </p:childTnLst>
+        </p:cTn>
+      </p:par>
+    </p:tnLst>
+    <p:bldLst>
+      <p:bldP spid="21" grpId="0"/>
+    </p:bldLst>
+  </p:timing>
+</p:sld>
+</file>
+
+<file path=ppt/slides/slide8.xml><?xml version="1.0" encoding="utf-8"?>
+<p:sld xmlns:a="http://schemas.openxmlformats.org/drawingml/2006/main" xmlns:r="http://schemas.openxmlformats.org/officeDocument/2006/relationships" xmlns:p="http://schemas.openxmlformats.org/presentationml/2006/main">
+  <p:cSld>
+    <p:spTree>
+      <p:nvGrpSpPr>
+        <p:cNvPr id="1" name=""/>
+        <p:cNvGrpSpPr/>
+        <p:nvPr/>
+      </p:nvGrpSpPr>
+      <p:grpSpPr>
+        <a:xfrm>
+          <a:off x="0" y="0"/>
+          <a:ext cx="0" cy="0"/>
+          <a:chOff x="0" y="0"/>
+          <a:chExt cx="0" cy="0"/>
+        </a:xfrm>
+      </p:grpSpPr>
+      <p:sp>
+        <p:nvSpPr>
+          <p:cNvPr id="10" name="Rectangle 9">
+            <a:extLst>
+              <a:ext uri="{FF2B5EF4-FFF2-40B4-BE49-F238E27FC236}">
+                <a16:creationId xmlns:a16="http://schemas.microsoft.com/office/drawing/2014/main" id="{EBF87945-A001-489F-9D9B-7D9435F0B9CA}"/>
+              </a:ext>
+              <a:ext uri="{C183D7F6-B498-43B3-948B-1728B52AA6E4}">
+                <adec:decorative xmlns:adec="http://schemas.microsoft.com/office/drawing/2017/decorative" val="1"/>
+              </a:ext>
+            </a:extLst>
+          </p:cNvPr>
+          <p:cNvSpPr>
+            <a:spLocks noGrp="1" noRot="1" noChangeAspect="1" noMove="1" noResize="1" noEditPoints="1" noAdjustHandles="1" noChangeArrowheads="1" noChangeShapeType="1" noTextEdit="1"/>
+          </p:cNvSpPr>
+          <p:nvPr>
+            <p:custDataLst>
+              <p:tags r:id="rId1"/>
+            </p:custDataLst>
+            <p:extLst>
+              <p:ext uri="{386F3935-93C4-4BCD-93E2-E3B085C9AB24}">
+                <p16:designElem xmlns:p16="http://schemas.microsoft.com/office/powerpoint/2015/main" val="1"/>
+              </p:ext>
+            </p:extLst>
+          </p:nvPr>
+        </p:nvSpPr>
+        <p:spPr>
+          <a:xfrm>
+            <a:off x="0" y="1"/>
+            <a:ext cx="12192000" cy="1911096"/>
+          </a:xfrm>
+          <a:prstGeom prst="rect">
+            <a:avLst/>
+          </a:prstGeom>
+          <a:solidFill>
+            <a:schemeClr val="accent5"/>
+          </a:solidFill>
+          <a:ln>
+            <a:noFill/>
+          </a:ln>
+        </p:spPr>
+        <p:style>
+          <a:lnRef idx="2">
+            <a:schemeClr val="accent1">
+              <a:shade val="50000"/>
+            </a:schemeClr>
+          </a:lnRef>
+          <a:fillRef idx="1">
+            <a:schemeClr val="accent1"/>
+          </a:fillRef>
+          <a:effectRef idx="0">
+            <a:schemeClr val="accent1"/>
+          </a:effectRef>
+          <a:fontRef idx="minor">
+            <a:schemeClr val="lt1"/>
+          </a:fontRef>
+        </p:style>
+        <p:txBody>
+          <a:bodyPr rtlCol="0" anchor="ctr"/>
+          <a:lstStyle/>
+          <a:p>
+            <a:pPr algn="ctr"/>
+            <a:endParaRPr lang="en-US"/>
+          </a:p>
+        </p:txBody>
+      </p:sp>
+      <p:sp>
+        <p:nvSpPr>
+          <p:cNvPr id="2" name="Title 1"/>
+          <p:cNvSpPr>
+            <a:spLocks noGrp="1"/>
+          </p:cNvSpPr>
+          <p:nvPr>
+            <p:ph type="title"/>
+            <p:custDataLst>
+              <p:tags r:id="rId2"/>
+            </p:custDataLst>
+          </p:nvPr>
+        </p:nvSpPr>
+        <p:spPr>
+          <a:xfrm>
+            <a:off x="838200" y="365760"/>
+            <a:ext cx="10515600" cy="1325563"/>
+          </a:xfrm>
+        </p:spPr>
+        <p:txBody>
+          <a:bodyPr>
+            <a:normAutofit/>
+          </a:bodyPr>
+          <a:lstStyle/>
+          <a:p>
+            <a:r>
+              <a:rPr lang="en-US" dirty="0" err="1">
+                <a:solidFill>
+                  <a:schemeClr val="bg1"/>
+                </a:solidFill>
+              </a:rPr>
+              <a:t>Classique</a:t>
+            </a:r>
+            <a:r>
+              <a:rPr lang="en-US" dirty="0">
+                <a:solidFill>
+                  <a:schemeClr val="bg1"/>
+                </a:solidFill>
+              </a:rPr>
+              <a:t>                 </a:t>
+            </a:r>
+            <a:r>
+              <a:rPr lang="en-US" dirty="0" err="1">
+                <a:solidFill>
+                  <a:schemeClr val="bg1"/>
+                </a:solidFill>
+              </a:rPr>
+              <a:t>Vs</a:t>
+            </a:r>
+            <a:r>
+              <a:rPr lang="en-US" dirty="0">
+                <a:solidFill>
+                  <a:schemeClr val="bg1"/>
+                </a:solidFill>
+              </a:rPr>
+              <a:t>               </a:t>
+            </a:r>
+            <a:r>
+              <a:rPr lang="en-US" dirty="0" err="1">
+                <a:solidFill>
+                  <a:schemeClr val="bg1"/>
+                </a:solidFill>
+              </a:rPr>
+              <a:t>Quantique</a:t>
+            </a:r>
+            <a:endParaRPr lang="en-CA" dirty="0">
+              <a:solidFill>
+                <a:schemeClr val="bg1"/>
+              </a:solidFill>
+            </a:endParaRPr>
+          </a:p>
+        </p:txBody>
+      </p:sp>
+      <p:sp>
+        <p:nvSpPr>
+          <p:cNvPr id="9" name="Oval 8"/>
+          <p:cNvSpPr/>
+          <p:nvPr/>
+        </p:nvSpPr>
+        <p:spPr>
+          <a:xfrm>
+            <a:off x="8489576" y="3146611"/>
+            <a:ext cx="188258" cy="179294"/>
+          </a:xfrm>
+          <a:prstGeom prst="ellipse">
+            <a:avLst/>
+          </a:prstGeom>
+          <a:solidFill>
+            <a:schemeClr val="accent1">
+              <a:alpha val="50000"/>
+            </a:schemeClr>
+          </a:solidFill>
+        </p:spPr>
+        <p:style>
+          <a:lnRef idx="2">
+            <a:schemeClr val="accent1">
+              <a:shade val="50000"/>
+            </a:schemeClr>
+          </a:lnRef>
+          <a:fillRef idx="1">
+            <a:schemeClr val="accent1"/>
+          </a:fillRef>
+          <a:effectRef idx="0">
+            <a:schemeClr val="accent1"/>
+          </a:effectRef>
+          <a:fontRef idx="minor">
+            <a:schemeClr val="lt1"/>
+          </a:fontRef>
+        </p:style>
+        <p:txBody>
+          <a:bodyPr rtlCol="0" anchor="ctr"/>
+          <a:lstStyle/>
+          <a:p>
+            <a:pPr algn="ctr"/>
+            <a:endParaRPr lang="en-CA"/>
+          </a:p>
+        </p:txBody>
+      </p:sp>
+      <p:sp>
+        <p:nvSpPr>
+          <p:cNvPr id="11" name="Oval 10"/>
+          <p:cNvSpPr/>
+          <p:nvPr/>
+        </p:nvSpPr>
+        <p:spPr>
+          <a:xfrm>
+            <a:off x="8758517" y="3146611"/>
+            <a:ext cx="188258" cy="179294"/>
+          </a:xfrm>
+          <a:prstGeom prst="ellipse">
+            <a:avLst/>
+          </a:prstGeom>
+          <a:solidFill>
+            <a:schemeClr val="accent1">
+              <a:alpha val="75000"/>
+            </a:schemeClr>
+          </a:solidFill>
+        </p:spPr>
+        <p:style>
+          <a:lnRef idx="2">
+            <a:schemeClr val="accent1">
+              <a:shade val="50000"/>
+            </a:schemeClr>
+          </a:lnRef>
+          <a:fillRef idx="1">
+            <a:schemeClr val="accent1"/>
+          </a:fillRef>
+          <a:effectRef idx="0">
+            <a:schemeClr val="accent1"/>
+          </a:effectRef>
+          <a:fontRef idx="minor">
+            <a:schemeClr val="lt1"/>
+          </a:fontRef>
+        </p:style>
+        <p:txBody>
+          <a:bodyPr rtlCol="0" anchor="ctr"/>
+          <a:lstStyle/>
+          <a:p>
+            <a:pPr algn="ctr"/>
+            <a:endParaRPr lang="en-CA"/>
+          </a:p>
+        </p:txBody>
+      </p:sp>
+      <p:sp>
+        <p:nvSpPr>
+          <p:cNvPr id="12" name="Oval 11"/>
+          <p:cNvSpPr/>
+          <p:nvPr/>
+        </p:nvSpPr>
+        <p:spPr>
+          <a:xfrm>
+            <a:off x="9224679" y="3146611"/>
+            <a:ext cx="188258" cy="179294"/>
+          </a:xfrm>
+          <a:prstGeom prst="ellipse">
+            <a:avLst/>
+          </a:prstGeom>
+          <a:solidFill>
+            <a:schemeClr val="accent1">
+              <a:alpha val="75000"/>
+            </a:schemeClr>
+          </a:solidFill>
+        </p:spPr>
+        <p:style>
+          <a:lnRef idx="2">
+            <a:schemeClr val="accent1">
+              <a:shade val="50000"/>
+            </a:schemeClr>
+          </a:lnRef>
+          <a:fillRef idx="1">
+            <a:schemeClr val="accent1"/>
+          </a:fillRef>
+          <a:effectRef idx="0">
+            <a:schemeClr val="accent1"/>
+          </a:effectRef>
+          <a:fontRef idx="minor">
+            <a:schemeClr val="lt1"/>
+          </a:fontRef>
+        </p:style>
+        <p:txBody>
+          <a:bodyPr rtlCol="0" anchor="ctr"/>
+          <a:lstStyle/>
+          <a:p>
+            <a:pPr algn="ctr"/>
+            <a:endParaRPr lang="en-CA"/>
+          </a:p>
+        </p:txBody>
+      </p:sp>
+      <p:sp>
+        <p:nvSpPr>
+          <p:cNvPr id="13" name="Oval 12"/>
+          <p:cNvSpPr/>
+          <p:nvPr/>
+        </p:nvSpPr>
+        <p:spPr>
+          <a:xfrm>
+            <a:off x="9472104" y="3146611"/>
+            <a:ext cx="188258" cy="179294"/>
+          </a:xfrm>
+          <a:prstGeom prst="ellipse">
+            <a:avLst/>
+          </a:prstGeom>
+          <a:solidFill>
+            <a:schemeClr val="accent1">
+              <a:alpha val="50000"/>
+            </a:schemeClr>
+          </a:solidFill>
+        </p:spPr>
+        <p:style>
+          <a:lnRef idx="2">
+            <a:schemeClr val="accent1">
+              <a:shade val="50000"/>
+            </a:schemeClr>
+          </a:lnRef>
+          <a:fillRef idx="1">
+            <a:schemeClr val="accent1"/>
+          </a:fillRef>
+          <a:effectRef idx="0">
+            <a:schemeClr val="accent1"/>
+          </a:effectRef>
+          <a:fontRef idx="minor">
+            <a:schemeClr val="lt1"/>
+          </a:fontRef>
+        </p:style>
+        <p:txBody>
+          <a:bodyPr rtlCol="0" anchor="ctr"/>
+          <a:lstStyle/>
+          <a:p>
+            <a:pPr algn="ctr"/>
+            <a:endParaRPr lang="en-CA"/>
+          </a:p>
+        </p:txBody>
+      </p:sp>
+      <p:sp>
+        <p:nvSpPr>
+          <p:cNvPr id="14" name="TextBox 13"/>
+          <p:cNvSpPr txBox="1"/>
+          <p:nvPr/>
+        </p:nvSpPr>
+        <p:spPr>
+          <a:xfrm>
+            <a:off x="8825753" y="2742171"/>
+            <a:ext cx="506870" cy="369332"/>
+          </a:xfrm>
+          <a:prstGeom prst="rect">
+            <a:avLst/>
+          </a:prstGeom>
+          <a:noFill/>
+        </p:spPr>
+        <p:txBody>
+          <a:bodyPr wrap="none" rtlCol="0">
+            <a:spAutoFit/>
+          </a:bodyPr>
+          <a:lstStyle/>
+          <a:p>
+            <a:r>
+              <a:rPr lang="en-CA" dirty="0"/>
+              <a:t>???</a:t>
+            </a:r>
+          </a:p>
+        </p:txBody>
+      </p:sp>
+      <p:sp>
+        <p:nvSpPr>
+          <p:cNvPr id="15" name="Oval 14"/>
+          <p:cNvSpPr/>
+          <p:nvPr/>
+        </p:nvSpPr>
+        <p:spPr>
+          <a:xfrm>
+            <a:off x="8191052" y="3146611"/>
+            <a:ext cx="188258" cy="179294"/>
+          </a:xfrm>
+          <a:prstGeom prst="ellipse">
+            <a:avLst/>
+          </a:prstGeom>
+          <a:solidFill>
+            <a:schemeClr val="accent1">
+              <a:alpha val="30000"/>
+            </a:schemeClr>
+          </a:solidFill>
+        </p:spPr>
+        <p:style>
+          <a:lnRef idx="2">
+            <a:schemeClr val="accent1">
+              <a:shade val="50000"/>
+            </a:schemeClr>
+          </a:lnRef>
+          <a:fillRef idx="1">
+            <a:schemeClr val="accent1"/>
+          </a:fillRef>
+          <a:effectRef idx="0">
+            <a:schemeClr val="accent1"/>
+          </a:effectRef>
+          <a:fontRef idx="minor">
+            <a:schemeClr val="lt1"/>
+          </a:fontRef>
+        </p:style>
+        <p:txBody>
+          <a:bodyPr rtlCol="0" anchor="ctr"/>
+          <a:lstStyle/>
+          <a:p>
+            <a:pPr algn="ctr"/>
+            <a:endParaRPr lang="en-CA"/>
+          </a:p>
+        </p:txBody>
+      </p:sp>
+      <p:sp>
+        <p:nvSpPr>
+          <p:cNvPr id="16" name="Oval 15"/>
+          <p:cNvSpPr/>
+          <p:nvPr/>
+        </p:nvSpPr>
+        <p:spPr>
+          <a:xfrm>
+            <a:off x="9732080" y="3146611"/>
+            <a:ext cx="188258" cy="179294"/>
+          </a:xfrm>
+          <a:prstGeom prst="ellipse">
+            <a:avLst/>
+          </a:prstGeom>
+          <a:solidFill>
+            <a:schemeClr val="accent1">
+              <a:alpha val="25000"/>
+            </a:schemeClr>
+          </a:solidFill>
+        </p:spPr>
+        <p:style>
+          <a:lnRef idx="2">
+            <a:schemeClr val="accent1">
+              <a:shade val="50000"/>
+            </a:schemeClr>
+          </a:lnRef>
+          <a:fillRef idx="1">
+            <a:schemeClr val="accent1"/>
+          </a:fillRef>
+          <a:effectRef idx="0">
+            <a:schemeClr val="accent1"/>
+          </a:effectRef>
+          <a:fontRef idx="minor">
+            <a:schemeClr val="lt1"/>
+          </a:fontRef>
+        </p:style>
+        <p:txBody>
+          <a:bodyPr rtlCol="0" anchor="ctr"/>
+          <a:lstStyle/>
+          <a:p>
+            <a:pPr algn="ctr"/>
+            <a:endParaRPr lang="en-CA"/>
+          </a:p>
+        </p:txBody>
+      </p:sp>
+      <p:sp>
+        <p:nvSpPr>
+          <p:cNvPr id="17" name="Oval 16"/>
+          <p:cNvSpPr/>
+          <p:nvPr/>
+        </p:nvSpPr>
+        <p:spPr>
+          <a:xfrm>
+            <a:off x="8985322" y="3146611"/>
+            <a:ext cx="188258" cy="179294"/>
+          </a:xfrm>
+          <a:prstGeom prst="ellipse">
+            <a:avLst/>
+          </a:prstGeom>
+          <a:solidFill>
+            <a:schemeClr val="accent1"/>
+          </a:solidFill>
+        </p:spPr>
+        <p:style>
+          <a:lnRef idx="2">
+            <a:schemeClr val="accent1">
+              <a:shade val="50000"/>
+            </a:schemeClr>
+          </a:lnRef>
+          <a:fillRef idx="1">
+            <a:schemeClr val="accent1"/>
+          </a:fillRef>
+          <a:effectRef idx="0">
+            <a:schemeClr val="accent1"/>
+          </a:effectRef>
+          <a:fontRef idx="minor">
+            <a:schemeClr val="lt1"/>
+          </a:fontRef>
+        </p:style>
+        <p:txBody>
+          <a:bodyPr rtlCol="0" anchor="ctr"/>
+          <a:lstStyle/>
+          <a:p>
+            <a:pPr algn="ctr"/>
+            <a:endParaRPr lang="en-CA"/>
+          </a:p>
+        </p:txBody>
+      </p:sp>
+      <p:sp>
+        <p:nvSpPr>
+          <p:cNvPr id="18" name="Freeform 17"/>
+          <p:cNvSpPr/>
+          <p:nvPr/>
+        </p:nvSpPr>
+        <p:spPr>
+          <a:xfrm>
+            <a:off x="7815164" y="3717474"/>
+            <a:ext cx="2528047" cy="843946"/>
+          </a:xfrm>
+          <a:custGeom>
+            <a:avLst/>
+            <a:gdLst>
+              <a:gd name="connsiteX0" fmla="*/ 0 w 2519082"/>
+              <a:gd name="connsiteY0" fmla="*/ 851662 h 1039921"/>
+              <a:gd name="connsiteX1" fmla="*/ 1371600 w 2519082"/>
+              <a:gd name="connsiteY1" fmla="*/ 15 h 1039921"/>
+              <a:gd name="connsiteX2" fmla="*/ 2196353 w 2519082"/>
+              <a:gd name="connsiteY2" fmla="*/ 869591 h 1039921"/>
+              <a:gd name="connsiteX3" fmla="*/ 2519082 w 2519082"/>
+              <a:gd name="connsiteY3" fmla="*/ 1039921 h 1039921"/>
+              <a:gd name="connsiteX0" fmla="*/ 0 w 2519082"/>
+              <a:gd name="connsiteY0" fmla="*/ 851661 h 1039920"/>
+              <a:gd name="connsiteX1" fmla="*/ 1371600 w 2519082"/>
+              <a:gd name="connsiteY1" fmla="*/ 14 h 1039920"/>
+              <a:gd name="connsiteX2" fmla="*/ 2196353 w 2519082"/>
+              <a:gd name="connsiteY2" fmla="*/ 869590 h 1039920"/>
+              <a:gd name="connsiteX3" fmla="*/ 2519082 w 2519082"/>
+              <a:gd name="connsiteY3" fmla="*/ 1039920 h 1039920"/>
+              <a:gd name="connsiteX0" fmla="*/ 0 w 2519082"/>
+              <a:gd name="connsiteY0" fmla="*/ 851656 h 1039915"/>
+              <a:gd name="connsiteX1" fmla="*/ 1371600 w 2519082"/>
+              <a:gd name="connsiteY1" fmla="*/ 9 h 1039915"/>
+              <a:gd name="connsiteX2" fmla="*/ 2196353 w 2519082"/>
+              <a:gd name="connsiteY2" fmla="*/ 869585 h 1039915"/>
+              <a:gd name="connsiteX3" fmla="*/ 2519082 w 2519082"/>
+              <a:gd name="connsiteY3" fmla="*/ 1039915 h 1039915"/>
+              <a:gd name="connsiteX0" fmla="*/ 0 w 2519082"/>
+              <a:gd name="connsiteY0" fmla="*/ 852485 h 1040744"/>
+              <a:gd name="connsiteX1" fmla="*/ 1371600 w 2519082"/>
+              <a:gd name="connsiteY1" fmla="*/ 838 h 1040744"/>
+              <a:gd name="connsiteX2" fmla="*/ 2519082 w 2519082"/>
+              <a:gd name="connsiteY2" fmla="*/ 1040744 h 1040744"/>
+              <a:gd name="connsiteX0" fmla="*/ 0 w 2519082"/>
+              <a:gd name="connsiteY0" fmla="*/ 852485 h 1040744"/>
+              <a:gd name="connsiteX1" fmla="*/ 1371600 w 2519082"/>
+              <a:gd name="connsiteY1" fmla="*/ 838 h 1040744"/>
+              <a:gd name="connsiteX2" fmla="*/ 2519082 w 2519082"/>
+              <a:gd name="connsiteY2" fmla="*/ 1040744 h 1040744"/>
+              <a:gd name="connsiteX0" fmla="*/ 0 w 2528047"/>
+              <a:gd name="connsiteY0" fmla="*/ 851650 h 860615"/>
+              <a:gd name="connsiteX1" fmla="*/ 1371600 w 2528047"/>
+              <a:gd name="connsiteY1" fmla="*/ 3 h 860615"/>
+              <a:gd name="connsiteX2" fmla="*/ 2528047 w 2528047"/>
+              <a:gd name="connsiteY2" fmla="*/ 860615 h 860615"/>
+              <a:gd name="connsiteX0" fmla="*/ 0 w 2528047"/>
+              <a:gd name="connsiteY0" fmla="*/ 851650 h 860615"/>
+              <a:gd name="connsiteX1" fmla="*/ 1264023 w 2528047"/>
+              <a:gd name="connsiteY1" fmla="*/ 3 h 860615"/>
+              <a:gd name="connsiteX2" fmla="*/ 2528047 w 2528047"/>
+              <a:gd name="connsiteY2" fmla="*/ 860615 h 860615"/>
+              <a:gd name="connsiteX0" fmla="*/ 0 w 2528047"/>
+              <a:gd name="connsiteY0" fmla="*/ 834981 h 843946"/>
+              <a:gd name="connsiteX1" fmla="*/ 1773610 w 2528047"/>
+              <a:gd name="connsiteY1" fmla="*/ 3 h 843946"/>
+              <a:gd name="connsiteX2" fmla="*/ 2528047 w 2528047"/>
+              <a:gd name="connsiteY2" fmla="*/ 843946 h 843946"/>
+            </a:gdLst>
+            <a:ahLst/>
+            <a:cxnLst>
+              <a:cxn ang="0">
+                <a:pos x="connsiteX0" y="connsiteY0"/>
+              </a:cxn>
+              <a:cxn ang="0">
+                <a:pos x="connsiteX1" y="connsiteY1"/>
+              </a:cxn>
+              <a:cxn ang="0">
+                <a:pos x="connsiteX2" y="connsiteY2"/>
+              </a:cxn>
+            </a:cxnLst>
+            <a:rect l="l" t="t" r="r" b="b"/>
+            <a:pathLst>
+              <a:path w="2528047" h="843946">
+                <a:moveTo>
+                  <a:pt x="0" y="834981"/>
+                </a:moveTo>
+                <a:cubicBezTo>
+                  <a:pt x="673098" y="811076"/>
+                  <a:pt x="1352269" y="-1491"/>
+                  <a:pt x="1773610" y="3"/>
+                </a:cubicBezTo>
+                <a:cubicBezTo>
+                  <a:pt x="2194951" y="1497"/>
+                  <a:pt x="2154517" y="842452"/>
+                  <a:pt x="2528047" y="843946"/>
+                </a:cubicBezTo>
+              </a:path>
+            </a:pathLst>
+          </a:custGeom>
+          <a:noFill/>
+        </p:spPr>
+        <p:style>
+          <a:lnRef idx="2">
+            <a:schemeClr val="accent1">
+              <a:shade val="50000"/>
+            </a:schemeClr>
+          </a:lnRef>
+          <a:fillRef idx="1">
+            <a:schemeClr val="accent1"/>
+          </a:fillRef>
+          <a:effectRef idx="0">
+            <a:schemeClr val="accent1"/>
+          </a:effectRef>
+          <a:fontRef idx="minor">
+            <a:schemeClr val="lt1"/>
+          </a:fontRef>
+        </p:style>
+        <p:txBody>
+          <a:bodyPr rtlCol="0" anchor="ctr"/>
+          <a:lstStyle/>
+          <a:p>
+            <a:pPr algn="ctr"/>
+            <a:endParaRPr lang="en-CA"/>
+          </a:p>
+        </p:txBody>
+      </p:sp>
+      <mc:AlternateContent xmlns:mc="http://schemas.openxmlformats.org/markup-compatibility/2006" xmlns:a14="http://schemas.microsoft.com/office/drawing/2010/main">
+        <mc:Choice Requires="a14">
+          <p:sp>
+            <p:nvSpPr>
               <p:cNvPr id="4" name="TextBox 3"/>
               <p:cNvSpPr txBox="1"/>
               <p:nvPr/>
             </p:nvSpPr>
             <p:spPr>
               <a:xfrm>
-                <a:off x="7734423" y="4838613"/>
+                <a:off x="7761558" y="5817169"/>
                 <a:ext cx="2824043" cy="803682"/>
               </a:xfrm>
               <a:prstGeom prst="rect">
@@ -7546,16 +9272,16 @@
             </p:nvSpPr>
             <p:spPr>
               <a:xfrm>
-                <a:off x="7734423" y="4838613"/>
+                <a:off x="7761558" y="5817169"/>
                 <a:ext cx="2824043" cy="803682"/>
               </a:xfrm>
               <a:prstGeom prst="rect">
                 <a:avLst/>
               </a:prstGeom>
-              <a:blipFill rotWithShape="0">
-                <a:blip r:embed="rId6"/>
+              <a:blipFill>
+                <a:blip r:embed="rId4"/>
                 <a:stretch>
-                  <a:fillRect l="-5184" t="-10606"/>
+                  <a:fillRect l="-4968" t="-10606"/>
                 </a:stretch>
               </a:blipFill>
             </p:spPr>
@@ -7564,1399 +9290,7 @@
               <a:lstStyle/>
               <a:p>
                 <a:r>
-                  <a:rPr lang="en-CA">
-                    <a:noFill/>
-                  </a:rPr>
-                  <a:t> </a:t>
-                </a:r>
-              </a:p>
-            </p:txBody>
-          </p:sp>
-        </mc:Fallback>
-      </mc:AlternateContent>
-    </p:spTree>
-    <p:extLst>
-      <p:ext uri="{BB962C8B-B14F-4D97-AF65-F5344CB8AC3E}">
-        <p14:creationId xmlns:p14="http://schemas.microsoft.com/office/powerpoint/2010/main" val="391247366"/>
-      </p:ext>
-    </p:extLst>
-  </p:cSld>
-  <p:clrMapOvr>
-    <a:masterClrMapping/>
-  </p:clrMapOvr>
-</p:sld>
-</file>
-
-<file path=ppt/slides/slide8.xml><?xml version="1.0" encoding="utf-8"?>
-<p:sld xmlns:a="http://schemas.openxmlformats.org/drawingml/2006/main" xmlns:r="http://schemas.openxmlformats.org/officeDocument/2006/relationships" xmlns:p="http://schemas.openxmlformats.org/presentationml/2006/main">
-  <p:cSld>
-    <p:spTree>
-      <p:nvGrpSpPr>
-        <p:cNvPr id="1" name=""/>
-        <p:cNvGrpSpPr/>
-        <p:nvPr/>
-      </p:nvGrpSpPr>
-      <p:grpSpPr>
-        <a:xfrm>
-          <a:off x="0" y="0"/>
-          <a:ext cx="0" cy="0"/>
-          <a:chOff x="0" y="0"/>
-          <a:chExt cx="0" cy="0"/>
-        </a:xfrm>
-      </p:grpSpPr>
-      <p:sp>
-        <p:nvSpPr>
-          <p:cNvPr id="10" name="Rectangle 9">
-            <a:extLst>
-              <a:ext uri="{FF2B5EF4-FFF2-40B4-BE49-F238E27FC236}">
-                <a16:creationId xmlns:a16="http://schemas.microsoft.com/office/drawing/2014/main" id="{EBF87945-A001-489F-9D9B-7D9435F0B9CA}"/>
-              </a:ext>
-              <a:ext uri="{C183D7F6-B498-43B3-948B-1728B52AA6E4}">
-                <adec:decorative xmlns:adec="http://schemas.microsoft.com/office/drawing/2017/decorative" val="1"/>
-              </a:ext>
-            </a:extLst>
-          </p:cNvPr>
-          <p:cNvSpPr>
-            <a:spLocks noGrp="1" noRot="1" noChangeAspect="1" noMove="1" noResize="1" noEditPoints="1" noAdjustHandles="1" noChangeArrowheads="1" noChangeShapeType="1" noTextEdit="1"/>
-          </p:cNvSpPr>
-          <p:nvPr>
-            <p:custDataLst>
-              <p:tags r:id="rId1"/>
-            </p:custDataLst>
-            <p:extLst>
-              <p:ext uri="{386F3935-93C4-4BCD-93E2-E3B085C9AB24}">
-                <p16:designElem xmlns:p16="http://schemas.microsoft.com/office/powerpoint/2015/main" val="1"/>
-              </p:ext>
-            </p:extLst>
-          </p:nvPr>
-        </p:nvSpPr>
-        <p:spPr>
-          <a:xfrm>
-            <a:off x="0" y="1"/>
-            <a:ext cx="12192000" cy="1911096"/>
-          </a:xfrm>
-          <a:prstGeom prst="rect">
-            <a:avLst/>
-          </a:prstGeom>
-          <a:solidFill>
-            <a:schemeClr val="accent5"/>
-          </a:solidFill>
-          <a:ln>
-            <a:noFill/>
-          </a:ln>
-        </p:spPr>
-        <p:style>
-          <a:lnRef idx="2">
-            <a:schemeClr val="accent1">
-              <a:shade val="50000"/>
-            </a:schemeClr>
-          </a:lnRef>
-          <a:fillRef idx="1">
-            <a:schemeClr val="accent1"/>
-          </a:fillRef>
-          <a:effectRef idx="0">
-            <a:schemeClr val="accent1"/>
-          </a:effectRef>
-          <a:fontRef idx="minor">
-            <a:schemeClr val="lt1"/>
-          </a:fontRef>
-        </p:style>
-        <p:txBody>
-          <a:bodyPr rtlCol="0" anchor="ctr"/>
-          <a:lstStyle/>
-          <a:p>
-            <a:pPr algn="ctr"/>
-            <a:endParaRPr lang="en-US"/>
-          </a:p>
-        </p:txBody>
-      </p:sp>
-      <p:sp>
-        <p:nvSpPr>
-          <p:cNvPr id="2" name="Title 1"/>
-          <p:cNvSpPr>
-            <a:spLocks noGrp="1"/>
-          </p:cNvSpPr>
-          <p:nvPr>
-            <p:ph type="title"/>
-            <p:custDataLst>
-              <p:tags r:id="rId2"/>
-            </p:custDataLst>
-          </p:nvPr>
-        </p:nvSpPr>
-        <p:spPr>
-          <a:xfrm>
-            <a:off x="838200" y="365760"/>
-            <a:ext cx="10515600" cy="1325563"/>
-          </a:xfrm>
-        </p:spPr>
-        <p:txBody>
-          <a:bodyPr>
-            <a:normAutofit/>
-          </a:bodyPr>
-          <a:lstStyle/>
-          <a:p>
-            <a:r>
-              <a:rPr lang="en-US" dirty="0" err="1">
-                <a:solidFill>
-                  <a:schemeClr val="bg1"/>
-                </a:solidFill>
-              </a:rPr>
-              <a:t>Classique</a:t>
-            </a:r>
-            <a:r>
-              <a:rPr lang="en-US" dirty="0">
-                <a:solidFill>
-                  <a:schemeClr val="bg1"/>
-                </a:solidFill>
-              </a:rPr>
-              <a:t>                 </a:t>
-            </a:r>
-            <a:r>
-              <a:rPr lang="en-US" dirty="0" err="1">
-                <a:solidFill>
-                  <a:schemeClr val="bg1"/>
-                </a:solidFill>
-              </a:rPr>
-              <a:t>Vs</a:t>
-            </a:r>
-            <a:r>
-              <a:rPr lang="en-US" dirty="0">
-                <a:solidFill>
-                  <a:schemeClr val="bg1"/>
-                </a:solidFill>
-              </a:rPr>
-              <a:t>               </a:t>
-            </a:r>
-            <a:r>
-              <a:rPr lang="en-US" dirty="0" err="1">
-                <a:solidFill>
-                  <a:schemeClr val="bg1"/>
-                </a:solidFill>
-              </a:rPr>
-              <a:t>Quantique</a:t>
-            </a:r>
-            <a:endParaRPr lang="en-CA" dirty="0">
-              <a:solidFill>
-                <a:schemeClr val="bg1"/>
-              </a:solidFill>
-            </a:endParaRPr>
-          </a:p>
-        </p:txBody>
-      </p:sp>
-      <p:sp>
-        <p:nvSpPr>
-          <p:cNvPr id="3" name="Oval 2"/>
-          <p:cNvSpPr/>
-          <p:nvPr/>
-        </p:nvSpPr>
-        <p:spPr>
-          <a:xfrm>
-            <a:off x="528918" y="3128682"/>
-            <a:ext cx="188258" cy="179294"/>
-          </a:xfrm>
-          <a:prstGeom prst="ellipse">
-            <a:avLst/>
-          </a:prstGeom>
-        </p:spPr>
-        <p:style>
-          <a:lnRef idx="2">
-            <a:schemeClr val="accent1">
-              <a:shade val="50000"/>
-            </a:schemeClr>
-          </a:lnRef>
-          <a:fillRef idx="1">
-            <a:schemeClr val="accent1"/>
-          </a:fillRef>
-          <a:effectRef idx="0">
-            <a:schemeClr val="accent1"/>
-          </a:effectRef>
-          <a:fontRef idx="minor">
-            <a:schemeClr val="lt1"/>
-          </a:fontRef>
-        </p:style>
-        <p:txBody>
-          <a:bodyPr rtlCol="0" anchor="ctr"/>
-          <a:lstStyle/>
-          <a:p>
-            <a:pPr algn="ctr"/>
-            <a:endParaRPr lang="en-CA"/>
-          </a:p>
-        </p:txBody>
-      </p:sp>
-      <p:cxnSp>
-        <p:nvCxnSpPr>
-          <p:cNvPr id="5" name="Straight Arrow Connector 4"/>
-          <p:cNvCxnSpPr/>
-          <p:nvPr/>
-        </p:nvCxnSpPr>
-        <p:spPr>
-          <a:xfrm flipV="1">
-            <a:off x="717176" y="3218329"/>
-            <a:ext cx="528917" cy="8965"/>
-          </a:xfrm>
-          <a:prstGeom prst="straightConnector1">
-            <a:avLst/>
-          </a:prstGeom>
-          <a:ln>
-            <a:tailEnd type="triangle"/>
-          </a:ln>
-        </p:spPr>
-        <p:style>
-          <a:lnRef idx="1">
-            <a:schemeClr val="accent1"/>
-          </a:lnRef>
-          <a:fillRef idx="0">
-            <a:schemeClr val="accent1"/>
-          </a:fillRef>
-          <a:effectRef idx="0">
-            <a:schemeClr val="accent1"/>
-          </a:effectRef>
-          <a:fontRef idx="minor">
-            <a:schemeClr val="tx1"/>
-          </a:fontRef>
-        </p:style>
-      </p:cxnSp>
-      <mc:AlternateContent xmlns:mc="http://schemas.openxmlformats.org/markup-compatibility/2006" xmlns:a14="http://schemas.microsoft.com/office/drawing/2010/main">
-        <mc:Choice Requires="a14">
-          <p:sp>
-            <p:nvSpPr>
-              <p:cNvPr id="7" name="TextBox 6"/>
-              <p:cNvSpPr txBox="1"/>
-              <p:nvPr/>
-            </p:nvSpPr>
-            <p:spPr>
-              <a:xfrm>
-                <a:off x="621763" y="3316941"/>
-                <a:ext cx="869084" cy="369332"/>
-              </a:xfrm>
-              <a:prstGeom prst="rect">
-                <a:avLst/>
-              </a:prstGeom>
-              <a:noFill/>
-            </p:spPr>
-            <p:txBody>
-              <a:bodyPr wrap="none" rtlCol="0">
-                <a:spAutoFit/>
-              </a:bodyPr>
-              <a:lstStyle/>
-              <a:p>
-                <a:pPr/>
-                <a14:m>
-                  <m:oMathPara xmlns:m="http://schemas.openxmlformats.org/officeDocument/2006/math">
-                    <m:oMathParaPr>
-                      <m:jc m:val="centerGroup"/>
-                    </m:oMathParaPr>
-                    <m:oMath xmlns:m="http://schemas.openxmlformats.org/officeDocument/2006/math">
-                      <m:sSub>
-                        <m:sSubPr>
-                          <m:ctrlPr>
-                            <a:rPr lang="en-CA" i="1" dirty="0" smtClean="0">
-                              <a:latin typeface="Cambria Math" panose="02040503050406030204" pitchFamily="18" charset="0"/>
-                            </a:rPr>
-                          </m:ctrlPr>
-                        </m:sSubPr>
-                        <m:e>
-                          <m:acc>
-                            <m:accPr>
-                              <m:chr m:val="⃗"/>
-                              <m:ctrlPr>
-                                <a:rPr lang="en-CA" b="0" i="1" dirty="0" smtClean="0">
-                                  <a:latin typeface="Cambria Math" panose="02040503050406030204" pitchFamily="18" charset="0"/>
-                                </a:rPr>
-                              </m:ctrlPr>
-                            </m:accPr>
-                            <m:e>
-                              <m:r>
-                                <a:rPr lang="en-CA" b="0" i="1" dirty="0" smtClean="0">
-                                  <a:latin typeface="Cambria Math" panose="02040503050406030204" pitchFamily="18" charset="0"/>
-                                </a:rPr>
-                                <m:t>𝑞</m:t>
-                              </m:r>
-                            </m:e>
-                          </m:acc>
-                          <m:r>
-                            <a:rPr lang="en-CA" b="0" i="1" dirty="0" smtClean="0">
-                              <a:latin typeface="Cambria Math" panose="02040503050406030204" pitchFamily="18" charset="0"/>
-                            </a:rPr>
-                            <m:t>,</m:t>
-                          </m:r>
-                          <m:acc>
-                            <m:accPr>
-                              <m:chr m:val="⃗"/>
-                              <m:ctrlPr>
-                                <a:rPr lang="en-CA" b="0" i="1" dirty="0" smtClean="0">
-                                  <a:latin typeface="Cambria Math" panose="02040503050406030204" pitchFamily="18" charset="0"/>
-                                </a:rPr>
-                              </m:ctrlPr>
-                            </m:accPr>
-                            <m:e>
-                              <m:r>
-                                <a:rPr lang="en-CA" b="0" i="1" dirty="0" smtClean="0">
-                                  <a:latin typeface="Cambria Math" panose="02040503050406030204" pitchFamily="18" charset="0"/>
-                                </a:rPr>
-                                <m:t>𝑝</m:t>
-                              </m:r>
-                            </m:e>
-                          </m:acc>
-                          <m:r>
-                            <a:rPr lang="en-CA" b="0" i="1" dirty="0" smtClean="0">
-                              <a:latin typeface="Cambria Math" panose="02040503050406030204" pitchFamily="18" charset="0"/>
-                            </a:rPr>
-                            <m:t>, </m:t>
-                          </m:r>
-                          <m:r>
-                            <a:rPr lang="en-CA" i="1" dirty="0" smtClean="0">
-                              <a:latin typeface="Cambria Math" panose="02040503050406030204" pitchFamily="18" charset="0"/>
-                            </a:rPr>
-                            <m:t>𝑡</m:t>
-                          </m:r>
-                        </m:e>
-                        <m:sub>
-                          <m:r>
-                            <a:rPr lang="en-CA" i="1" dirty="0" smtClean="0">
-                              <a:latin typeface="Cambria Math" panose="02040503050406030204" pitchFamily="18" charset="0"/>
-                            </a:rPr>
-                            <m:t>0</m:t>
-                          </m:r>
-                        </m:sub>
-                      </m:sSub>
-                    </m:oMath>
-                  </m:oMathPara>
-                </a14:m>
-                <a:endParaRPr lang="en-CA" dirty="0"/>
-              </a:p>
-            </p:txBody>
-          </p:sp>
-        </mc:Choice>
-        <mc:Fallback xmlns="">
-          <p:sp>
-            <p:nvSpPr>
-              <p:cNvPr id="7" name="TextBox 6"/>
-              <p:cNvSpPr txBox="1">
-                <a:spLocks noRot="1" noChangeAspect="1" noMove="1" noResize="1" noEditPoints="1" noAdjustHandles="1" noChangeArrowheads="1" noChangeShapeType="1" noTextEdit="1"/>
-              </p:cNvSpPr>
-              <p:nvPr/>
-            </p:nvSpPr>
-            <p:spPr>
-              <a:xfrm>
-                <a:off x="621763" y="3316941"/>
-                <a:ext cx="869084" cy="369332"/>
-              </a:xfrm>
-              <a:prstGeom prst="rect">
-                <a:avLst/>
-              </a:prstGeom>
-              <a:blipFill rotWithShape="0">
-                <a:blip r:embed="rId4"/>
-                <a:stretch>
-                  <a:fillRect t="-22951" b="-6557"/>
-                </a:stretch>
-              </a:blipFill>
-            </p:spPr>
-            <p:txBody>
-              <a:bodyPr/>
-              <a:lstStyle/>
-              <a:p>
-                <a:r>
-                  <a:rPr lang="en-CA">
-                    <a:noFill/>
-                  </a:rPr>
-                  <a:t> </a:t>
-                </a:r>
-              </a:p>
-            </p:txBody>
-          </p:sp>
-        </mc:Fallback>
-      </mc:AlternateContent>
-      <mc:AlternateContent xmlns:mc="http://schemas.openxmlformats.org/markup-compatibility/2006" xmlns:a14="http://schemas.microsoft.com/office/drawing/2010/main">
-        <mc:Choice Requires="a14">
-          <p:sp>
-            <p:nvSpPr>
-              <p:cNvPr id="8" name="Rectangle 7"/>
-              <p:cNvSpPr/>
-              <p:nvPr/>
-            </p:nvSpPr>
-            <p:spPr>
-              <a:xfrm>
-                <a:off x="787799" y="2833327"/>
-                <a:ext cx="387670" cy="402931"/>
-              </a:xfrm>
-              <a:prstGeom prst="rect">
-                <a:avLst/>
-              </a:prstGeom>
-            </p:spPr>
-            <p:txBody>
-              <a:bodyPr wrap="none">
-                <a:spAutoFit/>
-              </a:bodyPr>
-              <a:lstStyle/>
-              <a:p>
-                <a:pPr/>
-                <a14:m>
-                  <m:oMathPara xmlns:m="http://schemas.openxmlformats.org/officeDocument/2006/math">
-                    <m:oMathParaPr>
-                      <m:jc m:val="centerGroup"/>
-                    </m:oMathParaPr>
-                    <m:oMath xmlns:m="http://schemas.openxmlformats.org/officeDocument/2006/math">
-                      <m:acc>
-                        <m:accPr>
-                          <m:chr m:val="⃗"/>
-                          <m:ctrlPr>
-                            <a:rPr lang="en-CA" i="1" dirty="0" smtClean="0">
-                              <a:ln w="0"/>
-                              <a:solidFill>
-                                <a:schemeClr val="accent1"/>
-                              </a:solidFill>
-                              <a:effectLst>
-                                <a:outerShdw blurRad="38100" dist="25400" dir="5400000" algn="ctr" rotWithShape="0">
-                                  <a:srgbClr val="6E747A">
-                                    <a:alpha val="43000"/>
-                                  </a:srgbClr>
-                                </a:outerShdw>
-                              </a:effectLst>
-                              <a:latin typeface="Cambria Math" panose="02040503050406030204" pitchFamily="18" charset="0"/>
-                            </a:rPr>
-                          </m:ctrlPr>
-                        </m:accPr>
-                        <m:e>
-                          <m:r>
-                            <a:rPr lang="en-CA" i="1" dirty="0" smtClean="0">
-                              <a:ln w="0"/>
-                              <a:solidFill>
-                                <a:schemeClr val="accent1"/>
-                              </a:solidFill>
-                              <a:effectLst>
-                                <a:outerShdw blurRad="38100" dist="25400" dir="5400000" algn="ctr" rotWithShape="0">
-                                  <a:srgbClr val="6E747A">
-                                    <a:alpha val="43000"/>
-                                  </a:srgbClr>
-                                </a:outerShdw>
-                              </a:effectLst>
-                              <a:latin typeface="Cambria Math" panose="02040503050406030204" pitchFamily="18" charset="0"/>
-                            </a:rPr>
-                            <m:t>𝐹</m:t>
-                          </m:r>
-                        </m:e>
-                      </m:acc>
-                    </m:oMath>
-                  </m:oMathPara>
-                </a14:m>
-                <a:endParaRPr lang="en-CA" dirty="0">
-                  <a:ln w="0"/>
-                  <a:solidFill>
-                    <a:schemeClr val="accent1"/>
-                  </a:solidFill>
-                  <a:effectLst>
-                    <a:outerShdw blurRad="38100" dist="25400" dir="5400000" algn="ctr" rotWithShape="0">
-                      <a:srgbClr val="6E747A">
-                        <a:alpha val="43000"/>
-                      </a:srgbClr>
-                    </a:outerShdw>
-                  </a:effectLst>
-                </a:endParaRPr>
-              </a:p>
-            </p:txBody>
-          </p:sp>
-        </mc:Choice>
-        <mc:Fallback xmlns="">
-          <p:sp>
-            <p:nvSpPr>
-              <p:cNvPr id="8" name="Rectangle 7"/>
-              <p:cNvSpPr>
-                <a:spLocks noRot="1" noChangeAspect="1" noMove="1" noResize="1" noEditPoints="1" noAdjustHandles="1" noChangeArrowheads="1" noChangeShapeType="1" noTextEdit="1"/>
-              </p:cNvSpPr>
-              <p:nvPr/>
-            </p:nvSpPr>
-            <p:spPr>
-              <a:xfrm>
-                <a:off x="787799" y="2833327"/>
-                <a:ext cx="387670" cy="402931"/>
-              </a:xfrm>
-              <a:prstGeom prst="rect">
-                <a:avLst/>
-              </a:prstGeom>
-              <a:blipFill rotWithShape="0">
-                <a:blip r:embed="rId5"/>
-                <a:stretch>
-                  <a:fillRect t="-24242" r="-34375"/>
-                </a:stretch>
-              </a:blipFill>
-            </p:spPr>
-            <p:txBody>
-              <a:bodyPr/>
-              <a:lstStyle/>
-              <a:p>
-                <a:r>
-                  <a:rPr lang="en-CA">
-                    <a:noFill/>
-                  </a:rPr>
-                  <a:t> </a:t>
-                </a:r>
-              </a:p>
-            </p:txBody>
-          </p:sp>
-        </mc:Fallback>
-      </mc:AlternateContent>
-      <p:sp>
-        <p:nvSpPr>
-          <p:cNvPr id="9" name="Oval 8"/>
-          <p:cNvSpPr/>
-          <p:nvPr/>
-        </p:nvSpPr>
-        <p:spPr>
-          <a:xfrm>
-            <a:off x="8489576" y="3146611"/>
-            <a:ext cx="188258" cy="179294"/>
-          </a:xfrm>
-          <a:prstGeom prst="ellipse">
-            <a:avLst/>
-          </a:prstGeom>
-          <a:solidFill>
-            <a:schemeClr val="accent1">
-              <a:alpha val="50000"/>
-            </a:schemeClr>
-          </a:solidFill>
-        </p:spPr>
-        <p:style>
-          <a:lnRef idx="2">
-            <a:schemeClr val="accent1">
-              <a:shade val="50000"/>
-            </a:schemeClr>
-          </a:lnRef>
-          <a:fillRef idx="1">
-            <a:schemeClr val="accent1"/>
-          </a:fillRef>
-          <a:effectRef idx="0">
-            <a:schemeClr val="accent1"/>
-          </a:effectRef>
-          <a:fontRef idx="minor">
-            <a:schemeClr val="lt1"/>
-          </a:fontRef>
-        </p:style>
-        <p:txBody>
-          <a:bodyPr rtlCol="0" anchor="ctr"/>
-          <a:lstStyle/>
-          <a:p>
-            <a:pPr algn="ctr"/>
-            <a:endParaRPr lang="en-CA"/>
-          </a:p>
-        </p:txBody>
-      </p:sp>
-      <p:sp>
-        <p:nvSpPr>
-          <p:cNvPr id="11" name="Oval 10"/>
-          <p:cNvSpPr/>
-          <p:nvPr/>
-        </p:nvSpPr>
-        <p:spPr>
-          <a:xfrm>
-            <a:off x="8758517" y="3146611"/>
-            <a:ext cx="188258" cy="179294"/>
-          </a:xfrm>
-          <a:prstGeom prst="ellipse">
-            <a:avLst/>
-          </a:prstGeom>
-          <a:solidFill>
-            <a:schemeClr val="accent1">
-              <a:alpha val="75000"/>
-            </a:schemeClr>
-          </a:solidFill>
-        </p:spPr>
-        <p:style>
-          <a:lnRef idx="2">
-            <a:schemeClr val="accent1">
-              <a:shade val="50000"/>
-            </a:schemeClr>
-          </a:lnRef>
-          <a:fillRef idx="1">
-            <a:schemeClr val="accent1"/>
-          </a:fillRef>
-          <a:effectRef idx="0">
-            <a:schemeClr val="accent1"/>
-          </a:effectRef>
-          <a:fontRef idx="minor">
-            <a:schemeClr val="lt1"/>
-          </a:fontRef>
-        </p:style>
-        <p:txBody>
-          <a:bodyPr rtlCol="0" anchor="ctr"/>
-          <a:lstStyle/>
-          <a:p>
-            <a:pPr algn="ctr"/>
-            <a:endParaRPr lang="en-CA"/>
-          </a:p>
-        </p:txBody>
-      </p:sp>
-      <p:sp>
-        <p:nvSpPr>
-          <p:cNvPr id="12" name="Oval 11"/>
-          <p:cNvSpPr/>
-          <p:nvPr/>
-        </p:nvSpPr>
-        <p:spPr>
-          <a:xfrm>
-            <a:off x="9224679" y="3146611"/>
-            <a:ext cx="188258" cy="179294"/>
-          </a:xfrm>
-          <a:prstGeom prst="ellipse">
-            <a:avLst/>
-          </a:prstGeom>
-          <a:solidFill>
-            <a:schemeClr val="accent1">
-              <a:alpha val="75000"/>
-            </a:schemeClr>
-          </a:solidFill>
-        </p:spPr>
-        <p:style>
-          <a:lnRef idx="2">
-            <a:schemeClr val="accent1">
-              <a:shade val="50000"/>
-            </a:schemeClr>
-          </a:lnRef>
-          <a:fillRef idx="1">
-            <a:schemeClr val="accent1"/>
-          </a:fillRef>
-          <a:effectRef idx="0">
-            <a:schemeClr val="accent1"/>
-          </a:effectRef>
-          <a:fontRef idx="minor">
-            <a:schemeClr val="lt1"/>
-          </a:fontRef>
-        </p:style>
-        <p:txBody>
-          <a:bodyPr rtlCol="0" anchor="ctr"/>
-          <a:lstStyle/>
-          <a:p>
-            <a:pPr algn="ctr"/>
-            <a:endParaRPr lang="en-CA"/>
-          </a:p>
-        </p:txBody>
-      </p:sp>
-      <p:sp>
-        <p:nvSpPr>
-          <p:cNvPr id="13" name="Oval 12"/>
-          <p:cNvSpPr/>
-          <p:nvPr/>
-        </p:nvSpPr>
-        <p:spPr>
-          <a:xfrm>
-            <a:off x="9472104" y="3146611"/>
-            <a:ext cx="188258" cy="179294"/>
-          </a:xfrm>
-          <a:prstGeom prst="ellipse">
-            <a:avLst/>
-          </a:prstGeom>
-          <a:solidFill>
-            <a:schemeClr val="accent1">
-              <a:alpha val="50000"/>
-            </a:schemeClr>
-          </a:solidFill>
-        </p:spPr>
-        <p:style>
-          <a:lnRef idx="2">
-            <a:schemeClr val="accent1">
-              <a:shade val="50000"/>
-            </a:schemeClr>
-          </a:lnRef>
-          <a:fillRef idx="1">
-            <a:schemeClr val="accent1"/>
-          </a:fillRef>
-          <a:effectRef idx="0">
-            <a:schemeClr val="accent1"/>
-          </a:effectRef>
-          <a:fontRef idx="minor">
-            <a:schemeClr val="lt1"/>
-          </a:fontRef>
-        </p:style>
-        <p:txBody>
-          <a:bodyPr rtlCol="0" anchor="ctr"/>
-          <a:lstStyle/>
-          <a:p>
-            <a:pPr algn="ctr"/>
-            <a:endParaRPr lang="en-CA"/>
-          </a:p>
-        </p:txBody>
-      </p:sp>
-      <p:sp>
-        <p:nvSpPr>
-          <p:cNvPr id="14" name="TextBox 13"/>
-          <p:cNvSpPr txBox="1"/>
-          <p:nvPr/>
-        </p:nvSpPr>
-        <p:spPr>
-          <a:xfrm>
-            <a:off x="8825753" y="2742171"/>
-            <a:ext cx="506870" cy="369332"/>
-          </a:xfrm>
-          <a:prstGeom prst="rect">
-            <a:avLst/>
-          </a:prstGeom>
-          <a:noFill/>
-        </p:spPr>
-        <p:txBody>
-          <a:bodyPr wrap="none" rtlCol="0">
-            <a:spAutoFit/>
-          </a:bodyPr>
-          <a:lstStyle/>
-          <a:p>
-            <a:r>
-              <a:rPr lang="en-CA" dirty="0"/>
-              <a:t>???</a:t>
-            </a:r>
-          </a:p>
-        </p:txBody>
-      </p:sp>
-      <p:sp>
-        <p:nvSpPr>
-          <p:cNvPr id="15" name="Oval 14"/>
-          <p:cNvSpPr/>
-          <p:nvPr/>
-        </p:nvSpPr>
-        <p:spPr>
-          <a:xfrm>
-            <a:off x="8191052" y="3146611"/>
-            <a:ext cx="188258" cy="179294"/>
-          </a:xfrm>
-          <a:prstGeom prst="ellipse">
-            <a:avLst/>
-          </a:prstGeom>
-          <a:solidFill>
-            <a:schemeClr val="accent1">
-              <a:alpha val="30000"/>
-            </a:schemeClr>
-          </a:solidFill>
-        </p:spPr>
-        <p:style>
-          <a:lnRef idx="2">
-            <a:schemeClr val="accent1">
-              <a:shade val="50000"/>
-            </a:schemeClr>
-          </a:lnRef>
-          <a:fillRef idx="1">
-            <a:schemeClr val="accent1"/>
-          </a:fillRef>
-          <a:effectRef idx="0">
-            <a:schemeClr val="accent1"/>
-          </a:effectRef>
-          <a:fontRef idx="minor">
-            <a:schemeClr val="lt1"/>
-          </a:fontRef>
-        </p:style>
-        <p:txBody>
-          <a:bodyPr rtlCol="0" anchor="ctr"/>
-          <a:lstStyle/>
-          <a:p>
-            <a:pPr algn="ctr"/>
-            <a:endParaRPr lang="en-CA"/>
-          </a:p>
-        </p:txBody>
-      </p:sp>
-      <p:sp>
-        <p:nvSpPr>
-          <p:cNvPr id="16" name="Oval 15"/>
-          <p:cNvSpPr/>
-          <p:nvPr/>
-        </p:nvSpPr>
-        <p:spPr>
-          <a:xfrm>
-            <a:off x="9732080" y="3146611"/>
-            <a:ext cx="188258" cy="179294"/>
-          </a:xfrm>
-          <a:prstGeom prst="ellipse">
-            <a:avLst/>
-          </a:prstGeom>
-          <a:solidFill>
-            <a:schemeClr val="accent1">
-              <a:alpha val="25000"/>
-            </a:schemeClr>
-          </a:solidFill>
-        </p:spPr>
-        <p:style>
-          <a:lnRef idx="2">
-            <a:schemeClr val="accent1">
-              <a:shade val="50000"/>
-            </a:schemeClr>
-          </a:lnRef>
-          <a:fillRef idx="1">
-            <a:schemeClr val="accent1"/>
-          </a:fillRef>
-          <a:effectRef idx="0">
-            <a:schemeClr val="accent1"/>
-          </a:effectRef>
-          <a:fontRef idx="minor">
-            <a:schemeClr val="lt1"/>
-          </a:fontRef>
-        </p:style>
-        <p:txBody>
-          <a:bodyPr rtlCol="0" anchor="ctr"/>
-          <a:lstStyle/>
-          <a:p>
-            <a:pPr algn="ctr"/>
-            <a:endParaRPr lang="en-CA"/>
-          </a:p>
-        </p:txBody>
-      </p:sp>
-      <p:sp>
-        <p:nvSpPr>
-          <p:cNvPr id="17" name="Oval 16"/>
-          <p:cNvSpPr/>
-          <p:nvPr/>
-        </p:nvSpPr>
-        <p:spPr>
-          <a:xfrm>
-            <a:off x="8985322" y="3146611"/>
-            <a:ext cx="188258" cy="179294"/>
-          </a:xfrm>
-          <a:prstGeom prst="ellipse">
-            <a:avLst/>
-          </a:prstGeom>
-          <a:solidFill>
-            <a:schemeClr val="accent1"/>
-          </a:solidFill>
-        </p:spPr>
-        <p:style>
-          <a:lnRef idx="2">
-            <a:schemeClr val="accent1">
-              <a:shade val="50000"/>
-            </a:schemeClr>
-          </a:lnRef>
-          <a:fillRef idx="1">
-            <a:schemeClr val="accent1"/>
-          </a:fillRef>
-          <a:effectRef idx="0">
-            <a:schemeClr val="accent1"/>
-          </a:effectRef>
-          <a:fontRef idx="minor">
-            <a:schemeClr val="lt1"/>
-          </a:fontRef>
-        </p:style>
-        <p:txBody>
-          <a:bodyPr rtlCol="0" anchor="ctr"/>
-          <a:lstStyle/>
-          <a:p>
-            <a:pPr algn="ctr"/>
-            <a:endParaRPr lang="en-CA"/>
-          </a:p>
-        </p:txBody>
-      </p:sp>
-      <p:sp>
-        <p:nvSpPr>
-          <p:cNvPr id="18" name="Freeform 17"/>
-          <p:cNvSpPr/>
-          <p:nvPr/>
-        </p:nvSpPr>
-        <p:spPr>
-          <a:xfrm>
-            <a:off x="7815164" y="3717474"/>
-            <a:ext cx="2528047" cy="843946"/>
-          </a:xfrm>
-          <a:custGeom>
-            <a:avLst/>
-            <a:gdLst>
-              <a:gd name="connsiteX0" fmla="*/ 0 w 2519082"/>
-              <a:gd name="connsiteY0" fmla="*/ 851662 h 1039921"/>
-              <a:gd name="connsiteX1" fmla="*/ 1371600 w 2519082"/>
-              <a:gd name="connsiteY1" fmla="*/ 15 h 1039921"/>
-              <a:gd name="connsiteX2" fmla="*/ 2196353 w 2519082"/>
-              <a:gd name="connsiteY2" fmla="*/ 869591 h 1039921"/>
-              <a:gd name="connsiteX3" fmla="*/ 2519082 w 2519082"/>
-              <a:gd name="connsiteY3" fmla="*/ 1039921 h 1039921"/>
-              <a:gd name="connsiteX0" fmla="*/ 0 w 2519082"/>
-              <a:gd name="connsiteY0" fmla="*/ 851661 h 1039920"/>
-              <a:gd name="connsiteX1" fmla="*/ 1371600 w 2519082"/>
-              <a:gd name="connsiteY1" fmla="*/ 14 h 1039920"/>
-              <a:gd name="connsiteX2" fmla="*/ 2196353 w 2519082"/>
-              <a:gd name="connsiteY2" fmla="*/ 869590 h 1039920"/>
-              <a:gd name="connsiteX3" fmla="*/ 2519082 w 2519082"/>
-              <a:gd name="connsiteY3" fmla="*/ 1039920 h 1039920"/>
-              <a:gd name="connsiteX0" fmla="*/ 0 w 2519082"/>
-              <a:gd name="connsiteY0" fmla="*/ 851656 h 1039915"/>
-              <a:gd name="connsiteX1" fmla="*/ 1371600 w 2519082"/>
-              <a:gd name="connsiteY1" fmla="*/ 9 h 1039915"/>
-              <a:gd name="connsiteX2" fmla="*/ 2196353 w 2519082"/>
-              <a:gd name="connsiteY2" fmla="*/ 869585 h 1039915"/>
-              <a:gd name="connsiteX3" fmla="*/ 2519082 w 2519082"/>
-              <a:gd name="connsiteY3" fmla="*/ 1039915 h 1039915"/>
-              <a:gd name="connsiteX0" fmla="*/ 0 w 2519082"/>
-              <a:gd name="connsiteY0" fmla="*/ 852485 h 1040744"/>
-              <a:gd name="connsiteX1" fmla="*/ 1371600 w 2519082"/>
-              <a:gd name="connsiteY1" fmla="*/ 838 h 1040744"/>
-              <a:gd name="connsiteX2" fmla="*/ 2519082 w 2519082"/>
-              <a:gd name="connsiteY2" fmla="*/ 1040744 h 1040744"/>
-              <a:gd name="connsiteX0" fmla="*/ 0 w 2519082"/>
-              <a:gd name="connsiteY0" fmla="*/ 852485 h 1040744"/>
-              <a:gd name="connsiteX1" fmla="*/ 1371600 w 2519082"/>
-              <a:gd name="connsiteY1" fmla="*/ 838 h 1040744"/>
-              <a:gd name="connsiteX2" fmla="*/ 2519082 w 2519082"/>
-              <a:gd name="connsiteY2" fmla="*/ 1040744 h 1040744"/>
-              <a:gd name="connsiteX0" fmla="*/ 0 w 2528047"/>
-              <a:gd name="connsiteY0" fmla="*/ 851650 h 860615"/>
-              <a:gd name="connsiteX1" fmla="*/ 1371600 w 2528047"/>
-              <a:gd name="connsiteY1" fmla="*/ 3 h 860615"/>
-              <a:gd name="connsiteX2" fmla="*/ 2528047 w 2528047"/>
-              <a:gd name="connsiteY2" fmla="*/ 860615 h 860615"/>
-              <a:gd name="connsiteX0" fmla="*/ 0 w 2528047"/>
-              <a:gd name="connsiteY0" fmla="*/ 851650 h 860615"/>
-              <a:gd name="connsiteX1" fmla="*/ 1264023 w 2528047"/>
-              <a:gd name="connsiteY1" fmla="*/ 3 h 860615"/>
-              <a:gd name="connsiteX2" fmla="*/ 2528047 w 2528047"/>
-              <a:gd name="connsiteY2" fmla="*/ 860615 h 860615"/>
-              <a:gd name="connsiteX0" fmla="*/ 0 w 2528047"/>
-              <a:gd name="connsiteY0" fmla="*/ 834981 h 843946"/>
-              <a:gd name="connsiteX1" fmla="*/ 1773610 w 2528047"/>
-              <a:gd name="connsiteY1" fmla="*/ 3 h 843946"/>
-              <a:gd name="connsiteX2" fmla="*/ 2528047 w 2528047"/>
-              <a:gd name="connsiteY2" fmla="*/ 843946 h 843946"/>
-            </a:gdLst>
-            <a:ahLst/>
-            <a:cxnLst>
-              <a:cxn ang="0">
-                <a:pos x="connsiteX0" y="connsiteY0"/>
-              </a:cxn>
-              <a:cxn ang="0">
-                <a:pos x="connsiteX1" y="connsiteY1"/>
-              </a:cxn>
-              <a:cxn ang="0">
-                <a:pos x="connsiteX2" y="connsiteY2"/>
-              </a:cxn>
-            </a:cxnLst>
-            <a:rect l="l" t="t" r="r" b="b"/>
-            <a:pathLst>
-              <a:path w="2528047" h="843946">
-                <a:moveTo>
-                  <a:pt x="0" y="834981"/>
-                </a:moveTo>
-                <a:cubicBezTo>
-                  <a:pt x="673098" y="811076"/>
-                  <a:pt x="1352269" y="-1491"/>
-                  <a:pt x="1773610" y="3"/>
-                </a:cubicBezTo>
-                <a:cubicBezTo>
-                  <a:pt x="2194951" y="1497"/>
-                  <a:pt x="2154517" y="842452"/>
-                  <a:pt x="2528047" y="843946"/>
-                </a:cubicBezTo>
-              </a:path>
-            </a:pathLst>
-          </a:custGeom>
-          <a:noFill/>
-        </p:spPr>
-        <p:style>
-          <a:lnRef idx="2">
-            <a:schemeClr val="accent1">
-              <a:shade val="50000"/>
-            </a:schemeClr>
-          </a:lnRef>
-          <a:fillRef idx="1">
-            <a:schemeClr val="accent1"/>
-          </a:fillRef>
-          <a:effectRef idx="0">
-            <a:schemeClr val="accent1"/>
-          </a:effectRef>
-          <a:fontRef idx="minor">
-            <a:schemeClr val="lt1"/>
-          </a:fontRef>
-        </p:style>
-        <p:txBody>
-          <a:bodyPr rtlCol="0" anchor="ctr"/>
-          <a:lstStyle/>
-          <a:p>
-            <a:pPr algn="ctr"/>
-            <a:endParaRPr lang="en-CA"/>
-          </a:p>
-        </p:txBody>
-      </p:sp>
-      <mc:AlternateContent xmlns:mc="http://schemas.openxmlformats.org/markup-compatibility/2006" xmlns:a14="http://schemas.microsoft.com/office/drawing/2010/main">
-        <mc:Choice Requires="a14">
-          <p:sp>
-            <p:nvSpPr>
-              <p:cNvPr id="4" name="TextBox 3"/>
-              <p:cNvSpPr txBox="1"/>
-              <p:nvPr/>
-            </p:nvSpPr>
-            <p:spPr>
-              <a:xfrm>
-                <a:off x="7734423" y="4838613"/>
-                <a:ext cx="2824043" cy="803682"/>
-              </a:xfrm>
-              <a:prstGeom prst="rect">
-                <a:avLst/>
-              </a:prstGeom>
-              <a:noFill/>
-            </p:spPr>
-            <p:txBody>
-              <a:bodyPr wrap="none" lIns="0" tIns="0" rIns="0" bIns="0" rtlCol="0">
-                <a:spAutoFit/>
-              </a:bodyPr>
-              <a:lstStyle/>
-              <a:p>
-                <a:r>
-                  <a:rPr lang="en-CA" b="0" i="1" dirty="0">
-                    <a:latin typeface="Cambria Math" panose="02040503050406030204" pitchFamily="18" charset="0"/>
-                  </a:rPr>
-                  <a:t>Équation du </a:t>
-                </a:r>
-                <a:r>
-                  <a:rPr lang="en-CA" b="0" i="1" dirty="0" err="1">
-                    <a:latin typeface="Cambria Math" panose="02040503050406030204" pitchFamily="18" charset="0"/>
-                  </a:rPr>
-                  <a:t>mouvement</a:t>
-                </a:r>
-                <a:endParaRPr lang="en-CA" b="0" i="1" dirty="0">
-                  <a:latin typeface="Cambria Math" panose="02040503050406030204" pitchFamily="18" charset="0"/>
-                </a:endParaRPr>
-              </a:p>
-              <a:p>
-                <a:pPr/>
-                <a14:m>
-                  <m:oMathPara xmlns:m="http://schemas.openxmlformats.org/officeDocument/2006/math">
-                    <m:oMathParaPr>
-                      <m:jc m:val="centerGroup"/>
-                    </m:oMathParaPr>
-                    <m:oMath xmlns:m="http://schemas.openxmlformats.org/officeDocument/2006/math">
-                      <m:r>
-                        <a:rPr lang="en-CA" b="0" i="1" smtClean="0">
-                          <a:latin typeface="Cambria Math" panose="02040503050406030204" pitchFamily="18" charset="0"/>
-                        </a:rPr>
-                        <m:t>−</m:t>
-                      </m:r>
-                      <m:r>
-                        <a:rPr lang="en-CA" b="0" i="1" smtClean="0">
-                          <a:latin typeface="Cambria Math" panose="02040503050406030204" pitchFamily="18" charset="0"/>
-                        </a:rPr>
-                        <m:t>𝑖</m:t>
-                      </m:r>
-                      <m:r>
-                        <a:rPr lang="en-CA" b="0" i="1" smtClean="0">
-                          <a:latin typeface="Cambria Math" panose="02040503050406030204" pitchFamily="18" charset="0"/>
-                        </a:rPr>
-                        <m:t>ℏ</m:t>
-                      </m:r>
-                      <m:f>
-                        <m:fPr>
-                          <m:ctrlPr>
-                            <a:rPr lang="en-CA" b="0" i="1" smtClean="0">
-                              <a:latin typeface="Cambria Math" panose="02040503050406030204" pitchFamily="18" charset="0"/>
-                            </a:rPr>
-                          </m:ctrlPr>
-                        </m:fPr>
-                        <m:num>
-                          <m:r>
-                            <a:rPr lang="en-CA" i="1">
-                              <a:latin typeface="Cambria Math" panose="02040503050406030204" pitchFamily="18" charset="0"/>
-                            </a:rPr>
-                            <m:t>𝜕</m:t>
-                          </m:r>
-                        </m:num>
-                        <m:den>
-                          <m:r>
-                            <a:rPr lang="en-CA" b="0" i="1" smtClean="0">
-                              <a:latin typeface="Cambria Math" panose="02040503050406030204" pitchFamily="18" charset="0"/>
-                            </a:rPr>
-                            <m:t>𝜕</m:t>
-                          </m:r>
-                          <m:r>
-                            <a:rPr lang="en-CA" b="0" i="1" smtClean="0">
-                              <a:latin typeface="Cambria Math" panose="02040503050406030204" pitchFamily="18" charset="0"/>
-                            </a:rPr>
-                            <m:t>𝑡</m:t>
-                          </m:r>
-                        </m:den>
-                      </m:f>
-                      <m:r>
-                        <m:rPr>
-                          <m:sty m:val="p"/>
-                        </m:rPr>
-                        <a:rPr lang="en-CA" b="0" i="0" smtClean="0">
-                          <a:latin typeface="Cambria Math" panose="02040503050406030204" pitchFamily="18" charset="0"/>
-                        </a:rPr>
-                        <m:t>Ψ</m:t>
-                      </m:r>
-                      <m:r>
-                        <a:rPr lang="en-CA" b="0" i="1" smtClean="0">
-                          <a:latin typeface="Cambria Math" panose="02040503050406030204" pitchFamily="18" charset="0"/>
-                        </a:rPr>
-                        <m:t>(</m:t>
-                      </m:r>
-                      <m:acc>
-                        <m:accPr>
-                          <m:chr m:val="⃗"/>
-                          <m:ctrlPr>
-                            <a:rPr lang="en-CA" b="0" i="1" smtClean="0">
-                              <a:latin typeface="Cambria Math" panose="02040503050406030204" pitchFamily="18" charset="0"/>
-                            </a:rPr>
-                          </m:ctrlPr>
-                        </m:accPr>
-                        <m:e>
-                          <m:r>
-                            <a:rPr lang="en-CA" b="0" i="1" smtClean="0">
-                              <a:latin typeface="Cambria Math" panose="02040503050406030204" pitchFamily="18" charset="0"/>
-                            </a:rPr>
-                            <m:t>𝑞</m:t>
-                          </m:r>
-                        </m:e>
-                      </m:acc>
-                      <m:r>
-                        <a:rPr lang="en-CA" b="0" i="1" smtClean="0">
-                          <a:latin typeface="Cambria Math" panose="02040503050406030204" pitchFamily="18" charset="0"/>
-                        </a:rPr>
-                        <m:t>,</m:t>
-                      </m:r>
-                      <m:r>
-                        <a:rPr lang="en-CA" b="0" i="1" smtClean="0">
-                          <a:latin typeface="Cambria Math" panose="02040503050406030204" pitchFamily="18" charset="0"/>
-                        </a:rPr>
-                        <m:t>𝑡</m:t>
-                      </m:r>
-                      <m:r>
-                        <a:rPr lang="en-CA" b="0" i="1" smtClean="0">
-                          <a:latin typeface="Cambria Math" panose="02040503050406030204" pitchFamily="18" charset="0"/>
-                        </a:rPr>
-                        <m:t>)=</m:t>
-                      </m:r>
-                      <m:acc>
-                        <m:accPr>
-                          <m:chr m:val="̂"/>
-                          <m:ctrlPr>
-                            <a:rPr lang="en-CA" b="0" i="1" smtClean="0">
-                              <a:latin typeface="Cambria Math" panose="02040503050406030204" pitchFamily="18" charset="0"/>
-                            </a:rPr>
-                          </m:ctrlPr>
-                        </m:accPr>
-                        <m:e>
-                          <m:r>
-                            <a:rPr lang="en-CA" b="0" i="1" smtClean="0">
-                              <a:latin typeface="Cambria Math" panose="02040503050406030204" pitchFamily="18" charset="0"/>
-                            </a:rPr>
-                            <m:t>𝐻</m:t>
-                          </m:r>
-                        </m:e>
-                      </m:acc>
-                      <m:r>
-                        <m:rPr>
-                          <m:sty m:val="p"/>
-                        </m:rPr>
-                        <a:rPr lang="en-CA" b="0" i="0" smtClean="0">
-                          <a:latin typeface="Cambria Math" panose="02040503050406030204" pitchFamily="18" charset="0"/>
-                        </a:rPr>
-                        <m:t>Ψ</m:t>
-                      </m:r>
-                      <m:r>
-                        <a:rPr lang="en-CA" i="1">
-                          <a:latin typeface="Cambria Math" panose="02040503050406030204" pitchFamily="18" charset="0"/>
-                        </a:rPr>
-                        <m:t>(</m:t>
-                      </m:r>
-                      <m:acc>
-                        <m:accPr>
-                          <m:chr m:val="⃗"/>
-                          <m:ctrlPr>
-                            <a:rPr lang="en-CA" i="1">
-                              <a:latin typeface="Cambria Math" panose="02040503050406030204" pitchFamily="18" charset="0"/>
-                            </a:rPr>
-                          </m:ctrlPr>
-                        </m:accPr>
-                        <m:e>
-                          <m:r>
-                            <a:rPr lang="en-CA" i="1">
-                              <a:latin typeface="Cambria Math" panose="02040503050406030204" pitchFamily="18" charset="0"/>
-                            </a:rPr>
-                            <m:t>𝑞</m:t>
-                          </m:r>
-                        </m:e>
-                      </m:acc>
-                      <m:r>
-                        <a:rPr lang="en-CA" i="1">
-                          <a:latin typeface="Cambria Math" panose="02040503050406030204" pitchFamily="18" charset="0"/>
-                        </a:rPr>
-                        <m:t>,</m:t>
-                      </m:r>
-                      <m:r>
-                        <a:rPr lang="en-CA" i="1">
-                          <a:latin typeface="Cambria Math" panose="02040503050406030204" pitchFamily="18" charset="0"/>
-                        </a:rPr>
-                        <m:t>𝑡</m:t>
-                      </m:r>
-                      <m:r>
-                        <a:rPr lang="en-CA" i="1">
-                          <a:latin typeface="Cambria Math" panose="02040503050406030204" pitchFamily="18" charset="0"/>
-                        </a:rPr>
-                        <m:t>)</m:t>
-                      </m:r>
-                    </m:oMath>
-                  </m:oMathPara>
-                </a14:m>
-                <a:endParaRPr lang="en-CA" dirty="0"/>
-              </a:p>
-            </p:txBody>
-          </p:sp>
-        </mc:Choice>
-        <mc:Fallback xmlns="">
-          <p:sp>
-            <p:nvSpPr>
-              <p:cNvPr id="4" name="TextBox 3"/>
-              <p:cNvSpPr txBox="1">
-                <a:spLocks noRot="1" noChangeAspect="1" noMove="1" noResize="1" noEditPoints="1" noAdjustHandles="1" noChangeArrowheads="1" noChangeShapeType="1" noTextEdit="1"/>
-              </p:cNvSpPr>
-              <p:nvPr/>
-            </p:nvSpPr>
-            <p:spPr>
-              <a:xfrm>
-                <a:off x="7734423" y="4838613"/>
-                <a:ext cx="2824043" cy="803682"/>
-              </a:xfrm>
-              <a:prstGeom prst="rect">
-                <a:avLst/>
-              </a:prstGeom>
-              <a:blipFill rotWithShape="0">
-                <a:blip r:embed="rId6"/>
-                <a:stretch>
-                  <a:fillRect l="-5184" t="-10606"/>
-                </a:stretch>
-              </a:blipFill>
-            </p:spPr>
-            <p:txBody>
-              <a:bodyPr/>
-              <a:lstStyle/>
-              <a:p>
-                <a:r>
-                  <a:rPr lang="en-CA">
-                    <a:noFill/>
-                  </a:rPr>
-                  <a:t> </a:t>
-                </a:r>
-              </a:p>
-            </p:txBody>
-          </p:sp>
-        </mc:Fallback>
-      </mc:AlternateContent>
-      <mc:AlternateContent xmlns:mc="http://schemas.openxmlformats.org/markup-compatibility/2006" xmlns:a14="http://schemas.microsoft.com/office/drawing/2010/main">
-        <mc:Choice Requires="a14">
-          <p:sp>
-            <p:nvSpPr>
-              <p:cNvPr id="20" name="TextBox 19"/>
-              <p:cNvSpPr txBox="1"/>
-              <p:nvPr/>
-            </p:nvSpPr>
-            <p:spPr>
-              <a:xfrm>
-                <a:off x="465103" y="4589221"/>
-                <a:ext cx="2424703" cy="553998"/>
-              </a:xfrm>
-              <a:prstGeom prst="rect">
-                <a:avLst/>
-              </a:prstGeom>
-              <a:noFill/>
-            </p:spPr>
-            <p:txBody>
-              <a:bodyPr wrap="none" lIns="0" tIns="0" rIns="0" bIns="0" rtlCol="0">
-                <a:spAutoFit/>
-              </a:bodyPr>
-              <a:lstStyle/>
-              <a:p>
-                <a:r>
-                  <a:rPr lang="en-CA" b="0" i="1" dirty="0" err="1">
-                    <a:latin typeface="Cambria Math" panose="02040503050406030204" pitchFamily="18" charset="0"/>
-                  </a:rPr>
-                  <a:t>Équation</a:t>
-                </a:r>
-                <a:r>
-                  <a:rPr lang="en-CA" b="0" i="1" dirty="0">
-                    <a:latin typeface="Cambria Math" panose="02040503050406030204" pitchFamily="18" charset="0"/>
-                  </a:rPr>
-                  <a:t> du </a:t>
-                </a:r>
-                <a:r>
-                  <a:rPr lang="en-CA" b="0" i="1" dirty="0" err="1">
-                    <a:latin typeface="Cambria Math" panose="02040503050406030204" pitchFamily="18" charset="0"/>
-                  </a:rPr>
-                  <a:t>mouvement</a:t>
-                </a:r>
-                <a:endParaRPr lang="en-CA" b="0" i="1" dirty="0">
-                  <a:latin typeface="Cambria Math" panose="02040503050406030204" pitchFamily="18" charset="0"/>
-                </a:endParaRPr>
-              </a:p>
-              <a:p>
-                <a:pPr/>
-                <a14:m>
-                  <m:oMathPara xmlns:m="http://schemas.openxmlformats.org/officeDocument/2006/math">
-                    <m:oMathParaPr>
-                      <m:jc m:val="centerGroup"/>
-                    </m:oMathParaPr>
-                    <m:oMath xmlns:m="http://schemas.openxmlformats.org/officeDocument/2006/math">
-                      <m:r>
-                        <a:rPr lang="en-CA" b="0" i="1" smtClean="0">
-                          <a:latin typeface="Cambria Math" panose="02040503050406030204" pitchFamily="18" charset="0"/>
-                        </a:rPr>
-                        <m:t>𝐹</m:t>
-                      </m:r>
-                      <m:r>
-                        <a:rPr lang="en-CA" b="0" i="1" smtClean="0">
-                          <a:latin typeface="Cambria Math" panose="02040503050406030204" pitchFamily="18" charset="0"/>
-                        </a:rPr>
-                        <m:t>=∑ </m:t>
-                      </m:r>
-                      <m:r>
-                        <a:rPr lang="en-CA" b="0" i="1" smtClean="0">
-                          <a:latin typeface="Cambria Math" panose="02040503050406030204" pitchFamily="18" charset="0"/>
-                        </a:rPr>
-                        <m:t>𝑚</m:t>
-                      </m:r>
-                      <m:acc>
-                        <m:accPr>
-                          <m:chr m:val="⃗"/>
-                          <m:ctrlPr>
-                            <a:rPr lang="en-CA" b="0" i="1" smtClean="0">
-                              <a:latin typeface="Cambria Math" panose="02040503050406030204" pitchFamily="18" charset="0"/>
-                            </a:rPr>
-                          </m:ctrlPr>
-                        </m:accPr>
-                        <m:e>
-                          <m:r>
-                            <a:rPr lang="en-CA" b="0" i="1" smtClean="0">
-                              <a:latin typeface="Cambria Math" panose="02040503050406030204" pitchFamily="18" charset="0"/>
-                            </a:rPr>
-                            <m:t>𝑎</m:t>
-                          </m:r>
-                        </m:e>
-                      </m:acc>
-                    </m:oMath>
-                  </m:oMathPara>
-                </a14:m>
-                <a:endParaRPr lang="en-CA" dirty="0"/>
-              </a:p>
-            </p:txBody>
-          </p:sp>
-        </mc:Choice>
-        <mc:Fallback xmlns="">
-          <p:sp>
-            <p:nvSpPr>
-              <p:cNvPr id="20" name="TextBox 19"/>
-              <p:cNvSpPr txBox="1">
-                <a:spLocks noRot="1" noChangeAspect="1" noMove="1" noResize="1" noEditPoints="1" noAdjustHandles="1" noChangeArrowheads="1" noChangeShapeType="1" noTextEdit="1"/>
-              </p:cNvSpPr>
-              <p:nvPr/>
-            </p:nvSpPr>
-            <p:spPr>
-              <a:xfrm>
-                <a:off x="465103" y="4589221"/>
-                <a:ext cx="2424703" cy="553998"/>
-              </a:xfrm>
-              <a:prstGeom prst="rect">
-                <a:avLst/>
-              </a:prstGeom>
-              <a:blipFill rotWithShape="0">
-                <a:blip r:embed="rId7"/>
-                <a:stretch>
-                  <a:fillRect l="-5779" t="-15385" r="-5779" b="-16484"/>
-                </a:stretch>
-              </a:blipFill>
-            </p:spPr>
-            <p:txBody>
-              <a:bodyPr/>
-              <a:lstStyle/>
-              <a:p>
-                <a:r>
-                  <a:rPr lang="en-CA">
+                  <a:rPr lang="fr-CA">
                     <a:noFill/>
                   </a:rPr>
                   <a:t> </a:t>
@@ -9462,10 +9796,528 @@
           </a:p>
         </p:txBody>
       </p:sp>
+      <mc:AlternateContent xmlns:mc="http://schemas.openxmlformats.org/markup-compatibility/2006" xmlns:a14="http://schemas.microsoft.com/office/drawing/2010/main">
+        <mc:Choice Requires="a14">
+          <p:sp>
+            <p:nvSpPr>
+              <p:cNvPr id="22" name="TextBox 21">
+                <a:extLst>
+                  <a:ext uri="{FF2B5EF4-FFF2-40B4-BE49-F238E27FC236}">
+                    <a16:creationId xmlns:a16="http://schemas.microsoft.com/office/drawing/2014/main" id="{348422F7-E23B-4A6C-B38F-69AFA1D84D56}"/>
+                  </a:ext>
+                </a:extLst>
+              </p:cNvPr>
+              <p:cNvSpPr txBox="1"/>
+              <p:nvPr/>
+            </p:nvSpPr>
+            <p:spPr>
+              <a:xfrm>
+                <a:off x="838200" y="6033254"/>
+                <a:ext cx="2424703" cy="587597"/>
+              </a:xfrm>
+              <a:prstGeom prst="rect">
+                <a:avLst/>
+              </a:prstGeom>
+              <a:noFill/>
+            </p:spPr>
+            <p:txBody>
+              <a:bodyPr wrap="none" lIns="0" tIns="0" rIns="0" bIns="0" rtlCol="0">
+                <a:spAutoFit/>
+              </a:bodyPr>
+              <a:lstStyle/>
+              <a:p>
+                <a:r>
+                  <a:rPr lang="en-CA" b="0" i="1" dirty="0">
+                    <a:latin typeface="Cambria Math" panose="02040503050406030204" pitchFamily="18" charset="0"/>
+                  </a:rPr>
+                  <a:t>Équation du </a:t>
+                </a:r>
+                <a:r>
+                  <a:rPr lang="en-CA" b="0" i="1" dirty="0" err="1">
+                    <a:latin typeface="Cambria Math" panose="02040503050406030204" pitchFamily="18" charset="0"/>
+                  </a:rPr>
+                  <a:t>mouvement</a:t>
+                </a:r>
+                <a:endParaRPr lang="en-CA" b="0" i="1" dirty="0">
+                  <a:latin typeface="Cambria Math" panose="02040503050406030204" pitchFamily="18" charset="0"/>
+                </a:endParaRPr>
+              </a:p>
+              <a:p>
+                <a:pPr/>
+                <a14:m>
+                  <m:oMathPara xmlns:m="http://schemas.openxmlformats.org/officeDocument/2006/math">
+                    <m:oMathParaPr>
+                      <m:jc m:val="centerGroup"/>
+                    </m:oMathParaPr>
+                    <m:oMath xmlns:m="http://schemas.openxmlformats.org/officeDocument/2006/math">
+                      <m:sSub>
+                        <m:sSubPr>
+                          <m:ctrlPr>
+                            <a:rPr lang="en-CA" i="1">
+                              <a:latin typeface="Cambria Math" panose="02040503050406030204" pitchFamily="18" charset="0"/>
+                            </a:rPr>
+                          </m:ctrlPr>
+                        </m:sSubPr>
+                        <m:e>
+                          <m:r>
+                            <a:rPr lang="en-CA" i="1">
+                              <a:latin typeface="Cambria Math" panose="02040503050406030204" pitchFamily="18" charset="0"/>
+                            </a:rPr>
+                            <m:t>∑</m:t>
+                          </m:r>
+                        </m:e>
+                        <m:sub>
+                          <m:r>
+                            <a:rPr lang="en-CA" b="0" i="1" smtClean="0">
+                              <a:latin typeface="Cambria Math" panose="02040503050406030204" pitchFamily="18" charset="0"/>
+                            </a:rPr>
+                            <m:t>𝑖</m:t>
+                          </m:r>
+                        </m:sub>
+                      </m:sSub>
+                      <m:sSub>
+                        <m:sSubPr>
+                          <m:ctrlPr>
+                            <a:rPr lang="en-CA" i="1">
+                              <a:latin typeface="Cambria Math" panose="02040503050406030204" pitchFamily="18" charset="0"/>
+                            </a:rPr>
+                          </m:ctrlPr>
+                        </m:sSubPr>
+                        <m:e>
+                          <m:acc>
+                            <m:accPr>
+                              <m:chr m:val="⃗"/>
+                              <m:ctrlPr>
+                                <a:rPr lang="en-CA" b="0" i="1" dirty="0" smtClean="0">
+                                  <a:latin typeface="Cambria Math" panose="02040503050406030204" pitchFamily="18" charset="0"/>
+                                </a:rPr>
+                              </m:ctrlPr>
+                            </m:accPr>
+                            <m:e>
+                              <m:r>
+                                <a:rPr lang="en-CA" b="0" i="1" dirty="0" smtClean="0">
+                                  <a:latin typeface="Cambria Math" panose="02040503050406030204" pitchFamily="18" charset="0"/>
+                                </a:rPr>
+                                <m:t>𝐹</m:t>
+                              </m:r>
+                            </m:e>
+                          </m:acc>
+                        </m:e>
+                        <m:sub>
+                          <m:r>
+                            <a:rPr lang="en-CA" b="0" i="1" smtClean="0">
+                              <a:latin typeface="Cambria Math" panose="02040503050406030204" pitchFamily="18" charset="0"/>
+                            </a:rPr>
+                            <m:t>𝑖</m:t>
+                          </m:r>
+                        </m:sub>
+                      </m:sSub>
+                      <m:r>
+                        <a:rPr lang="en-CA" b="0" i="1" smtClean="0">
+                          <a:latin typeface="Cambria Math" panose="02040503050406030204" pitchFamily="18" charset="0"/>
+                        </a:rPr>
+                        <m:t>= </m:t>
+                      </m:r>
+                      <m:r>
+                        <a:rPr lang="en-CA" b="0" i="1" smtClean="0">
+                          <a:latin typeface="Cambria Math" panose="02040503050406030204" pitchFamily="18" charset="0"/>
+                        </a:rPr>
+                        <m:t>𝑚</m:t>
+                      </m:r>
+                      <m:acc>
+                        <m:accPr>
+                          <m:chr m:val="⃗"/>
+                          <m:ctrlPr>
+                            <a:rPr lang="en-CA" b="0" i="1" smtClean="0">
+                              <a:latin typeface="Cambria Math" panose="02040503050406030204" pitchFamily="18" charset="0"/>
+                            </a:rPr>
+                          </m:ctrlPr>
+                        </m:accPr>
+                        <m:e>
+                          <m:r>
+                            <a:rPr lang="en-CA" b="0" i="1" smtClean="0">
+                              <a:latin typeface="Cambria Math" panose="02040503050406030204" pitchFamily="18" charset="0"/>
+                            </a:rPr>
+                            <m:t>𝑎</m:t>
+                          </m:r>
+                        </m:e>
+                      </m:acc>
+                    </m:oMath>
+                  </m:oMathPara>
+                </a14:m>
+                <a:endParaRPr lang="en-CA" dirty="0"/>
+              </a:p>
+            </p:txBody>
+          </p:sp>
+        </mc:Choice>
+        <mc:Fallback xmlns="">
+          <p:sp>
+            <p:nvSpPr>
+              <p:cNvPr id="22" name="TextBox 21">
+                <a:extLst>
+                  <a:ext uri="{FF2B5EF4-FFF2-40B4-BE49-F238E27FC236}">
+                    <a16:creationId xmlns:a16="http://schemas.microsoft.com/office/drawing/2014/main" id="{348422F7-E23B-4A6C-B38F-69AFA1D84D56}"/>
+                  </a:ext>
+                </a:extLst>
+              </p:cNvPr>
+              <p:cNvSpPr txBox="1">
+                <a:spLocks noRot="1" noChangeAspect="1" noMove="1" noResize="1" noEditPoints="1" noAdjustHandles="1" noChangeArrowheads="1" noChangeShapeType="1" noTextEdit="1"/>
+              </p:cNvSpPr>
+              <p:nvPr/>
+            </p:nvSpPr>
+            <p:spPr>
+              <a:xfrm>
+                <a:off x="838200" y="6033254"/>
+                <a:ext cx="2424703" cy="587597"/>
+              </a:xfrm>
+              <a:prstGeom prst="rect">
+                <a:avLst/>
+              </a:prstGeom>
+              <a:blipFill>
+                <a:blip r:embed="rId5"/>
+                <a:stretch>
+                  <a:fillRect l="-6045" t="-14583" r="-5793" b="-16667"/>
+                </a:stretch>
+              </a:blipFill>
+            </p:spPr>
+            <p:txBody>
+              <a:bodyPr/>
+              <a:lstStyle/>
+              <a:p>
+                <a:r>
+                  <a:rPr lang="fr-CA">
+                    <a:noFill/>
+                  </a:rPr>
+                  <a:t> </a:t>
+                </a:r>
+              </a:p>
+            </p:txBody>
+          </p:sp>
+        </mc:Fallback>
+      </mc:AlternateContent>
     </p:spTree>
     <p:extLst>
       <p:ext uri="{BB962C8B-B14F-4D97-AF65-F5344CB8AC3E}">
         <p14:creationId xmlns:p14="http://schemas.microsoft.com/office/powerpoint/2010/main" val="3134282496"/>
+      </p:ext>
+    </p:extLst>
+  </p:cSld>
+  <p:clrMapOvr>
+    <a:masterClrMapping/>
+  </p:clrMapOvr>
+  <p:timing>
+    <p:tnLst>
+      <p:par>
+        <p:cTn id="1" dur="indefinite" restart="never" nodeType="tmRoot">
+          <p:childTnLst>
+            <p:seq concurrent="1" nextAc="seek">
+              <p:cTn id="2" dur="indefinite" nodeType="mainSeq">
+                <p:childTnLst>
+                  <p:par>
+                    <p:cTn id="3" fill="hold">
+                      <p:stCondLst>
+                        <p:cond delay="indefinite"/>
+                      </p:stCondLst>
+                      <p:childTnLst>
+                        <p:par>
+                          <p:cTn id="4" fill="hold">
+                            <p:stCondLst>
+                              <p:cond delay="0"/>
+                            </p:stCondLst>
+                            <p:childTnLst>
+                              <p:par>
+                                <p:cTn id="5" presetID="1" presetClass="entr" presetSubtype="0" fill="hold" grpId="0" nodeType="clickEffect">
+                                  <p:stCondLst>
+                                    <p:cond delay="0"/>
+                                  </p:stCondLst>
+                                  <p:childTnLst>
+                                    <p:set>
+                                      <p:cBhvr>
+                                        <p:cTn id="6" dur="1" fill="hold">
+                                          <p:stCondLst>
+                                            <p:cond delay="0"/>
+                                          </p:stCondLst>
+                                        </p:cTn>
+                                        <p:tgtEl>
+                                          <p:spTgt spid="22"/>
+                                        </p:tgtEl>
+                                        <p:attrNameLst>
+                                          <p:attrName>style.visibility</p:attrName>
+                                        </p:attrNameLst>
+                                      </p:cBhvr>
+                                      <p:to>
+                                        <p:strVal val="visible"/>
+                                      </p:to>
+                                    </p:set>
+                                  </p:childTnLst>
+                                </p:cTn>
+                              </p:par>
+                            </p:childTnLst>
+                          </p:cTn>
+                        </p:par>
+                      </p:childTnLst>
+                    </p:cTn>
+                  </p:par>
+                </p:childTnLst>
+              </p:cTn>
+              <p:prevCondLst>
+                <p:cond evt="onPrev" delay="0">
+                  <p:tgtEl>
+                    <p:sldTgt/>
+                  </p:tgtEl>
+                </p:cond>
+              </p:prevCondLst>
+              <p:nextCondLst>
+                <p:cond evt="onNext" delay="0">
+                  <p:tgtEl>
+                    <p:sldTgt/>
+                  </p:tgtEl>
+                </p:cond>
+              </p:nextCondLst>
+            </p:seq>
+          </p:childTnLst>
+        </p:cTn>
+      </p:par>
+    </p:tnLst>
+    <p:bldLst>
+      <p:bldP spid="22" grpId="0"/>
+    </p:bldLst>
+  </p:timing>
+</p:sld>
+</file>
+
+<file path=ppt/slides/slide9.xml><?xml version="1.0" encoding="utf-8"?>
+<p:sld xmlns:a="http://schemas.openxmlformats.org/drawingml/2006/main" xmlns:r="http://schemas.openxmlformats.org/officeDocument/2006/relationships" xmlns:p="http://schemas.openxmlformats.org/presentationml/2006/main" show="0">
+  <p:cSld>
+    <p:spTree>
+      <p:nvGrpSpPr>
+        <p:cNvPr id="1" name=""/>
+        <p:cNvGrpSpPr/>
+        <p:nvPr/>
+      </p:nvGrpSpPr>
+      <p:grpSpPr>
+        <a:xfrm>
+          <a:off x="0" y="0"/>
+          <a:ext cx="0" cy="0"/>
+          <a:chOff x="0" y="0"/>
+          <a:chExt cx="0" cy="0"/>
+        </a:xfrm>
+      </p:grpSpPr>
+      <p:sp>
+        <p:nvSpPr>
+          <p:cNvPr id="10" name="Rectangle 9">
+            <a:extLst>
+              <a:ext uri="{FF2B5EF4-FFF2-40B4-BE49-F238E27FC236}">
+                <a16:creationId xmlns:a16="http://schemas.microsoft.com/office/drawing/2014/main" id="{EBF87945-A001-489F-9D9B-7D9435F0B9CA}"/>
+              </a:ext>
+              <a:ext uri="{C183D7F6-B498-43B3-948B-1728B52AA6E4}">
+                <adec:decorative xmlns:adec="http://schemas.microsoft.com/office/drawing/2017/decorative" val="1"/>
+              </a:ext>
+            </a:extLst>
+          </p:cNvPr>
+          <p:cNvSpPr>
+            <a:spLocks noGrp="1" noRot="1" noChangeAspect="1" noMove="1" noResize="1" noEditPoints="1" noAdjustHandles="1" noChangeArrowheads="1" noChangeShapeType="1" noTextEdit="1"/>
+          </p:cNvSpPr>
+          <p:nvPr>
+            <p:custDataLst>
+              <p:tags r:id="rId1"/>
+            </p:custDataLst>
+            <p:extLst>
+              <p:ext uri="{386F3935-93C4-4BCD-93E2-E3B085C9AB24}">
+                <p16:designElem xmlns:p16="http://schemas.microsoft.com/office/powerpoint/2015/main" val="1"/>
+              </p:ext>
+            </p:extLst>
+          </p:nvPr>
+        </p:nvSpPr>
+        <p:spPr>
+          <a:xfrm>
+            <a:off x="0" y="1"/>
+            <a:ext cx="12192000" cy="1911096"/>
+          </a:xfrm>
+          <a:prstGeom prst="rect">
+            <a:avLst/>
+          </a:prstGeom>
+          <a:solidFill>
+            <a:schemeClr val="accent5"/>
+          </a:solidFill>
+          <a:ln>
+            <a:noFill/>
+          </a:ln>
+        </p:spPr>
+        <p:style>
+          <a:lnRef idx="2">
+            <a:schemeClr val="accent1">
+              <a:shade val="50000"/>
+            </a:schemeClr>
+          </a:lnRef>
+          <a:fillRef idx="1">
+            <a:schemeClr val="accent1"/>
+          </a:fillRef>
+          <a:effectRef idx="0">
+            <a:schemeClr val="accent1"/>
+          </a:effectRef>
+          <a:fontRef idx="minor">
+            <a:schemeClr val="lt1"/>
+          </a:fontRef>
+        </p:style>
+        <p:txBody>
+          <a:bodyPr rtlCol="0" anchor="ctr"/>
+          <a:lstStyle/>
+          <a:p>
+            <a:pPr algn="ctr"/>
+            <a:endParaRPr lang="en-US"/>
+          </a:p>
+        </p:txBody>
+      </p:sp>
+      <p:sp>
+        <p:nvSpPr>
+          <p:cNvPr id="2" name="Title 1"/>
+          <p:cNvSpPr>
+            <a:spLocks noGrp="1"/>
+          </p:cNvSpPr>
+          <p:nvPr>
+            <p:ph type="title"/>
+            <p:custDataLst>
+              <p:tags r:id="rId2"/>
+            </p:custDataLst>
+          </p:nvPr>
+        </p:nvSpPr>
+        <p:spPr>
+          <a:xfrm>
+            <a:off x="838200" y="365760"/>
+            <a:ext cx="10515600" cy="1325563"/>
+          </a:xfrm>
+        </p:spPr>
+        <p:txBody>
+          <a:bodyPr>
+            <a:normAutofit/>
+          </a:bodyPr>
+          <a:lstStyle/>
+          <a:p>
+            <a:r>
+              <a:rPr lang="en-US" dirty="0">
+                <a:solidFill>
+                  <a:schemeClr val="bg1"/>
+                </a:solidFill>
+              </a:rPr>
+              <a:t>Notions </a:t>
+            </a:r>
+            <a:r>
+              <a:rPr lang="en-US" dirty="0" err="1">
+                <a:solidFill>
+                  <a:schemeClr val="bg1"/>
+                </a:solidFill>
+              </a:rPr>
+              <a:t>préalables</a:t>
+            </a:r>
+            <a:endParaRPr lang="en-CA" dirty="0">
+              <a:solidFill>
+                <a:schemeClr val="bg1"/>
+              </a:solidFill>
+            </a:endParaRPr>
+          </a:p>
+        </p:txBody>
+      </p:sp>
+      <p:sp>
+        <p:nvSpPr>
+          <p:cNvPr id="4" name="TextBox 3">
+            <a:extLst>
+              <a:ext uri="{FF2B5EF4-FFF2-40B4-BE49-F238E27FC236}">
+                <a16:creationId xmlns:a16="http://schemas.microsoft.com/office/drawing/2014/main" id="{9E5C05BB-5C43-4EB1-B2CF-1E9B7EE6F6B9}"/>
+              </a:ext>
+            </a:extLst>
+          </p:cNvPr>
+          <p:cNvSpPr txBox="1"/>
+          <p:nvPr/>
+        </p:nvSpPr>
+        <p:spPr>
+          <a:xfrm>
+            <a:off x="0" y="2057082"/>
+            <a:ext cx="12192000" cy="3108543"/>
+          </a:xfrm>
+          <a:prstGeom prst="rect">
+            <a:avLst/>
+          </a:prstGeom>
+          <a:noFill/>
+        </p:spPr>
+        <p:txBody>
+          <a:bodyPr wrap="square" rtlCol="0">
+            <a:spAutoFit/>
+          </a:bodyPr>
+          <a:lstStyle/>
+          <a:p>
+            <a:pPr marL="285750" indent="-285750">
+              <a:buFontTx/>
+              <a:buChar char="-"/>
+            </a:pPr>
+            <a:r>
+              <a:rPr lang="fr-CA" sz="2800" dirty="0"/>
+              <a:t>Mécanique classique</a:t>
+            </a:r>
+          </a:p>
+          <a:p>
+            <a:pPr marL="285750" indent="-285750">
+              <a:buFontTx/>
+              <a:buChar char="-"/>
+            </a:pPr>
+            <a:r>
+              <a:rPr lang="fr-CA" sz="2800" dirty="0"/>
+              <a:t>Fonctions</a:t>
+            </a:r>
+          </a:p>
+          <a:p>
+            <a:pPr marL="285750" indent="-285750">
+              <a:buFontTx/>
+              <a:buChar char="-"/>
+            </a:pPr>
+            <a:r>
+              <a:rPr lang="fr-CA" sz="2800" dirty="0"/>
+              <a:t>Nombre imaginaire</a:t>
+            </a:r>
+          </a:p>
+          <a:p>
+            <a:pPr marL="285750" indent="-285750">
+              <a:buFontTx/>
+              <a:buChar char="-"/>
+            </a:pPr>
+            <a:r>
+              <a:rPr lang="fr-CA" sz="2800" dirty="0"/>
+              <a:t>Dérivé</a:t>
+            </a:r>
+          </a:p>
+          <a:p>
+            <a:pPr marL="285750" indent="-285750">
+              <a:buFontTx/>
+              <a:buChar char="-"/>
+            </a:pPr>
+            <a:r>
+              <a:rPr lang="fr-CA" sz="2800" dirty="0"/>
+              <a:t>Intégrales</a:t>
+            </a:r>
+          </a:p>
+          <a:p>
+            <a:pPr marL="285750" indent="-285750">
+              <a:buFontTx/>
+              <a:buChar char="-"/>
+            </a:pPr>
+            <a:r>
+              <a:rPr lang="fr-CA" sz="2800" dirty="0"/>
+              <a:t>Matrices</a:t>
+            </a:r>
+          </a:p>
+          <a:p>
+            <a:pPr marL="285750" indent="-285750">
+              <a:buFontTx/>
+              <a:buChar char="-"/>
+            </a:pPr>
+            <a:endParaRPr lang="fr-CA" sz="2800" dirty="0"/>
+          </a:p>
+        </p:txBody>
+      </p:sp>
+    </p:spTree>
+    <p:extLst>
+      <p:ext uri="{BB962C8B-B14F-4D97-AF65-F5344CB8AC3E}">
+        <p14:creationId xmlns:p14="http://schemas.microsoft.com/office/powerpoint/2010/main" val="2753890676"/>
       </p:ext>
     </p:extLst>
   </p:cSld>
@@ -9524,6 +10376,18 @@
 </file>
 
 <file path=ppt/tags/tag17.xml><?xml version="1.0" encoding="utf-8"?>
+<p:tagLst xmlns:a="http://schemas.openxmlformats.org/drawingml/2006/main" xmlns:r="http://schemas.openxmlformats.org/officeDocument/2006/relationships" xmlns:p="http://schemas.openxmlformats.org/presentationml/2006/main">
+  <p:tag name="NUM" val="2"/>
+</p:tagLst>
+</file>
+
+<file path=ppt/tags/tag18.xml><?xml version="1.0" encoding="utf-8"?>
+<p:tagLst xmlns:a="http://schemas.openxmlformats.org/drawingml/2006/main" xmlns:r="http://schemas.openxmlformats.org/officeDocument/2006/relationships" xmlns:p="http://schemas.openxmlformats.org/presentationml/2006/main">
+  <p:tag name="NUM" val="1"/>
+</p:tagLst>
+</file>
+
+<file path=ppt/tags/tag19.xml><?xml version="1.0" encoding="utf-8"?>
 <p:tagLst xmlns:a="http://schemas.openxmlformats.org/drawingml/2006/main" xmlns:r="http://schemas.openxmlformats.org/officeDocument/2006/relationships" xmlns:p="http://schemas.openxmlformats.org/presentationml/2006/main">
   <p:tag name="NUM" val="2"/>
 </p:tagLst>

--- a/FR/1_Introduction/Introduction.pptx
+++ b/FR/1_Introduction/Introduction.pptx
@@ -5,18 +5,22 @@
     <p:sldMasterId id="2147483725" r:id="rId1"/>
   </p:sldMasterIdLst>
   <p:notesMasterIdLst>
-    <p:notesMasterId r:id="rId11"/>
+    <p:notesMasterId r:id="rId15"/>
   </p:notesMasterIdLst>
   <p:sldIdLst>
     <p:sldId id="275" r:id="rId2"/>
     <p:sldId id="260" r:id="rId3"/>
     <p:sldId id="282" r:id="rId4"/>
-    <p:sldId id="283" r:id="rId5"/>
-    <p:sldId id="278" r:id="rId6"/>
-    <p:sldId id="279" r:id="rId7"/>
-    <p:sldId id="280" r:id="rId8"/>
-    <p:sldId id="281" r:id="rId9"/>
-    <p:sldId id="284" r:id="rId10"/>
+    <p:sldId id="285" r:id="rId5"/>
+    <p:sldId id="286" r:id="rId6"/>
+    <p:sldId id="287" r:id="rId7"/>
+    <p:sldId id="289" r:id="rId8"/>
+    <p:sldId id="291" r:id="rId9"/>
+    <p:sldId id="278" r:id="rId10"/>
+    <p:sldId id="279" r:id="rId11"/>
+    <p:sldId id="280" r:id="rId12"/>
+    <p:sldId id="281" r:id="rId13"/>
+    <p:sldId id="284" r:id="rId14"/>
   </p:sldIdLst>
   <p:sldSz cx="12192000" cy="6858000"/>
   <p:notesSz cx="6858000" cy="9144000"/>
@@ -225,7 +229,7 @@
           <a:p>
             <a:fld id="{75689CD1-46B6-4E21-9A38-6827C35460BF}" type="datetimeFigureOut">
               <a:rPr lang="en-CA" smtClean="0"/>
-              <a:t>2020-01-31</a:t>
+              <a:t>2020-02-15</a:t>
             </a:fld>
             <a:endParaRPr lang="en-CA"/>
           </a:p>
@@ -642,7 +646,7 @@
           <a:p>
             <a:fld id="{FDBD420C-7621-46C4-B0D7-0A7E12FF1E5F}" type="datetimeFigureOut">
               <a:rPr lang="en-CA" smtClean="0"/>
-              <a:t>2020-01-31</a:t>
+              <a:t>2020-02-15</a:t>
             </a:fld>
             <a:endParaRPr lang="en-CA"/>
           </a:p>
@@ -842,7 +846,7 @@
           <a:p>
             <a:fld id="{FDBD420C-7621-46C4-B0D7-0A7E12FF1E5F}" type="datetimeFigureOut">
               <a:rPr lang="en-CA" smtClean="0"/>
-              <a:t>2020-01-31</a:t>
+              <a:t>2020-02-15</a:t>
             </a:fld>
             <a:endParaRPr lang="en-CA"/>
           </a:p>
@@ -1052,7 +1056,7 @@
           <a:p>
             <a:fld id="{FDBD420C-7621-46C4-B0D7-0A7E12FF1E5F}" type="datetimeFigureOut">
               <a:rPr lang="en-CA" smtClean="0"/>
-              <a:t>2020-01-31</a:t>
+              <a:t>2020-02-15</a:t>
             </a:fld>
             <a:endParaRPr lang="en-CA"/>
           </a:p>
@@ -1252,7 +1256,7 @@
           <a:p>
             <a:fld id="{FDBD420C-7621-46C4-B0D7-0A7E12FF1E5F}" type="datetimeFigureOut">
               <a:rPr lang="en-CA" smtClean="0"/>
-              <a:t>2020-01-31</a:t>
+              <a:t>2020-02-15</a:t>
             </a:fld>
             <a:endParaRPr lang="en-CA"/>
           </a:p>
@@ -1528,7 +1532,7 @@
           <a:p>
             <a:fld id="{FDBD420C-7621-46C4-B0D7-0A7E12FF1E5F}" type="datetimeFigureOut">
               <a:rPr lang="en-CA" smtClean="0"/>
-              <a:t>2020-01-31</a:t>
+              <a:t>2020-02-15</a:t>
             </a:fld>
             <a:endParaRPr lang="en-CA"/>
           </a:p>
@@ -1796,7 +1800,7 @@
           <a:p>
             <a:fld id="{FDBD420C-7621-46C4-B0D7-0A7E12FF1E5F}" type="datetimeFigureOut">
               <a:rPr lang="en-CA" smtClean="0"/>
-              <a:t>2020-01-31</a:t>
+              <a:t>2020-02-15</a:t>
             </a:fld>
             <a:endParaRPr lang="en-CA"/>
           </a:p>
@@ -2211,7 +2215,7 @@
           <a:p>
             <a:fld id="{FDBD420C-7621-46C4-B0D7-0A7E12FF1E5F}" type="datetimeFigureOut">
               <a:rPr lang="en-CA" smtClean="0"/>
-              <a:t>2020-01-31</a:t>
+              <a:t>2020-02-15</a:t>
             </a:fld>
             <a:endParaRPr lang="en-CA"/>
           </a:p>
@@ -2353,7 +2357,7 @@
           <a:p>
             <a:fld id="{FDBD420C-7621-46C4-B0D7-0A7E12FF1E5F}" type="datetimeFigureOut">
               <a:rPr lang="en-CA" smtClean="0"/>
-              <a:t>2020-01-31</a:t>
+              <a:t>2020-02-15</a:t>
             </a:fld>
             <a:endParaRPr lang="en-CA"/>
           </a:p>
@@ -2466,7 +2470,7 @@
           <a:p>
             <a:fld id="{FDBD420C-7621-46C4-B0D7-0A7E12FF1E5F}" type="datetimeFigureOut">
               <a:rPr lang="en-CA" smtClean="0"/>
-              <a:t>2020-01-31</a:t>
+              <a:t>2020-02-15</a:t>
             </a:fld>
             <a:endParaRPr lang="en-CA"/>
           </a:p>
@@ -2779,7 +2783,7 @@
           <a:p>
             <a:fld id="{FDBD420C-7621-46C4-B0D7-0A7E12FF1E5F}" type="datetimeFigureOut">
               <a:rPr lang="en-CA" smtClean="0"/>
-              <a:t>2020-01-31</a:t>
+              <a:t>2020-02-15</a:t>
             </a:fld>
             <a:endParaRPr lang="en-CA"/>
           </a:p>
@@ -3068,7 +3072,7 @@
           <a:p>
             <a:fld id="{FDBD420C-7621-46C4-B0D7-0A7E12FF1E5F}" type="datetimeFigureOut">
               <a:rPr lang="en-CA" smtClean="0"/>
-              <a:t>2020-01-31</a:t>
+              <a:t>2020-02-15</a:t>
             </a:fld>
             <a:endParaRPr lang="en-CA"/>
           </a:p>
@@ -3311,7 +3315,7 @@
           <a:p>
             <a:fld id="{FDBD420C-7621-46C4-B0D7-0A7E12FF1E5F}" type="datetimeFigureOut">
               <a:rPr lang="en-CA" smtClean="0"/>
-              <a:t>2020-01-31</a:t>
+              <a:t>2020-02-15</a:t>
             </a:fld>
             <a:endParaRPr lang="en-CA"/>
           </a:p>
@@ -4001,1911 +4005,7 @@
 </p:sld>
 </file>
 
-<file path=ppt/slides/slide2.xml><?xml version="1.0" encoding="utf-8"?>
-<p:sld xmlns:a="http://schemas.openxmlformats.org/drawingml/2006/main" xmlns:r="http://schemas.openxmlformats.org/officeDocument/2006/relationships" xmlns:p="http://schemas.openxmlformats.org/presentationml/2006/main">
-  <p:cSld>
-    <p:bg>
-      <p:bgPr>
-        <a:solidFill>
-          <a:schemeClr val="bg1"/>
-        </a:solidFill>
-        <a:effectLst/>
-      </p:bgPr>
-    </p:bg>
-    <p:spTree>
-      <p:nvGrpSpPr>
-        <p:cNvPr id="1" name=""/>
-        <p:cNvGrpSpPr/>
-        <p:nvPr/>
-      </p:nvGrpSpPr>
-      <p:grpSpPr>
-        <a:xfrm>
-          <a:off x="0" y="0"/>
-          <a:ext cx="0" cy="0"/>
-          <a:chOff x="0" y="0"/>
-          <a:chExt cx="0" cy="0"/>
-        </a:xfrm>
-      </p:grpSpPr>
-      <p:sp>
-        <p:nvSpPr>
-          <p:cNvPr id="10" name="Rectangle 9">
-            <a:extLst>
-              <a:ext uri="{FF2B5EF4-FFF2-40B4-BE49-F238E27FC236}">
-                <a16:creationId xmlns:a16="http://schemas.microsoft.com/office/drawing/2014/main" id="{EBF87945-A001-489F-9D9B-7D9435F0B9CA}"/>
-              </a:ext>
-              <a:ext uri="{C183D7F6-B498-43B3-948B-1728B52AA6E4}">
-                <adec:decorative xmlns:adec="http://schemas.microsoft.com/office/drawing/2017/decorative" val="1"/>
-              </a:ext>
-            </a:extLst>
-          </p:cNvPr>
-          <p:cNvSpPr>
-            <a:spLocks noGrp="1" noRot="1" noChangeAspect="1" noMove="1" noResize="1" noEditPoints="1" noAdjustHandles="1" noChangeArrowheads="1" noChangeShapeType="1" noTextEdit="1"/>
-          </p:cNvSpPr>
-          <p:nvPr>
-            <p:custDataLst>
-              <p:tags r:id="rId1"/>
-            </p:custDataLst>
-            <p:extLst>
-              <p:ext uri="{386F3935-93C4-4BCD-93E2-E3B085C9AB24}">
-                <p16:designElem xmlns:p16="http://schemas.microsoft.com/office/powerpoint/2015/main" val="1"/>
-              </p:ext>
-            </p:extLst>
-          </p:nvPr>
-        </p:nvSpPr>
-        <p:spPr>
-          <a:xfrm>
-            <a:off x="0" y="1"/>
-            <a:ext cx="12192000" cy="1911096"/>
-          </a:xfrm>
-          <a:prstGeom prst="rect">
-            <a:avLst/>
-          </a:prstGeom>
-          <a:solidFill>
-            <a:schemeClr val="accent5"/>
-          </a:solidFill>
-          <a:ln>
-            <a:noFill/>
-          </a:ln>
-        </p:spPr>
-        <p:style>
-          <a:lnRef idx="2">
-            <a:schemeClr val="accent1">
-              <a:shade val="50000"/>
-            </a:schemeClr>
-          </a:lnRef>
-          <a:fillRef idx="1">
-            <a:schemeClr val="accent1"/>
-          </a:fillRef>
-          <a:effectRef idx="0">
-            <a:schemeClr val="accent1"/>
-          </a:effectRef>
-          <a:fontRef idx="minor">
-            <a:schemeClr val="lt1"/>
-          </a:fontRef>
-        </p:style>
-        <p:txBody>
-          <a:bodyPr rtlCol="0" anchor="ctr"/>
-          <a:lstStyle/>
-          <a:p>
-            <a:pPr algn="ctr"/>
-            <a:endParaRPr lang="en-US"/>
-          </a:p>
-        </p:txBody>
-      </p:sp>
-      <p:sp>
-        <p:nvSpPr>
-          <p:cNvPr id="2" name="Title 1"/>
-          <p:cNvSpPr>
-            <a:spLocks noGrp="1"/>
-          </p:cNvSpPr>
-          <p:nvPr>
-            <p:ph type="title"/>
-            <p:custDataLst>
-              <p:tags r:id="rId2"/>
-            </p:custDataLst>
-          </p:nvPr>
-        </p:nvSpPr>
-        <p:spPr>
-          <a:xfrm>
-            <a:off x="838200" y="365760"/>
-            <a:ext cx="10515600" cy="1325563"/>
-          </a:xfrm>
-        </p:spPr>
-        <p:txBody>
-          <a:bodyPr>
-            <a:normAutofit/>
-          </a:bodyPr>
-          <a:lstStyle/>
-          <a:p>
-            <a:r>
-              <a:rPr lang="en-US" dirty="0">
-                <a:solidFill>
-                  <a:schemeClr val="bg1"/>
-                </a:solidFill>
-              </a:rPr>
-              <a:t>Classique</a:t>
-            </a:r>
-            <a:endParaRPr lang="en-CA" dirty="0">
-              <a:solidFill>
-                <a:schemeClr val="bg1"/>
-              </a:solidFill>
-            </a:endParaRPr>
-          </a:p>
-        </p:txBody>
-      </p:sp>
-      <p:pic>
-        <p:nvPicPr>
-          <p:cNvPr id="12" name="Picture 11">
-            <a:extLst>
-              <a:ext uri="{FF2B5EF4-FFF2-40B4-BE49-F238E27FC236}">
-                <a16:creationId xmlns:a16="http://schemas.microsoft.com/office/drawing/2014/main" id="{8EAF6AA4-C24C-4433-B39D-459E4D2E3878}"/>
-              </a:ext>
-            </a:extLst>
-          </p:cNvPr>
-          <p:cNvPicPr>
-            <a:picLocks noChangeAspect="1"/>
-          </p:cNvPicPr>
-          <p:nvPr/>
-        </p:nvPicPr>
-        <p:blipFill>
-          <a:blip r:embed="rId4"/>
-          <a:stretch>
-            <a:fillRect/>
-          </a:stretch>
-        </p:blipFill>
-        <p:spPr>
-          <a:xfrm>
-            <a:off x="450165" y="2081364"/>
-            <a:ext cx="3567571" cy="3710632"/>
-          </a:xfrm>
-          <a:prstGeom prst="rect">
-            <a:avLst/>
-          </a:prstGeom>
-        </p:spPr>
-      </p:pic>
-    </p:spTree>
-    <p:extLst>
-      <p:ext uri="{BB962C8B-B14F-4D97-AF65-F5344CB8AC3E}">
-        <p14:creationId xmlns:p14="http://schemas.microsoft.com/office/powerpoint/2010/main" val="3104208272"/>
-      </p:ext>
-    </p:extLst>
-  </p:cSld>
-  <p:clrMapOvr>
-    <a:masterClrMapping/>
-  </p:clrMapOvr>
-</p:sld>
-</file>
-
-<file path=ppt/slides/slide3.xml><?xml version="1.0" encoding="utf-8"?>
-<p:sld xmlns:a="http://schemas.openxmlformats.org/drawingml/2006/main" xmlns:r="http://schemas.openxmlformats.org/officeDocument/2006/relationships" xmlns:p="http://schemas.openxmlformats.org/presentationml/2006/main">
-  <p:cSld>
-    <p:spTree>
-      <p:nvGrpSpPr>
-        <p:cNvPr id="1" name=""/>
-        <p:cNvGrpSpPr/>
-        <p:nvPr/>
-      </p:nvGrpSpPr>
-      <p:grpSpPr>
-        <a:xfrm>
-          <a:off x="0" y="0"/>
-          <a:ext cx="0" cy="0"/>
-          <a:chOff x="0" y="0"/>
-          <a:chExt cx="0" cy="0"/>
-        </a:xfrm>
-      </p:grpSpPr>
-      <p:sp>
-        <p:nvSpPr>
-          <p:cNvPr id="4" name="Title 3">
-            <a:extLst>
-              <a:ext uri="{FF2B5EF4-FFF2-40B4-BE49-F238E27FC236}">
-                <a16:creationId xmlns:a16="http://schemas.microsoft.com/office/drawing/2014/main" id="{BB9EC2FE-2CD1-4781-B78F-CD2AE0C35659}"/>
-              </a:ext>
-            </a:extLst>
-          </p:cNvPr>
-          <p:cNvSpPr>
-            <a:spLocks noGrp="1"/>
-          </p:cNvSpPr>
-          <p:nvPr>
-            <p:ph type="title"/>
-          </p:nvPr>
-        </p:nvSpPr>
-        <p:spPr/>
-        <p:txBody>
-          <a:bodyPr/>
-          <a:lstStyle/>
-          <a:p>
-            <a:endParaRPr lang="en-CA"/>
-          </a:p>
-        </p:txBody>
-      </p:sp>
-      <p:pic>
-        <p:nvPicPr>
-          <p:cNvPr id="8" name="!!!pendule" descr="A picture containing kite, flying, man, colorful&#10;&#10;Description automatically generated">
-            <a:extLst>
-              <a:ext uri="{FF2B5EF4-FFF2-40B4-BE49-F238E27FC236}">
-                <a16:creationId xmlns:a16="http://schemas.microsoft.com/office/drawing/2014/main" id="{8D4C6364-DBCA-4CD7-8DBD-1772C631A1F7}"/>
-              </a:ext>
-            </a:extLst>
-          </p:cNvPr>
-          <p:cNvPicPr>
-            <a:picLocks noChangeAspect="1"/>
-          </p:cNvPicPr>
-          <p:nvPr/>
-        </p:nvPicPr>
-        <p:blipFill>
-          <a:blip r:embed="rId4">
-            <a:extLst>
-              <a:ext uri="{28A0092B-C50C-407E-A947-70E740481C1C}">
-                <a14:useLocalDpi xmlns:a14="http://schemas.microsoft.com/office/drawing/2010/main" val="0"/>
-              </a:ext>
-            </a:extLst>
-          </a:blip>
-          <a:stretch>
-            <a:fillRect/>
-          </a:stretch>
-        </p:blipFill>
-        <p:spPr>
-          <a:xfrm>
-            <a:off x="245056" y="2142150"/>
-            <a:ext cx="3376685" cy="3953850"/>
-          </a:xfrm>
-          <a:prstGeom prst="rect">
-            <a:avLst/>
-          </a:prstGeom>
-        </p:spPr>
-      </p:pic>
-      <p:sp>
-        <p:nvSpPr>
-          <p:cNvPr id="11" name="Rectangle 10">
-            <a:extLst>
-              <a:ext uri="{FF2B5EF4-FFF2-40B4-BE49-F238E27FC236}">
-                <a16:creationId xmlns:a16="http://schemas.microsoft.com/office/drawing/2014/main" id="{31BA503A-7974-4E4D-BD80-19CE256294A7}"/>
-              </a:ext>
-              <a:ext uri="{C183D7F6-B498-43B3-948B-1728B52AA6E4}">
-                <adec:decorative xmlns:adec="http://schemas.microsoft.com/office/drawing/2017/decorative" val="1"/>
-              </a:ext>
-            </a:extLst>
-          </p:cNvPr>
-          <p:cNvSpPr>
-            <a:spLocks noGrp="1" noRot="1" noChangeAspect="1" noMove="1" noResize="1" noEditPoints="1" noAdjustHandles="1" noChangeArrowheads="1" noChangeShapeType="1" noTextEdit="1"/>
-          </p:cNvSpPr>
-          <p:nvPr>
-            <p:custDataLst>
-              <p:tags r:id="rId1"/>
-            </p:custDataLst>
-            <p:extLst>
-              <p:ext uri="{386F3935-93C4-4BCD-93E2-E3B085C9AB24}">
-                <p16:designElem xmlns:p16="http://schemas.microsoft.com/office/powerpoint/2015/main" val="1"/>
-              </p:ext>
-            </p:extLst>
-          </p:nvPr>
-        </p:nvSpPr>
-        <p:spPr>
-          <a:xfrm>
-            <a:off x="0" y="1"/>
-            <a:ext cx="12192000" cy="1911096"/>
-          </a:xfrm>
-          <a:prstGeom prst="rect">
-            <a:avLst/>
-          </a:prstGeom>
-          <a:solidFill>
-            <a:schemeClr val="accent5"/>
-          </a:solidFill>
-          <a:ln>
-            <a:noFill/>
-          </a:ln>
-        </p:spPr>
-        <p:style>
-          <a:lnRef idx="2">
-            <a:schemeClr val="accent1">
-              <a:shade val="50000"/>
-            </a:schemeClr>
-          </a:lnRef>
-          <a:fillRef idx="1">
-            <a:schemeClr val="accent1"/>
-          </a:fillRef>
-          <a:effectRef idx="0">
-            <a:schemeClr val="accent1"/>
-          </a:effectRef>
-          <a:fontRef idx="minor">
-            <a:schemeClr val="lt1"/>
-          </a:fontRef>
-        </p:style>
-        <p:txBody>
-          <a:bodyPr rtlCol="0" anchor="ctr"/>
-          <a:lstStyle/>
-          <a:p>
-            <a:pPr algn="ctr"/>
-            <a:endParaRPr lang="en-US"/>
-          </a:p>
-        </p:txBody>
-      </p:sp>
-      <p:sp>
-        <p:nvSpPr>
-          <p:cNvPr id="12" name="Title 1">
-            <a:extLst>
-              <a:ext uri="{FF2B5EF4-FFF2-40B4-BE49-F238E27FC236}">
-                <a16:creationId xmlns:a16="http://schemas.microsoft.com/office/drawing/2014/main" id="{08057AE9-A547-4238-86ED-8FB6B01E2D51}"/>
-              </a:ext>
-            </a:extLst>
-          </p:cNvPr>
-          <p:cNvSpPr txBox="1">
-            <a:spLocks/>
-          </p:cNvSpPr>
-          <p:nvPr>
-            <p:custDataLst>
-              <p:tags r:id="rId2"/>
-            </p:custDataLst>
-          </p:nvPr>
-        </p:nvSpPr>
-        <p:spPr>
-          <a:xfrm>
-            <a:off x="838200" y="365760"/>
-            <a:ext cx="10515600" cy="1325563"/>
-          </a:xfrm>
-          <a:prstGeom prst="rect">
-            <a:avLst/>
-          </a:prstGeom>
-        </p:spPr>
-        <p:txBody>
-          <a:bodyPr vert="horz" lIns="91440" tIns="45720" rIns="91440" bIns="45720" rtlCol="0" anchor="ctr">
-            <a:normAutofit/>
-          </a:bodyPr>
-          <a:lstStyle>
-            <a:lvl1pPr algn="l" defTabSz="914400" rtl="0" eaLnBrk="1" latinLnBrk="0" hangingPunct="1">
-              <a:lnSpc>
-                <a:spcPct val="90000"/>
-              </a:lnSpc>
-              <a:spcBef>
-                <a:spcPct val="0"/>
-              </a:spcBef>
-              <a:buNone/>
-              <a:defRPr sz="4400" kern="1200">
-                <a:solidFill>
-                  <a:schemeClr val="tx1"/>
-                </a:solidFill>
-                <a:latin typeface="+mj-lt"/>
-                <a:ea typeface="+mj-ea"/>
-                <a:cs typeface="+mj-cs"/>
-              </a:defRPr>
-            </a:lvl1pPr>
-          </a:lstStyle>
-          <a:p>
-            <a:r>
-              <a:rPr lang="en-US" dirty="0">
-                <a:solidFill>
-                  <a:schemeClr val="bg1"/>
-                </a:solidFill>
-              </a:rPr>
-              <a:t>Classique</a:t>
-            </a:r>
-            <a:endParaRPr lang="en-CA" dirty="0">
-              <a:solidFill>
-                <a:schemeClr val="bg1"/>
-              </a:solidFill>
-            </a:endParaRPr>
-          </a:p>
-        </p:txBody>
-      </p:sp>
-      <mc:AlternateContent xmlns:mc="http://schemas.openxmlformats.org/markup-compatibility/2006" xmlns:a14="http://schemas.microsoft.com/office/drawing/2010/main">
-        <mc:Choice Requires="a14">
-          <p:sp>
-            <p:nvSpPr>
-              <p:cNvPr id="13" name="TextBox 12">
-                <a:extLst>
-                  <a:ext uri="{FF2B5EF4-FFF2-40B4-BE49-F238E27FC236}">
-                    <a16:creationId xmlns:a16="http://schemas.microsoft.com/office/drawing/2014/main" id="{16B3EFF4-B7E7-46B1-9EFA-968D741CF47E}"/>
-                  </a:ext>
-                </a:extLst>
-              </p:cNvPr>
-              <p:cNvSpPr txBox="1"/>
-              <p:nvPr/>
-            </p:nvSpPr>
-            <p:spPr>
-              <a:xfrm>
-                <a:off x="838200" y="6033254"/>
-                <a:ext cx="2424703" cy="587597"/>
-              </a:xfrm>
-              <a:prstGeom prst="rect">
-                <a:avLst/>
-              </a:prstGeom>
-              <a:noFill/>
-            </p:spPr>
-            <p:txBody>
-              <a:bodyPr wrap="none" lIns="0" tIns="0" rIns="0" bIns="0" rtlCol="0">
-                <a:spAutoFit/>
-              </a:bodyPr>
-              <a:lstStyle/>
-              <a:p>
-                <a:r>
-                  <a:rPr lang="en-CA" b="0" i="1" dirty="0">
-                    <a:latin typeface="Cambria Math" panose="02040503050406030204" pitchFamily="18" charset="0"/>
-                  </a:rPr>
-                  <a:t>Équation du </a:t>
-                </a:r>
-                <a:r>
-                  <a:rPr lang="en-CA" b="0" i="1" dirty="0" err="1">
-                    <a:latin typeface="Cambria Math" panose="02040503050406030204" pitchFamily="18" charset="0"/>
-                  </a:rPr>
-                  <a:t>mouvement</a:t>
-                </a:r>
-                <a:endParaRPr lang="en-CA" b="0" i="1" dirty="0">
-                  <a:latin typeface="Cambria Math" panose="02040503050406030204" pitchFamily="18" charset="0"/>
-                </a:endParaRPr>
-              </a:p>
-              <a:p>
-                <a:pPr/>
-                <a14:m>
-                  <m:oMathPara xmlns:m="http://schemas.openxmlformats.org/officeDocument/2006/math">
-                    <m:oMathParaPr>
-                      <m:jc m:val="centerGroup"/>
-                    </m:oMathParaPr>
-                    <m:oMath xmlns:m="http://schemas.openxmlformats.org/officeDocument/2006/math">
-                      <m:sSub>
-                        <m:sSubPr>
-                          <m:ctrlPr>
-                            <a:rPr lang="en-CA" i="1">
-                              <a:latin typeface="Cambria Math" panose="02040503050406030204" pitchFamily="18" charset="0"/>
-                            </a:rPr>
-                          </m:ctrlPr>
-                        </m:sSubPr>
-                        <m:e>
-                          <m:r>
-                            <a:rPr lang="en-CA" i="1">
-                              <a:latin typeface="Cambria Math" panose="02040503050406030204" pitchFamily="18" charset="0"/>
-                            </a:rPr>
-                            <m:t>∑</m:t>
-                          </m:r>
-                        </m:e>
-                        <m:sub>
-                          <m:r>
-                            <a:rPr lang="en-CA" b="0" i="1" smtClean="0">
-                              <a:latin typeface="Cambria Math" panose="02040503050406030204" pitchFamily="18" charset="0"/>
-                            </a:rPr>
-                            <m:t>𝑖</m:t>
-                          </m:r>
-                        </m:sub>
-                      </m:sSub>
-                      <m:sSub>
-                        <m:sSubPr>
-                          <m:ctrlPr>
-                            <a:rPr lang="en-CA" i="1">
-                              <a:latin typeface="Cambria Math" panose="02040503050406030204" pitchFamily="18" charset="0"/>
-                            </a:rPr>
-                          </m:ctrlPr>
-                        </m:sSubPr>
-                        <m:e>
-                          <m:acc>
-                            <m:accPr>
-                              <m:chr m:val="⃗"/>
-                              <m:ctrlPr>
-                                <a:rPr lang="en-CA" b="0" i="1" dirty="0" smtClean="0">
-                                  <a:latin typeface="Cambria Math" panose="02040503050406030204" pitchFamily="18" charset="0"/>
-                                </a:rPr>
-                              </m:ctrlPr>
-                            </m:accPr>
-                            <m:e>
-                              <m:r>
-                                <a:rPr lang="en-CA" b="0" i="1" dirty="0" smtClean="0">
-                                  <a:latin typeface="Cambria Math" panose="02040503050406030204" pitchFamily="18" charset="0"/>
-                                </a:rPr>
-                                <m:t>𝐹</m:t>
-                              </m:r>
-                            </m:e>
-                          </m:acc>
-                        </m:e>
-                        <m:sub>
-                          <m:r>
-                            <a:rPr lang="en-CA" b="0" i="1" smtClean="0">
-                              <a:latin typeface="Cambria Math" panose="02040503050406030204" pitchFamily="18" charset="0"/>
-                            </a:rPr>
-                            <m:t>𝑖</m:t>
-                          </m:r>
-                        </m:sub>
-                      </m:sSub>
-                      <m:r>
-                        <a:rPr lang="en-CA" b="0" i="1" smtClean="0">
-                          <a:latin typeface="Cambria Math" panose="02040503050406030204" pitchFamily="18" charset="0"/>
-                        </a:rPr>
-                        <m:t>= </m:t>
-                      </m:r>
-                      <m:r>
-                        <a:rPr lang="en-CA" b="0" i="1" smtClean="0">
-                          <a:latin typeface="Cambria Math" panose="02040503050406030204" pitchFamily="18" charset="0"/>
-                        </a:rPr>
-                        <m:t>𝑚</m:t>
-                      </m:r>
-                      <m:acc>
-                        <m:accPr>
-                          <m:chr m:val="⃗"/>
-                          <m:ctrlPr>
-                            <a:rPr lang="en-CA" b="0" i="1" smtClean="0">
-                              <a:latin typeface="Cambria Math" panose="02040503050406030204" pitchFamily="18" charset="0"/>
-                            </a:rPr>
-                          </m:ctrlPr>
-                        </m:accPr>
-                        <m:e>
-                          <m:r>
-                            <a:rPr lang="en-CA" b="0" i="1" smtClean="0">
-                              <a:latin typeface="Cambria Math" panose="02040503050406030204" pitchFamily="18" charset="0"/>
-                            </a:rPr>
-                            <m:t>𝑎</m:t>
-                          </m:r>
-                        </m:e>
-                      </m:acc>
-                    </m:oMath>
-                  </m:oMathPara>
-                </a14:m>
-                <a:endParaRPr lang="en-CA" dirty="0"/>
-              </a:p>
-            </p:txBody>
-          </p:sp>
-        </mc:Choice>
-        <mc:Fallback xmlns="">
-          <p:sp>
-            <p:nvSpPr>
-              <p:cNvPr id="13" name="TextBox 12">
-                <a:extLst>
-                  <a:ext uri="{FF2B5EF4-FFF2-40B4-BE49-F238E27FC236}">
-                    <a16:creationId xmlns:a16="http://schemas.microsoft.com/office/drawing/2014/main" id="{16B3EFF4-B7E7-46B1-9EFA-968D741CF47E}"/>
-                  </a:ext>
-                </a:extLst>
-              </p:cNvPr>
-              <p:cNvSpPr txBox="1">
-                <a:spLocks noRot="1" noChangeAspect="1" noMove="1" noResize="1" noEditPoints="1" noAdjustHandles="1" noChangeArrowheads="1" noChangeShapeType="1" noTextEdit="1"/>
-              </p:cNvSpPr>
-              <p:nvPr/>
-            </p:nvSpPr>
-            <p:spPr>
-              <a:xfrm>
-                <a:off x="838200" y="6033254"/>
-                <a:ext cx="2424703" cy="587597"/>
-              </a:xfrm>
-              <a:prstGeom prst="rect">
-                <a:avLst/>
-              </a:prstGeom>
-              <a:blipFill>
-                <a:blip r:embed="rId5"/>
-                <a:stretch>
-                  <a:fillRect l="-6045" t="-14583" r="-5793" b="-16667"/>
-                </a:stretch>
-              </a:blipFill>
-            </p:spPr>
-            <p:txBody>
-              <a:bodyPr/>
-              <a:lstStyle/>
-              <a:p>
-                <a:r>
-                  <a:rPr lang="en-CA">
-                    <a:noFill/>
-                  </a:rPr>
-                  <a:t> </a:t>
-                </a:r>
-              </a:p>
-            </p:txBody>
-          </p:sp>
-        </mc:Fallback>
-      </mc:AlternateContent>
-    </p:spTree>
-    <p:extLst>
-      <p:ext uri="{BB962C8B-B14F-4D97-AF65-F5344CB8AC3E}">
-        <p14:creationId xmlns:p14="http://schemas.microsoft.com/office/powerpoint/2010/main" val="1524590120"/>
-      </p:ext>
-    </p:extLst>
-  </p:cSld>
-  <p:clrMapOvr>
-    <a:masterClrMapping/>
-  </p:clrMapOvr>
-  <p:timing>
-    <p:tnLst>
-      <p:par>
-        <p:cTn id="1" dur="indefinite" restart="never" nodeType="tmRoot">
-          <p:childTnLst>
-            <p:seq concurrent="1" nextAc="seek">
-              <p:cTn id="2" dur="indefinite" nodeType="mainSeq">
-                <p:childTnLst>
-                  <p:par>
-                    <p:cTn id="3" fill="hold">
-                      <p:stCondLst>
-                        <p:cond delay="indefinite"/>
-                      </p:stCondLst>
-                      <p:childTnLst>
-                        <p:par>
-                          <p:cTn id="4" fill="hold">
-                            <p:stCondLst>
-                              <p:cond delay="0"/>
-                            </p:stCondLst>
-                            <p:childTnLst>
-                              <p:par>
-                                <p:cTn id="5" presetID="1" presetClass="entr" presetSubtype="0" fill="hold" grpId="0" nodeType="clickEffect">
-                                  <p:stCondLst>
-                                    <p:cond delay="0"/>
-                                  </p:stCondLst>
-                                  <p:childTnLst>
-                                    <p:set>
-                                      <p:cBhvr>
-                                        <p:cTn id="6" dur="1" fill="hold">
-                                          <p:stCondLst>
-                                            <p:cond delay="0"/>
-                                          </p:stCondLst>
-                                        </p:cTn>
-                                        <p:tgtEl>
-                                          <p:spTgt spid="13"/>
-                                        </p:tgtEl>
-                                        <p:attrNameLst>
-                                          <p:attrName>style.visibility</p:attrName>
-                                        </p:attrNameLst>
-                                      </p:cBhvr>
-                                      <p:to>
-                                        <p:strVal val="visible"/>
-                                      </p:to>
-                                    </p:set>
-                                  </p:childTnLst>
-                                </p:cTn>
-                              </p:par>
-                            </p:childTnLst>
-                          </p:cTn>
-                        </p:par>
-                      </p:childTnLst>
-                    </p:cTn>
-                  </p:par>
-                </p:childTnLst>
-              </p:cTn>
-              <p:prevCondLst>
-                <p:cond evt="onPrev" delay="0">
-                  <p:tgtEl>
-                    <p:sldTgt/>
-                  </p:tgtEl>
-                </p:cond>
-              </p:prevCondLst>
-              <p:nextCondLst>
-                <p:cond evt="onNext" delay="0">
-                  <p:tgtEl>
-                    <p:sldTgt/>
-                  </p:tgtEl>
-                </p:cond>
-              </p:nextCondLst>
-            </p:seq>
-          </p:childTnLst>
-        </p:cTn>
-      </p:par>
-    </p:tnLst>
-    <p:bldLst>
-      <p:bldP spid="13" grpId="0"/>
-    </p:bldLst>
-  </p:timing>
-</p:sld>
-</file>
-
-<file path=ppt/slides/slide4.xml><?xml version="1.0" encoding="utf-8"?>
-<p:sld xmlns:a="http://schemas.openxmlformats.org/drawingml/2006/main" xmlns:r="http://schemas.openxmlformats.org/officeDocument/2006/relationships" xmlns:p="http://schemas.openxmlformats.org/presentationml/2006/main">
-  <p:cSld>
-    <p:spTree>
-      <p:nvGrpSpPr>
-        <p:cNvPr id="1" name=""/>
-        <p:cNvGrpSpPr/>
-        <p:nvPr/>
-      </p:nvGrpSpPr>
-      <p:grpSpPr>
-        <a:xfrm>
-          <a:off x="0" y="0"/>
-          <a:ext cx="0" cy="0"/>
-          <a:chOff x="0" y="0"/>
-          <a:chExt cx="0" cy="0"/>
-        </a:xfrm>
-      </p:grpSpPr>
-      <p:sp>
-        <p:nvSpPr>
-          <p:cNvPr id="4" name="!!! Title">
-            <a:extLst>
-              <a:ext uri="{FF2B5EF4-FFF2-40B4-BE49-F238E27FC236}">
-                <a16:creationId xmlns:a16="http://schemas.microsoft.com/office/drawing/2014/main" id="{BB9EC2FE-2CD1-4781-B78F-CD2AE0C35659}"/>
-              </a:ext>
-            </a:extLst>
-          </p:cNvPr>
-          <p:cNvSpPr>
-            <a:spLocks noGrp="1"/>
-          </p:cNvSpPr>
-          <p:nvPr>
-            <p:ph type="title"/>
-          </p:nvPr>
-        </p:nvSpPr>
-        <p:spPr/>
-        <p:txBody>
-          <a:bodyPr/>
-          <a:lstStyle/>
-          <a:p>
-            <a:endParaRPr lang="en-CA" dirty="0"/>
-          </a:p>
-        </p:txBody>
-      </p:sp>
-      <p:pic>
-        <p:nvPicPr>
-          <p:cNvPr id="8" name="!!!pendule" descr="A picture containing kite, flying, man, colorful&#10;&#10;Description automatically generated">
-            <a:extLst>
-              <a:ext uri="{FF2B5EF4-FFF2-40B4-BE49-F238E27FC236}">
-                <a16:creationId xmlns:a16="http://schemas.microsoft.com/office/drawing/2014/main" id="{8D4C6364-DBCA-4CD7-8DBD-1772C631A1F7}"/>
-              </a:ext>
-            </a:extLst>
-          </p:cNvPr>
-          <p:cNvPicPr>
-            <a:picLocks noChangeAspect="1"/>
-          </p:cNvPicPr>
-          <p:nvPr/>
-        </p:nvPicPr>
-        <p:blipFill>
-          <a:blip r:embed="rId4" cstate="print">
-            <a:extLst>
-              <a:ext uri="{28A0092B-C50C-407E-A947-70E740481C1C}">
-                <a14:useLocalDpi xmlns:a14="http://schemas.microsoft.com/office/drawing/2010/main" val="0"/>
-              </a:ext>
-            </a:extLst>
-          </a:blip>
-          <a:stretch>
-            <a:fillRect/>
-          </a:stretch>
-        </p:blipFill>
-        <p:spPr>
-          <a:xfrm>
-            <a:off x="1916569" y="4356847"/>
-            <a:ext cx="153121" cy="179293"/>
-          </a:xfrm>
-          <a:prstGeom prst="rect">
-            <a:avLst/>
-          </a:prstGeom>
-        </p:spPr>
-      </p:pic>
-      <p:sp>
-        <p:nvSpPr>
-          <p:cNvPr id="11" name="Rectangle 10">
-            <a:extLst>
-              <a:ext uri="{FF2B5EF4-FFF2-40B4-BE49-F238E27FC236}">
-                <a16:creationId xmlns:a16="http://schemas.microsoft.com/office/drawing/2014/main" id="{31BA503A-7974-4E4D-BD80-19CE256294A7}"/>
-              </a:ext>
-              <a:ext uri="{C183D7F6-B498-43B3-948B-1728B52AA6E4}">
-                <adec:decorative xmlns:adec="http://schemas.microsoft.com/office/drawing/2017/decorative" val="1"/>
-              </a:ext>
-            </a:extLst>
-          </p:cNvPr>
-          <p:cNvSpPr>
-            <a:spLocks noGrp="1" noRot="1" noChangeAspect="1" noMove="1" noResize="1" noEditPoints="1" noAdjustHandles="1" noChangeArrowheads="1" noChangeShapeType="1" noTextEdit="1"/>
-          </p:cNvSpPr>
-          <p:nvPr>
-            <p:custDataLst>
-              <p:tags r:id="rId1"/>
-            </p:custDataLst>
-            <p:extLst>
-              <p:ext uri="{386F3935-93C4-4BCD-93E2-E3B085C9AB24}">
-                <p16:designElem xmlns:p16="http://schemas.microsoft.com/office/powerpoint/2015/main" val="1"/>
-              </p:ext>
-            </p:extLst>
-          </p:nvPr>
-        </p:nvSpPr>
-        <p:spPr>
-          <a:xfrm>
-            <a:off x="0" y="1"/>
-            <a:ext cx="12192000" cy="1911096"/>
-          </a:xfrm>
-          <a:prstGeom prst="rect">
-            <a:avLst/>
-          </a:prstGeom>
-          <a:solidFill>
-            <a:schemeClr val="accent5"/>
-          </a:solidFill>
-          <a:ln>
-            <a:noFill/>
-          </a:ln>
-        </p:spPr>
-        <p:style>
-          <a:lnRef idx="2">
-            <a:schemeClr val="accent1">
-              <a:shade val="50000"/>
-            </a:schemeClr>
-          </a:lnRef>
-          <a:fillRef idx="1">
-            <a:schemeClr val="accent1"/>
-          </a:fillRef>
-          <a:effectRef idx="0">
-            <a:schemeClr val="accent1"/>
-          </a:effectRef>
-          <a:fontRef idx="minor">
-            <a:schemeClr val="lt1"/>
-          </a:fontRef>
-        </p:style>
-        <p:txBody>
-          <a:bodyPr rtlCol="0" anchor="ctr"/>
-          <a:lstStyle/>
-          <a:p>
-            <a:pPr algn="ctr"/>
-            <a:endParaRPr lang="en-US"/>
-          </a:p>
-        </p:txBody>
-      </p:sp>
-      <p:sp>
-        <p:nvSpPr>
-          <p:cNvPr id="12" name="Title 1">
-            <a:extLst>
-              <a:ext uri="{FF2B5EF4-FFF2-40B4-BE49-F238E27FC236}">
-                <a16:creationId xmlns:a16="http://schemas.microsoft.com/office/drawing/2014/main" id="{08057AE9-A547-4238-86ED-8FB6B01E2D51}"/>
-              </a:ext>
-            </a:extLst>
-          </p:cNvPr>
-          <p:cNvSpPr txBox="1">
-            <a:spLocks/>
-          </p:cNvSpPr>
-          <p:nvPr>
-            <p:custDataLst>
-              <p:tags r:id="rId2"/>
-            </p:custDataLst>
-          </p:nvPr>
-        </p:nvSpPr>
-        <p:spPr>
-          <a:xfrm>
-            <a:off x="838200" y="365760"/>
-            <a:ext cx="10515600" cy="1325563"/>
-          </a:xfrm>
-          <a:prstGeom prst="rect">
-            <a:avLst/>
-          </a:prstGeom>
-        </p:spPr>
-        <p:txBody>
-          <a:bodyPr vert="horz" lIns="91440" tIns="45720" rIns="91440" bIns="45720" rtlCol="0" anchor="ctr">
-            <a:normAutofit/>
-          </a:bodyPr>
-          <a:lstStyle>
-            <a:lvl1pPr algn="l" defTabSz="914400" rtl="0" eaLnBrk="1" latinLnBrk="0" hangingPunct="1">
-              <a:lnSpc>
-                <a:spcPct val="90000"/>
-              </a:lnSpc>
-              <a:spcBef>
-                <a:spcPct val="0"/>
-              </a:spcBef>
-              <a:buNone/>
-              <a:defRPr sz="4400" kern="1200">
-                <a:solidFill>
-                  <a:schemeClr val="tx1"/>
-                </a:solidFill>
-                <a:latin typeface="+mj-lt"/>
-                <a:ea typeface="+mj-ea"/>
-                <a:cs typeface="+mj-cs"/>
-              </a:defRPr>
-            </a:lvl1pPr>
-          </a:lstStyle>
-          <a:p>
-            <a:r>
-              <a:rPr lang="en-US" dirty="0">
-                <a:solidFill>
-                  <a:schemeClr val="bg1"/>
-                </a:solidFill>
-              </a:rPr>
-              <a:t>Classique</a:t>
-            </a:r>
-            <a:endParaRPr lang="en-CA" dirty="0">
-              <a:solidFill>
-                <a:schemeClr val="bg1"/>
-              </a:solidFill>
-            </a:endParaRPr>
-          </a:p>
-        </p:txBody>
-      </p:sp>
-      <mc:AlternateContent xmlns:mc="http://schemas.openxmlformats.org/markup-compatibility/2006" xmlns:a14="http://schemas.microsoft.com/office/drawing/2010/main">
-        <mc:Choice Requires="a14">
-          <p:sp>
-            <p:nvSpPr>
-              <p:cNvPr id="7" name="TextBox 6">
-                <a:extLst>
-                  <a:ext uri="{FF2B5EF4-FFF2-40B4-BE49-F238E27FC236}">
-                    <a16:creationId xmlns:a16="http://schemas.microsoft.com/office/drawing/2014/main" id="{D974251C-C027-4E14-B425-D419FF01BB99}"/>
-                  </a:ext>
-                </a:extLst>
-              </p:cNvPr>
-              <p:cNvSpPr txBox="1"/>
-              <p:nvPr/>
-            </p:nvSpPr>
-            <p:spPr>
-              <a:xfrm>
-                <a:off x="838200" y="6033254"/>
-                <a:ext cx="2424703" cy="587597"/>
-              </a:xfrm>
-              <a:prstGeom prst="rect">
-                <a:avLst/>
-              </a:prstGeom>
-              <a:noFill/>
-            </p:spPr>
-            <p:txBody>
-              <a:bodyPr wrap="none" lIns="0" tIns="0" rIns="0" bIns="0" rtlCol="0">
-                <a:spAutoFit/>
-              </a:bodyPr>
-              <a:lstStyle/>
-              <a:p>
-                <a:r>
-                  <a:rPr lang="en-CA" b="0" i="1" dirty="0">
-                    <a:latin typeface="Cambria Math" panose="02040503050406030204" pitchFamily="18" charset="0"/>
-                  </a:rPr>
-                  <a:t>Équation du </a:t>
-                </a:r>
-                <a:r>
-                  <a:rPr lang="en-CA" b="0" i="1" dirty="0" err="1">
-                    <a:latin typeface="Cambria Math" panose="02040503050406030204" pitchFamily="18" charset="0"/>
-                  </a:rPr>
-                  <a:t>mouvement</a:t>
-                </a:r>
-                <a:endParaRPr lang="en-CA" b="0" i="1" dirty="0">
-                  <a:latin typeface="Cambria Math" panose="02040503050406030204" pitchFamily="18" charset="0"/>
-                </a:endParaRPr>
-              </a:p>
-              <a:p>
-                <a:pPr/>
-                <a14:m>
-                  <m:oMathPara xmlns:m="http://schemas.openxmlformats.org/officeDocument/2006/math">
-                    <m:oMathParaPr>
-                      <m:jc m:val="centerGroup"/>
-                    </m:oMathParaPr>
-                    <m:oMath xmlns:m="http://schemas.openxmlformats.org/officeDocument/2006/math">
-                      <m:sSub>
-                        <m:sSubPr>
-                          <m:ctrlPr>
-                            <a:rPr lang="en-CA" i="1">
-                              <a:latin typeface="Cambria Math" panose="02040503050406030204" pitchFamily="18" charset="0"/>
-                            </a:rPr>
-                          </m:ctrlPr>
-                        </m:sSubPr>
-                        <m:e>
-                          <m:r>
-                            <a:rPr lang="en-CA" i="1">
-                              <a:latin typeface="Cambria Math" panose="02040503050406030204" pitchFamily="18" charset="0"/>
-                            </a:rPr>
-                            <m:t>∑</m:t>
-                          </m:r>
-                        </m:e>
-                        <m:sub>
-                          <m:r>
-                            <a:rPr lang="en-CA" b="0" i="1" smtClean="0">
-                              <a:latin typeface="Cambria Math" panose="02040503050406030204" pitchFamily="18" charset="0"/>
-                            </a:rPr>
-                            <m:t>𝑖</m:t>
-                          </m:r>
-                        </m:sub>
-                      </m:sSub>
-                      <m:sSub>
-                        <m:sSubPr>
-                          <m:ctrlPr>
-                            <a:rPr lang="en-CA" i="1">
-                              <a:latin typeface="Cambria Math" panose="02040503050406030204" pitchFamily="18" charset="0"/>
-                            </a:rPr>
-                          </m:ctrlPr>
-                        </m:sSubPr>
-                        <m:e>
-                          <m:acc>
-                            <m:accPr>
-                              <m:chr m:val="⃗"/>
-                              <m:ctrlPr>
-                                <a:rPr lang="en-CA" b="0" i="1" dirty="0" smtClean="0">
-                                  <a:latin typeface="Cambria Math" panose="02040503050406030204" pitchFamily="18" charset="0"/>
-                                </a:rPr>
-                              </m:ctrlPr>
-                            </m:accPr>
-                            <m:e>
-                              <m:r>
-                                <a:rPr lang="en-CA" b="0" i="1" dirty="0" smtClean="0">
-                                  <a:latin typeface="Cambria Math" panose="02040503050406030204" pitchFamily="18" charset="0"/>
-                                </a:rPr>
-                                <m:t>𝐹</m:t>
-                              </m:r>
-                            </m:e>
-                          </m:acc>
-                        </m:e>
-                        <m:sub>
-                          <m:r>
-                            <a:rPr lang="en-CA" b="0" i="1" smtClean="0">
-                              <a:latin typeface="Cambria Math" panose="02040503050406030204" pitchFamily="18" charset="0"/>
-                            </a:rPr>
-                            <m:t>𝑖</m:t>
-                          </m:r>
-                        </m:sub>
-                      </m:sSub>
-                      <m:r>
-                        <a:rPr lang="en-CA" b="0" i="1" smtClean="0">
-                          <a:latin typeface="Cambria Math" panose="02040503050406030204" pitchFamily="18" charset="0"/>
-                        </a:rPr>
-                        <m:t>= </m:t>
-                      </m:r>
-                      <m:r>
-                        <a:rPr lang="en-CA" b="0" i="1" smtClean="0">
-                          <a:latin typeface="Cambria Math" panose="02040503050406030204" pitchFamily="18" charset="0"/>
-                        </a:rPr>
-                        <m:t>𝑚</m:t>
-                      </m:r>
-                      <m:acc>
-                        <m:accPr>
-                          <m:chr m:val="⃗"/>
-                          <m:ctrlPr>
-                            <a:rPr lang="en-CA" b="0" i="1" smtClean="0">
-                              <a:latin typeface="Cambria Math" panose="02040503050406030204" pitchFamily="18" charset="0"/>
-                            </a:rPr>
-                          </m:ctrlPr>
-                        </m:accPr>
-                        <m:e>
-                          <m:r>
-                            <a:rPr lang="en-CA" b="0" i="1" smtClean="0">
-                              <a:latin typeface="Cambria Math" panose="02040503050406030204" pitchFamily="18" charset="0"/>
-                            </a:rPr>
-                            <m:t>𝑎</m:t>
-                          </m:r>
-                        </m:e>
-                      </m:acc>
-                    </m:oMath>
-                  </m:oMathPara>
-                </a14:m>
-                <a:endParaRPr lang="en-CA" dirty="0"/>
-              </a:p>
-            </p:txBody>
-          </p:sp>
-        </mc:Choice>
-        <mc:Fallback xmlns="">
-          <p:sp>
-            <p:nvSpPr>
-              <p:cNvPr id="7" name="TextBox 6">
-                <a:extLst>
-                  <a:ext uri="{FF2B5EF4-FFF2-40B4-BE49-F238E27FC236}">
-                    <a16:creationId xmlns:a16="http://schemas.microsoft.com/office/drawing/2014/main" id="{D974251C-C027-4E14-B425-D419FF01BB99}"/>
-                  </a:ext>
-                </a:extLst>
-              </p:cNvPr>
-              <p:cNvSpPr txBox="1">
-                <a:spLocks noRot="1" noChangeAspect="1" noMove="1" noResize="1" noEditPoints="1" noAdjustHandles="1" noChangeArrowheads="1" noChangeShapeType="1" noTextEdit="1"/>
-              </p:cNvSpPr>
-              <p:nvPr/>
-            </p:nvSpPr>
-            <p:spPr>
-              <a:xfrm>
-                <a:off x="838200" y="6033254"/>
-                <a:ext cx="2424703" cy="587597"/>
-              </a:xfrm>
-              <a:prstGeom prst="rect">
-                <a:avLst/>
-              </a:prstGeom>
-              <a:blipFill>
-                <a:blip r:embed="rId5"/>
-                <a:stretch>
-                  <a:fillRect l="-6045" t="-14583" r="-5793" b="-16667"/>
-                </a:stretch>
-              </a:blipFill>
-            </p:spPr>
-            <p:txBody>
-              <a:bodyPr/>
-              <a:lstStyle/>
-              <a:p>
-                <a:r>
-                  <a:rPr lang="fr-CA">
-                    <a:noFill/>
-                  </a:rPr>
-                  <a:t> </a:t>
-                </a:r>
-              </a:p>
-            </p:txBody>
-          </p:sp>
-        </mc:Fallback>
-      </mc:AlternateContent>
-    </p:spTree>
-    <p:extLst>
-      <p:ext uri="{BB962C8B-B14F-4D97-AF65-F5344CB8AC3E}">
-        <p14:creationId xmlns:p14="http://schemas.microsoft.com/office/powerpoint/2010/main" val="1673891309"/>
-      </p:ext>
-    </p:extLst>
-  </p:cSld>
-  <p:clrMapOvr>
-    <a:masterClrMapping/>
-  </p:clrMapOvr>
-  <mc:AlternateContent xmlns:mc="http://schemas.openxmlformats.org/markup-compatibility/2006" xmlns:p159="http://schemas.microsoft.com/office/powerpoint/2015/09/main">
-    <mc:Choice Requires="p159">
-      <p:transition xmlns:p14="http://schemas.microsoft.com/office/powerpoint/2010/main" spd="slow" p14:dur="2000">
-        <p159:morph option="byObject"/>
-      </p:transition>
-    </mc:Choice>
-    <mc:Fallback xmlns="">
-      <p:transition spd="slow">
-        <p:fade/>
-      </p:transition>
-    </mc:Fallback>
-  </mc:AlternateContent>
-  <p:timing>
-    <p:tnLst>
-      <p:par>
-        <p:cTn id="1" dur="indefinite" restart="never" nodeType="tmRoot">
-          <p:childTnLst>
-            <p:seq concurrent="1" nextAc="seek">
-              <p:cTn id="2" dur="indefinite" nodeType="mainSeq">
-                <p:childTnLst>
-                  <p:par>
-                    <p:cTn id="3" fill="hold">
-                      <p:stCondLst>
-                        <p:cond delay="indefinite"/>
-                      </p:stCondLst>
-                      <p:childTnLst>
-                        <p:par>
-                          <p:cTn id="4" fill="hold">
-                            <p:stCondLst>
-                              <p:cond delay="0"/>
-                            </p:stCondLst>
-                            <p:childTnLst>
-                              <p:par>
-                                <p:cTn id="5" presetID="1" presetClass="entr" presetSubtype="0" fill="hold" grpId="0" nodeType="clickEffect">
-                                  <p:stCondLst>
-                                    <p:cond delay="0"/>
-                                  </p:stCondLst>
-                                  <p:childTnLst>
-                                    <p:set>
-                                      <p:cBhvr>
-                                        <p:cTn id="6" dur="1" fill="hold">
-                                          <p:stCondLst>
-                                            <p:cond delay="0"/>
-                                          </p:stCondLst>
-                                        </p:cTn>
-                                        <p:tgtEl>
-                                          <p:spTgt spid="7"/>
-                                        </p:tgtEl>
-                                        <p:attrNameLst>
-                                          <p:attrName>style.visibility</p:attrName>
-                                        </p:attrNameLst>
-                                      </p:cBhvr>
-                                      <p:to>
-                                        <p:strVal val="visible"/>
-                                      </p:to>
-                                    </p:set>
-                                  </p:childTnLst>
-                                </p:cTn>
-                              </p:par>
-                            </p:childTnLst>
-                          </p:cTn>
-                        </p:par>
-                      </p:childTnLst>
-                    </p:cTn>
-                  </p:par>
-                </p:childTnLst>
-              </p:cTn>
-              <p:prevCondLst>
-                <p:cond evt="onPrev" delay="0">
-                  <p:tgtEl>
-                    <p:sldTgt/>
-                  </p:tgtEl>
-                </p:cond>
-              </p:prevCondLst>
-              <p:nextCondLst>
-                <p:cond evt="onNext" delay="0">
-                  <p:tgtEl>
-                    <p:sldTgt/>
-                  </p:tgtEl>
-                </p:cond>
-              </p:nextCondLst>
-            </p:seq>
-          </p:childTnLst>
-        </p:cTn>
-      </p:par>
-    </p:tnLst>
-    <p:bldLst>
-      <p:bldP spid="7" grpId="0"/>
-    </p:bldLst>
-  </p:timing>
-</p:sld>
-</file>
-
-<file path=ppt/slides/slide5.xml><?xml version="1.0" encoding="utf-8"?>
-<p:sld xmlns:a="http://schemas.openxmlformats.org/drawingml/2006/main" xmlns:r="http://schemas.openxmlformats.org/officeDocument/2006/relationships" xmlns:p="http://schemas.openxmlformats.org/presentationml/2006/main">
-  <p:cSld>
-    <p:spTree>
-      <p:nvGrpSpPr>
-        <p:cNvPr id="1" name=""/>
-        <p:cNvGrpSpPr/>
-        <p:nvPr/>
-      </p:nvGrpSpPr>
-      <p:grpSpPr>
-        <a:xfrm>
-          <a:off x="0" y="0"/>
-          <a:ext cx="0" cy="0"/>
-          <a:chOff x="0" y="0"/>
-          <a:chExt cx="0" cy="0"/>
-        </a:xfrm>
-      </p:grpSpPr>
-      <p:sp>
-        <p:nvSpPr>
-          <p:cNvPr id="10" name="Rectangle 9">
-            <a:extLst>
-              <a:ext uri="{FF2B5EF4-FFF2-40B4-BE49-F238E27FC236}">
-                <a16:creationId xmlns:a16="http://schemas.microsoft.com/office/drawing/2014/main" id="{EBF87945-A001-489F-9D9B-7D9435F0B9CA}"/>
-              </a:ext>
-              <a:ext uri="{C183D7F6-B498-43B3-948B-1728B52AA6E4}">
-                <adec:decorative xmlns:adec="http://schemas.microsoft.com/office/drawing/2017/decorative" val="1"/>
-              </a:ext>
-            </a:extLst>
-          </p:cNvPr>
-          <p:cNvSpPr>
-            <a:spLocks noGrp="1" noRot="1" noChangeAspect="1" noMove="1" noResize="1" noEditPoints="1" noAdjustHandles="1" noChangeArrowheads="1" noChangeShapeType="1" noTextEdit="1"/>
-          </p:cNvSpPr>
-          <p:nvPr>
-            <p:custDataLst>
-              <p:tags r:id="rId1"/>
-            </p:custDataLst>
-            <p:extLst>
-              <p:ext uri="{386F3935-93C4-4BCD-93E2-E3B085C9AB24}">
-                <p16:designElem xmlns:p16="http://schemas.microsoft.com/office/powerpoint/2015/main" val="1"/>
-              </p:ext>
-            </p:extLst>
-          </p:nvPr>
-        </p:nvSpPr>
-        <p:spPr>
-          <a:xfrm>
-            <a:off x="0" y="1"/>
-            <a:ext cx="12192000" cy="1911096"/>
-          </a:xfrm>
-          <a:prstGeom prst="rect">
-            <a:avLst/>
-          </a:prstGeom>
-          <a:solidFill>
-            <a:schemeClr val="accent5"/>
-          </a:solidFill>
-          <a:ln>
-            <a:noFill/>
-          </a:ln>
-        </p:spPr>
-        <p:style>
-          <a:lnRef idx="2">
-            <a:schemeClr val="accent1">
-              <a:shade val="50000"/>
-            </a:schemeClr>
-          </a:lnRef>
-          <a:fillRef idx="1">
-            <a:schemeClr val="accent1"/>
-          </a:fillRef>
-          <a:effectRef idx="0">
-            <a:schemeClr val="accent1"/>
-          </a:effectRef>
-          <a:fontRef idx="minor">
-            <a:schemeClr val="lt1"/>
-          </a:fontRef>
-        </p:style>
-        <p:txBody>
-          <a:bodyPr rtlCol="0" anchor="ctr"/>
-          <a:lstStyle/>
-          <a:p>
-            <a:pPr algn="ctr"/>
-            <a:endParaRPr lang="en-US"/>
-          </a:p>
-        </p:txBody>
-      </p:sp>
-      <p:sp>
-        <p:nvSpPr>
-          <p:cNvPr id="2" name="!!!Title"/>
-          <p:cNvSpPr>
-            <a:spLocks noGrp="1"/>
-          </p:cNvSpPr>
-          <p:nvPr>
-            <p:ph type="title"/>
-            <p:custDataLst>
-              <p:tags r:id="rId2"/>
-            </p:custDataLst>
-          </p:nvPr>
-        </p:nvSpPr>
-        <p:spPr>
-          <a:xfrm>
-            <a:off x="838200" y="365760"/>
-            <a:ext cx="10515600" cy="1325563"/>
-          </a:xfrm>
-        </p:spPr>
-        <p:txBody>
-          <a:bodyPr>
-            <a:normAutofit/>
-          </a:bodyPr>
-          <a:lstStyle/>
-          <a:p>
-            <a:r>
-              <a:rPr lang="en-US" dirty="0" err="1">
-                <a:solidFill>
-                  <a:schemeClr val="bg1"/>
-                </a:solidFill>
-              </a:rPr>
-              <a:t>Classique</a:t>
-            </a:r>
-            <a:r>
-              <a:rPr lang="en-US" dirty="0">
-                <a:solidFill>
-                  <a:schemeClr val="bg1"/>
-                </a:solidFill>
-              </a:rPr>
-              <a:t>                 </a:t>
-            </a:r>
-            <a:r>
-              <a:rPr lang="en-US" dirty="0" err="1">
-                <a:solidFill>
-                  <a:schemeClr val="bg1"/>
-                </a:solidFill>
-              </a:rPr>
-              <a:t>Vs</a:t>
-            </a:r>
-            <a:r>
-              <a:rPr lang="en-US" dirty="0">
-                <a:solidFill>
-                  <a:schemeClr val="bg1"/>
-                </a:solidFill>
-              </a:rPr>
-              <a:t>               </a:t>
-            </a:r>
-            <a:r>
-              <a:rPr lang="en-US" dirty="0" err="1">
-                <a:solidFill>
-                  <a:schemeClr val="bg1"/>
-                </a:solidFill>
-              </a:rPr>
-              <a:t>Quantique</a:t>
-            </a:r>
-            <a:endParaRPr lang="en-CA" dirty="0">
-              <a:solidFill>
-                <a:schemeClr val="bg1"/>
-              </a:solidFill>
-            </a:endParaRPr>
-          </a:p>
-        </p:txBody>
-      </p:sp>
-      <p:sp>
-        <p:nvSpPr>
-          <p:cNvPr id="8" name="Oval 7"/>
-          <p:cNvSpPr/>
-          <p:nvPr/>
-        </p:nvSpPr>
-        <p:spPr>
-          <a:xfrm>
-            <a:off x="8489576" y="3146611"/>
-            <a:ext cx="188258" cy="179294"/>
-          </a:xfrm>
-          <a:prstGeom prst="ellipse">
-            <a:avLst/>
-          </a:prstGeom>
-        </p:spPr>
-        <p:style>
-          <a:lnRef idx="2">
-            <a:schemeClr val="accent1">
-              <a:shade val="50000"/>
-            </a:schemeClr>
-          </a:lnRef>
-          <a:fillRef idx="1">
-            <a:schemeClr val="accent1"/>
-          </a:fillRef>
-          <a:effectRef idx="0">
-            <a:schemeClr val="accent1"/>
-          </a:effectRef>
-          <a:fontRef idx="minor">
-            <a:schemeClr val="lt1"/>
-          </a:fontRef>
-        </p:style>
-        <p:txBody>
-          <a:bodyPr rtlCol="0" anchor="ctr"/>
-          <a:lstStyle/>
-          <a:p>
-            <a:pPr algn="ctr"/>
-            <a:endParaRPr lang="en-CA"/>
-          </a:p>
-        </p:txBody>
-      </p:sp>
-      <p:sp>
-        <p:nvSpPr>
-          <p:cNvPr id="9" name="Oval 8"/>
-          <p:cNvSpPr/>
-          <p:nvPr/>
-        </p:nvSpPr>
-        <p:spPr>
-          <a:xfrm>
-            <a:off x="8758517" y="3146611"/>
-            <a:ext cx="188258" cy="179294"/>
-          </a:xfrm>
-          <a:prstGeom prst="ellipse">
-            <a:avLst/>
-          </a:prstGeom>
-        </p:spPr>
-        <p:style>
-          <a:lnRef idx="2">
-            <a:schemeClr val="accent1">
-              <a:shade val="50000"/>
-            </a:schemeClr>
-          </a:lnRef>
-          <a:fillRef idx="1">
-            <a:schemeClr val="accent1"/>
-          </a:fillRef>
-          <a:effectRef idx="0">
-            <a:schemeClr val="accent1"/>
-          </a:effectRef>
-          <a:fontRef idx="minor">
-            <a:schemeClr val="lt1"/>
-          </a:fontRef>
-        </p:style>
-        <p:txBody>
-          <a:bodyPr rtlCol="0" anchor="ctr"/>
-          <a:lstStyle/>
-          <a:p>
-            <a:pPr algn="ctr"/>
-            <a:endParaRPr lang="en-CA"/>
-          </a:p>
-        </p:txBody>
-      </p:sp>
-      <p:sp>
-        <p:nvSpPr>
-          <p:cNvPr id="11" name="Oval 10"/>
-          <p:cNvSpPr/>
-          <p:nvPr/>
-        </p:nvSpPr>
-        <p:spPr>
-          <a:xfrm>
-            <a:off x="9009528" y="3146611"/>
-            <a:ext cx="188258" cy="179294"/>
-          </a:xfrm>
-          <a:prstGeom prst="ellipse">
-            <a:avLst/>
-          </a:prstGeom>
-        </p:spPr>
-        <p:style>
-          <a:lnRef idx="2">
-            <a:schemeClr val="accent1">
-              <a:shade val="50000"/>
-            </a:schemeClr>
-          </a:lnRef>
-          <a:fillRef idx="1">
-            <a:schemeClr val="accent1"/>
-          </a:fillRef>
-          <a:effectRef idx="0">
-            <a:schemeClr val="accent1"/>
-          </a:effectRef>
-          <a:fontRef idx="minor">
-            <a:schemeClr val="lt1"/>
-          </a:fontRef>
-        </p:style>
-        <p:txBody>
-          <a:bodyPr rtlCol="0" anchor="ctr"/>
-          <a:lstStyle/>
-          <a:p>
-            <a:pPr algn="ctr"/>
-            <a:endParaRPr lang="en-CA"/>
-          </a:p>
-        </p:txBody>
-      </p:sp>
-      <p:sp>
-        <p:nvSpPr>
-          <p:cNvPr id="12" name="Oval 11"/>
-          <p:cNvSpPr/>
-          <p:nvPr/>
-        </p:nvSpPr>
-        <p:spPr>
-          <a:xfrm>
-            <a:off x="9278469" y="3146611"/>
-            <a:ext cx="188258" cy="179294"/>
-          </a:xfrm>
-          <a:prstGeom prst="ellipse">
-            <a:avLst/>
-          </a:prstGeom>
-        </p:spPr>
-        <p:style>
-          <a:lnRef idx="2">
-            <a:schemeClr val="accent1">
-              <a:shade val="50000"/>
-            </a:schemeClr>
-          </a:lnRef>
-          <a:fillRef idx="1">
-            <a:schemeClr val="accent1"/>
-          </a:fillRef>
-          <a:effectRef idx="0">
-            <a:schemeClr val="accent1"/>
-          </a:effectRef>
-          <a:fontRef idx="minor">
-            <a:schemeClr val="lt1"/>
-          </a:fontRef>
-        </p:style>
-        <p:txBody>
-          <a:bodyPr rtlCol="0" anchor="ctr"/>
-          <a:lstStyle/>
-          <a:p>
-            <a:pPr algn="ctr"/>
-            <a:endParaRPr lang="en-CA"/>
-          </a:p>
-        </p:txBody>
-      </p:sp>
-      <p:sp>
-        <p:nvSpPr>
-          <p:cNvPr id="4" name="TextBox 3"/>
-          <p:cNvSpPr txBox="1"/>
-          <p:nvPr/>
-        </p:nvSpPr>
-        <p:spPr>
-          <a:xfrm>
-            <a:off x="8825753" y="2742171"/>
-            <a:ext cx="506870" cy="369332"/>
-          </a:xfrm>
-          <a:prstGeom prst="rect">
-            <a:avLst/>
-          </a:prstGeom>
-          <a:noFill/>
-        </p:spPr>
-        <p:txBody>
-          <a:bodyPr wrap="none" rtlCol="0">
-            <a:spAutoFit/>
-          </a:bodyPr>
-          <a:lstStyle/>
-          <a:p>
-            <a:r>
-              <a:rPr lang="en-CA" dirty="0"/>
-              <a:t>???</a:t>
-            </a:r>
-          </a:p>
-        </p:txBody>
-      </p:sp>
-      <p:sp>
-        <p:nvSpPr>
-          <p:cNvPr id="13" name="Oval 12"/>
-          <p:cNvSpPr/>
-          <p:nvPr/>
-        </p:nvSpPr>
-        <p:spPr>
-          <a:xfrm>
-            <a:off x="8234084" y="3146611"/>
-            <a:ext cx="188258" cy="179294"/>
-          </a:xfrm>
-          <a:prstGeom prst="ellipse">
-            <a:avLst/>
-          </a:prstGeom>
-        </p:spPr>
-        <p:style>
-          <a:lnRef idx="2">
-            <a:schemeClr val="accent1">
-              <a:shade val="50000"/>
-            </a:schemeClr>
-          </a:lnRef>
-          <a:fillRef idx="1">
-            <a:schemeClr val="accent1"/>
-          </a:fillRef>
-          <a:effectRef idx="0">
-            <a:schemeClr val="accent1"/>
-          </a:effectRef>
-          <a:fontRef idx="minor">
-            <a:schemeClr val="lt1"/>
-          </a:fontRef>
-        </p:style>
-        <p:txBody>
-          <a:bodyPr rtlCol="0" anchor="ctr"/>
-          <a:lstStyle/>
-          <a:p>
-            <a:pPr algn="ctr"/>
-            <a:endParaRPr lang="en-CA"/>
-          </a:p>
-        </p:txBody>
-      </p:sp>
-      <p:sp>
-        <p:nvSpPr>
-          <p:cNvPr id="14" name="Oval 13"/>
-          <p:cNvSpPr/>
-          <p:nvPr/>
-        </p:nvSpPr>
-        <p:spPr>
-          <a:xfrm>
-            <a:off x="9538445" y="3146611"/>
-            <a:ext cx="188258" cy="179294"/>
-          </a:xfrm>
-          <a:prstGeom prst="ellipse">
-            <a:avLst/>
-          </a:prstGeom>
-        </p:spPr>
-        <p:style>
-          <a:lnRef idx="2">
-            <a:schemeClr val="accent1">
-              <a:shade val="50000"/>
-            </a:schemeClr>
-          </a:lnRef>
-          <a:fillRef idx="1">
-            <a:schemeClr val="accent1"/>
-          </a:fillRef>
-          <a:effectRef idx="0">
-            <a:schemeClr val="accent1"/>
-          </a:effectRef>
-          <a:fontRef idx="minor">
-            <a:schemeClr val="lt1"/>
-          </a:fontRef>
-        </p:style>
-        <p:txBody>
-          <a:bodyPr rtlCol="0" anchor="ctr"/>
-          <a:lstStyle/>
-          <a:p>
-            <a:pPr algn="ctr"/>
-            <a:endParaRPr lang="en-CA"/>
-          </a:p>
-        </p:txBody>
-      </p:sp>
-      <mc:AlternateContent xmlns:mc="http://schemas.openxmlformats.org/markup-compatibility/2006" xmlns:a14="http://schemas.microsoft.com/office/drawing/2010/main">
-        <mc:Choice Requires="a14">
-          <p:sp>
-            <p:nvSpPr>
-              <p:cNvPr id="16" name="TextBox 15">
-                <a:extLst>
-                  <a:ext uri="{FF2B5EF4-FFF2-40B4-BE49-F238E27FC236}">
-                    <a16:creationId xmlns:a16="http://schemas.microsoft.com/office/drawing/2014/main" id="{B1083DAA-BB11-46C1-90F7-D2FA06A4498D}"/>
-                  </a:ext>
-                </a:extLst>
-              </p:cNvPr>
-              <p:cNvSpPr txBox="1"/>
-              <p:nvPr/>
-            </p:nvSpPr>
-            <p:spPr>
-              <a:xfrm>
-                <a:off x="838200" y="6033254"/>
-                <a:ext cx="2424703" cy="587597"/>
-              </a:xfrm>
-              <a:prstGeom prst="rect">
-                <a:avLst/>
-              </a:prstGeom>
-              <a:noFill/>
-            </p:spPr>
-            <p:txBody>
-              <a:bodyPr wrap="none" lIns="0" tIns="0" rIns="0" bIns="0" rtlCol="0">
-                <a:spAutoFit/>
-              </a:bodyPr>
-              <a:lstStyle/>
-              <a:p>
-                <a:r>
-                  <a:rPr lang="en-CA" b="0" i="1" dirty="0">
-                    <a:latin typeface="Cambria Math" panose="02040503050406030204" pitchFamily="18" charset="0"/>
-                  </a:rPr>
-                  <a:t>Équation du </a:t>
-                </a:r>
-                <a:r>
-                  <a:rPr lang="en-CA" b="0" i="1" dirty="0" err="1">
-                    <a:latin typeface="Cambria Math" panose="02040503050406030204" pitchFamily="18" charset="0"/>
-                  </a:rPr>
-                  <a:t>mouvement</a:t>
-                </a:r>
-                <a:endParaRPr lang="en-CA" b="0" i="1" dirty="0">
-                  <a:latin typeface="Cambria Math" panose="02040503050406030204" pitchFamily="18" charset="0"/>
-                </a:endParaRPr>
-              </a:p>
-              <a:p>
-                <a:pPr/>
-                <a14:m>
-                  <m:oMathPara xmlns:m="http://schemas.openxmlformats.org/officeDocument/2006/math">
-                    <m:oMathParaPr>
-                      <m:jc m:val="centerGroup"/>
-                    </m:oMathParaPr>
-                    <m:oMath xmlns:m="http://schemas.openxmlformats.org/officeDocument/2006/math">
-                      <m:sSub>
-                        <m:sSubPr>
-                          <m:ctrlPr>
-                            <a:rPr lang="en-CA" i="1">
-                              <a:latin typeface="Cambria Math" panose="02040503050406030204" pitchFamily="18" charset="0"/>
-                            </a:rPr>
-                          </m:ctrlPr>
-                        </m:sSubPr>
-                        <m:e>
-                          <m:r>
-                            <a:rPr lang="en-CA" i="1">
-                              <a:latin typeface="Cambria Math" panose="02040503050406030204" pitchFamily="18" charset="0"/>
-                            </a:rPr>
-                            <m:t>∑</m:t>
-                          </m:r>
-                        </m:e>
-                        <m:sub>
-                          <m:r>
-                            <a:rPr lang="en-CA" b="0" i="1" smtClean="0">
-                              <a:latin typeface="Cambria Math" panose="02040503050406030204" pitchFamily="18" charset="0"/>
-                            </a:rPr>
-                            <m:t>𝑖</m:t>
-                          </m:r>
-                        </m:sub>
-                      </m:sSub>
-                      <m:sSub>
-                        <m:sSubPr>
-                          <m:ctrlPr>
-                            <a:rPr lang="en-CA" i="1">
-                              <a:latin typeface="Cambria Math" panose="02040503050406030204" pitchFamily="18" charset="0"/>
-                            </a:rPr>
-                          </m:ctrlPr>
-                        </m:sSubPr>
-                        <m:e>
-                          <m:acc>
-                            <m:accPr>
-                              <m:chr m:val="⃗"/>
-                              <m:ctrlPr>
-                                <a:rPr lang="en-CA" b="0" i="1" dirty="0" smtClean="0">
-                                  <a:latin typeface="Cambria Math" panose="02040503050406030204" pitchFamily="18" charset="0"/>
-                                </a:rPr>
-                              </m:ctrlPr>
-                            </m:accPr>
-                            <m:e>
-                              <m:r>
-                                <a:rPr lang="en-CA" b="0" i="1" dirty="0" smtClean="0">
-                                  <a:latin typeface="Cambria Math" panose="02040503050406030204" pitchFamily="18" charset="0"/>
-                                </a:rPr>
-                                <m:t>𝐹</m:t>
-                              </m:r>
-                            </m:e>
-                          </m:acc>
-                        </m:e>
-                        <m:sub>
-                          <m:r>
-                            <a:rPr lang="en-CA" b="0" i="1" smtClean="0">
-                              <a:latin typeface="Cambria Math" panose="02040503050406030204" pitchFamily="18" charset="0"/>
-                            </a:rPr>
-                            <m:t>𝑖</m:t>
-                          </m:r>
-                        </m:sub>
-                      </m:sSub>
-                      <m:r>
-                        <a:rPr lang="en-CA" b="0" i="1" smtClean="0">
-                          <a:latin typeface="Cambria Math" panose="02040503050406030204" pitchFamily="18" charset="0"/>
-                        </a:rPr>
-                        <m:t>= </m:t>
-                      </m:r>
-                      <m:r>
-                        <a:rPr lang="en-CA" b="0" i="1" smtClean="0">
-                          <a:latin typeface="Cambria Math" panose="02040503050406030204" pitchFamily="18" charset="0"/>
-                        </a:rPr>
-                        <m:t>𝑚</m:t>
-                      </m:r>
-                      <m:acc>
-                        <m:accPr>
-                          <m:chr m:val="⃗"/>
-                          <m:ctrlPr>
-                            <a:rPr lang="en-CA" b="0" i="1" smtClean="0">
-                              <a:latin typeface="Cambria Math" panose="02040503050406030204" pitchFamily="18" charset="0"/>
-                            </a:rPr>
-                          </m:ctrlPr>
-                        </m:accPr>
-                        <m:e>
-                          <m:r>
-                            <a:rPr lang="en-CA" b="0" i="1" smtClean="0">
-                              <a:latin typeface="Cambria Math" panose="02040503050406030204" pitchFamily="18" charset="0"/>
-                            </a:rPr>
-                            <m:t>𝑎</m:t>
-                          </m:r>
-                        </m:e>
-                      </m:acc>
-                    </m:oMath>
-                  </m:oMathPara>
-                </a14:m>
-                <a:endParaRPr lang="en-CA" dirty="0"/>
-              </a:p>
-            </p:txBody>
-          </p:sp>
-        </mc:Choice>
-        <mc:Fallback xmlns="">
-          <p:sp>
-            <p:nvSpPr>
-              <p:cNvPr id="16" name="TextBox 15">
-                <a:extLst>
-                  <a:ext uri="{FF2B5EF4-FFF2-40B4-BE49-F238E27FC236}">
-                    <a16:creationId xmlns:a16="http://schemas.microsoft.com/office/drawing/2014/main" id="{B1083DAA-BB11-46C1-90F7-D2FA06A4498D}"/>
-                  </a:ext>
-                </a:extLst>
-              </p:cNvPr>
-              <p:cNvSpPr txBox="1">
-                <a:spLocks noRot="1" noChangeAspect="1" noMove="1" noResize="1" noEditPoints="1" noAdjustHandles="1" noChangeArrowheads="1" noChangeShapeType="1" noTextEdit="1"/>
-              </p:cNvSpPr>
-              <p:nvPr/>
-            </p:nvSpPr>
-            <p:spPr>
-              <a:xfrm>
-                <a:off x="838200" y="6033254"/>
-                <a:ext cx="2424703" cy="587597"/>
-              </a:xfrm>
-              <a:prstGeom prst="rect">
-                <a:avLst/>
-              </a:prstGeom>
-              <a:blipFill>
-                <a:blip r:embed="rId4"/>
-                <a:stretch>
-                  <a:fillRect l="-6045" t="-14583" r="-5793" b="-16667"/>
-                </a:stretch>
-              </a:blipFill>
-            </p:spPr>
-            <p:txBody>
-              <a:bodyPr/>
-              <a:lstStyle/>
-              <a:p>
-                <a:r>
-                  <a:rPr lang="fr-CA">
-                    <a:noFill/>
-                  </a:rPr>
-                  <a:t> </a:t>
-                </a:r>
-              </a:p>
-            </p:txBody>
-          </p:sp>
-        </mc:Fallback>
-      </mc:AlternateContent>
-    </p:spTree>
-    <p:extLst>
-      <p:ext uri="{BB962C8B-B14F-4D97-AF65-F5344CB8AC3E}">
-        <p14:creationId xmlns:p14="http://schemas.microsoft.com/office/powerpoint/2010/main" val="1232378806"/>
-      </p:ext>
-    </p:extLst>
-  </p:cSld>
-  <p:clrMapOvr>
-    <a:masterClrMapping/>
-  </p:clrMapOvr>
-  <p:timing>
-    <p:tnLst>
-      <p:par>
-        <p:cTn id="1" dur="indefinite" restart="never" nodeType="tmRoot">
-          <p:childTnLst>
-            <p:seq concurrent="1" nextAc="seek">
-              <p:cTn id="2" dur="indefinite" nodeType="mainSeq">
-                <p:childTnLst>
-                  <p:par>
-                    <p:cTn id="3" fill="hold">
-                      <p:stCondLst>
-                        <p:cond delay="indefinite"/>
-                      </p:stCondLst>
-                      <p:childTnLst>
-                        <p:par>
-                          <p:cTn id="4" fill="hold">
-                            <p:stCondLst>
-                              <p:cond delay="0"/>
-                            </p:stCondLst>
-                            <p:childTnLst>
-                              <p:par>
-                                <p:cTn id="5" presetID="1" presetClass="entr" presetSubtype="0" fill="hold" grpId="0" nodeType="clickEffect">
-                                  <p:stCondLst>
-                                    <p:cond delay="0"/>
-                                  </p:stCondLst>
-                                  <p:childTnLst>
-                                    <p:set>
-                                      <p:cBhvr>
-                                        <p:cTn id="6" dur="1" fill="hold">
-                                          <p:stCondLst>
-                                            <p:cond delay="0"/>
-                                          </p:stCondLst>
-                                        </p:cTn>
-                                        <p:tgtEl>
-                                          <p:spTgt spid="16"/>
-                                        </p:tgtEl>
-                                        <p:attrNameLst>
-                                          <p:attrName>style.visibility</p:attrName>
-                                        </p:attrNameLst>
-                                      </p:cBhvr>
-                                      <p:to>
-                                        <p:strVal val="visible"/>
-                                      </p:to>
-                                    </p:set>
-                                  </p:childTnLst>
-                                </p:cTn>
-                              </p:par>
-                            </p:childTnLst>
-                          </p:cTn>
-                        </p:par>
-                      </p:childTnLst>
-                    </p:cTn>
-                  </p:par>
-                </p:childTnLst>
-              </p:cTn>
-              <p:prevCondLst>
-                <p:cond evt="onPrev" delay="0">
-                  <p:tgtEl>
-                    <p:sldTgt/>
-                  </p:tgtEl>
-                </p:cond>
-              </p:prevCondLst>
-              <p:nextCondLst>
-                <p:cond evt="onNext" delay="0">
-                  <p:tgtEl>
-                    <p:sldTgt/>
-                  </p:tgtEl>
-                </p:cond>
-              </p:nextCondLst>
-            </p:seq>
-          </p:childTnLst>
-        </p:cTn>
-      </p:par>
-    </p:tnLst>
-    <p:bldLst>
-      <p:bldP spid="16" grpId="0"/>
-    </p:bldLst>
-  </p:timing>
-</p:sld>
-</file>
-
-<file path=ppt/slides/slide6.xml><?xml version="1.0" encoding="utf-8"?>
+<file path=ppt/slides/slide10.xml><?xml version="1.0" encoding="utf-8"?>
 <p:sld xmlns:a="http://schemas.openxmlformats.org/drawingml/2006/main" xmlns:r="http://schemas.openxmlformats.org/officeDocument/2006/relationships" xmlns:p="http://schemas.openxmlformats.org/presentationml/2006/main">
   <p:cSld>
     <p:spTree>
@@ -6730,205 +4830,6 @@
           </a:p>
         </p:txBody>
       </p:sp>
-      <mc:AlternateContent xmlns:mc="http://schemas.openxmlformats.org/markup-compatibility/2006" xmlns:a14="http://schemas.microsoft.com/office/drawing/2010/main">
-        <mc:Choice Requires="a14">
-          <p:sp>
-            <p:nvSpPr>
-              <p:cNvPr id="17" name="TextBox 16">
-                <a:extLst>
-                  <a:ext uri="{FF2B5EF4-FFF2-40B4-BE49-F238E27FC236}">
-                    <a16:creationId xmlns:a16="http://schemas.microsoft.com/office/drawing/2014/main" id="{B3FFABF6-4E90-47EE-A224-569965EB377A}"/>
-                  </a:ext>
-                </a:extLst>
-              </p:cNvPr>
-              <p:cNvSpPr txBox="1"/>
-              <p:nvPr/>
-            </p:nvSpPr>
-            <p:spPr>
-              <a:xfrm>
-                <a:off x="838200" y="6033254"/>
-                <a:ext cx="2424703" cy="587597"/>
-              </a:xfrm>
-              <a:prstGeom prst="rect">
-                <a:avLst/>
-              </a:prstGeom>
-              <a:noFill/>
-            </p:spPr>
-            <p:txBody>
-              <a:bodyPr wrap="none" lIns="0" tIns="0" rIns="0" bIns="0" rtlCol="0">
-                <a:spAutoFit/>
-              </a:bodyPr>
-              <a:lstStyle/>
-              <a:p>
-                <a:r>
-                  <a:rPr lang="en-CA" b="0" i="1" dirty="0">
-                    <a:latin typeface="Cambria Math" panose="02040503050406030204" pitchFamily="18" charset="0"/>
-                  </a:rPr>
-                  <a:t>Équation du </a:t>
-                </a:r>
-                <a:r>
-                  <a:rPr lang="en-CA" b="0" i="1" dirty="0" err="1">
-                    <a:latin typeface="Cambria Math" panose="02040503050406030204" pitchFamily="18" charset="0"/>
-                  </a:rPr>
-                  <a:t>mouvement</a:t>
-                </a:r>
-                <a:endParaRPr lang="en-CA" b="0" i="1" dirty="0">
-                  <a:latin typeface="Cambria Math" panose="02040503050406030204" pitchFamily="18" charset="0"/>
-                </a:endParaRPr>
-              </a:p>
-              <a:p>
-                <a:pPr/>
-                <a14:m>
-                  <m:oMathPara xmlns:m="http://schemas.openxmlformats.org/officeDocument/2006/math">
-                    <m:oMathParaPr>
-                      <m:jc m:val="centerGroup"/>
-                    </m:oMathParaPr>
-                    <m:oMath xmlns:m="http://schemas.openxmlformats.org/officeDocument/2006/math">
-                      <m:sSub>
-                        <m:sSubPr>
-                          <m:ctrlPr>
-                            <a:rPr lang="en-CA" i="1">
-                              <a:latin typeface="Cambria Math" panose="02040503050406030204" pitchFamily="18" charset="0"/>
-                            </a:rPr>
-                          </m:ctrlPr>
-                        </m:sSubPr>
-                        <m:e>
-                          <m:r>
-                            <a:rPr lang="en-CA" i="1">
-                              <a:latin typeface="Cambria Math" panose="02040503050406030204" pitchFamily="18" charset="0"/>
-                            </a:rPr>
-                            <m:t>∑</m:t>
-                          </m:r>
-                        </m:e>
-                        <m:sub>
-                          <m:r>
-                            <a:rPr lang="en-CA" b="0" i="1" smtClean="0">
-                              <a:latin typeface="Cambria Math" panose="02040503050406030204" pitchFamily="18" charset="0"/>
-                            </a:rPr>
-                            <m:t>𝑖</m:t>
-                          </m:r>
-                        </m:sub>
-                      </m:sSub>
-                      <m:sSub>
-                        <m:sSubPr>
-                          <m:ctrlPr>
-                            <a:rPr lang="en-CA" i="1">
-                              <a:latin typeface="Cambria Math" panose="02040503050406030204" pitchFamily="18" charset="0"/>
-                            </a:rPr>
-                          </m:ctrlPr>
-                        </m:sSubPr>
-                        <m:e>
-                          <m:acc>
-                            <m:accPr>
-                              <m:chr m:val="⃗"/>
-                              <m:ctrlPr>
-                                <a:rPr lang="en-CA" b="0" i="1" dirty="0" smtClean="0">
-                                  <a:latin typeface="Cambria Math" panose="02040503050406030204" pitchFamily="18" charset="0"/>
-                                </a:rPr>
-                              </m:ctrlPr>
-                            </m:accPr>
-                            <m:e>
-                              <m:r>
-                                <a:rPr lang="en-CA" b="0" i="1" dirty="0" smtClean="0">
-                                  <a:latin typeface="Cambria Math" panose="02040503050406030204" pitchFamily="18" charset="0"/>
-                                </a:rPr>
-                                <m:t>𝐹</m:t>
-                              </m:r>
-                            </m:e>
-                          </m:acc>
-                        </m:e>
-                        <m:sub>
-                          <m:r>
-                            <a:rPr lang="en-CA" b="0" i="1" smtClean="0">
-                              <a:latin typeface="Cambria Math" panose="02040503050406030204" pitchFamily="18" charset="0"/>
-                            </a:rPr>
-                            <m:t>𝑖</m:t>
-                          </m:r>
-                        </m:sub>
-                      </m:sSub>
-                      <m:r>
-                        <a:rPr lang="en-CA" b="0" i="1" smtClean="0">
-                          <a:latin typeface="Cambria Math" panose="02040503050406030204" pitchFamily="18" charset="0"/>
-                        </a:rPr>
-                        <m:t>= </m:t>
-                      </m:r>
-                      <m:r>
-                        <a:rPr lang="en-CA" b="0" i="1" smtClean="0">
-                          <a:latin typeface="Cambria Math" panose="02040503050406030204" pitchFamily="18" charset="0"/>
-                        </a:rPr>
-                        <m:t>𝑚</m:t>
-                      </m:r>
-                      <m:acc>
-                        <m:accPr>
-                          <m:chr m:val="⃗"/>
-                          <m:ctrlPr>
-                            <a:rPr lang="en-CA" b="0" i="1" smtClean="0">
-                              <a:latin typeface="Cambria Math" panose="02040503050406030204" pitchFamily="18" charset="0"/>
-                            </a:rPr>
-                          </m:ctrlPr>
-                        </m:accPr>
-                        <m:e>
-                          <m:r>
-                            <a:rPr lang="en-CA" b="0" i="1" smtClean="0">
-                              <a:latin typeface="Cambria Math" panose="02040503050406030204" pitchFamily="18" charset="0"/>
-                            </a:rPr>
-                            <m:t>𝑎</m:t>
-                          </m:r>
-                        </m:e>
-                      </m:acc>
-                    </m:oMath>
-                  </m:oMathPara>
-                </a14:m>
-                <a:endParaRPr lang="en-CA" dirty="0"/>
-              </a:p>
-            </p:txBody>
-          </p:sp>
-        </mc:Choice>
-        <mc:Fallback xmlns="">
-          <p:sp>
-            <p:nvSpPr>
-              <p:cNvPr id="17" name="TextBox 16">
-                <a:extLst>
-                  <a:ext uri="{FF2B5EF4-FFF2-40B4-BE49-F238E27FC236}">
-                    <a16:creationId xmlns:a16="http://schemas.microsoft.com/office/drawing/2014/main" id="{B3FFABF6-4E90-47EE-A224-569965EB377A}"/>
-                  </a:ext>
-                </a:extLst>
-              </p:cNvPr>
-              <p:cNvSpPr txBox="1">
-                <a:spLocks noRot="1" noChangeAspect="1" noMove="1" noResize="1" noEditPoints="1" noAdjustHandles="1" noChangeArrowheads="1" noChangeShapeType="1" noTextEdit="1"/>
-              </p:cNvSpPr>
-              <p:nvPr/>
-            </p:nvSpPr>
-            <p:spPr>
-              <a:xfrm>
-                <a:off x="838200" y="6033254"/>
-                <a:ext cx="2424703" cy="587597"/>
-              </a:xfrm>
-              <a:prstGeom prst="rect">
-                <a:avLst/>
-              </a:prstGeom>
-              <a:blipFill>
-                <a:blip r:embed="rId4"/>
-                <a:stretch>
-                  <a:fillRect l="-6045" t="-14583" r="-5793" b="-16667"/>
-                </a:stretch>
-              </a:blipFill>
-            </p:spPr>
-            <p:txBody>
-              <a:bodyPr/>
-              <a:lstStyle/>
-              <a:p>
-                <a:r>
-                  <a:rPr lang="fr-CA">
-                    <a:noFill/>
-                  </a:rPr>
-                  <a:t> </a:t>
-                </a:r>
-              </a:p>
-            </p:txBody>
-          </p:sp>
-        </mc:Fallback>
-      </mc:AlternateContent>
     </p:spTree>
     <p:extLst>
       <p:ext uri="{BB962C8B-B14F-4D97-AF65-F5344CB8AC3E}">
@@ -6939,88 +4840,10 @@
   <p:clrMapOvr>
     <a:masterClrMapping/>
   </p:clrMapOvr>
-  <p:timing>
-    <p:tnLst>
-      <p:par>
-        <p:cTn id="1" dur="indefinite" restart="never" nodeType="tmRoot">
-          <p:childTnLst>
-            <p:seq concurrent="1" nextAc="seek">
-              <p:cTn id="2" dur="indefinite" nodeType="mainSeq">
-                <p:childTnLst>
-                  <p:par>
-                    <p:cTn id="3" fill="hold">
-                      <p:stCondLst>
-                        <p:cond delay="indefinite"/>
-                      </p:stCondLst>
-                      <p:childTnLst>
-                        <p:par>
-                          <p:cTn id="4" fill="hold">
-                            <p:stCondLst>
-                              <p:cond delay="0"/>
-                            </p:stCondLst>
-                            <p:childTnLst>
-                              <p:par>
-                                <p:cTn id="5" presetID="1" presetClass="entr" presetSubtype="0" fill="hold" grpId="0" nodeType="clickEffect">
-                                  <p:stCondLst>
-                                    <p:cond delay="0"/>
-                                  </p:stCondLst>
-                                  <p:childTnLst>
-                                    <p:set>
-                                      <p:cBhvr>
-                                        <p:cTn id="6" dur="1" fill="hold">
-                                          <p:stCondLst>
-                                            <p:cond delay="0"/>
-                                          </p:stCondLst>
-                                        </p:cTn>
-                                        <p:tgtEl>
-                                          <p:spTgt spid="17"/>
-                                        </p:tgtEl>
-                                        <p:attrNameLst>
-                                          <p:attrName>style.visibility</p:attrName>
-                                        </p:attrNameLst>
-                                      </p:cBhvr>
-                                      <p:to>
-                                        <p:strVal val="visible"/>
-                                      </p:to>
-                                    </p:set>
-                                  </p:childTnLst>
-                                </p:cTn>
-                              </p:par>
-                            </p:childTnLst>
-                          </p:cTn>
-                        </p:par>
-                      </p:childTnLst>
-                    </p:cTn>
-                  </p:par>
-                </p:childTnLst>
-              </p:cTn>
-              <p:prevCondLst>
-                <p:cond evt="onPrev" delay="0">
-                  <p:tgtEl>
-                    <p:sldTgt/>
-                  </p:tgtEl>
-                </p:cond>
-              </p:prevCondLst>
-              <p:nextCondLst>
-                <p:cond evt="onNext" delay="0">
-                  <p:tgtEl>
-                    <p:sldTgt/>
-                  </p:tgtEl>
-                </p:cond>
-              </p:nextCondLst>
-            </p:seq>
-          </p:childTnLst>
-        </p:cTn>
-      </p:par>
-    </p:tnLst>
-    <p:bldLst>
-      <p:bldP spid="17" grpId="0"/>
-    </p:bldLst>
-  </p:timing>
 </p:sld>
 </file>
 
-<file path=ppt/slides/slide7.xml><?xml version="1.0" encoding="utf-8"?>
+<file path=ppt/slides/slide11.xml><?xml version="1.0" encoding="utf-8"?>
 <p:sld xmlns:a="http://schemas.openxmlformats.org/drawingml/2006/main" xmlns:r="http://schemas.openxmlformats.org/officeDocument/2006/relationships" xmlns:p="http://schemas.openxmlformats.org/presentationml/2006/main">
   <p:cSld>
     <p:spTree>
@@ -7845,205 +5668,6 @@
           </a:p>
         </p:txBody>
       </p:sp>
-      <mc:AlternateContent xmlns:mc="http://schemas.openxmlformats.org/markup-compatibility/2006" xmlns:a14="http://schemas.microsoft.com/office/drawing/2010/main">
-        <mc:Choice Requires="a14">
-          <p:sp>
-            <p:nvSpPr>
-              <p:cNvPr id="21" name="TextBox 20">
-                <a:extLst>
-                  <a:ext uri="{FF2B5EF4-FFF2-40B4-BE49-F238E27FC236}">
-                    <a16:creationId xmlns:a16="http://schemas.microsoft.com/office/drawing/2014/main" id="{364CB79A-0F33-4EDA-9D52-2A652536C470}"/>
-                  </a:ext>
-                </a:extLst>
-              </p:cNvPr>
-              <p:cNvSpPr txBox="1"/>
-              <p:nvPr/>
-            </p:nvSpPr>
-            <p:spPr>
-              <a:xfrm>
-                <a:off x="838200" y="6033254"/>
-                <a:ext cx="2424703" cy="587597"/>
-              </a:xfrm>
-              <a:prstGeom prst="rect">
-                <a:avLst/>
-              </a:prstGeom>
-              <a:noFill/>
-            </p:spPr>
-            <p:txBody>
-              <a:bodyPr wrap="none" lIns="0" tIns="0" rIns="0" bIns="0" rtlCol="0">
-                <a:spAutoFit/>
-              </a:bodyPr>
-              <a:lstStyle/>
-              <a:p>
-                <a:r>
-                  <a:rPr lang="en-CA" b="0" i="1" dirty="0">
-                    <a:latin typeface="Cambria Math" panose="02040503050406030204" pitchFamily="18" charset="0"/>
-                  </a:rPr>
-                  <a:t>Équation du </a:t>
-                </a:r>
-                <a:r>
-                  <a:rPr lang="en-CA" b="0" i="1" dirty="0" err="1">
-                    <a:latin typeface="Cambria Math" panose="02040503050406030204" pitchFamily="18" charset="0"/>
-                  </a:rPr>
-                  <a:t>mouvement</a:t>
-                </a:r>
-                <a:endParaRPr lang="en-CA" b="0" i="1" dirty="0">
-                  <a:latin typeface="Cambria Math" panose="02040503050406030204" pitchFamily="18" charset="0"/>
-                </a:endParaRPr>
-              </a:p>
-              <a:p>
-                <a:pPr/>
-                <a14:m>
-                  <m:oMathPara xmlns:m="http://schemas.openxmlformats.org/officeDocument/2006/math">
-                    <m:oMathParaPr>
-                      <m:jc m:val="centerGroup"/>
-                    </m:oMathParaPr>
-                    <m:oMath xmlns:m="http://schemas.openxmlformats.org/officeDocument/2006/math">
-                      <m:sSub>
-                        <m:sSubPr>
-                          <m:ctrlPr>
-                            <a:rPr lang="en-CA" i="1">
-                              <a:latin typeface="Cambria Math" panose="02040503050406030204" pitchFamily="18" charset="0"/>
-                            </a:rPr>
-                          </m:ctrlPr>
-                        </m:sSubPr>
-                        <m:e>
-                          <m:r>
-                            <a:rPr lang="en-CA" i="1">
-                              <a:latin typeface="Cambria Math" panose="02040503050406030204" pitchFamily="18" charset="0"/>
-                            </a:rPr>
-                            <m:t>∑</m:t>
-                          </m:r>
-                        </m:e>
-                        <m:sub>
-                          <m:r>
-                            <a:rPr lang="en-CA" b="0" i="1" smtClean="0">
-                              <a:latin typeface="Cambria Math" panose="02040503050406030204" pitchFamily="18" charset="0"/>
-                            </a:rPr>
-                            <m:t>𝑖</m:t>
-                          </m:r>
-                        </m:sub>
-                      </m:sSub>
-                      <m:sSub>
-                        <m:sSubPr>
-                          <m:ctrlPr>
-                            <a:rPr lang="en-CA" i="1">
-                              <a:latin typeface="Cambria Math" panose="02040503050406030204" pitchFamily="18" charset="0"/>
-                            </a:rPr>
-                          </m:ctrlPr>
-                        </m:sSubPr>
-                        <m:e>
-                          <m:acc>
-                            <m:accPr>
-                              <m:chr m:val="⃗"/>
-                              <m:ctrlPr>
-                                <a:rPr lang="en-CA" b="0" i="1" dirty="0" smtClean="0">
-                                  <a:latin typeface="Cambria Math" panose="02040503050406030204" pitchFamily="18" charset="0"/>
-                                </a:rPr>
-                              </m:ctrlPr>
-                            </m:accPr>
-                            <m:e>
-                              <m:r>
-                                <a:rPr lang="en-CA" b="0" i="1" dirty="0" smtClean="0">
-                                  <a:latin typeface="Cambria Math" panose="02040503050406030204" pitchFamily="18" charset="0"/>
-                                </a:rPr>
-                                <m:t>𝐹</m:t>
-                              </m:r>
-                            </m:e>
-                          </m:acc>
-                        </m:e>
-                        <m:sub>
-                          <m:r>
-                            <a:rPr lang="en-CA" b="0" i="1" smtClean="0">
-                              <a:latin typeface="Cambria Math" panose="02040503050406030204" pitchFamily="18" charset="0"/>
-                            </a:rPr>
-                            <m:t>𝑖</m:t>
-                          </m:r>
-                        </m:sub>
-                      </m:sSub>
-                      <m:r>
-                        <a:rPr lang="en-CA" b="0" i="1" smtClean="0">
-                          <a:latin typeface="Cambria Math" panose="02040503050406030204" pitchFamily="18" charset="0"/>
-                        </a:rPr>
-                        <m:t>= </m:t>
-                      </m:r>
-                      <m:r>
-                        <a:rPr lang="en-CA" b="0" i="1" smtClean="0">
-                          <a:latin typeface="Cambria Math" panose="02040503050406030204" pitchFamily="18" charset="0"/>
-                        </a:rPr>
-                        <m:t>𝑚</m:t>
-                      </m:r>
-                      <m:acc>
-                        <m:accPr>
-                          <m:chr m:val="⃗"/>
-                          <m:ctrlPr>
-                            <a:rPr lang="en-CA" b="0" i="1" smtClean="0">
-                              <a:latin typeface="Cambria Math" panose="02040503050406030204" pitchFamily="18" charset="0"/>
-                            </a:rPr>
-                          </m:ctrlPr>
-                        </m:accPr>
-                        <m:e>
-                          <m:r>
-                            <a:rPr lang="en-CA" b="0" i="1" smtClean="0">
-                              <a:latin typeface="Cambria Math" panose="02040503050406030204" pitchFamily="18" charset="0"/>
-                            </a:rPr>
-                            <m:t>𝑎</m:t>
-                          </m:r>
-                        </m:e>
-                      </m:acc>
-                    </m:oMath>
-                  </m:oMathPara>
-                </a14:m>
-                <a:endParaRPr lang="en-CA" dirty="0"/>
-              </a:p>
-            </p:txBody>
-          </p:sp>
-        </mc:Choice>
-        <mc:Fallback xmlns="">
-          <p:sp>
-            <p:nvSpPr>
-              <p:cNvPr id="21" name="TextBox 20">
-                <a:extLst>
-                  <a:ext uri="{FF2B5EF4-FFF2-40B4-BE49-F238E27FC236}">
-                    <a16:creationId xmlns:a16="http://schemas.microsoft.com/office/drawing/2014/main" id="{364CB79A-0F33-4EDA-9D52-2A652536C470}"/>
-                  </a:ext>
-                </a:extLst>
-              </p:cNvPr>
-              <p:cNvSpPr txBox="1">
-                <a:spLocks noRot="1" noChangeAspect="1" noMove="1" noResize="1" noEditPoints="1" noAdjustHandles="1" noChangeArrowheads="1" noChangeShapeType="1" noTextEdit="1"/>
-              </p:cNvSpPr>
-              <p:nvPr/>
-            </p:nvSpPr>
-            <p:spPr>
-              <a:xfrm>
-                <a:off x="838200" y="6033254"/>
-                <a:ext cx="2424703" cy="587597"/>
-              </a:xfrm>
-              <a:prstGeom prst="rect">
-                <a:avLst/>
-              </a:prstGeom>
-              <a:blipFill>
-                <a:blip r:embed="rId4"/>
-                <a:stretch>
-                  <a:fillRect l="-6045" t="-14583" r="-5793" b="-16667"/>
-                </a:stretch>
-              </a:blipFill>
-            </p:spPr>
-            <p:txBody>
-              <a:bodyPr/>
-              <a:lstStyle/>
-              <a:p>
-                <a:r>
-                  <a:rPr lang="fr-CA">
-                    <a:noFill/>
-                  </a:rPr>
-                  <a:t> </a:t>
-                </a:r>
-              </a:p>
-            </p:txBody>
-          </p:sp>
-        </mc:Fallback>
-      </mc:AlternateContent>
       <mc:AlternateContent xmlns:mc="http://schemas.openxmlformats.org/markup-compatibility/2006" xmlns:a14="http://schemas.microsoft.com/office/drawing/2010/main">
         <mc:Choice Requires="a14">
           <p:sp>
@@ -8330,88 +5954,10 @@
   <p:clrMapOvr>
     <a:masterClrMapping/>
   </p:clrMapOvr>
-  <p:timing>
-    <p:tnLst>
-      <p:par>
-        <p:cTn id="1" dur="indefinite" restart="never" nodeType="tmRoot">
-          <p:childTnLst>
-            <p:seq concurrent="1" nextAc="seek">
-              <p:cTn id="2" dur="indefinite" nodeType="mainSeq">
-                <p:childTnLst>
-                  <p:par>
-                    <p:cTn id="3" fill="hold">
-                      <p:stCondLst>
-                        <p:cond delay="indefinite"/>
-                      </p:stCondLst>
-                      <p:childTnLst>
-                        <p:par>
-                          <p:cTn id="4" fill="hold">
-                            <p:stCondLst>
-                              <p:cond delay="0"/>
-                            </p:stCondLst>
-                            <p:childTnLst>
-                              <p:par>
-                                <p:cTn id="5" presetID="1" presetClass="entr" presetSubtype="0" fill="hold" grpId="0" nodeType="clickEffect">
-                                  <p:stCondLst>
-                                    <p:cond delay="0"/>
-                                  </p:stCondLst>
-                                  <p:childTnLst>
-                                    <p:set>
-                                      <p:cBhvr>
-                                        <p:cTn id="6" dur="1" fill="hold">
-                                          <p:stCondLst>
-                                            <p:cond delay="0"/>
-                                          </p:stCondLst>
-                                        </p:cTn>
-                                        <p:tgtEl>
-                                          <p:spTgt spid="21"/>
-                                        </p:tgtEl>
-                                        <p:attrNameLst>
-                                          <p:attrName>style.visibility</p:attrName>
-                                        </p:attrNameLst>
-                                      </p:cBhvr>
-                                      <p:to>
-                                        <p:strVal val="visible"/>
-                                      </p:to>
-                                    </p:set>
-                                  </p:childTnLst>
-                                </p:cTn>
-                              </p:par>
-                            </p:childTnLst>
-                          </p:cTn>
-                        </p:par>
-                      </p:childTnLst>
-                    </p:cTn>
-                  </p:par>
-                </p:childTnLst>
-              </p:cTn>
-              <p:prevCondLst>
-                <p:cond evt="onPrev" delay="0">
-                  <p:tgtEl>
-                    <p:sldTgt/>
-                  </p:tgtEl>
-                </p:cond>
-              </p:prevCondLst>
-              <p:nextCondLst>
-                <p:cond evt="onNext" delay="0">
-                  <p:tgtEl>
-                    <p:sldTgt/>
-                  </p:tgtEl>
-                </p:cond>
-              </p:nextCondLst>
-            </p:seq>
-          </p:childTnLst>
-        </p:cTn>
-      </p:par>
-    </p:tnLst>
-    <p:bldLst>
-      <p:bldP spid="21" grpId="0"/>
-    </p:bldLst>
-  </p:timing>
 </p:sld>
 </file>
 
-<file path=ppt/slides/slide8.xml><?xml version="1.0" encoding="utf-8"?>
+<file path=ppt/slides/slide12.xml><?xml version="1.0" encoding="utf-8"?>
 <p:sld xmlns:a="http://schemas.openxmlformats.org/drawingml/2006/main" xmlns:r="http://schemas.openxmlformats.org/officeDocument/2006/relationships" xmlns:p="http://schemas.openxmlformats.org/presentationml/2006/main">
   <p:cSld>
     <p:spTree>
@@ -9796,14 +7342,654 @@
           </a:p>
         </p:txBody>
       </p:sp>
+    </p:spTree>
+    <p:extLst>
+      <p:ext uri="{BB962C8B-B14F-4D97-AF65-F5344CB8AC3E}">
+        <p14:creationId xmlns:p14="http://schemas.microsoft.com/office/powerpoint/2010/main" val="3134282496"/>
+      </p:ext>
+    </p:extLst>
+  </p:cSld>
+  <p:clrMapOvr>
+    <a:masterClrMapping/>
+  </p:clrMapOvr>
+</p:sld>
+</file>
+
+<file path=ppt/slides/slide13.xml><?xml version="1.0" encoding="utf-8"?>
+<p:sld xmlns:a="http://schemas.openxmlformats.org/drawingml/2006/main" xmlns:r="http://schemas.openxmlformats.org/officeDocument/2006/relationships" xmlns:p="http://schemas.openxmlformats.org/presentationml/2006/main" show="0">
+  <p:cSld>
+    <p:spTree>
+      <p:nvGrpSpPr>
+        <p:cNvPr id="1" name=""/>
+        <p:cNvGrpSpPr/>
+        <p:nvPr/>
+      </p:nvGrpSpPr>
+      <p:grpSpPr>
+        <a:xfrm>
+          <a:off x="0" y="0"/>
+          <a:ext cx="0" cy="0"/>
+          <a:chOff x="0" y="0"/>
+          <a:chExt cx="0" cy="0"/>
+        </a:xfrm>
+      </p:grpSpPr>
+      <p:sp>
+        <p:nvSpPr>
+          <p:cNvPr id="10" name="Rectangle 9">
+            <a:extLst>
+              <a:ext uri="{FF2B5EF4-FFF2-40B4-BE49-F238E27FC236}">
+                <a16:creationId xmlns:a16="http://schemas.microsoft.com/office/drawing/2014/main" id="{EBF87945-A001-489F-9D9B-7D9435F0B9CA}"/>
+              </a:ext>
+              <a:ext uri="{C183D7F6-B498-43B3-948B-1728B52AA6E4}">
+                <adec:decorative xmlns:adec="http://schemas.microsoft.com/office/drawing/2017/decorative" val="1"/>
+              </a:ext>
+            </a:extLst>
+          </p:cNvPr>
+          <p:cNvSpPr>
+            <a:spLocks noGrp="1" noRot="1" noChangeAspect="1" noMove="1" noResize="1" noEditPoints="1" noAdjustHandles="1" noChangeArrowheads="1" noChangeShapeType="1" noTextEdit="1"/>
+          </p:cNvSpPr>
+          <p:nvPr>
+            <p:custDataLst>
+              <p:tags r:id="rId1"/>
+            </p:custDataLst>
+            <p:extLst>
+              <p:ext uri="{386F3935-93C4-4BCD-93E2-E3B085C9AB24}">
+                <p16:designElem xmlns:p16="http://schemas.microsoft.com/office/powerpoint/2015/main" val="1"/>
+              </p:ext>
+            </p:extLst>
+          </p:nvPr>
+        </p:nvSpPr>
+        <p:spPr>
+          <a:xfrm>
+            <a:off x="0" y="1"/>
+            <a:ext cx="12192000" cy="1911096"/>
+          </a:xfrm>
+          <a:prstGeom prst="rect">
+            <a:avLst/>
+          </a:prstGeom>
+          <a:solidFill>
+            <a:schemeClr val="accent5"/>
+          </a:solidFill>
+          <a:ln>
+            <a:noFill/>
+          </a:ln>
+        </p:spPr>
+        <p:style>
+          <a:lnRef idx="2">
+            <a:schemeClr val="accent1">
+              <a:shade val="50000"/>
+            </a:schemeClr>
+          </a:lnRef>
+          <a:fillRef idx="1">
+            <a:schemeClr val="accent1"/>
+          </a:fillRef>
+          <a:effectRef idx="0">
+            <a:schemeClr val="accent1"/>
+          </a:effectRef>
+          <a:fontRef idx="minor">
+            <a:schemeClr val="lt1"/>
+          </a:fontRef>
+        </p:style>
+        <p:txBody>
+          <a:bodyPr rtlCol="0" anchor="ctr"/>
+          <a:lstStyle/>
+          <a:p>
+            <a:pPr algn="ctr"/>
+            <a:endParaRPr lang="en-US"/>
+          </a:p>
+        </p:txBody>
+      </p:sp>
+      <p:sp>
+        <p:nvSpPr>
+          <p:cNvPr id="2" name="Title 1"/>
+          <p:cNvSpPr>
+            <a:spLocks noGrp="1"/>
+          </p:cNvSpPr>
+          <p:nvPr>
+            <p:ph type="title"/>
+            <p:custDataLst>
+              <p:tags r:id="rId2"/>
+            </p:custDataLst>
+          </p:nvPr>
+        </p:nvSpPr>
+        <p:spPr>
+          <a:xfrm>
+            <a:off x="838200" y="365760"/>
+            <a:ext cx="10515600" cy="1325563"/>
+          </a:xfrm>
+        </p:spPr>
+        <p:txBody>
+          <a:bodyPr>
+            <a:normAutofit/>
+          </a:bodyPr>
+          <a:lstStyle/>
+          <a:p>
+            <a:r>
+              <a:rPr lang="en-US" dirty="0">
+                <a:solidFill>
+                  <a:schemeClr val="bg1"/>
+                </a:solidFill>
+              </a:rPr>
+              <a:t>Notions </a:t>
+            </a:r>
+            <a:r>
+              <a:rPr lang="en-US" dirty="0" err="1">
+                <a:solidFill>
+                  <a:schemeClr val="bg1"/>
+                </a:solidFill>
+              </a:rPr>
+              <a:t>préalables</a:t>
+            </a:r>
+            <a:endParaRPr lang="en-CA" dirty="0">
+              <a:solidFill>
+                <a:schemeClr val="bg1"/>
+              </a:solidFill>
+            </a:endParaRPr>
+          </a:p>
+        </p:txBody>
+      </p:sp>
+      <p:sp>
+        <p:nvSpPr>
+          <p:cNvPr id="4" name="TextBox 3">
+            <a:extLst>
+              <a:ext uri="{FF2B5EF4-FFF2-40B4-BE49-F238E27FC236}">
+                <a16:creationId xmlns:a16="http://schemas.microsoft.com/office/drawing/2014/main" id="{9E5C05BB-5C43-4EB1-B2CF-1E9B7EE6F6B9}"/>
+              </a:ext>
+            </a:extLst>
+          </p:cNvPr>
+          <p:cNvSpPr txBox="1"/>
+          <p:nvPr/>
+        </p:nvSpPr>
+        <p:spPr>
+          <a:xfrm>
+            <a:off x="0" y="2057082"/>
+            <a:ext cx="12192000" cy="3108543"/>
+          </a:xfrm>
+          <a:prstGeom prst="rect">
+            <a:avLst/>
+          </a:prstGeom>
+          <a:noFill/>
+        </p:spPr>
+        <p:txBody>
+          <a:bodyPr wrap="square" rtlCol="0">
+            <a:spAutoFit/>
+          </a:bodyPr>
+          <a:lstStyle/>
+          <a:p>
+            <a:pPr marL="285750" indent="-285750">
+              <a:buFontTx/>
+              <a:buChar char="-"/>
+            </a:pPr>
+            <a:r>
+              <a:rPr lang="fr-CA" sz="2800" dirty="0"/>
+              <a:t>Mécanique classique</a:t>
+            </a:r>
+          </a:p>
+          <a:p>
+            <a:pPr marL="285750" indent="-285750">
+              <a:buFontTx/>
+              <a:buChar char="-"/>
+            </a:pPr>
+            <a:r>
+              <a:rPr lang="fr-CA" sz="2800" dirty="0"/>
+              <a:t>Fonctions</a:t>
+            </a:r>
+          </a:p>
+          <a:p>
+            <a:pPr marL="285750" indent="-285750">
+              <a:buFontTx/>
+              <a:buChar char="-"/>
+            </a:pPr>
+            <a:r>
+              <a:rPr lang="fr-CA" sz="2800" dirty="0"/>
+              <a:t>Nombre imaginaire</a:t>
+            </a:r>
+          </a:p>
+          <a:p>
+            <a:pPr marL="285750" indent="-285750">
+              <a:buFontTx/>
+              <a:buChar char="-"/>
+            </a:pPr>
+            <a:r>
+              <a:rPr lang="fr-CA" sz="2800" dirty="0"/>
+              <a:t>Dérivé</a:t>
+            </a:r>
+          </a:p>
+          <a:p>
+            <a:pPr marL="285750" indent="-285750">
+              <a:buFontTx/>
+              <a:buChar char="-"/>
+            </a:pPr>
+            <a:r>
+              <a:rPr lang="fr-CA" sz="2800" dirty="0"/>
+              <a:t>Intégrales</a:t>
+            </a:r>
+          </a:p>
+          <a:p>
+            <a:pPr marL="285750" indent="-285750">
+              <a:buFontTx/>
+              <a:buChar char="-"/>
+            </a:pPr>
+            <a:r>
+              <a:rPr lang="fr-CA" sz="2800" dirty="0"/>
+              <a:t>Matrices</a:t>
+            </a:r>
+          </a:p>
+          <a:p>
+            <a:pPr marL="285750" indent="-285750">
+              <a:buFontTx/>
+              <a:buChar char="-"/>
+            </a:pPr>
+            <a:endParaRPr lang="fr-CA" sz="2800" dirty="0"/>
+          </a:p>
+        </p:txBody>
+      </p:sp>
+    </p:spTree>
+    <p:extLst>
+      <p:ext uri="{BB962C8B-B14F-4D97-AF65-F5344CB8AC3E}">
+        <p14:creationId xmlns:p14="http://schemas.microsoft.com/office/powerpoint/2010/main" val="2753890676"/>
+      </p:ext>
+    </p:extLst>
+  </p:cSld>
+  <p:clrMapOvr>
+    <a:masterClrMapping/>
+  </p:clrMapOvr>
+</p:sld>
+</file>
+
+<file path=ppt/slides/slide2.xml><?xml version="1.0" encoding="utf-8"?>
+<p:sld xmlns:a="http://schemas.openxmlformats.org/drawingml/2006/main" xmlns:r="http://schemas.openxmlformats.org/officeDocument/2006/relationships" xmlns:p="http://schemas.openxmlformats.org/presentationml/2006/main">
+  <p:cSld>
+    <p:bg>
+      <p:bgPr>
+        <a:solidFill>
+          <a:schemeClr val="bg1"/>
+        </a:solidFill>
+        <a:effectLst/>
+      </p:bgPr>
+    </p:bg>
+    <p:spTree>
+      <p:nvGrpSpPr>
+        <p:cNvPr id="1" name=""/>
+        <p:cNvGrpSpPr/>
+        <p:nvPr/>
+      </p:nvGrpSpPr>
+      <p:grpSpPr>
+        <a:xfrm>
+          <a:off x="0" y="0"/>
+          <a:ext cx="0" cy="0"/>
+          <a:chOff x="0" y="0"/>
+          <a:chExt cx="0" cy="0"/>
+        </a:xfrm>
+      </p:grpSpPr>
+      <p:sp>
+        <p:nvSpPr>
+          <p:cNvPr id="10" name="Rectangle 9">
+            <a:extLst>
+              <a:ext uri="{FF2B5EF4-FFF2-40B4-BE49-F238E27FC236}">
+                <a16:creationId xmlns:a16="http://schemas.microsoft.com/office/drawing/2014/main" id="{EBF87945-A001-489F-9D9B-7D9435F0B9CA}"/>
+              </a:ext>
+              <a:ext uri="{C183D7F6-B498-43B3-948B-1728B52AA6E4}">
+                <adec:decorative xmlns:adec="http://schemas.microsoft.com/office/drawing/2017/decorative" val="1"/>
+              </a:ext>
+            </a:extLst>
+          </p:cNvPr>
+          <p:cNvSpPr>
+            <a:spLocks noGrp="1" noRot="1" noChangeAspect="1" noMove="1" noResize="1" noEditPoints="1" noAdjustHandles="1" noChangeArrowheads="1" noChangeShapeType="1" noTextEdit="1"/>
+          </p:cNvSpPr>
+          <p:nvPr>
+            <p:custDataLst>
+              <p:tags r:id="rId1"/>
+            </p:custDataLst>
+            <p:extLst>
+              <p:ext uri="{386F3935-93C4-4BCD-93E2-E3B085C9AB24}">
+                <p16:designElem xmlns:p16="http://schemas.microsoft.com/office/powerpoint/2015/main" val="1"/>
+              </p:ext>
+            </p:extLst>
+          </p:nvPr>
+        </p:nvSpPr>
+        <p:spPr>
+          <a:xfrm>
+            <a:off x="0" y="1"/>
+            <a:ext cx="12192000" cy="1911096"/>
+          </a:xfrm>
+          <a:prstGeom prst="rect">
+            <a:avLst/>
+          </a:prstGeom>
+          <a:solidFill>
+            <a:schemeClr val="accent5"/>
+          </a:solidFill>
+          <a:ln>
+            <a:noFill/>
+          </a:ln>
+        </p:spPr>
+        <p:style>
+          <a:lnRef idx="2">
+            <a:schemeClr val="accent1">
+              <a:shade val="50000"/>
+            </a:schemeClr>
+          </a:lnRef>
+          <a:fillRef idx="1">
+            <a:schemeClr val="accent1"/>
+          </a:fillRef>
+          <a:effectRef idx="0">
+            <a:schemeClr val="accent1"/>
+          </a:effectRef>
+          <a:fontRef idx="minor">
+            <a:schemeClr val="lt1"/>
+          </a:fontRef>
+        </p:style>
+        <p:txBody>
+          <a:bodyPr rtlCol="0" anchor="ctr"/>
+          <a:lstStyle/>
+          <a:p>
+            <a:pPr algn="ctr"/>
+            <a:endParaRPr lang="en-US"/>
+          </a:p>
+        </p:txBody>
+      </p:sp>
+      <p:sp>
+        <p:nvSpPr>
+          <p:cNvPr id="2" name="Title 1"/>
+          <p:cNvSpPr>
+            <a:spLocks noGrp="1"/>
+          </p:cNvSpPr>
+          <p:nvPr>
+            <p:ph type="title"/>
+            <p:custDataLst>
+              <p:tags r:id="rId2"/>
+            </p:custDataLst>
+          </p:nvPr>
+        </p:nvSpPr>
+        <p:spPr>
+          <a:xfrm>
+            <a:off x="838200" y="365760"/>
+            <a:ext cx="10515600" cy="1325563"/>
+          </a:xfrm>
+        </p:spPr>
+        <p:txBody>
+          <a:bodyPr>
+            <a:normAutofit/>
+          </a:bodyPr>
+          <a:lstStyle/>
+          <a:p>
+            <a:r>
+              <a:rPr lang="en-US" dirty="0">
+                <a:solidFill>
+                  <a:schemeClr val="bg1"/>
+                </a:solidFill>
+              </a:rPr>
+              <a:t>Classique</a:t>
+            </a:r>
+            <a:endParaRPr lang="en-CA" dirty="0">
+              <a:solidFill>
+                <a:schemeClr val="bg1"/>
+              </a:solidFill>
+            </a:endParaRPr>
+          </a:p>
+        </p:txBody>
+      </p:sp>
+      <p:pic>
+        <p:nvPicPr>
+          <p:cNvPr id="12" name="Picture 11">
+            <a:extLst>
+              <a:ext uri="{FF2B5EF4-FFF2-40B4-BE49-F238E27FC236}">
+                <a16:creationId xmlns:a16="http://schemas.microsoft.com/office/drawing/2014/main" id="{8EAF6AA4-C24C-4433-B39D-459E4D2E3878}"/>
+              </a:ext>
+            </a:extLst>
+          </p:cNvPr>
+          <p:cNvPicPr>
+            <a:picLocks noChangeAspect="1"/>
+          </p:cNvPicPr>
+          <p:nvPr/>
+        </p:nvPicPr>
+        <p:blipFill>
+          <a:blip r:embed="rId4"/>
+          <a:stretch>
+            <a:fillRect/>
+          </a:stretch>
+        </p:blipFill>
+        <p:spPr>
+          <a:xfrm>
+            <a:off x="450165" y="2081364"/>
+            <a:ext cx="3567571" cy="3710632"/>
+          </a:xfrm>
+          <a:prstGeom prst="rect">
+            <a:avLst/>
+          </a:prstGeom>
+        </p:spPr>
+      </p:pic>
+    </p:spTree>
+    <p:extLst>
+      <p:ext uri="{BB962C8B-B14F-4D97-AF65-F5344CB8AC3E}">
+        <p14:creationId xmlns:p14="http://schemas.microsoft.com/office/powerpoint/2010/main" val="3104208272"/>
+      </p:ext>
+    </p:extLst>
+  </p:cSld>
+  <p:clrMapOvr>
+    <a:masterClrMapping/>
+  </p:clrMapOvr>
+</p:sld>
+</file>
+
+<file path=ppt/slides/slide3.xml><?xml version="1.0" encoding="utf-8"?>
+<p:sld xmlns:a="http://schemas.openxmlformats.org/drawingml/2006/main" xmlns:r="http://schemas.openxmlformats.org/officeDocument/2006/relationships" xmlns:p="http://schemas.openxmlformats.org/presentationml/2006/main">
+  <p:cSld>
+    <p:spTree>
+      <p:nvGrpSpPr>
+        <p:cNvPr id="1" name=""/>
+        <p:cNvGrpSpPr/>
+        <p:nvPr/>
+      </p:nvGrpSpPr>
+      <p:grpSpPr>
+        <a:xfrm>
+          <a:off x="0" y="0"/>
+          <a:ext cx="0" cy="0"/>
+          <a:chOff x="0" y="0"/>
+          <a:chExt cx="0" cy="0"/>
+        </a:xfrm>
+      </p:grpSpPr>
+      <p:sp>
+        <p:nvSpPr>
+          <p:cNvPr id="4" name="Title 3">
+            <a:extLst>
+              <a:ext uri="{FF2B5EF4-FFF2-40B4-BE49-F238E27FC236}">
+                <a16:creationId xmlns:a16="http://schemas.microsoft.com/office/drawing/2014/main" id="{BB9EC2FE-2CD1-4781-B78F-CD2AE0C35659}"/>
+              </a:ext>
+            </a:extLst>
+          </p:cNvPr>
+          <p:cNvSpPr>
+            <a:spLocks noGrp="1"/>
+          </p:cNvSpPr>
+          <p:nvPr>
+            <p:ph type="title"/>
+          </p:nvPr>
+        </p:nvSpPr>
+        <p:spPr/>
+        <p:txBody>
+          <a:bodyPr/>
+          <a:lstStyle/>
+          <a:p>
+            <a:endParaRPr lang="en-CA"/>
+          </a:p>
+        </p:txBody>
+      </p:sp>
+      <p:pic>
+        <p:nvPicPr>
+          <p:cNvPr id="8" name="!!!pendule" descr="A picture containing kite, flying, man, colorful&#10;&#10;Description automatically generated">
+            <a:extLst>
+              <a:ext uri="{FF2B5EF4-FFF2-40B4-BE49-F238E27FC236}">
+                <a16:creationId xmlns:a16="http://schemas.microsoft.com/office/drawing/2014/main" id="{8D4C6364-DBCA-4CD7-8DBD-1772C631A1F7}"/>
+              </a:ext>
+            </a:extLst>
+          </p:cNvPr>
+          <p:cNvPicPr>
+            <a:picLocks noChangeAspect="1"/>
+          </p:cNvPicPr>
+          <p:nvPr/>
+        </p:nvPicPr>
+        <p:blipFill>
+          <a:blip r:embed="rId4">
+            <a:extLst>
+              <a:ext uri="{28A0092B-C50C-407E-A947-70E740481C1C}">
+                <a14:useLocalDpi xmlns:a14="http://schemas.microsoft.com/office/drawing/2010/main" val="0"/>
+              </a:ext>
+            </a:extLst>
+          </a:blip>
+          <a:stretch>
+            <a:fillRect/>
+          </a:stretch>
+        </p:blipFill>
+        <p:spPr>
+          <a:xfrm>
+            <a:off x="245056" y="2142150"/>
+            <a:ext cx="3376685" cy="3953850"/>
+          </a:xfrm>
+          <a:prstGeom prst="rect">
+            <a:avLst/>
+          </a:prstGeom>
+        </p:spPr>
+      </p:pic>
+      <p:sp>
+        <p:nvSpPr>
+          <p:cNvPr id="11" name="Rectangle 10">
+            <a:extLst>
+              <a:ext uri="{FF2B5EF4-FFF2-40B4-BE49-F238E27FC236}">
+                <a16:creationId xmlns:a16="http://schemas.microsoft.com/office/drawing/2014/main" id="{31BA503A-7974-4E4D-BD80-19CE256294A7}"/>
+              </a:ext>
+              <a:ext uri="{C183D7F6-B498-43B3-948B-1728B52AA6E4}">
+                <adec:decorative xmlns:adec="http://schemas.microsoft.com/office/drawing/2017/decorative" val="1"/>
+              </a:ext>
+            </a:extLst>
+          </p:cNvPr>
+          <p:cNvSpPr>
+            <a:spLocks noGrp="1" noRot="1" noChangeAspect="1" noMove="1" noResize="1" noEditPoints="1" noAdjustHandles="1" noChangeArrowheads="1" noChangeShapeType="1" noTextEdit="1"/>
+          </p:cNvSpPr>
+          <p:nvPr>
+            <p:custDataLst>
+              <p:tags r:id="rId1"/>
+            </p:custDataLst>
+            <p:extLst>
+              <p:ext uri="{386F3935-93C4-4BCD-93E2-E3B085C9AB24}">
+                <p16:designElem xmlns:p16="http://schemas.microsoft.com/office/powerpoint/2015/main" val="1"/>
+              </p:ext>
+            </p:extLst>
+          </p:nvPr>
+        </p:nvSpPr>
+        <p:spPr>
+          <a:xfrm>
+            <a:off x="0" y="1"/>
+            <a:ext cx="12192000" cy="1911096"/>
+          </a:xfrm>
+          <a:prstGeom prst="rect">
+            <a:avLst/>
+          </a:prstGeom>
+          <a:solidFill>
+            <a:schemeClr val="accent5"/>
+          </a:solidFill>
+          <a:ln>
+            <a:noFill/>
+          </a:ln>
+        </p:spPr>
+        <p:style>
+          <a:lnRef idx="2">
+            <a:schemeClr val="accent1">
+              <a:shade val="50000"/>
+            </a:schemeClr>
+          </a:lnRef>
+          <a:fillRef idx="1">
+            <a:schemeClr val="accent1"/>
+          </a:fillRef>
+          <a:effectRef idx="0">
+            <a:schemeClr val="accent1"/>
+          </a:effectRef>
+          <a:fontRef idx="minor">
+            <a:schemeClr val="lt1"/>
+          </a:fontRef>
+        </p:style>
+        <p:txBody>
+          <a:bodyPr rtlCol="0" anchor="ctr"/>
+          <a:lstStyle/>
+          <a:p>
+            <a:pPr algn="ctr"/>
+            <a:endParaRPr lang="en-US"/>
+          </a:p>
+        </p:txBody>
+      </p:sp>
+      <p:sp>
+        <p:nvSpPr>
+          <p:cNvPr id="12" name="Title 1">
+            <a:extLst>
+              <a:ext uri="{FF2B5EF4-FFF2-40B4-BE49-F238E27FC236}">
+                <a16:creationId xmlns:a16="http://schemas.microsoft.com/office/drawing/2014/main" id="{08057AE9-A547-4238-86ED-8FB6B01E2D51}"/>
+              </a:ext>
+            </a:extLst>
+          </p:cNvPr>
+          <p:cNvSpPr txBox="1">
+            <a:spLocks/>
+          </p:cNvSpPr>
+          <p:nvPr>
+            <p:custDataLst>
+              <p:tags r:id="rId2"/>
+            </p:custDataLst>
+          </p:nvPr>
+        </p:nvSpPr>
+        <p:spPr>
+          <a:xfrm>
+            <a:off x="838200" y="365760"/>
+            <a:ext cx="10515600" cy="1325563"/>
+          </a:xfrm>
+          <a:prstGeom prst="rect">
+            <a:avLst/>
+          </a:prstGeom>
+        </p:spPr>
+        <p:txBody>
+          <a:bodyPr vert="horz" lIns="91440" tIns="45720" rIns="91440" bIns="45720" rtlCol="0" anchor="ctr">
+            <a:normAutofit/>
+          </a:bodyPr>
+          <a:lstStyle>
+            <a:lvl1pPr algn="l" defTabSz="914400" rtl="0" eaLnBrk="1" latinLnBrk="0" hangingPunct="1">
+              <a:lnSpc>
+                <a:spcPct val="90000"/>
+              </a:lnSpc>
+              <a:spcBef>
+                <a:spcPct val="0"/>
+              </a:spcBef>
+              <a:buNone/>
+              <a:defRPr sz="4400" kern="1200">
+                <a:solidFill>
+                  <a:schemeClr val="tx1"/>
+                </a:solidFill>
+                <a:latin typeface="+mj-lt"/>
+                <a:ea typeface="+mj-ea"/>
+                <a:cs typeface="+mj-cs"/>
+              </a:defRPr>
+            </a:lvl1pPr>
+          </a:lstStyle>
+          <a:p>
+            <a:r>
+              <a:rPr lang="en-US" dirty="0">
+                <a:solidFill>
+                  <a:schemeClr val="bg1"/>
+                </a:solidFill>
+              </a:rPr>
+              <a:t>Classique</a:t>
+            </a:r>
+            <a:endParaRPr lang="en-CA" dirty="0">
+              <a:solidFill>
+                <a:schemeClr val="bg1"/>
+              </a:solidFill>
+            </a:endParaRPr>
+          </a:p>
+        </p:txBody>
+      </p:sp>
       <mc:AlternateContent xmlns:mc="http://schemas.openxmlformats.org/markup-compatibility/2006" xmlns:a14="http://schemas.microsoft.com/office/drawing/2010/main">
         <mc:Choice Requires="a14">
           <p:sp>
             <p:nvSpPr>
-              <p:cNvPr id="22" name="TextBox 21">
+              <p:cNvPr id="13" name="TextBox 12">
                 <a:extLst>
                   <a:ext uri="{FF2B5EF4-FFF2-40B4-BE49-F238E27FC236}">
-                    <a16:creationId xmlns:a16="http://schemas.microsoft.com/office/drawing/2014/main" id="{348422F7-E23B-4A6C-B38F-69AFA1D84D56}"/>
+                    <a16:creationId xmlns:a16="http://schemas.microsoft.com/office/drawing/2014/main" id="{16B3EFF4-B7E7-46B1-9EFA-968D741CF47E}"/>
                   </a:ext>
                 </a:extLst>
               </p:cNvPr>
@@ -9953,10 +8139,10 @@
         <mc:Fallback xmlns="">
           <p:sp>
             <p:nvSpPr>
-              <p:cNvPr id="22" name="TextBox 21">
+              <p:cNvPr id="13" name="TextBox 12">
                 <a:extLst>
                   <a:ext uri="{FF2B5EF4-FFF2-40B4-BE49-F238E27FC236}">
-                    <a16:creationId xmlns:a16="http://schemas.microsoft.com/office/drawing/2014/main" id="{348422F7-E23B-4A6C-B38F-69AFA1D84D56}"/>
+                    <a16:creationId xmlns:a16="http://schemas.microsoft.com/office/drawing/2014/main" id="{16B3EFF4-B7E7-46B1-9EFA-968D741CF47E}"/>
                   </a:ext>
                 </a:extLst>
               </p:cNvPr>
@@ -9985,7 +8171,7 @@
               <a:lstStyle/>
               <a:p>
                 <a:r>
-                  <a:rPr lang="fr-CA">
+                  <a:rPr lang="en-CA">
                     <a:noFill/>
                   </a:rPr>
                   <a:t> </a:t>
@@ -9998,7 +8184,7 @@
     </p:spTree>
     <p:extLst>
       <p:ext uri="{BB962C8B-B14F-4D97-AF65-F5344CB8AC3E}">
-        <p14:creationId xmlns:p14="http://schemas.microsoft.com/office/powerpoint/2010/main" val="3134282496"/>
+        <p14:creationId xmlns:p14="http://schemas.microsoft.com/office/powerpoint/2010/main" val="1524590120"/>
       </p:ext>
     </p:extLst>
   </p:cSld>
@@ -10039,7 +8225,7 @@
                                           </p:stCondLst>
                                         </p:cTn>
                                         <p:tgtEl>
-                                          <p:spTgt spid="22"/>
+                                          <p:spTgt spid="13"/>
                                         </p:tgtEl>
                                         <p:attrNameLst>
                                           <p:attrName>style.visibility</p:attrName>
@@ -10080,14 +8266,14 @@
       </p:par>
     </p:tnLst>
     <p:bldLst>
-      <p:bldP spid="22" grpId="0"/>
+      <p:bldP spid="13" grpId="0"/>
     </p:bldLst>
   </p:timing>
 </p:sld>
 </file>
 
-<file path=ppt/slides/slide9.xml><?xml version="1.0" encoding="utf-8"?>
-<p:sld xmlns:a="http://schemas.openxmlformats.org/drawingml/2006/main" xmlns:r="http://schemas.openxmlformats.org/officeDocument/2006/relationships" xmlns:p="http://schemas.openxmlformats.org/presentationml/2006/main" show="0">
+<file path=ppt/slides/slide4.xml><?xml version="1.0" encoding="utf-8"?>
+<p:sld xmlns:a="http://schemas.openxmlformats.org/drawingml/2006/main" xmlns:r="http://schemas.openxmlformats.org/officeDocument/2006/relationships" xmlns:p="http://schemas.openxmlformats.org/presentationml/2006/main">
   <p:cSld>
     <p:spTree>
       <p:nvGrpSpPr>
@@ -10105,10 +8291,35 @@
       </p:grpSpPr>
       <p:sp>
         <p:nvSpPr>
-          <p:cNvPr id="10" name="Rectangle 9">
+          <p:cNvPr id="4" name="!!! Title">
             <a:extLst>
               <a:ext uri="{FF2B5EF4-FFF2-40B4-BE49-F238E27FC236}">
-                <a16:creationId xmlns:a16="http://schemas.microsoft.com/office/drawing/2014/main" id="{EBF87945-A001-489F-9D9B-7D9435F0B9CA}"/>
+                <a16:creationId xmlns:a16="http://schemas.microsoft.com/office/drawing/2014/main" id="{BB9EC2FE-2CD1-4781-B78F-CD2AE0C35659}"/>
+              </a:ext>
+            </a:extLst>
+          </p:cNvPr>
+          <p:cNvSpPr>
+            <a:spLocks noGrp="1"/>
+          </p:cNvSpPr>
+          <p:nvPr>
+            <p:ph type="title"/>
+          </p:nvPr>
+        </p:nvSpPr>
+        <p:spPr/>
+        <p:txBody>
+          <a:bodyPr/>
+          <a:lstStyle/>
+          <a:p>
+            <a:endParaRPr lang="en-CA" dirty="0"/>
+          </a:p>
+        </p:txBody>
+      </p:sp>
+      <p:sp>
+        <p:nvSpPr>
+          <p:cNvPr id="11" name="Rectangle 10">
+            <a:extLst>
+              <a:ext uri="{FF2B5EF4-FFF2-40B4-BE49-F238E27FC236}">
+                <a16:creationId xmlns:a16="http://schemas.microsoft.com/office/drawing/2014/main" id="{31BA503A-7974-4E4D-BD80-19CE256294A7}"/>
               </a:ext>
               <a:ext uri="{C183D7F6-B498-43B3-948B-1728B52AA6E4}">
                 <adec:decorative xmlns:adec="http://schemas.microsoft.com/office/drawing/2017/decorative" val="1"/>
@@ -10171,7 +8382,3551 @@
       </p:sp>
       <p:sp>
         <p:nvSpPr>
-          <p:cNvPr id="2" name="Title 1"/>
+          <p:cNvPr id="12" name="Title 1">
+            <a:extLst>
+              <a:ext uri="{FF2B5EF4-FFF2-40B4-BE49-F238E27FC236}">
+                <a16:creationId xmlns:a16="http://schemas.microsoft.com/office/drawing/2014/main" id="{08057AE9-A547-4238-86ED-8FB6B01E2D51}"/>
+              </a:ext>
+            </a:extLst>
+          </p:cNvPr>
+          <p:cNvSpPr txBox="1">
+            <a:spLocks/>
+          </p:cNvSpPr>
+          <p:nvPr>
+            <p:custDataLst>
+              <p:tags r:id="rId2"/>
+            </p:custDataLst>
+          </p:nvPr>
+        </p:nvSpPr>
+        <p:spPr>
+          <a:xfrm>
+            <a:off x="838200" y="365760"/>
+            <a:ext cx="10515600" cy="1325563"/>
+          </a:xfrm>
+          <a:prstGeom prst="rect">
+            <a:avLst/>
+          </a:prstGeom>
+        </p:spPr>
+        <p:txBody>
+          <a:bodyPr vert="horz" lIns="91440" tIns="45720" rIns="91440" bIns="45720" rtlCol="0" anchor="ctr">
+            <a:normAutofit/>
+          </a:bodyPr>
+          <a:lstStyle>
+            <a:lvl1pPr algn="l" defTabSz="914400" rtl="0" eaLnBrk="1" latinLnBrk="0" hangingPunct="1">
+              <a:lnSpc>
+                <a:spcPct val="90000"/>
+              </a:lnSpc>
+              <a:spcBef>
+                <a:spcPct val="0"/>
+              </a:spcBef>
+              <a:buNone/>
+              <a:defRPr sz="4400" kern="1200">
+                <a:solidFill>
+                  <a:schemeClr val="tx1"/>
+                </a:solidFill>
+                <a:latin typeface="+mj-lt"/>
+                <a:ea typeface="+mj-ea"/>
+                <a:cs typeface="+mj-cs"/>
+              </a:defRPr>
+            </a:lvl1pPr>
+          </a:lstStyle>
+          <a:p>
+            <a:r>
+              <a:rPr lang="en-US" dirty="0">
+                <a:solidFill>
+                  <a:schemeClr val="bg1"/>
+                </a:solidFill>
+              </a:rPr>
+              <a:t>Classique</a:t>
+            </a:r>
+            <a:endParaRPr lang="en-CA" dirty="0">
+              <a:solidFill>
+                <a:schemeClr val="bg1"/>
+              </a:solidFill>
+            </a:endParaRPr>
+          </a:p>
+        </p:txBody>
+      </p:sp>
+      <mc:AlternateContent xmlns:mc="http://schemas.openxmlformats.org/markup-compatibility/2006" xmlns:a14="http://schemas.microsoft.com/office/drawing/2010/main">
+        <mc:Choice Requires="a14">
+          <p:sp>
+            <p:nvSpPr>
+              <p:cNvPr id="7" name="TextBox 6">
+                <a:extLst>
+                  <a:ext uri="{FF2B5EF4-FFF2-40B4-BE49-F238E27FC236}">
+                    <a16:creationId xmlns:a16="http://schemas.microsoft.com/office/drawing/2014/main" id="{D974251C-C027-4E14-B425-D419FF01BB99}"/>
+                  </a:ext>
+                </a:extLst>
+              </p:cNvPr>
+              <p:cNvSpPr txBox="1"/>
+              <p:nvPr/>
+            </p:nvSpPr>
+            <p:spPr>
+              <a:xfrm>
+                <a:off x="640976" y="2133607"/>
+                <a:ext cx="2424703" cy="760144"/>
+              </a:xfrm>
+              <a:prstGeom prst="rect">
+                <a:avLst/>
+              </a:prstGeom>
+              <a:noFill/>
+            </p:spPr>
+            <p:txBody>
+              <a:bodyPr wrap="none" lIns="0" tIns="0" rIns="0" bIns="0" rtlCol="0">
+                <a:spAutoFit/>
+              </a:bodyPr>
+              <a:lstStyle/>
+              <a:p>
+                <a:r>
+                  <a:rPr lang="en-CA" b="0" i="1" dirty="0">
+                    <a:latin typeface="Cambria Math" panose="02040503050406030204" pitchFamily="18" charset="0"/>
+                  </a:rPr>
+                  <a:t>Équation du </a:t>
+                </a:r>
+                <a:r>
+                  <a:rPr lang="en-CA" b="0" i="1" dirty="0" err="1">
+                    <a:latin typeface="Cambria Math" panose="02040503050406030204" pitchFamily="18" charset="0"/>
+                  </a:rPr>
+                  <a:t>mouvement</a:t>
+                </a:r>
+                <a:endParaRPr lang="en-CA" b="0" i="1" dirty="0">
+                  <a:latin typeface="Cambria Math" panose="02040503050406030204" pitchFamily="18" charset="0"/>
+                </a:endParaRPr>
+              </a:p>
+              <a:p>
+                <a:pPr/>
+                <a14:m>
+                  <m:oMathPara xmlns:m="http://schemas.openxmlformats.org/officeDocument/2006/math">
+                    <m:oMathParaPr>
+                      <m:jc m:val="centerGroup"/>
+                    </m:oMathParaPr>
+                    <m:oMath xmlns:m="http://schemas.openxmlformats.org/officeDocument/2006/math">
+                      <m:sSub>
+                        <m:sSubPr>
+                          <m:ctrlPr>
+                            <a:rPr lang="en-CA" sz="2800" i="1">
+                              <a:latin typeface="Cambria Math" panose="02040503050406030204" pitchFamily="18" charset="0"/>
+                            </a:rPr>
+                          </m:ctrlPr>
+                        </m:sSubPr>
+                        <m:e>
+                          <m:r>
+                            <a:rPr lang="en-CA" sz="2800" i="1">
+                              <a:latin typeface="Cambria Math" panose="02040503050406030204" pitchFamily="18" charset="0"/>
+                            </a:rPr>
+                            <m:t>∑</m:t>
+                          </m:r>
+                        </m:e>
+                        <m:sub>
+                          <m:r>
+                            <a:rPr lang="en-CA" sz="2800" b="0" i="1" smtClean="0">
+                              <a:latin typeface="Cambria Math" panose="02040503050406030204" pitchFamily="18" charset="0"/>
+                            </a:rPr>
+                            <m:t>𝑖</m:t>
+                          </m:r>
+                        </m:sub>
+                      </m:sSub>
+                      <m:sSub>
+                        <m:sSubPr>
+                          <m:ctrlPr>
+                            <a:rPr lang="en-CA" sz="2800" i="1" smtClean="0">
+                              <a:solidFill>
+                                <a:srgbClr val="FF0000"/>
+                              </a:solidFill>
+                              <a:latin typeface="Cambria Math" panose="02040503050406030204" pitchFamily="18" charset="0"/>
+                            </a:rPr>
+                          </m:ctrlPr>
+                        </m:sSubPr>
+                        <m:e>
+                          <m:acc>
+                            <m:accPr>
+                              <m:chr m:val="⃗"/>
+                              <m:ctrlPr>
+                                <a:rPr lang="en-CA" sz="2800" b="0" i="1" dirty="0" smtClean="0">
+                                  <a:solidFill>
+                                    <a:srgbClr val="FF0000"/>
+                                  </a:solidFill>
+                                  <a:latin typeface="Cambria Math" panose="02040503050406030204" pitchFamily="18" charset="0"/>
+                                </a:rPr>
+                              </m:ctrlPr>
+                            </m:accPr>
+                            <m:e>
+                              <m:r>
+                                <a:rPr lang="en-CA" sz="2800" b="0" i="1" dirty="0" smtClean="0">
+                                  <a:solidFill>
+                                    <a:srgbClr val="FF0000"/>
+                                  </a:solidFill>
+                                  <a:latin typeface="Cambria Math" panose="02040503050406030204" pitchFamily="18" charset="0"/>
+                                </a:rPr>
+                                <m:t>𝐹</m:t>
+                              </m:r>
+                            </m:e>
+                          </m:acc>
+                        </m:e>
+                        <m:sub>
+                          <m:r>
+                            <a:rPr lang="en-CA" sz="2800" b="0" i="1" smtClean="0">
+                              <a:solidFill>
+                                <a:srgbClr val="FF0000"/>
+                              </a:solidFill>
+                              <a:latin typeface="Cambria Math" panose="02040503050406030204" pitchFamily="18" charset="0"/>
+                            </a:rPr>
+                            <m:t>𝑖</m:t>
+                          </m:r>
+                        </m:sub>
+                      </m:sSub>
+                      <m:r>
+                        <a:rPr lang="en-CA" sz="2800" b="0" i="1" smtClean="0">
+                          <a:latin typeface="Cambria Math" panose="02040503050406030204" pitchFamily="18" charset="0"/>
+                        </a:rPr>
+                        <m:t>= </m:t>
+                      </m:r>
+                      <m:r>
+                        <a:rPr lang="en-CA" sz="2800" b="0" i="1" smtClean="0">
+                          <a:latin typeface="Cambria Math" panose="02040503050406030204" pitchFamily="18" charset="0"/>
+                        </a:rPr>
+                        <m:t>𝑚</m:t>
+                      </m:r>
+                      <m:acc>
+                        <m:accPr>
+                          <m:chr m:val="⃗"/>
+                          <m:ctrlPr>
+                            <a:rPr lang="en-CA" sz="2800" b="0" i="1" smtClean="0">
+                              <a:latin typeface="Cambria Math" panose="02040503050406030204" pitchFamily="18" charset="0"/>
+                            </a:rPr>
+                          </m:ctrlPr>
+                        </m:accPr>
+                        <m:e>
+                          <m:r>
+                            <a:rPr lang="en-CA" sz="2800" b="0" i="1" smtClean="0">
+                              <a:latin typeface="Cambria Math" panose="02040503050406030204" pitchFamily="18" charset="0"/>
+                            </a:rPr>
+                            <m:t>𝑎</m:t>
+                          </m:r>
+                        </m:e>
+                      </m:acc>
+                    </m:oMath>
+                  </m:oMathPara>
+                </a14:m>
+                <a:endParaRPr lang="en-CA" dirty="0"/>
+              </a:p>
+            </p:txBody>
+          </p:sp>
+        </mc:Choice>
+        <mc:Fallback xmlns="">
+          <p:sp>
+            <p:nvSpPr>
+              <p:cNvPr id="7" name="TextBox 6">
+                <a:extLst>
+                  <a:ext uri="{FF2B5EF4-FFF2-40B4-BE49-F238E27FC236}">
+                    <a16:creationId xmlns:a16="http://schemas.microsoft.com/office/drawing/2014/main" id="{D974251C-C027-4E14-B425-D419FF01BB99}"/>
+                  </a:ext>
+                </a:extLst>
+              </p:cNvPr>
+              <p:cNvSpPr txBox="1">
+                <a:spLocks noRot="1" noChangeAspect="1" noMove="1" noResize="1" noEditPoints="1" noAdjustHandles="1" noChangeArrowheads="1" noChangeShapeType="1" noTextEdit="1"/>
+              </p:cNvSpPr>
+              <p:nvPr/>
+            </p:nvSpPr>
+            <p:spPr>
+              <a:xfrm>
+                <a:off x="640976" y="2133607"/>
+                <a:ext cx="2424703" cy="760144"/>
+              </a:xfrm>
+              <a:prstGeom prst="rect">
+                <a:avLst/>
+              </a:prstGeom>
+              <a:blipFill>
+                <a:blip r:embed="rId4"/>
+                <a:stretch>
+                  <a:fillRect l="-5779" t="-11200" r="-5779"/>
+                </a:stretch>
+              </a:blipFill>
+            </p:spPr>
+            <p:txBody>
+              <a:bodyPr/>
+              <a:lstStyle/>
+              <a:p>
+                <a:r>
+                  <a:rPr lang="en-CA">
+                    <a:noFill/>
+                  </a:rPr>
+                  <a:t> </a:t>
+                </a:r>
+              </a:p>
+            </p:txBody>
+          </p:sp>
+        </mc:Fallback>
+      </mc:AlternateContent>
+      <p:sp>
+        <p:nvSpPr>
+          <p:cNvPr id="2" name="TextBox 1">
+            <a:extLst>
+              <a:ext uri="{FF2B5EF4-FFF2-40B4-BE49-F238E27FC236}">
+                <a16:creationId xmlns:a16="http://schemas.microsoft.com/office/drawing/2014/main" id="{6DD278FC-6419-427A-8DCB-96127F46A02B}"/>
+              </a:ext>
+            </a:extLst>
+          </p:cNvPr>
+          <p:cNvSpPr txBox="1"/>
+          <p:nvPr/>
+        </p:nvSpPr>
+        <p:spPr>
+          <a:xfrm>
+            <a:off x="640976" y="3254188"/>
+            <a:ext cx="2891689" cy="369332"/>
+          </a:xfrm>
+          <a:prstGeom prst="rect">
+            <a:avLst/>
+          </a:prstGeom>
+          <a:noFill/>
+        </p:spPr>
+        <p:txBody>
+          <a:bodyPr wrap="none" rtlCol="0">
+            <a:spAutoFit/>
+          </a:bodyPr>
+          <a:lstStyle/>
+          <a:p>
+            <a:pPr marL="285750" indent="-285750">
+              <a:buFontTx/>
+              <a:buChar char="-"/>
+            </a:pPr>
+            <a:r>
+              <a:rPr lang="en-CA" dirty="0"/>
+              <a:t>Interaction </a:t>
+            </a:r>
+            <a:r>
+              <a:rPr lang="en-CA" dirty="0" err="1"/>
+              <a:t>gravitationelle</a:t>
+            </a:r>
+            <a:endParaRPr lang="en-CA" dirty="0"/>
+          </a:p>
+        </p:txBody>
+      </p:sp>
+    </p:spTree>
+    <p:extLst>
+      <p:ext uri="{BB962C8B-B14F-4D97-AF65-F5344CB8AC3E}">
+        <p14:creationId xmlns:p14="http://schemas.microsoft.com/office/powerpoint/2010/main" val="1676332314"/>
+      </p:ext>
+    </p:extLst>
+  </p:cSld>
+  <p:clrMapOvr>
+    <a:masterClrMapping/>
+  </p:clrMapOvr>
+  <mc:AlternateContent xmlns:mc="http://schemas.openxmlformats.org/markup-compatibility/2006" xmlns:p159="http://schemas.microsoft.com/office/powerpoint/2015/09/main">
+    <mc:Choice Requires="p159">
+      <p:transition xmlns:p14="http://schemas.microsoft.com/office/powerpoint/2010/main" spd="slow" p14:dur="2000">
+        <p159:morph option="byObject"/>
+      </p:transition>
+    </mc:Choice>
+    <mc:Fallback xmlns="">
+      <p:transition spd="slow">
+        <p:fade/>
+      </p:transition>
+    </mc:Fallback>
+  </mc:AlternateContent>
+  <p:timing>
+    <p:tnLst>
+      <p:par>
+        <p:cTn id="1" dur="indefinite" restart="never" nodeType="tmRoot">
+          <p:childTnLst>
+            <p:seq concurrent="1" nextAc="seek">
+              <p:cTn id="2" dur="indefinite" nodeType="mainSeq">
+                <p:childTnLst>
+                  <p:par>
+                    <p:cTn id="3" fill="hold">
+                      <p:stCondLst>
+                        <p:cond delay="indefinite"/>
+                      </p:stCondLst>
+                      <p:childTnLst>
+                        <p:par>
+                          <p:cTn id="4" fill="hold">
+                            <p:stCondLst>
+                              <p:cond delay="0"/>
+                            </p:stCondLst>
+                            <p:childTnLst>
+                              <p:par>
+                                <p:cTn id="5" presetID="1" presetClass="entr" presetSubtype="0" fill="hold" grpId="0" nodeType="clickEffect">
+                                  <p:stCondLst>
+                                    <p:cond delay="0"/>
+                                  </p:stCondLst>
+                                  <p:childTnLst>
+                                    <p:set>
+                                      <p:cBhvr>
+                                        <p:cTn id="6" dur="1" fill="hold">
+                                          <p:stCondLst>
+                                            <p:cond delay="0"/>
+                                          </p:stCondLst>
+                                        </p:cTn>
+                                        <p:tgtEl>
+                                          <p:spTgt spid="2"/>
+                                        </p:tgtEl>
+                                        <p:attrNameLst>
+                                          <p:attrName>style.visibility</p:attrName>
+                                        </p:attrNameLst>
+                                      </p:cBhvr>
+                                      <p:to>
+                                        <p:strVal val="visible"/>
+                                      </p:to>
+                                    </p:set>
+                                  </p:childTnLst>
+                                </p:cTn>
+                              </p:par>
+                            </p:childTnLst>
+                          </p:cTn>
+                        </p:par>
+                      </p:childTnLst>
+                    </p:cTn>
+                  </p:par>
+                </p:childTnLst>
+              </p:cTn>
+              <p:prevCondLst>
+                <p:cond evt="onPrev" delay="0">
+                  <p:tgtEl>
+                    <p:sldTgt/>
+                  </p:tgtEl>
+                </p:cond>
+              </p:prevCondLst>
+              <p:nextCondLst>
+                <p:cond evt="onNext" delay="0">
+                  <p:tgtEl>
+                    <p:sldTgt/>
+                  </p:tgtEl>
+                </p:cond>
+              </p:nextCondLst>
+            </p:seq>
+          </p:childTnLst>
+        </p:cTn>
+      </p:par>
+    </p:tnLst>
+    <p:bldLst>
+      <p:bldP spid="2" grpId="0"/>
+    </p:bldLst>
+  </p:timing>
+</p:sld>
+</file>
+
+<file path=ppt/slides/slide5.xml><?xml version="1.0" encoding="utf-8"?>
+<p:sld xmlns:a="http://schemas.openxmlformats.org/drawingml/2006/main" xmlns:r="http://schemas.openxmlformats.org/officeDocument/2006/relationships" xmlns:p="http://schemas.openxmlformats.org/presentationml/2006/main">
+  <p:cSld>
+    <p:spTree>
+      <p:nvGrpSpPr>
+        <p:cNvPr id="1" name=""/>
+        <p:cNvGrpSpPr/>
+        <p:nvPr/>
+      </p:nvGrpSpPr>
+      <p:grpSpPr>
+        <a:xfrm>
+          <a:off x="0" y="0"/>
+          <a:ext cx="0" cy="0"/>
+          <a:chOff x="0" y="0"/>
+          <a:chExt cx="0" cy="0"/>
+        </a:xfrm>
+      </p:grpSpPr>
+      <p:sp>
+        <p:nvSpPr>
+          <p:cNvPr id="4" name="!!! Title">
+            <a:extLst>
+              <a:ext uri="{FF2B5EF4-FFF2-40B4-BE49-F238E27FC236}">
+                <a16:creationId xmlns:a16="http://schemas.microsoft.com/office/drawing/2014/main" id="{BB9EC2FE-2CD1-4781-B78F-CD2AE0C35659}"/>
+              </a:ext>
+            </a:extLst>
+          </p:cNvPr>
+          <p:cNvSpPr>
+            <a:spLocks noGrp="1"/>
+          </p:cNvSpPr>
+          <p:nvPr>
+            <p:ph type="title"/>
+          </p:nvPr>
+        </p:nvSpPr>
+        <p:spPr/>
+        <p:txBody>
+          <a:bodyPr/>
+          <a:lstStyle/>
+          <a:p>
+            <a:endParaRPr lang="en-CA" dirty="0"/>
+          </a:p>
+        </p:txBody>
+      </p:sp>
+      <p:sp>
+        <p:nvSpPr>
+          <p:cNvPr id="11" name="Rectangle 10">
+            <a:extLst>
+              <a:ext uri="{FF2B5EF4-FFF2-40B4-BE49-F238E27FC236}">
+                <a16:creationId xmlns:a16="http://schemas.microsoft.com/office/drawing/2014/main" id="{31BA503A-7974-4E4D-BD80-19CE256294A7}"/>
+              </a:ext>
+              <a:ext uri="{C183D7F6-B498-43B3-948B-1728B52AA6E4}">
+                <adec:decorative xmlns:adec="http://schemas.microsoft.com/office/drawing/2017/decorative" val="1"/>
+              </a:ext>
+            </a:extLst>
+          </p:cNvPr>
+          <p:cNvSpPr>
+            <a:spLocks noGrp="1" noRot="1" noChangeAspect="1" noMove="1" noResize="1" noEditPoints="1" noAdjustHandles="1" noChangeArrowheads="1" noChangeShapeType="1" noTextEdit="1"/>
+          </p:cNvSpPr>
+          <p:nvPr>
+            <p:custDataLst>
+              <p:tags r:id="rId1"/>
+            </p:custDataLst>
+            <p:extLst>
+              <p:ext uri="{386F3935-93C4-4BCD-93E2-E3B085C9AB24}">
+                <p16:designElem xmlns:p16="http://schemas.microsoft.com/office/powerpoint/2015/main" val="1"/>
+              </p:ext>
+            </p:extLst>
+          </p:nvPr>
+        </p:nvSpPr>
+        <p:spPr>
+          <a:xfrm>
+            <a:off x="0" y="1"/>
+            <a:ext cx="12192000" cy="1911096"/>
+          </a:xfrm>
+          <a:prstGeom prst="rect">
+            <a:avLst/>
+          </a:prstGeom>
+          <a:solidFill>
+            <a:schemeClr val="accent5"/>
+          </a:solidFill>
+          <a:ln>
+            <a:noFill/>
+          </a:ln>
+        </p:spPr>
+        <p:style>
+          <a:lnRef idx="2">
+            <a:schemeClr val="accent1">
+              <a:shade val="50000"/>
+            </a:schemeClr>
+          </a:lnRef>
+          <a:fillRef idx="1">
+            <a:schemeClr val="accent1"/>
+          </a:fillRef>
+          <a:effectRef idx="0">
+            <a:schemeClr val="accent1"/>
+          </a:effectRef>
+          <a:fontRef idx="minor">
+            <a:schemeClr val="lt1"/>
+          </a:fontRef>
+        </p:style>
+        <p:txBody>
+          <a:bodyPr rtlCol="0" anchor="ctr"/>
+          <a:lstStyle/>
+          <a:p>
+            <a:pPr algn="ctr"/>
+            <a:endParaRPr lang="en-US"/>
+          </a:p>
+        </p:txBody>
+      </p:sp>
+      <p:sp>
+        <p:nvSpPr>
+          <p:cNvPr id="12" name="Title 1">
+            <a:extLst>
+              <a:ext uri="{FF2B5EF4-FFF2-40B4-BE49-F238E27FC236}">
+                <a16:creationId xmlns:a16="http://schemas.microsoft.com/office/drawing/2014/main" id="{08057AE9-A547-4238-86ED-8FB6B01E2D51}"/>
+              </a:ext>
+            </a:extLst>
+          </p:cNvPr>
+          <p:cNvSpPr txBox="1">
+            <a:spLocks/>
+          </p:cNvSpPr>
+          <p:nvPr>
+            <p:custDataLst>
+              <p:tags r:id="rId2"/>
+            </p:custDataLst>
+          </p:nvPr>
+        </p:nvSpPr>
+        <p:spPr>
+          <a:xfrm>
+            <a:off x="838200" y="365760"/>
+            <a:ext cx="10515600" cy="1325563"/>
+          </a:xfrm>
+          <a:prstGeom prst="rect">
+            <a:avLst/>
+          </a:prstGeom>
+        </p:spPr>
+        <p:txBody>
+          <a:bodyPr vert="horz" lIns="91440" tIns="45720" rIns="91440" bIns="45720" rtlCol="0" anchor="ctr">
+            <a:normAutofit/>
+          </a:bodyPr>
+          <a:lstStyle>
+            <a:lvl1pPr algn="l" defTabSz="914400" rtl="0" eaLnBrk="1" latinLnBrk="0" hangingPunct="1">
+              <a:lnSpc>
+                <a:spcPct val="90000"/>
+              </a:lnSpc>
+              <a:spcBef>
+                <a:spcPct val="0"/>
+              </a:spcBef>
+              <a:buNone/>
+              <a:defRPr sz="4400" kern="1200">
+                <a:solidFill>
+                  <a:schemeClr val="tx1"/>
+                </a:solidFill>
+                <a:latin typeface="+mj-lt"/>
+                <a:ea typeface="+mj-ea"/>
+                <a:cs typeface="+mj-cs"/>
+              </a:defRPr>
+            </a:lvl1pPr>
+          </a:lstStyle>
+          <a:p>
+            <a:r>
+              <a:rPr lang="en-US" dirty="0">
+                <a:solidFill>
+                  <a:schemeClr val="bg1"/>
+                </a:solidFill>
+              </a:rPr>
+              <a:t>Classique</a:t>
+            </a:r>
+            <a:endParaRPr lang="en-CA" dirty="0">
+              <a:solidFill>
+                <a:schemeClr val="bg1"/>
+              </a:solidFill>
+            </a:endParaRPr>
+          </a:p>
+        </p:txBody>
+      </p:sp>
+      <mc:AlternateContent xmlns:mc="http://schemas.openxmlformats.org/markup-compatibility/2006" xmlns:a14="http://schemas.microsoft.com/office/drawing/2010/main">
+        <mc:Choice Requires="a14">
+          <p:sp>
+            <p:nvSpPr>
+              <p:cNvPr id="7" name="TextBox 6">
+                <a:extLst>
+                  <a:ext uri="{FF2B5EF4-FFF2-40B4-BE49-F238E27FC236}">
+                    <a16:creationId xmlns:a16="http://schemas.microsoft.com/office/drawing/2014/main" id="{D974251C-C027-4E14-B425-D419FF01BB99}"/>
+                  </a:ext>
+                </a:extLst>
+              </p:cNvPr>
+              <p:cNvSpPr txBox="1"/>
+              <p:nvPr/>
+            </p:nvSpPr>
+            <p:spPr>
+              <a:xfrm>
+                <a:off x="640976" y="2133607"/>
+                <a:ext cx="2424703" cy="760144"/>
+              </a:xfrm>
+              <a:prstGeom prst="rect">
+                <a:avLst/>
+              </a:prstGeom>
+              <a:noFill/>
+            </p:spPr>
+            <p:txBody>
+              <a:bodyPr wrap="none" lIns="0" tIns="0" rIns="0" bIns="0" rtlCol="0">
+                <a:spAutoFit/>
+              </a:bodyPr>
+              <a:lstStyle/>
+              <a:p>
+                <a:r>
+                  <a:rPr lang="en-CA" b="0" i="1" dirty="0">
+                    <a:latin typeface="Cambria Math" panose="02040503050406030204" pitchFamily="18" charset="0"/>
+                  </a:rPr>
+                  <a:t>Équation du </a:t>
+                </a:r>
+                <a:r>
+                  <a:rPr lang="en-CA" b="0" i="1" dirty="0" err="1">
+                    <a:latin typeface="Cambria Math" panose="02040503050406030204" pitchFamily="18" charset="0"/>
+                  </a:rPr>
+                  <a:t>mouvement</a:t>
+                </a:r>
+                <a:endParaRPr lang="en-CA" b="0" i="1" dirty="0">
+                  <a:latin typeface="Cambria Math" panose="02040503050406030204" pitchFamily="18" charset="0"/>
+                </a:endParaRPr>
+              </a:p>
+              <a:p>
+                <a:pPr/>
+                <a14:m>
+                  <m:oMathPara xmlns:m="http://schemas.openxmlformats.org/officeDocument/2006/math">
+                    <m:oMathParaPr>
+                      <m:jc m:val="centerGroup"/>
+                    </m:oMathParaPr>
+                    <m:oMath xmlns:m="http://schemas.openxmlformats.org/officeDocument/2006/math">
+                      <m:sSub>
+                        <m:sSubPr>
+                          <m:ctrlPr>
+                            <a:rPr lang="en-CA" sz="2800" i="1">
+                              <a:latin typeface="Cambria Math" panose="02040503050406030204" pitchFamily="18" charset="0"/>
+                            </a:rPr>
+                          </m:ctrlPr>
+                        </m:sSubPr>
+                        <m:e>
+                          <m:r>
+                            <a:rPr lang="en-CA" sz="2800" i="1">
+                              <a:latin typeface="Cambria Math" panose="02040503050406030204" pitchFamily="18" charset="0"/>
+                            </a:rPr>
+                            <m:t>∑</m:t>
+                          </m:r>
+                        </m:e>
+                        <m:sub>
+                          <m:r>
+                            <a:rPr lang="en-CA" sz="2800" b="0" i="1" smtClean="0">
+                              <a:latin typeface="Cambria Math" panose="02040503050406030204" pitchFamily="18" charset="0"/>
+                            </a:rPr>
+                            <m:t>𝑖</m:t>
+                          </m:r>
+                        </m:sub>
+                      </m:sSub>
+                      <m:sSub>
+                        <m:sSubPr>
+                          <m:ctrlPr>
+                            <a:rPr lang="en-CA" sz="2800" i="1" smtClean="0">
+                              <a:solidFill>
+                                <a:srgbClr val="FF0000"/>
+                              </a:solidFill>
+                              <a:latin typeface="Cambria Math" panose="02040503050406030204" pitchFamily="18" charset="0"/>
+                            </a:rPr>
+                          </m:ctrlPr>
+                        </m:sSubPr>
+                        <m:e>
+                          <m:acc>
+                            <m:accPr>
+                              <m:chr m:val="⃗"/>
+                              <m:ctrlPr>
+                                <a:rPr lang="en-CA" sz="2800" b="0" i="1" dirty="0" smtClean="0">
+                                  <a:solidFill>
+                                    <a:srgbClr val="FF0000"/>
+                                  </a:solidFill>
+                                  <a:latin typeface="Cambria Math" panose="02040503050406030204" pitchFamily="18" charset="0"/>
+                                </a:rPr>
+                              </m:ctrlPr>
+                            </m:accPr>
+                            <m:e>
+                              <m:r>
+                                <a:rPr lang="en-CA" sz="2800" b="0" i="1" dirty="0" smtClean="0">
+                                  <a:solidFill>
+                                    <a:srgbClr val="FF0000"/>
+                                  </a:solidFill>
+                                  <a:latin typeface="Cambria Math" panose="02040503050406030204" pitchFamily="18" charset="0"/>
+                                </a:rPr>
+                                <m:t>𝐹</m:t>
+                              </m:r>
+                            </m:e>
+                          </m:acc>
+                        </m:e>
+                        <m:sub>
+                          <m:r>
+                            <a:rPr lang="en-CA" sz="2800" b="0" i="1" smtClean="0">
+                              <a:solidFill>
+                                <a:srgbClr val="FF0000"/>
+                              </a:solidFill>
+                              <a:latin typeface="Cambria Math" panose="02040503050406030204" pitchFamily="18" charset="0"/>
+                            </a:rPr>
+                            <m:t>𝑖</m:t>
+                          </m:r>
+                        </m:sub>
+                      </m:sSub>
+                      <m:r>
+                        <a:rPr lang="en-CA" sz="2800" b="0" i="1" smtClean="0">
+                          <a:latin typeface="Cambria Math" panose="02040503050406030204" pitchFamily="18" charset="0"/>
+                        </a:rPr>
+                        <m:t>= </m:t>
+                      </m:r>
+                      <m:r>
+                        <a:rPr lang="en-CA" sz="2800" b="0" i="1" smtClean="0">
+                          <a:latin typeface="Cambria Math" panose="02040503050406030204" pitchFamily="18" charset="0"/>
+                        </a:rPr>
+                        <m:t>𝑚</m:t>
+                      </m:r>
+                      <m:acc>
+                        <m:accPr>
+                          <m:chr m:val="⃗"/>
+                          <m:ctrlPr>
+                            <a:rPr lang="en-CA" sz="2800" b="0" i="1" smtClean="0">
+                              <a:latin typeface="Cambria Math" panose="02040503050406030204" pitchFamily="18" charset="0"/>
+                            </a:rPr>
+                          </m:ctrlPr>
+                        </m:accPr>
+                        <m:e>
+                          <m:r>
+                            <a:rPr lang="en-CA" sz="2800" b="0" i="1" smtClean="0">
+                              <a:latin typeface="Cambria Math" panose="02040503050406030204" pitchFamily="18" charset="0"/>
+                            </a:rPr>
+                            <m:t>𝑎</m:t>
+                          </m:r>
+                        </m:e>
+                      </m:acc>
+                    </m:oMath>
+                  </m:oMathPara>
+                </a14:m>
+                <a:endParaRPr lang="en-CA" dirty="0"/>
+              </a:p>
+            </p:txBody>
+          </p:sp>
+        </mc:Choice>
+        <mc:Fallback xmlns="">
+          <p:sp>
+            <p:nvSpPr>
+              <p:cNvPr id="7" name="TextBox 6">
+                <a:extLst>
+                  <a:ext uri="{FF2B5EF4-FFF2-40B4-BE49-F238E27FC236}">
+                    <a16:creationId xmlns:a16="http://schemas.microsoft.com/office/drawing/2014/main" id="{D974251C-C027-4E14-B425-D419FF01BB99}"/>
+                  </a:ext>
+                </a:extLst>
+              </p:cNvPr>
+              <p:cNvSpPr txBox="1">
+                <a:spLocks noRot="1" noChangeAspect="1" noMove="1" noResize="1" noEditPoints="1" noAdjustHandles="1" noChangeArrowheads="1" noChangeShapeType="1" noTextEdit="1"/>
+              </p:cNvSpPr>
+              <p:nvPr/>
+            </p:nvSpPr>
+            <p:spPr>
+              <a:xfrm>
+                <a:off x="640976" y="2133607"/>
+                <a:ext cx="2424703" cy="760144"/>
+              </a:xfrm>
+              <a:prstGeom prst="rect">
+                <a:avLst/>
+              </a:prstGeom>
+              <a:blipFill>
+                <a:blip r:embed="rId4"/>
+                <a:stretch>
+                  <a:fillRect l="-5779" t="-11200" r="-5779"/>
+                </a:stretch>
+              </a:blipFill>
+            </p:spPr>
+            <p:txBody>
+              <a:bodyPr/>
+              <a:lstStyle/>
+              <a:p>
+                <a:r>
+                  <a:rPr lang="en-CA">
+                    <a:noFill/>
+                  </a:rPr>
+                  <a:t> </a:t>
+                </a:r>
+              </a:p>
+            </p:txBody>
+          </p:sp>
+        </mc:Fallback>
+      </mc:AlternateContent>
+      <p:sp>
+        <p:nvSpPr>
+          <p:cNvPr id="2" name="TextBox 1">
+            <a:extLst>
+              <a:ext uri="{FF2B5EF4-FFF2-40B4-BE49-F238E27FC236}">
+                <a16:creationId xmlns:a16="http://schemas.microsoft.com/office/drawing/2014/main" id="{6DD278FC-6419-427A-8DCB-96127F46A02B}"/>
+              </a:ext>
+            </a:extLst>
+          </p:cNvPr>
+          <p:cNvSpPr txBox="1"/>
+          <p:nvPr/>
+        </p:nvSpPr>
+        <p:spPr>
+          <a:xfrm>
+            <a:off x="640976" y="3254188"/>
+            <a:ext cx="2891689" cy="646331"/>
+          </a:xfrm>
+          <a:prstGeom prst="rect">
+            <a:avLst/>
+          </a:prstGeom>
+          <a:noFill/>
+        </p:spPr>
+        <p:txBody>
+          <a:bodyPr wrap="none" rtlCol="0">
+            <a:spAutoFit/>
+          </a:bodyPr>
+          <a:lstStyle/>
+          <a:p>
+            <a:pPr marL="285750" indent="-285750">
+              <a:buFontTx/>
+              <a:buChar char="-"/>
+            </a:pPr>
+            <a:r>
+              <a:rPr lang="en-CA" dirty="0"/>
+              <a:t>Interaction </a:t>
+            </a:r>
+            <a:r>
+              <a:rPr lang="en-CA" dirty="0" err="1"/>
+              <a:t>gravitationelle</a:t>
+            </a:r>
+            <a:endParaRPr lang="en-CA" dirty="0"/>
+          </a:p>
+          <a:p>
+            <a:pPr marL="285750" indent="-285750">
+              <a:buFontTx/>
+              <a:buChar char="-"/>
+            </a:pPr>
+            <a:r>
+              <a:rPr lang="en-CA" dirty="0"/>
+              <a:t>Interaction </a:t>
+            </a:r>
+            <a:r>
+              <a:rPr lang="en-CA" dirty="0" err="1"/>
+              <a:t>électrique</a:t>
+            </a:r>
+            <a:endParaRPr lang="en-CA" dirty="0"/>
+          </a:p>
+        </p:txBody>
+      </p:sp>
+    </p:spTree>
+    <p:extLst>
+      <p:ext uri="{BB962C8B-B14F-4D97-AF65-F5344CB8AC3E}">
+        <p14:creationId xmlns:p14="http://schemas.microsoft.com/office/powerpoint/2010/main" val="1930120016"/>
+      </p:ext>
+    </p:extLst>
+  </p:cSld>
+  <p:clrMapOvr>
+    <a:masterClrMapping/>
+  </p:clrMapOvr>
+  <mc:AlternateContent xmlns:mc="http://schemas.openxmlformats.org/markup-compatibility/2006" xmlns:p159="http://schemas.microsoft.com/office/powerpoint/2015/09/main">
+    <mc:Choice Requires="p159">
+      <p:transition xmlns:p14="http://schemas.microsoft.com/office/powerpoint/2010/main" spd="slow" p14:dur="2000">
+        <p159:morph option="byObject"/>
+      </p:transition>
+    </mc:Choice>
+    <mc:Fallback xmlns="">
+      <p:transition spd="slow">
+        <p:fade/>
+      </p:transition>
+    </mc:Fallback>
+  </mc:AlternateContent>
+</p:sld>
+</file>
+
+<file path=ppt/slides/slide6.xml><?xml version="1.0" encoding="utf-8"?>
+<p:sld xmlns:a="http://schemas.openxmlformats.org/drawingml/2006/main" xmlns:r="http://schemas.openxmlformats.org/officeDocument/2006/relationships" xmlns:p="http://schemas.openxmlformats.org/presentationml/2006/main">
+  <p:cSld>
+    <p:spTree>
+      <p:nvGrpSpPr>
+        <p:cNvPr id="1" name=""/>
+        <p:cNvGrpSpPr/>
+        <p:nvPr/>
+      </p:nvGrpSpPr>
+      <p:grpSpPr>
+        <a:xfrm>
+          <a:off x="0" y="0"/>
+          <a:ext cx="0" cy="0"/>
+          <a:chOff x="0" y="0"/>
+          <a:chExt cx="0" cy="0"/>
+        </a:xfrm>
+      </p:grpSpPr>
+      <p:sp>
+        <p:nvSpPr>
+          <p:cNvPr id="4" name="!!! Title">
+            <a:extLst>
+              <a:ext uri="{FF2B5EF4-FFF2-40B4-BE49-F238E27FC236}">
+                <a16:creationId xmlns:a16="http://schemas.microsoft.com/office/drawing/2014/main" id="{BB9EC2FE-2CD1-4781-B78F-CD2AE0C35659}"/>
+              </a:ext>
+            </a:extLst>
+          </p:cNvPr>
+          <p:cNvSpPr>
+            <a:spLocks noGrp="1"/>
+          </p:cNvSpPr>
+          <p:nvPr>
+            <p:ph type="title"/>
+          </p:nvPr>
+        </p:nvSpPr>
+        <p:spPr/>
+        <p:txBody>
+          <a:bodyPr/>
+          <a:lstStyle/>
+          <a:p>
+            <a:endParaRPr lang="en-CA" dirty="0"/>
+          </a:p>
+        </p:txBody>
+      </p:sp>
+      <p:sp>
+        <p:nvSpPr>
+          <p:cNvPr id="11" name="Rectangle 10">
+            <a:extLst>
+              <a:ext uri="{FF2B5EF4-FFF2-40B4-BE49-F238E27FC236}">
+                <a16:creationId xmlns:a16="http://schemas.microsoft.com/office/drawing/2014/main" id="{31BA503A-7974-4E4D-BD80-19CE256294A7}"/>
+              </a:ext>
+              <a:ext uri="{C183D7F6-B498-43B3-948B-1728B52AA6E4}">
+                <adec:decorative xmlns:adec="http://schemas.microsoft.com/office/drawing/2017/decorative" val="1"/>
+              </a:ext>
+            </a:extLst>
+          </p:cNvPr>
+          <p:cNvSpPr>
+            <a:spLocks noGrp="1" noRot="1" noChangeAspect="1" noMove="1" noResize="1" noEditPoints="1" noAdjustHandles="1" noChangeArrowheads="1" noChangeShapeType="1" noTextEdit="1"/>
+          </p:cNvSpPr>
+          <p:nvPr>
+            <p:custDataLst>
+              <p:tags r:id="rId1"/>
+            </p:custDataLst>
+            <p:extLst>
+              <p:ext uri="{386F3935-93C4-4BCD-93E2-E3B085C9AB24}">
+                <p16:designElem xmlns:p16="http://schemas.microsoft.com/office/powerpoint/2015/main" val="1"/>
+              </p:ext>
+            </p:extLst>
+          </p:nvPr>
+        </p:nvSpPr>
+        <p:spPr>
+          <a:xfrm>
+            <a:off x="0" y="1"/>
+            <a:ext cx="12192000" cy="1911096"/>
+          </a:xfrm>
+          <a:prstGeom prst="rect">
+            <a:avLst/>
+          </a:prstGeom>
+          <a:solidFill>
+            <a:schemeClr val="accent5"/>
+          </a:solidFill>
+          <a:ln>
+            <a:noFill/>
+          </a:ln>
+        </p:spPr>
+        <p:style>
+          <a:lnRef idx="2">
+            <a:schemeClr val="accent1">
+              <a:shade val="50000"/>
+            </a:schemeClr>
+          </a:lnRef>
+          <a:fillRef idx="1">
+            <a:schemeClr val="accent1"/>
+          </a:fillRef>
+          <a:effectRef idx="0">
+            <a:schemeClr val="accent1"/>
+          </a:effectRef>
+          <a:fontRef idx="minor">
+            <a:schemeClr val="lt1"/>
+          </a:fontRef>
+        </p:style>
+        <p:txBody>
+          <a:bodyPr rtlCol="0" anchor="ctr"/>
+          <a:lstStyle/>
+          <a:p>
+            <a:pPr algn="ctr"/>
+            <a:endParaRPr lang="en-US"/>
+          </a:p>
+        </p:txBody>
+      </p:sp>
+      <p:sp>
+        <p:nvSpPr>
+          <p:cNvPr id="12" name="Title 1">
+            <a:extLst>
+              <a:ext uri="{FF2B5EF4-FFF2-40B4-BE49-F238E27FC236}">
+                <a16:creationId xmlns:a16="http://schemas.microsoft.com/office/drawing/2014/main" id="{08057AE9-A547-4238-86ED-8FB6B01E2D51}"/>
+              </a:ext>
+            </a:extLst>
+          </p:cNvPr>
+          <p:cNvSpPr txBox="1">
+            <a:spLocks/>
+          </p:cNvSpPr>
+          <p:nvPr>
+            <p:custDataLst>
+              <p:tags r:id="rId2"/>
+            </p:custDataLst>
+          </p:nvPr>
+        </p:nvSpPr>
+        <p:spPr>
+          <a:xfrm>
+            <a:off x="838200" y="365760"/>
+            <a:ext cx="10515600" cy="1325563"/>
+          </a:xfrm>
+          <a:prstGeom prst="rect">
+            <a:avLst/>
+          </a:prstGeom>
+        </p:spPr>
+        <p:txBody>
+          <a:bodyPr vert="horz" lIns="91440" tIns="45720" rIns="91440" bIns="45720" rtlCol="0" anchor="ctr">
+            <a:normAutofit/>
+          </a:bodyPr>
+          <a:lstStyle>
+            <a:lvl1pPr algn="l" defTabSz="914400" rtl="0" eaLnBrk="1" latinLnBrk="0" hangingPunct="1">
+              <a:lnSpc>
+                <a:spcPct val="90000"/>
+              </a:lnSpc>
+              <a:spcBef>
+                <a:spcPct val="0"/>
+              </a:spcBef>
+              <a:buNone/>
+              <a:defRPr sz="4400" kern="1200">
+                <a:solidFill>
+                  <a:schemeClr val="tx1"/>
+                </a:solidFill>
+                <a:latin typeface="+mj-lt"/>
+                <a:ea typeface="+mj-ea"/>
+                <a:cs typeface="+mj-cs"/>
+              </a:defRPr>
+            </a:lvl1pPr>
+          </a:lstStyle>
+          <a:p>
+            <a:r>
+              <a:rPr lang="en-US" dirty="0">
+                <a:solidFill>
+                  <a:schemeClr val="bg1"/>
+                </a:solidFill>
+              </a:rPr>
+              <a:t>Classique</a:t>
+            </a:r>
+            <a:endParaRPr lang="en-CA" dirty="0">
+              <a:solidFill>
+                <a:schemeClr val="bg1"/>
+              </a:solidFill>
+            </a:endParaRPr>
+          </a:p>
+        </p:txBody>
+      </p:sp>
+      <mc:AlternateContent xmlns:mc="http://schemas.openxmlformats.org/markup-compatibility/2006" xmlns:a14="http://schemas.microsoft.com/office/drawing/2010/main">
+        <mc:Choice Requires="a14">
+          <p:sp>
+            <p:nvSpPr>
+              <p:cNvPr id="7" name="TextBox 6">
+                <a:extLst>
+                  <a:ext uri="{FF2B5EF4-FFF2-40B4-BE49-F238E27FC236}">
+                    <a16:creationId xmlns:a16="http://schemas.microsoft.com/office/drawing/2014/main" id="{D974251C-C027-4E14-B425-D419FF01BB99}"/>
+                  </a:ext>
+                </a:extLst>
+              </p:cNvPr>
+              <p:cNvSpPr txBox="1"/>
+              <p:nvPr/>
+            </p:nvSpPr>
+            <p:spPr>
+              <a:xfrm>
+                <a:off x="640976" y="2133607"/>
+                <a:ext cx="2424703" cy="760144"/>
+              </a:xfrm>
+              <a:prstGeom prst="rect">
+                <a:avLst/>
+              </a:prstGeom>
+              <a:noFill/>
+            </p:spPr>
+            <p:txBody>
+              <a:bodyPr wrap="none" lIns="0" tIns="0" rIns="0" bIns="0" rtlCol="0">
+                <a:spAutoFit/>
+              </a:bodyPr>
+              <a:lstStyle/>
+              <a:p>
+                <a:r>
+                  <a:rPr lang="en-CA" b="0" i="1" dirty="0">
+                    <a:latin typeface="Cambria Math" panose="02040503050406030204" pitchFamily="18" charset="0"/>
+                  </a:rPr>
+                  <a:t>Équation du </a:t>
+                </a:r>
+                <a:r>
+                  <a:rPr lang="en-CA" b="0" i="1" dirty="0" err="1">
+                    <a:latin typeface="Cambria Math" panose="02040503050406030204" pitchFamily="18" charset="0"/>
+                  </a:rPr>
+                  <a:t>mouvement</a:t>
+                </a:r>
+                <a:endParaRPr lang="en-CA" b="0" i="1" dirty="0">
+                  <a:latin typeface="Cambria Math" panose="02040503050406030204" pitchFamily="18" charset="0"/>
+                </a:endParaRPr>
+              </a:p>
+              <a:p>
+                <a:pPr/>
+                <a14:m>
+                  <m:oMathPara xmlns:m="http://schemas.openxmlformats.org/officeDocument/2006/math">
+                    <m:oMathParaPr>
+                      <m:jc m:val="centerGroup"/>
+                    </m:oMathParaPr>
+                    <m:oMath xmlns:m="http://schemas.openxmlformats.org/officeDocument/2006/math">
+                      <m:sSub>
+                        <m:sSubPr>
+                          <m:ctrlPr>
+                            <a:rPr lang="en-CA" sz="2800" i="1">
+                              <a:latin typeface="Cambria Math" panose="02040503050406030204" pitchFamily="18" charset="0"/>
+                            </a:rPr>
+                          </m:ctrlPr>
+                        </m:sSubPr>
+                        <m:e>
+                          <m:r>
+                            <a:rPr lang="en-CA" sz="2800" i="1">
+                              <a:latin typeface="Cambria Math" panose="02040503050406030204" pitchFamily="18" charset="0"/>
+                            </a:rPr>
+                            <m:t>∑</m:t>
+                          </m:r>
+                        </m:e>
+                        <m:sub>
+                          <m:r>
+                            <a:rPr lang="en-CA" sz="2800" b="0" i="1" smtClean="0">
+                              <a:latin typeface="Cambria Math" panose="02040503050406030204" pitchFamily="18" charset="0"/>
+                            </a:rPr>
+                            <m:t>𝑖</m:t>
+                          </m:r>
+                        </m:sub>
+                      </m:sSub>
+                      <m:sSub>
+                        <m:sSubPr>
+                          <m:ctrlPr>
+                            <a:rPr lang="en-CA" sz="2800" i="1" smtClean="0">
+                              <a:solidFill>
+                                <a:srgbClr val="FF0000"/>
+                              </a:solidFill>
+                              <a:latin typeface="Cambria Math" panose="02040503050406030204" pitchFamily="18" charset="0"/>
+                            </a:rPr>
+                          </m:ctrlPr>
+                        </m:sSubPr>
+                        <m:e>
+                          <m:acc>
+                            <m:accPr>
+                              <m:chr m:val="⃗"/>
+                              <m:ctrlPr>
+                                <a:rPr lang="en-CA" sz="2800" b="0" i="1" dirty="0" smtClean="0">
+                                  <a:solidFill>
+                                    <a:srgbClr val="FF0000"/>
+                                  </a:solidFill>
+                                  <a:latin typeface="Cambria Math" panose="02040503050406030204" pitchFamily="18" charset="0"/>
+                                </a:rPr>
+                              </m:ctrlPr>
+                            </m:accPr>
+                            <m:e>
+                              <m:r>
+                                <a:rPr lang="en-CA" sz="2800" b="0" i="1" dirty="0" smtClean="0">
+                                  <a:solidFill>
+                                    <a:srgbClr val="FF0000"/>
+                                  </a:solidFill>
+                                  <a:latin typeface="Cambria Math" panose="02040503050406030204" pitchFamily="18" charset="0"/>
+                                </a:rPr>
+                                <m:t>𝐹</m:t>
+                              </m:r>
+                            </m:e>
+                          </m:acc>
+                        </m:e>
+                        <m:sub>
+                          <m:r>
+                            <a:rPr lang="en-CA" sz="2800" b="0" i="1" smtClean="0">
+                              <a:solidFill>
+                                <a:srgbClr val="FF0000"/>
+                              </a:solidFill>
+                              <a:latin typeface="Cambria Math" panose="02040503050406030204" pitchFamily="18" charset="0"/>
+                            </a:rPr>
+                            <m:t>𝑖</m:t>
+                          </m:r>
+                        </m:sub>
+                      </m:sSub>
+                      <m:r>
+                        <a:rPr lang="en-CA" sz="2800" b="0" i="1" smtClean="0">
+                          <a:latin typeface="Cambria Math" panose="02040503050406030204" pitchFamily="18" charset="0"/>
+                        </a:rPr>
+                        <m:t>= </m:t>
+                      </m:r>
+                      <m:r>
+                        <a:rPr lang="en-CA" sz="2800" b="0" i="1" smtClean="0">
+                          <a:latin typeface="Cambria Math" panose="02040503050406030204" pitchFamily="18" charset="0"/>
+                        </a:rPr>
+                        <m:t>𝑚</m:t>
+                      </m:r>
+                      <m:acc>
+                        <m:accPr>
+                          <m:chr m:val="⃗"/>
+                          <m:ctrlPr>
+                            <a:rPr lang="en-CA" sz="2800" b="0" i="1" smtClean="0">
+                              <a:latin typeface="Cambria Math" panose="02040503050406030204" pitchFamily="18" charset="0"/>
+                            </a:rPr>
+                          </m:ctrlPr>
+                        </m:accPr>
+                        <m:e>
+                          <m:r>
+                            <a:rPr lang="en-CA" sz="2800" b="0" i="1" smtClean="0">
+                              <a:latin typeface="Cambria Math" panose="02040503050406030204" pitchFamily="18" charset="0"/>
+                            </a:rPr>
+                            <m:t>𝑎</m:t>
+                          </m:r>
+                        </m:e>
+                      </m:acc>
+                    </m:oMath>
+                  </m:oMathPara>
+                </a14:m>
+                <a:endParaRPr lang="en-CA" dirty="0"/>
+              </a:p>
+            </p:txBody>
+          </p:sp>
+        </mc:Choice>
+        <mc:Fallback xmlns="">
+          <p:sp>
+            <p:nvSpPr>
+              <p:cNvPr id="7" name="TextBox 6">
+                <a:extLst>
+                  <a:ext uri="{FF2B5EF4-FFF2-40B4-BE49-F238E27FC236}">
+                    <a16:creationId xmlns:a16="http://schemas.microsoft.com/office/drawing/2014/main" id="{D974251C-C027-4E14-B425-D419FF01BB99}"/>
+                  </a:ext>
+                </a:extLst>
+              </p:cNvPr>
+              <p:cNvSpPr txBox="1">
+                <a:spLocks noRot="1" noChangeAspect="1" noMove="1" noResize="1" noEditPoints="1" noAdjustHandles="1" noChangeArrowheads="1" noChangeShapeType="1" noTextEdit="1"/>
+              </p:cNvSpPr>
+              <p:nvPr/>
+            </p:nvSpPr>
+            <p:spPr>
+              <a:xfrm>
+                <a:off x="640976" y="2133607"/>
+                <a:ext cx="2424703" cy="760144"/>
+              </a:xfrm>
+              <a:prstGeom prst="rect">
+                <a:avLst/>
+              </a:prstGeom>
+              <a:blipFill>
+                <a:blip r:embed="rId4"/>
+                <a:stretch>
+                  <a:fillRect l="-5779" t="-11200" r="-5779"/>
+                </a:stretch>
+              </a:blipFill>
+            </p:spPr>
+            <p:txBody>
+              <a:bodyPr/>
+              <a:lstStyle/>
+              <a:p>
+                <a:r>
+                  <a:rPr lang="en-CA">
+                    <a:noFill/>
+                  </a:rPr>
+                  <a:t> </a:t>
+                </a:r>
+              </a:p>
+            </p:txBody>
+          </p:sp>
+        </mc:Fallback>
+      </mc:AlternateContent>
+      <p:sp>
+        <p:nvSpPr>
+          <p:cNvPr id="2" name="TextBox 1">
+            <a:extLst>
+              <a:ext uri="{FF2B5EF4-FFF2-40B4-BE49-F238E27FC236}">
+                <a16:creationId xmlns:a16="http://schemas.microsoft.com/office/drawing/2014/main" id="{6DD278FC-6419-427A-8DCB-96127F46A02B}"/>
+              </a:ext>
+            </a:extLst>
+          </p:cNvPr>
+          <p:cNvSpPr txBox="1"/>
+          <p:nvPr/>
+        </p:nvSpPr>
+        <p:spPr>
+          <a:xfrm>
+            <a:off x="640976" y="3254188"/>
+            <a:ext cx="2891689" cy="923330"/>
+          </a:xfrm>
+          <a:prstGeom prst="rect">
+            <a:avLst/>
+          </a:prstGeom>
+          <a:noFill/>
+        </p:spPr>
+        <p:txBody>
+          <a:bodyPr wrap="none" rtlCol="0">
+            <a:spAutoFit/>
+          </a:bodyPr>
+          <a:lstStyle/>
+          <a:p>
+            <a:pPr marL="285750" indent="-285750">
+              <a:buFontTx/>
+              <a:buChar char="-"/>
+            </a:pPr>
+            <a:r>
+              <a:rPr lang="en-CA" dirty="0"/>
+              <a:t>Interaction </a:t>
+            </a:r>
+            <a:r>
+              <a:rPr lang="en-CA" dirty="0" err="1"/>
+              <a:t>gravitationelle</a:t>
+            </a:r>
+            <a:endParaRPr lang="en-CA" dirty="0"/>
+          </a:p>
+          <a:p>
+            <a:pPr marL="285750" indent="-285750">
+              <a:buFontTx/>
+              <a:buChar char="-"/>
+            </a:pPr>
+            <a:r>
+              <a:rPr lang="en-CA" dirty="0"/>
+              <a:t>Interaction </a:t>
+            </a:r>
+            <a:r>
+              <a:rPr lang="en-CA" dirty="0" err="1"/>
+              <a:t>électrique</a:t>
+            </a:r>
+            <a:endParaRPr lang="en-CA" dirty="0"/>
+          </a:p>
+          <a:p>
+            <a:pPr marL="285750" indent="-285750">
+              <a:buFontTx/>
+              <a:buChar char="-"/>
+            </a:pPr>
+            <a:r>
+              <a:rPr lang="en-CA" dirty="0"/>
+              <a:t>Interaction </a:t>
+            </a:r>
+            <a:r>
+              <a:rPr lang="en-CA" dirty="0" err="1"/>
+              <a:t>magnétique</a:t>
+            </a:r>
+            <a:endParaRPr lang="en-CA" dirty="0"/>
+          </a:p>
+        </p:txBody>
+      </p:sp>
+    </p:spTree>
+    <p:extLst>
+      <p:ext uri="{BB962C8B-B14F-4D97-AF65-F5344CB8AC3E}">
+        <p14:creationId xmlns:p14="http://schemas.microsoft.com/office/powerpoint/2010/main" val="4090709965"/>
+      </p:ext>
+    </p:extLst>
+  </p:cSld>
+  <p:clrMapOvr>
+    <a:masterClrMapping/>
+  </p:clrMapOvr>
+  <mc:AlternateContent xmlns:mc="http://schemas.openxmlformats.org/markup-compatibility/2006" xmlns:p159="http://schemas.microsoft.com/office/powerpoint/2015/09/main">
+    <mc:Choice Requires="p159">
+      <p:transition xmlns:p14="http://schemas.microsoft.com/office/powerpoint/2010/main" spd="slow" p14:dur="2000">
+        <p159:morph option="byObject"/>
+      </p:transition>
+    </mc:Choice>
+    <mc:Fallback xmlns="">
+      <p:transition spd="slow">
+        <p:fade/>
+      </p:transition>
+    </mc:Fallback>
+  </mc:AlternateContent>
+</p:sld>
+</file>
+
+<file path=ppt/slides/slide7.xml><?xml version="1.0" encoding="utf-8"?>
+<p:sld xmlns:a="http://schemas.openxmlformats.org/drawingml/2006/main" xmlns:r="http://schemas.openxmlformats.org/officeDocument/2006/relationships" xmlns:p="http://schemas.openxmlformats.org/presentationml/2006/main">
+  <p:cSld>
+    <p:spTree>
+      <p:nvGrpSpPr>
+        <p:cNvPr id="1" name=""/>
+        <p:cNvGrpSpPr/>
+        <p:nvPr/>
+      </p:nvGrpSpPr>
+      <p:grpSpPr>
+        <a:xfrm>
+          <a:off x="0" y="0"/>
+          <a:ext cx="0" cy="0"/>
+          <a:chOff x="0" y="0"/>
+          <a:chExt cx="0" cy="0"/>
+        </a:xfrm>
+      </p:grpSpPr>
+      <p:sp>
+        <p:nvSpPr>
+          <p:cNvPr id="4" name="!!! Title">
+            <a:extLst>
+              <a:ext uri="{FF2B5EF4-FFF2-40B4-BE49-F238E27FC236}">
+                <a16:creationId xmlns:a16="http://schemas.microsoft.com/office/drawing/2014/main" id="{BB9EC2FE-2CD1-4781-B78F-CD2AE0C35659}"/>
+              </a:ext>
+            </a:extLst>
+          </p:cNvPr>
+          <p:cNvSpPr>
+            <a:spLocks noGrp="1"/>
+          </p:cNvSpPr>
+          <p:nvPr>
+            <p:ph type="title"/>
+          </p:nvPr>
+        </p:nvSpPr>
+        <p:spPr/>
+        <p:txBody>
+          <a:bodyPr/>
+          <a:lstStyle/>
+          <a:p>
+            <a:endParaRPr lang="en-CA" dirty="0"/>
+          </a:p>
+        </p:txBody>
+      </p:sp>
+      <p:sp>
+        <p:nvSpPr>
+          <p:cNvPr id="11" name="Rectangle 10">
+            <a:extLst>
+              <a:ext uri="{FF2B5EF4-FFF2-40B4-BE49-F238E27FC236}">
+                <a16:creationId xmlns:a16="http://schemas.microsoft.com/office/drawing/2014/main" id="{31BA503A-7974-4E4D-BD80-19CE256294A7}"/>
+              </a:ext>
+              <a:ext uri="{C183D7F6-B498-43B3-948B-1728B52AA6E4}">
+                <adec:decorative xmlns:adec="http://schemas.microsoft.com/office/drawing/2017/decorative" val="1"/>
+              </a:ext>
+            </a:extLst>
+          </p:cNvPr>
+          <p:cNvSpPr>
+            <a:spLocks noGrp="1" noRot="1" noChangeAspect="1" noMove="1" noResize="1" noEditPoints="1" noAdjustHandles="1" noChangeArrowheads="1" noChangeShapeType="1" noTextEdit="1"/>
+          </p:cNvSpPr>
+          <p:nvPr>
+            <p:custDataLst>
+              <p:tags r:id="rId1"/>
+            </p:custDataLst>
+            <p:extLst>
+              <p:ext uri="{386F3935-93C4-4BCD-93E2-E3B085C9AB24}">
+                <p16:designElem xmlns:p16="http://schemas.microsoft.com/office/powerpoint/2015/main" val="1"/>
+              </p:ext>
+            </p:extLst>
+          </p:nvPr>
+        </p:nvSpPr>
+        <p:spPr>
+          <a:xfrm>
+            <a:off x="0" y="1"/>
+            <a:ext cx="12192000" cy="1911096"/>
+          </a:xfrm>
+          <a:prstGeom prst="rect">
+            <a:avLst/>
+          </a:prstGeom>
+          <a:solidFill>
+            <a:schemeClr val="accent5"/>
+          </a:solidFill>
+          <a:ln>
+            <a:noFill/>
+          </a:ln>
+        </p:spPr>
+        <p:style>
+          <a:lnRef idx="2">
+            <a:schemeClr val="accent1">
+              <a:shade val="50000"/>
+            </a:schemeClr>
+          </a:lnRef>
+          <a:fillRef idx="1">
+            <a:schemeClr val="accent1"/>
+          </a:fillRef>
+          <a:effectRef idx="0">
+            <a:schemeClr val="accent1"/>
+          </a:effectRef>
+          <a:fontRef idx="minor">
+            <a:schemeClr val="lt1"/>
+          </a:fontRef>
+        </p:style>
+        <p:txBody>
+          <a:bodyPr rtlCol="0" anchor="ctr"/>
+          <a:lstStyle/>
+          <a:p>
+            <a:pPr algn="ctr"/>
+            <a:endParaRPr lang="en-US"/>
+          </a:p>
+        </p:txBody>
+      </p:sp>
+      <p:sp>
+        <p:nvSpPr>
+          <p:cNvPr id="12" name="Title 1">
+            <a:extLst>
+              <a:ext uri="{FF2B5EF4-FFF2-40B4-BE49-F238E27FC236}">
+                <a16:creationId xmlns:a16="http://schemas.microsoft.com/office/drawing/2014/main" id="{08057AE9-A547-4238-86ED-8FB6B01E2D51}"/>
+              </a:ext>
+            </a:extLst>
+          </p:cNvPr>
+          <p:cNvSpPr txBox="1">
+            <a:spLocks/>
+          </p:cNvSpPr>
+          <p:nvPr>
+            <p:custDataLst>
+              <p:tags r:id="rId2"/>
+            </p:custDataLst>
+          </p:nvPr>
+        </p:nvSpPr>
+        <p:spPr>
+          <a:xfrm>
+            <a:off x="838200" y="365760"/>
+            <a:ext cx="10515600" cy="1325563"/>
+          </a:xfrm>
+          <a:prstGeom prst="rect">
+            <a:avLst/>
+          </a:prstGeom>
+        </p:spPr>
+        <p:txBody>
+          <a:bodyPr vert="horz" lIns="91440" tIns="45720" rIns="91440" bIns="45720" rtlCol="0" anchor="ctr">
+            <a:normAutofit/>
+          </a:bodyPr>
+          <a:lstStyle>
+            <a:lvl1pPr algn="l" defTabSz="914400" rtl="0" eaLnBrk="1" latinLnBrk="0" hangingPunct="1">
+              <a:lnSpc>
+                <a:spcPct val="90000"/>
+              </a:lnSpc>
+              <a:spcBef>
+                <a:spcPct val="0"/>
+              </a:spcBef>
+              <a:buNone/>
+              <a:defRPr sz="4400" kern="1200">
+                <a:solidFill>
+                  <a:schemeClr val="tx1"/>
+                </a:solidFill>
+                <a:latin typeface="+mj-lt"/>
+                <a:ea typeface="+mj-ea"/>
+                <a:cs typeface="+mj-cs"/>
+              </a:defRPr>
+            </a:lvl1pPr>
+          </a:lstStyle>
+          <a:p>
+            <a:r>
+              <a:rPr lang="en-US" dirty="0">
+                <a:solidFill>
+                  <a:schemeClr val="bg1"/>
+                </a:solidFill>
+              </a:rPr>
+              <a:t>Classique</a:t>
+            </a:r>
+            <a:endParaRPr lang="en-CA" dirty="0">
+              <a:solidFill>
+                <a:schemeClr val="bg1"/>
+              </a:solidFill>
+            </a:endParaRPr>
+          </a:p>
+        </p:txBody>
+      </p:sp>
+      <p:sp>
+        <p:nvSpPr>
+          <p:cNvPr id="2" name="TextBox 1">
+            <a:extLst>
+              <a:ext uri="{FF2B5EF4-FFF2-40B4-BE49-F238E27FC236}">
+                <a16:creationId xmlns:a16="http://schemas.microsoft.com/office/drawing/2014/main" id="{6DD278FC-6419-427A-8DCB-96127F46A02B}"/>
+              </a:ext>
+            </a:extLst>
+          </p:cNvPr>
+          <p:cNvSpPr txBox="1"/>
+          <p:nvPr/>
+        </p:nvSpPr>
+        <p:spPr>
+          <a:xfrm>
+            <a:off x="640976" y="3254188"/>
+            <a:ext cx="2891689" cy="923330"/>
+          </a:xfrm>
+          <a:prstGeom prst="rect">
+            <a:avLst/>
+          </a:prstGeom>
+          <a:noFill/>
+        </p:spPr>
+        <p:txBody>
+          <a:bodyPr wrap="none" rtlCol="0">
+            <a:spAutoFit/>
+          </a:bodyPr>
+          <a:lstStyle/>
+          <a:p>
+            <a:pPr marL="285750" indent="-285750">
+              <a:buFontTx/>
+              <a:buChar char="-"/>
+            </a:pPr>
+            <a:r>
+              <a:rPr lang="en-CA" dirty="0"/>
+              <a:t>Interaction </a:t>
+            </a:r>
+            <a:r>
+              <a:rPr lang="en-CA" dirty="0" err="1"/>
+              <a:t>gravitationelle</a:t>
+            </a:r>
+            <a:endParaRPr lang="en-CA" dirty="0"/>
+          </a:p>
+          <a:p>
+            <a:pPr marL="285750" indent="-285750">
+              <a:buFontTx/>
+              <a:buChar char="-"/>
+            </a:pPr>
+            <a:r>
+              <a:rPr lang="en-CA" dirty="0"/>
+              <a:t>Interaction </a:t>
+            </a:r>
+            <a:r>
+              <a:rPr lang="en-CA" dirty="0" err="1"/>
+              <a:t>électrique</a:t>
+            </a:r>
+            <a:endParaRPr lang="en-CA" dirty="0"/>
+          </a:p>
+          <a:p>
+            <a:pPr marL="285750" indent="-285750">
+              <a:buFontTx/>
+              <a:buChar char="-"/>
+            </a:pPr>
+            <a:r>
+              <a:rPr lang="en-CA" dirty="0"/>
+              <a:t>Interaction </a:t>
+            </a:r>
+            <a:r>
+              <a:rPr lang="en-CA" dirty="0" err="1"/>
+              <a:t>magnétique</a:t>
+            </a:r>
+            <a:endParaRPr lang="en-CA" dirty="0"/>
+          </a:p>
+        </p:txBody>
+      </p:sp>
+      <p:pic>
+        <p:nvPicPr>
+          <p:cNvPr id="8" name="Picture 7" descr="A picture containing clock, ball&#10;&#10;Description automatically generated">
+            <a:extLst>
+              <a:ext uri="{FF2B5EF4-FFF2-40B4-BE49-F238E27FC236}">
+                <a16:creationId xmlns:a16="http://schemas.microsoft.com/office/drawing/2014/main" id="{EDB1BFFB-C7A8-4290-9CEB-5120327B3F19}"/>
+              </a:ext>
+            </a:extLst>
+          </p:cNvPr>
+          <p:cNvPicPr>
+            <a:picLocks noChangeAspect="1"/>
+          </p:cNvPicPr>
+          <p:nvPr/>
+        </p:nvPicPr>
+        <p:blipFill>
+          <a:blip r:embed="rId4" cstate="print">
+            <a:extLst>
+              <a:ext uri="{28A0092B-C50C-407E-A947-70E740481C1C}">
+                <a14:useLocalDpi xmlns:a14="http://schemas.microsoft.com/office/drawing/2010/main" val="0"/>
+              </a:ext>
+            </a:extLst>
+          </a:blip>
+          <a:stretch>
+            <a:fillRect/>
+          </a:stretch>
+        </p:blipFill>
+        <p:spPr>
+          <a:xfrm>
+            <a:off x="4840942" y="1911097"/>
+            <a:ext cx="5974080" cy="3309383"/>
+          </a:xfrm>
+          <a:prstGeom prst="rect">
+            <a:avLst/>
+          </a:prstGeom>
+        </p:spPr>
+      </p:pic>
+      <mc:AlternateContent xmlns:mc="http://schemas.openxmlformats.org/markup-compatibility/2006" xmlns:a14="http://schemas.microsoft.com/office/drawing/2010/main">
+        <mc:Choice Requires="a14">
+          <p:sp>
+            <p:nvSpPr>
+              <p:cNvPr id="3" name="TextBox 2">
+                <a:extLst>
+                  <a:ext uri="{FF2B5EF4-FFF2-40B4-BE49-F238E27FC236}">
+                    <a16:creationId xmlns:a16="http://schemas.microsoft.com/office/drawing/2014/main" id="{CE123312-C1DD-4894-9ACE-533B819D4976}"/>
+                  </a:ext>
+                </a:extLst>
+              </p:cNvPr>
+              <p:cNvSpPr txBox="1"/>
+              <p:nvPr/>
+            </p:nvSpPr>
+            <p:spPr>
+              <a:xfrm>
+                <a:off x="1111623" y="4427210"/>
+                <a:ext cx="6143605" cy="601127"/>
+              </a:xfrm>
+              <a:prstGeom prst="rect">
+                <a:avLst/>
+              </a:prstGeom>
+              <a:noFill/>
+            </p:spPr>
+            <p:txBody>
+              <a:bodyPr wrap="none" lIns="0" tIns="0" rIns="0" bIns="0" rtlCol="0">
+                <a:spAutoFit/>
+              </a:bodyPr>
+              <a:lstStyle/>
+              <a:p>
+                <a:pPr/>
+                <a14:m>
+                  <m:oMathPara xmlns:m="http://schemas.openxmlformats.org/officeDocument/2006/math">
+                    <m:oMathParaPr>
+                      <m:jc m:val="centerGroup"/>
+                    </m:oMathParaPr>
+                    <m:oMath xmlns:m="http://schemas.openxmlformats.org/officeDocument/2006/math">
+                      <m:sSub>
+                        <m:sSubPr>
+                          <m:ctrlPr>
+                            <a:rPr lang="en-US" b="0" i="1" smtClean="0">
+                              <a:latin typeface="Cambria Math" panose="02040503050406030204" pitchFamily="18" charset="0"/>
+                            </a:rPr>
+                          </m:ctrlPr>
+                        </m:sSubPr>
+                        <m:e>
+                          <m:r>
+                            <a:rPr lang="en-US" b="0" i="1" smtClean="0">
+                              <a:latin typeface="Cambria Math" panose="02040503050406030204" pitchFamily="18" charset="0"/>
+                            </a:rPr>
+                            <m:t>𝐹</m:t>
+                          </m:r>
+                        </m:e>
+                        <m:sub>
+                          <m:r>
+                            <a:rPr lang="en-US" b="0" i="1" smtClean="0">
+                              <a:latin typeface="Cambria Math" panose="02040503050406030204" pitchFamily="18" charset="0"/>
+                            </a:rPr>
+                            <m:t>𝑔</m:t>
+                          </m:r>
+                        </m:sub>
+                      </m:sSub>
+                      <m:r>
+                        <a:rPr lang="en-US" b="0" i="1" smtClean="0">
+                          <a:latin typeface="Cambria Math" panose="02040503050406030204" pitchFamily="18" charset="0"/>
+                        </a:rPr>
+                        <m:t>=</m:t>
+                      </m:r>
+                      <m:r>
+                        <a:rPr lang="en-US" b="0" i="1" smtClean="0">
+                          <a:latin typeface="Cambria Math" panose="02040503050406030204" pitchFamily="18" charset="0"/>
+                        </a:rPr>
+                        <m:t>𝐺</m:t>
+                      </m:r>
+                      <m:f>
+                        <m:fPr>
+                          <m:ctrlPr>
+                            <a:rPr lang="en-US" b="0" i="1" smtClean="0">
+                              <a:latin typeface="Cambria Math" panose="02040503050406030204" pitchFamily="18" charset="0"/>
+                            </a:rPr>
+                          </m:ctrlPr>
+                        </m:fPr>
+                        <m:num>
+                          <m:sSub>
+                            <m:sSubPr>
+                              <m:ctrlPr>
+                                <a:rPr lang="en-US" b="0" i="1" smtClean="0">
+                                  <a:latin typeface="Cambria Math" panose="02040503050406030204" pitchFamily="18" charset="0"/>
+                                </a:rPr>
+                              </m:ctrlPr>
+                            </m:sSubPr>
+                            <m:e>
+                              <m:r>
+                                <a:rPr lang="en-US" b="0" i="1" smtClean="0">
+                                  <a:latin typeface="Cambria Math" panose="02040503050406030204" pitchFamily="18" charset="0"/>
+                                </a:rPr>
+                                <m:t>𝑚</m:t>
+                              </m:r>
+                            </m:e>
+                            <m:sub>
+                              <m:r>
+                                <a:rPr lang="en-US" b="0" i="1" smtClean="0">
+                                  <a:latin typeface="Cambria Math" panose="02040503050406030204" pitchFamily="18" charset="0"/>
+                                </a:rPr>
+                                <m:t>1</m:t>
+                              </m:r>
+                            </m:sub>
+                          </m:sSub>
+                          <m:sSub>
+                            <m:sSubPr>
+                              <m:ctrlPr>
+                                <a:rPr lang="en-US" b="0" i="1" smtClean="0">
+                                  <a:latin typeface="Cambria Math" panose="02040503050406030204" pitchFamily="18" charset="0"/>
+                                </a:rPr>
+                              </m:ctrlPr>
+                            </m:sSubPr>
+                            <m:e>
+                              <m:r>
+                                <a:rPr lang="en-US" b="0" i="1" smtClean="0">
+                                  <a:latin typeface="Cambria Math" panose="02040503050406030204" pitchFamily="18" charset="0"/>
+                                </a:rPr>
+                                <m:t>𝑚</m:t>
+                              </m:r>
+                            </m:e>
+                            <m:sub>
+                              <m:r>
+                                <a:rPr lang="en-US" b="0" i="1" smtClean="0">
+                                  <a:latin typeface="Cambria Math" panose="02040503050406030204" pitchFamily="18" charset="0"/>
+                                </a:rPr>
+                                <m:t>2</m:t>
+                              </m:r>
+                            </m:sub>
+                          </m:sSub>
+                        </m:num>
+                        <m:den>
+                          <m:sSub>
+                            <m:sSubPr>
+                              <m:ctrlPr>
+                                <a:rPr lang="en-US" b="0" i="1" smtClean="0">
+                                  <a:latin typeface="Cambria Math" panose="02040503050406030204" pitchFamily="18" charset="0"/>
+                                </a:rPr>
+                              </m:ctrlPr>
+                            </m:sSubPr>
+                            <m:e>
+                              <m:r>
+                                <a:rPr lang="en-US" b="0" i="1" smtClean="0">
+                                  <a:latin typeface="Cambria Math" panose="02040503050406030204" pitchFamily="18" charset="0"/>
+                                </a:rPr>
+                                <m:t>𝑟</m:t>
+                              </m:r>
+                            </m:e>
+                            <m:sub>
+                              <m:r>
+                                <a:rPr lang="en-US" b="0" i="1" smtClean="0">
+                                  <a:latin typeface="Cambria Math" panose="02040503050406030204" pitchFamily="18" charset="0"/>
+                                </a:rPr>
+                                <m:t>12</m:t>
+                              </m:r>
+                            </m:sub>
+                          </m:sSub>
+                        </m:den>
+                      </m:f>
+                      <m:r>
+                        <a:rPr lang="en-US" b="0" i="1" smtClean="0">
+                          <a:latin typeface="Cambria Math" panose="02040503050406030204" pitchFamily="18" charset="0"/>
+                        </a:rPr>
+                        <m:t>=6.67×</m:t>
+                      </m:r>
+                      <m:sSup>
+                        <m:sSupPr>
+                          <m:ctrlPr>
+                            <a:rPr lang="en-US" b="0" i="1" smtClean="0">
+                              <a:latin typeface="Cambria Math" panose="02040503050406030204" pitchFamily="18" charset="0"/>
+                            </a:rPr>
+                          </m:ctrlPr>
+                        </m:sSupPr>
+                        <m:e>
+                          <m:r>
+                            <a:rPr lang="en-US" b="0" i="1" smtClean="0">
+                              <a:latin typeface="Cambria Math" panose="02040503050406030204" pitchFamily="18" charset="0"/>
+                            </a:rPr>
+                            <m:t>10</m:t>
+                          </m:r>
+                        </m:e>
+                        <m:sup>
+                          <m:r>
+                            <a:rPr lang="en-US" b="0" i="1" smtClean="0">
+                              <a:latin typeface="Cambria Math" panose="02040503050406030204" pitchFamily="18" charset="0"/>
+                            </a:rPr>
+                            <m:t>−11</m:t>
+                          </m:r>
+                        </m:sup>
+                      </m:sSup>
+                      <m:r>
+                        <a:rPr lang="en-US" b="0" i="1" smtClean="0">
+                          <a:latin typeface="Cambria Math" panose="02040503050406030204" pitchFamily="18" charset="0"/>
+                        </a:rPr>
+                        <m:t>𝑁</m:t>
+                      </m:r>
+                      <m:sSup>
+                        <m:sSupPr>
+                          <m:ctrlPr>
+                            <a:rPr lang="en-US" b="0" i="1" smtClean="0">
+                              <a:latin typeface="Cambria Math" panose="02040503050406030204" pitchFamily="18" charset="0"/>
+                            </a:rPr>
+                          </m:ctrlPr>
+                        </m:sSupPr>
+                        <m:e>
+                          <m:r>
+                            <a:rPr lang="en-US" b="0" i="1" smtClean="0">
+                              <a:latin typeface="Cambria Math" panose="02040503050406030204" pitchFamily="18" charset="0"/>
+                            </a:rPr>
+                            <m:t>𝑚</m:t>
+                          </m:r>
+                        </m:e>
+                        <m:sup>
+                          <m:r>
+                            <a:rPr lang="en-US" b="0" i="1" smtClean="0">
+                              <a:latin typeface="Cambria Math" panose="02040503050406030204" pitchFamily="18" charset="0"/>
+                            </a:rPr>
+                            <m:t>2</m:t>
+                          </m:r>
+                        </m:sup>
+                      </m:sSup>
+                      <m:r>
+                        <a:rPr lang="en-US" b="0" i="1" smtClean="0">
+                          <a:latin typeface="Cambria Math" panose="02040503050406030204" pitchFamily="18" charset="0"/>
+                        </a:rPr>
+                        <m:t>𝐾</m:t>
+                      </m:r>
+                      <m:sSup>
+                        <m:sSupPr>
+                          <m:ctrlPr>
+                            <a:rPr lang="en-US" b="0" i="1" smtClean="0">
+                              <a:latin typeface="Cambria Math" panose="02040503050406030204" pitchFamily="18" charset="0"/>
+                            </a:rPr>
+                          </m:ctrlPr>
+                        </m:sSupPr>
+                        <m:e>
+                          <m:r>
+                            <a:rPr lang="en-US" b="0" i="1" smtClean="0">
+                              <a:latin typeface="Cambria Math" panose="02040503050406030204" pitchFamily="18" charset="0"/>
+                            </a:rPr>
+                            <m:t>𝑔</m:t>
+                          </m:r>
+                        </m:e>
+                        <m:sup>
+                          <m:r>
+                            <a:rPr lang="en-US" b="0" i="1" smtClean="0">
+                              <a:latin typeface="Cambria Math" panose="02040503050406030204" pitchFamily="18" charset="0"/>
+                            </a:rPr>
+                            <m:t>−2</m:t>
+                          </m:r>
+                        </m:sup>
+                      </m:sSup>
+                      <m:r>
+                        <a:rPr lang="en-US" b="0" i="1" smtClean="0">
+                          <a:latin typeface="Cambria Math" panose="02040503050406030204" pitchFamily="18" charset="0"/>
+                        </a:rPr>
+                        <m:t> </m:t>
+                      </m:r>
+                      <m:f>
+                        <m:fPr>
+                          <m:ctrlPr>
+                            <a:rPr lang="en-US" b="0" i="1" smtClean="0">
+                              <a:latin typeface="Cambria Math" panose="02040503050406030204" pitchFamily="18" charset="0"/>
+                            </a:rPr>
+                          </m:ctrlPr>
+                        </m:fPr>
+                        <m:num>
+                          <m:sSup>
+                            <m:sSupPr>
+                              <m:ctrlPr>
+                                <a:rPr lang="en-US" b="0" i="1" smtClean="0">
+                                  <a:latin typeface="Cambria Math" panose="02040503050406030204" pitchFamily="18" charset="0"/>
+                                </a:rPr>
+                              </m:ctrlPr>
+                            </m:sSupPr>
+                            <m:e>
+                              <m:d>
+                                <m:dPr>
+                                  <m:ctrlPr>
+                                    <a:rPr lang="en-US" b="0" i="1" smtClean="0">
+                                      <a:latin typeface="Cambria Math" panose="02040503050406030204" pitchFamily="18" charset="0"/>
+                                    </a:rPr>
+                                  </m:ctrlPr>
+                                </m:dPr>
+                                <m:e>
+                                  <m:r>
+                                    <a:rPr lang="en-US" b="0" i="1" smtClean="0">
+                                      <a:latin typeface="Cambria Math" panose="02040503050406030204" pitchFamily="18" charset="0"/>
+                                    </a:rPr>
+                                    <m:t>1.66×</m:t>
+                                  </m:r>
+                                  <m:sSup>
+                                    <m:sSupPr>
+                                      <m:ctrlPr>
+                                        <a:rPr lang="en-US" b="0" i="1" smtClean="0">
+                                          <a:latin typeface="Cambria Math" panose="02040503050406030204" pitchFamily="18" charset="0"/>
+                                        </a:rPr>
+                                      </m:ctrlPr>
+                                    </m:sSupPr>
+                                    <m:e>
+                                      <m:r>
+                                        <a:rPr lang="en-US" b="0" i="1" smtClean="0">
+                                          <a:latin typeface="Cambria Math" panose="02040503050406030204" pitchFamily="18" charset="0"/>
+                                        </a:rPr>
+                                        <m:t>10</m:t>
+                                      </m:r>
+                                    </m:e>
+                                    <m:sup>
+                                      <m:r>
+                                        <a:rPr lang="en-US" b="0" i="1" smtClean="0">
+                                          <a:latin typeface="Cambria Math" panose="02040503050406030204" pitchFamily="18" charset="0"/>
+                                        </a:rPr>
+                                        <m:t>−27</m:t>
+                                      </m:r>
+                                    </m:sup>
+                                  </m:sSup>
+                                  <m:r>
+                                    <a:rPr lang="en-US" b="0" i="1" smtClean="0">
+                                      <a:latin typeface="Cambria Math" panose="02040503050406030204" pitchFamily="18" charset="0"/>
+                                    </a:rPr>
+                                    <m:t>𝐾𝑔</m:t>
+                                  </m:r>
+                                </m:e>
+                              </m:d>
+                            </m:e>
+                            <m:sup>
+                              <m:r>
+                                <a:rPr lang="en-US" b="0" i="1" smtClean="0">
+                                  <a:latin typeface="Cambria Math" panose="02040503050406030204" pitchFamily="18" charset="0"/>
+                                </a:rPr>
+                                <m:t>2</m:t>
+                              </m:r>
+                            </m:sup>
+                          </m:sSup>
+                          <m:r>
+                            <a:rPr lang="en-US" b="0" i="1" smtClean="0">
+                              <a:latin typeface="Cambria Math" panose="02040503050406030204" pitchFamily="18" charset="0"/>
+                            </a:rPr>
+                            <m:t> </m:t>
+                          </m:r>
+                        </m:num>
+                        <m:den>
+                          <m:r>
+                            <a:rPr lang="en-US" b="0" i="1" smtClean="0">
+                              <a:latin typeface="Cambria Math" panose="02040503050406030204" pitchFamily="18" charset="0"/>
+                            </a:rPr>
+                            <m:t>7.414×</m:t>
+                          </m:r>
+                          <m:sSup>
+                            <m:sSupPr>
+                              <m:ctrlPr>
+                                <a:rPr lang="en-US" b="0" i="1" smtClean="0">
+                                  <a:latin typeface="Cambria Math" panose="02040503050406030204" pitchFamily="18" charset="0"/>
+                                </a:rPr>
+                              </m:ctrlPr>
+                            </m:sSupPr>
+                            <m:e>
+                              <m:r>
+                                <a:rPr lang="en-US" b="0" i="1" smtClean="0">
+                                  <a:latin typeface="Cambria Math" panose="02040503050406030204" pitchFamily="18" charset="0"/>
+                                </a:rPr>
+                                <m:t>10</m:t>
+                              </m:r>
+                            </m:e>
+                            <m:sup>
+                              <m:r>
+                                <a:rPr lang="en-US" b="0" i="1" smtClean="0">
+                                  <a:latin typeface="Cambria Math" panose="02040503050406030204" pitchFamily="18" charset="0"/>
+                                </a:rPr>
+                                <m:t>−13</m:t>
+                              </m:r>
+                            </m:sup>
+                          </m:sSup>
+                          <m:r>
+                            <a:rPr lang="en-US" b="0" i="1" smtClean="0">
+                              <a:latin typeface="Cambria Math" panose="02040503050406030204" pitchFamily="18" charset="0"/>
+                            </a:rPr>
+                            <m:t>𝑚</m:t>
+                          </m:r>
+                        </m:den>
+                      </m:f>
+                    </m:oMath>
+                  </m:oMathPara>
+                </a14:m>
+                <a:endParaRPr lang="en-CA" dirty="0"/>
+              </a:p>
+            </p:txBody>
+          </p:sp>
+        </mc:Choice>
+        <mc:Fallback xmlns="">
+          <p:sp>
+            <p:nvSpPr>
+              <p:cNvPr id="3" name="TextBox 2">
+                <a:extLst>
+                  <a:ext uri="{FF2B5EF4-FFF2-40B4-BE49-F238E27FC236}">
+                    <a16:creationId xmlns:a16="http://schemas.microsoft.com/office/drawing/2014/main" id="{CE123312-C1DD-4894-9ACE-533B819D4976}"/>
+                  </a:ext>
+                </a:extLst>
+              </p:cNvPr>
+              <p:cNvSpPr txBox="1">
+                <a:spLocks noRot="1" noChangeAspect="1" noMove="1" noResize="1" noEditPoints="1" noAdjustHandles="1" noChangeArrowheads="1" noChangeShapeType="1" noTextEdit="1"/>
+              </p:cNvSpPr>
+              <p:nvPr/>
+            </p:nvSpPr>
+            <p:spPr>
+              <a:xfrm>
+                <a:off x="1111623" y="4427210"/>
+                <a:ext cx="6143605" cy="601127"/>
+              </a:xfrm>
+              <a:prstGeom prst="rect">
+                <a:avLst/>
+              </a:prstGeom>
+              <a:blipFill>
+                <a:blip r:embed="rId5"/>
+                <a:stretch>
+                  <a:fillRect/>
+                </a:stretch>
+              </a:blipFill>
+            </p:spPr>
+            <p:txBody>
+              <a:bodyPr/>
+              <a:lstStyle/>
+              <a:p>
+                <a:r>
+                  <a:rPr lang="en-CA">
+                    <a:noFill/>
+                  </a:rPr>
+                  <a:t> </a:t>
+                </a:r>
+              </a:p>
+            </p:txBody>
+          </p:sp>
+        </mc:Fallback>
+      </mc:AlternateContent>
+    </p:spTree>
+    <p:extLst>
+      <p:ext uri="{BB962C8B-B14F-4D97-AF65-F5344CB8AC3E}">
+        <p14:creationId xmlns:p14="http://schemas.microsoft.com/office/powerpoint/2010/main" val="903274037"/>
+      </p:ext>
+    </p:extLst>
+  </p:cSld>
+  <p:clrMapOvr>
+    <a:masterClrMapping/>
+  </p:clrMapOvr>
+  <mc:AlternateContent xmlns:mc="http://schemas.openxmlformats.org/markup-compatibility/2006" xmlns:p159="http://schemas.microsoft.com/office/powerpoint/2015/09/main">
+    <mc:Choice Requires="p159">
+      <p:transition xmlns:p14="http://schemas.microsoft.com/office/powerpoint/2010/main" spd="slow" p14:dur="2000">
+        <p159:morph option="byObject"/>
+      </p:transition>
+    </mc:Choice>
+    <mc:Fallback xmlns="">
+      <p:transition spd="slow">
+        <p:fade/>
+      </p:transition>
+    </mc:Fallback>
+  </mc:AlternateContent>
+  <p:timing>
+    <p:tnLst>
+      <p:par>
+        <p:cTn id="1" dur="indefinite" restart="never" nodeType="tmRoot">
+          <p:childTnLst>
+            <p:seq concurrent="1" nextAc="seek">
+              <p:cTn id="2" dur="indefinite" nodeType="mainSeq">
+                <p:childTnLst>
+                  <p:par>
+                    <p:cTn id="3" fill="hold">
+                      <p:stCondLst>
+                        <p:cond delay="indefinite"/>
+                      </p:stCondLst>
+                      <p:childTnLst>
+                        <p:par>
+                          <p:cTn id="4" fill="hold">
+                            <p:stCondLst>
+                              <p:cond delay="0"/>
+                            </p:stCondLst>
+                            <p:childTnLst>
+                              <p:par>
+                                <p:cTn id="5" presetID="1" presetClass="entr" presetSubtype="0" fill="hold" grpId="0" nodeType="clickEffect">
+                                  <p:stCondLst>
+                                    <p:cond delay="0"/>
+                                  </p:stCondLst>
+                                  <p:childTnLst>
+                                    <p:set>
+                                      <p:cBhvr>
+                                        <p:cTn id="6" dur="1" fill="hold">
+                                          <p:stCondLst>
+                                            <p:cond delay="0"/>
+                                          </p:stCondLst>
+                                        </p:cTn>
+                                        <p:tgtEl>
+                                          <p:spTgt spid="3"/>
+                                        </p:tgtEl>
+                                        <p:attrNameLst>
+                                          <p:attrName>style.visibility</p:attrName>
+                                        </p:attrNameLst>
+                                      </p:cBhvr>
+                                      <p:to>
+                                        <p:strVal val="visible"/>
+                                      </p:to>
+                                    </p:set>
+                                  </p:childTnLst>
+                                </p:cTn>
+                              </p:par>
+                            </p:childTnLst>
+                          </p:cTn>
+                        </p:par>
+                      </p:childTnLst>
+                    </p:cTn>
+                  </p:par>
+                </p:childTnLst>
+              </p:cTn>
+              <p:prevCondLst>
+                <p:cond evt="onPrev" delay="0">
+                  <p:tgtEl>
+                    <p:sldTgt/>
+                  </p:tgtEl>
+                </p:cond>
+              </p:prevCondLst>
+              <p:nextCondLst>
+                <p:cond evt="onNext" delay="0">
+                  <p:tgtEl>
+                    <p:sldTgt/>
+                  </p:tgtEl>
+                </p:cond>
+              </p:nextCondLst>
+            </p:seq>
+          </p:childTnLst>
+        </p:cTn>
+      </p:par>
+    </p:tnLst>
+    <p:bldLst>
+      <p:bldP spid="3" grpId="0"/>
+    </p:bldLst>
+  </p:timing>
+</p:sld>
+</file>
+
+<file path=ppt/slides/slide8.xml><?xml version="1.0" encoding="utf-8"?>
+<p:sld xmlns:a="http://schemas.openxmlformats.org/drawingml/2006/main" xmlns:r="http://schemas.openxmlformats.org/officeDocument/2006/relationships" xmlns:p="http://schemas.openxmlformats.org/presentationml/2006/main">
+  <p:cSld>
+    <p:spTree>
+      <p:nvGrpSpPr>
+        <p:cNvPr id="1" name=""/>
+        <p:cNvGrpSpPr/>
+        <p:nvPr/>
+      </p:nvGrpSpPr>
+      <p:grpSpPr>
+        <a:xfrm>
+          <a:off x="0" y="0"/>
+          <a:ext cx="0" cy="0"/>
+          <a:chOff x="0" y="0"/>
+          <a:chExt cx="0" cy="0"/>
+        </a:xfrm>
+      </p:grpSpPr>
+      <p:sp>
+        <p:nvSpPr>
+          <p:cNvPr id="4" name="!!! Title">
+            <a:extLst>
+              <a:ext uri="{FF2B5EF4-FFF2-40B4-BE49-F238E27FC236}">
+                <a16:creationId xmlns:a16="http://schemas.microsoft.com/office/drawing/2014/main" id="{BB9EC2FE-2CD1-4781-B78F-CD2AE0C35659}"/>
+              </a:ext>
+            </a:extLst>
+          </p:cNvPr>
+          <p:cNvSpPr>
+            <a:spLocks noGrp="1"/>
+          </p:cNvSpPr>
+          <p:nvPr>
+            <p:ph type="title"/>
+          </p:nvPr>
+        </p:nvSpPr>
+        <p:spPr/>
+        <p:txBody>
+          <a:bodyPr/>
+          <a:lstStyle/>
+          <a:p>
+            <a:endParaRPr lang="en-CA" dirty="0"/>
+          </a:p>
+        </p:txBody>
+      </p:sp>
+      <p:sp>
+        <p:nvSpPr>
+          <p:cNvPr id="11" name="Rectangle 10">
+            <a:extLst>
+              <a:ext uri="{FF2B5EF4-FFF2-40B4-BE49-F238E27FC236}">
+                <a16:creationId xmlns:a16="http://schemas.microsoft.com/office/drawing/2014/main" id="{31BA503A-7974-4E4D-BD80-19CE256294A7}"/>
+              </a:ext>
+              <a:ext uri="{C183D7F6-B498-43B3-948B-1728B52AA6E4}">
+                <adec:decorative xmlns:adec="http://schemas.microsoft.com/office/drawing/2017/decorative" val="1"/>
+              </a:ext>
+            </a:extLst>
+          </p:cNvPr>
+          <p:cNvSpPr>
+            <a:spLocks noGrp="1" noRot="1" noChangeAspect="1" noMove="1" noResize="1" noEditPoints="1" noAdjustHandles="1" noChangeArrowheads="1" noChangeShapeType="1" noTextEdit="1"/>
+          </p:cNvSpPr>
+          <p:nvPr>
+            <p:custDataLst>
+              <p:tags r:id="rId1"/>
+            </p:custDataLst>
+            <p:extLst>
+              <p:ext uri="{386F3935-93C4-4BCD-93E2-E3B085C9AB24}">
+                <p16:designElem xmlns:p16="http://schemas.microsoft.com/office/powerpoint/2015/main" val="1"/>
+              </p:ext>
+            </p:extLst>
+          </p:nvPr>
+        </p:nvSpPr>
+        <p:spPr>
+          <a:xfrm>
+            <a:off x="0" y="1"/>
+            <a:ext cx="12192000" cy="1911096"/>
+          </a:xfrm>
+          <a:prstGeom prst="rect">
+            <a:avLst/>
+          </a:prstGeom>
+          <a:solidFill>
+            <a:schemeClr val="accent5"/>
+          </a:solidFill>
+          <a:ln>
+            <a:noFill/>
+          </a:ln>
+        </p:spPr>
+        <p:style>
+          <a:lnRef idx="2">
+            <a:schemeClr val="accent1">
+              <a:shade val="50000"/>
+            </a:schemeClr>
+          </a:lnRef>
+          <a:fillRef idx="1">
+            <a:schemeClr val="accent1"/>
+          </a:fillRef>
+          <a:effectRef idx="0">
+            <a:schemeClr val="accent1"/>
+          </a:effectRef>
+          <a:fontRef idx="minor">
+            <a:schemeClr val="lt1"/>
+          </a:fontRef>
+        </p:style>
+        <p:txBody>
+          <a:bodyPr rtlCol="0" anchor="ctr"/>
+          <a:lstStyle/>
+          <a:p>
+            <a:pPr algn="ctr"/>
+            <a:endParaRPr lang="en-US"/>
+          </a:p>
+        </p:txBody>
+      </p:sp>
+      <p:sp>
+        <p:nvSpPr>
+          <p:cNvPr id="12" name="Title 1">
+            <a:extLst>
+              <a:ext uri="{FF2B5EF4-FFF2-40B4-BE49-F238E27FC236}">
+                <a16:creationId xmlns:a16="http://schemas.microsoft.com/office/drawing/2014/main" id="{08057AE9-A547-4238-86ED-8FB6B01E2D51}"/>
+              </a:ext>
+            </a:extLst>
+          </p:cNvPr>
+          <p:cNvSpPr txBox="1">
+            <a:spLocks/>
+          </p:cNvSpPr>
+          <p:nvPr>
+            <p:custDataLst>
+              <p:tags r:id="rId2"/>
+            </p:custDataLst>
+          </p:nvPr>
+        </p:nvSpPr>
+        <p:spPr>
+          <a:xfrm>
+            <a:off x="838200" y="365760"/>
+            <a:ext cx="10515600" cy="1325563"/>
+          </a:xfrm>
+          <a:prstGeom prst="rect">
+            <a:avLst/>
+          </a:prstGeom>
+        </p:spPr>
+        <p:txBody>
+          <a:bodyPr vert="horz" lIns="91440" tIns="45720" rIns="91440" bIns="45720" rtlCol="0" anchor="ctr">
+            <a:normAutofit/>
+          </a:bodyPr>
+          <a:lstStyle>
+            <a:lvl1pPr algn="l" defTabSz="914400" rtl="0" eaLnBrk="1" latinLnBrk="0" hangingPunct="1">
+              <a:lnSpc>
+                <a:spcPct val="90000"/>
+              </a:lnSpc>
+              <a:spcBef>
+                <a:spcPct val="0"/>
+              </a:spcBef>
+              <a:buNone/>
+              <a:defRPr sz="4400" kern="1200">
+                <a:solidFill>
+                  <a:schemeClr val="tx1"/>
+                </a:solidFill>
+                <a:latin typeface="+mj-lt"/>
+                <a:ea typeface="+mj-ea"/>
+                <a:cs typeface="+mj-cs"/>
+              </a:defRPr>
+            </a:lvl1pPr>
+          </a:lstStyle>
+          <a:p>
+            <a:r>
+              <a:rPr lang="en-US" dirty="0">
+                <a:solidFill>
+                  <a:schemeClr val="bg1"/>
+                </a:solidFill>
+              </a:rPr>
+              <a:t>Classique</a:t>
+            </a:r>
+            <a:endParaRPr lang="en-CA" dirty="0">
+              <a:solidFill>
+                <a:schemeClr val="bg1"/>
+              </a:solidFill>
+            </a:endParaRPr>
+          </a:p>
+        </p:txBody>
+      </p:sp>
+      <p:sp>
+        <p:nvSpPr>
+          <p:cNvPr id="2" name="TextBox 1">
+            <a:extLst>
+              <a:ext uri="{FF2B5EF4-FFF2-40B4-BE49-F238E27FC236}">
+                <a16:creationId xmlns:a16="http://schemas.microsoft.com/office/drawing/2014/main" id="{6DD278FC-6419-427A-8DCB-96127F46A02B}"/>
+              </a:ext>
+            </a:extLst>
+          </p:cNvPr>
+          <p:cNvSpPr txBox="1"/>
+          <p:nvPr/>
+        </p:nvSpPr>
+        <p:spPr>
+          <a:xfrm>
+            <a:off x="640976" y="3254188"/>
+            <a:ext cx="2891689" cy="923330"/>
+          </a:xfrm>
+          <a:prstGeom prst="rect">
+            <a:avLst/>
+          </a:prstGeom>
+          <a:noFill/>
+        </p:spPr>
+        <p:txBody>
+          <a:bodyPr wrap="none" rtlCol="0">
+            <a:spAutoFit/>
+          </a:bodyPr>
+          <a:lstStyle/>
+          <a:p>
+            <a:pPr marL="285750" indent="-285750">
+              <a:buFontTx/>
+              <a:buChar char="-"/>
+            </a:pPr>
+            <a:r>
+              <a:rPr lang="en-CA" dirty="0"/>
+              <a:t>Interaction </a:t>
+            </a:r>
+            <a:r>
+              <a:rPr lang="en-CA" dirty="0" err="1"/>
+              <a:t>gravitationelle</a:t>
+            </a:r>
+            <a:endParaRPr lang="en-CA" dirty="0"/>
+          </a:p>
+          <a:p>
+            <a:pPr marL="285750" indent="-285750">
+              <a:buFontTx/>
+              <a:buChar char="-"/>
+            </a:pPr>
+            <a:r>
+              <a:rPr lang="en-CA" dirty="0"/>
+              <a:t>Interaction </a:t>
+            </a:r>
+            <a:r>
+              <a:rPr lang="en-CA" dirty="0" err="1"/>
+              <a:t>électrique</a:t>
+            </a:r>
+            <a:endParaRPr lang="en-CA" dirty="0"/>
+          </a:p>
+          <a:p>
+            <a:pPr marL="285750" indent="-285750">
+              <a:buFontTx/>
+              <a:buChar char="-"/>
+            </a:pPr>
+            <a:r>
+              <a:rPr lang="en-CA" dirty="0"/>
+              <a:t>Interaction </a:t>
+            </a:r>
+            <a:r>
+              <a:rPr lang="en-CA" dirty="0" err="1"/>
+              <a:t>magnétique</a:t>
+            </a:r>
+            <a:endParaRPr lang="en-CA" dirty="0"/>
+          </a:p>
+        </p:txBody>
+      </p:sp>
+      <p:pic>
+        <p:nvPicPr>
+          <p:cNvPr id="8" name="Picture 7" descr="A picture containing clock, ball&#10;&#10;Description automatically generated">
+            <a:extLst>
+              <a:ext uri="{FF2B5EF4-FFF2-40B4-BE49-F238E27FC236}">
+                <a16:creationId xmlns:a16="http://schemas.microsoft.com/office/drawing/2014/main" id="{EDB1BFFB-C7A8-4290-9CEB-5120327B3F19}"/>
+              </a:ext>
+            </a:extLst>
+          </p:cNvPr>
+          <p:cNvPicPr>
+            <a:picLocks noChangeAspect="1"/>
+          </p:cNvPicPr>
+          <p:nvPr/>
+        </p:nvPicPr>
+        <p:blipFill>
+          <a:blip r:embed="rId4" cstate="print">
+            <a:extLst>
+              <a:ext uri="{28A0092B-C50C-407E-A947-70E740481C1C}">
+                <a14:useLocalDpi xmlns:a14="http://schemas.microsoft.com/office/drawing/2010/main" val="0"/>
+              </a:ext>
+            </a:extLst>
+          </a:blip>
+          <a:stretch>
+            <a:fillRect/>
+          </a:stretch>
+        </p:blipFill>
+        <p:spPr>
+          <a:xfrm>
+            <a:off x="4840942" y="1911097"/>
+            <a:ext cx="5974080" cy="3309383"/>
+          </a:xfrm>
+          <a:prstGeom prst="rect">
+            <a:avLst/>
+          </a:prstGeom>
+        </p:spPr>
+      </p:pic>
+      <mc:AlternateContent xmlns:mc="http://schemas.openxmlformats.org/markup-compatibility/2006" xmlns:a14="http://schemas.microsoft.com/office/drawing/2010/main">
+        <mc:Choice Requires="a14">
+          <p:sp>
+            <p:nvSpPr>
+              <p:cNvPr id="3" name="TextBox 2">
+                <a:extLst>
+                  <a:ext uri="{FF2B5EF4-FFF2-40B4-BE49-F238E27FC236}">
+                    <a16:creationId xmlns:a16="http://schemas.microsoft.com/office/drawing/2014/main" id="{CE123312-C1DD-4894-9ACE-533B819D4976}"/>
+                  </a:ext>
+                </a:extLst>
+              </p:cNvPr>
+              <p:cNvSpPr txBox="1"/>
+              <p:nvPr/>
+            </p:nvSpPr>
+            <p:spPr>
+              <a:xfrm>
+                <a:off x="1111623" y="4427210"/>
+                <a:ext cx="8094588" cy="580223"/>
+              </a:xfrm>
+              <a:prstGeom prst="rect">
+                <a:avLst/>
+              </a:prstGeom>
+              <a:noFill/>
+            </p:spPr>
+            <p:txBody>
+              <a:bodyPr wrap="none" lIns="0" tIns="0" rIns="0" bIns="0" rtlCol="0">
+                <a:spAutoFit/>
+              </a:bodyPr>
+              <a:lstStyle/>
+              <a:p>
+                <a14:m>
+                  <m:oMath xmlns:m="http://schemas.openxmlformats.org/officeDocument/2006/math">
+                    <m:sSub>
+                      <m:sSubPr>
+                        <m:ctrlPr>
+                          <a:rPr lang="en-US" sz="2000" b="0" i="1" smtClean="0">
+                            <a:latin typeface="Cambria Math" panose="02040503050406030204" pitchFamily="18" charset="0"/>
+                          </a:rPr>
+                        </m:ctrlPr>
+                      </m:sSubPr>
+                      <m:e>
+                        <m:r>
+                          <a:rPr lang="en-US" sz="2000" b="0" i="1" smtClean="0">
+                            <a:latin typeface="Cambria Math" panose="02040503050406030204" pitchFamily="18" charset="0"/>
+                          </a:rPr>
+                          <m:t>𝐹</m:t>
+                        </m:r>
+                      </m:e>
+                      <m:sub>
+                        <m:r>
+                          <a:rPr lang="en-US" sz="2000" b="0" i="1" smtClean="0">
+                            <a:latin typeface="Cambria Math" panose="02040503050406030204" pitchFamily="18" charset="0"/>
+                          </a:rPr>
+                          <m:t>𝑔</m:t>
+                        </m:r>
+                      </m:sub>
+                    </m:sSub>
+                    <m:r>
+                      <a:rPr lang="en-US" sz="2000" b="0" i="1" smtClean="0">
+                        <a:latin typeface="Cambria Math" panose="02040503050406030204" pitchFamily="18" charset="0"/>
+                      </a:rPr>
+                      <m:t>=</m:t>
+                    </m:r>
+                    <m:r>
+                      <a:rPr lang="en-US" sz="2000" b="0" i="1" smtClean="0">
+                        <a:latin typeface="Cambria Math" panose="02040503050406030204" pitchFamily="18" charset="0"/>
+                      </a:rPr>
+                      <m:t>𝐺</m:t>
+                    </m:r>
+                    <m:f>
+                      <m:fPr>
+                        <m:ctrlPr>
+                          <a:rPr lang="en-US" sz="2000" b="0" i="1" smtClean="0">
+                            <a:latin typeface="Cambria Math" panose="02040503050406030204" pitchFamily="18" charset="0"/>
+                          </a:rPr>
+                        </m:ctrlPr>
+                      </m:fPr>
+                      <m:num>
+                        <m:sSub>
+                          <m:sSubPr>
+                            <m:ctrlPr>
+                              <a:rPr lang="en-US" sz="2000" b="0" i="1" smtClean="0">
+                                <a:latin typeface="Cambria Math" panose="02040503050406030204" pitchFamily="18" charset="0"/>
+                              </a:rPr>
+                            </m:ctrlPr>
+                          </m:sSubPr>
+                          <m:e>
+                            <m:r>
+                              <a:rPr lang="en-US" sz="2000" b="0" i="1" smtClean="0">
+                                <a:latin typeface="Cambria Math" panose="02040503050406030204" pitchFamily="18" charset="0"/>
+                              </a:rPr>
+                              <m:t>𝑚</m:t>
+                            </m:r>
+                          </m:e>
+                          <m:sub>
+                            <m:r>
+                              <a:rPr lang="en-US" sz="2000" b="0" i="1" smtClean="0">
+                                <a:latin typeface="Cambria Math" panose="02040503050406030204" pitchFamily="18" charset="0"/>
+                              </a:rPr>
+                              <m:t>1</m:t>
+                            </m:r>
+                          </m:sub>
+                        </m:sSub>
+                        <m:sSub>
+                          <m:sSubPr>
+                            <m:ctrlPr>
+                              <a:rPr lang="en-US" sz="2000" b="0" i="1" smtClean="0">
+                                <a:latin typeface="Cambria Math" panose="02040503050406030204" pitchFamily="18" charset="0"/>
+                              </a:rPr>
+                            </m:ctrlPr>
+                          </m:sSubPr>
+                          <m:e>
+                            <m:r>
+                              <a:rPr lang="en-US" sz="2000" b="0" i="1" smtClean="0">
+                                <a:latin typeface="Cambria Math" panose="02040503050406030204" pitchFamily="18" charset="0"/>
+                              </a:rPr>
+                              <m:t>𝑚</m:t>
+                            </m:r>
+                          </m:e>
+                          <m:sub>
+                            <m:r>
+                              <a:rPr lang="en-US" sz="2000" b="0" i="1" smtClean="0">
+                                <a:latin typeface="Cambria Math" panose="02040503050406030204" pitchFamily="18" charset="0"/>
+                              </a:rPr>
+                              <m:t>2</m:t>
+                            </m:r>
+                          </m:sub>
+                        </m:sSub>
+                      </m:num>
+                      <m:den>
+                        <m:sSub>
+                          <m:sSubPr>
+                            <m:ctrlPr>
+                              <a:rPr lang="en-US" sz="2000" b="0" i="1" smtClean="0">
+                                <a:latin typeface="Cambria Math" panose="02040503050406030204" pitchFamily="18" charset="0"/>
+                              </a:rPr>
+                            </m:ctrlPr>
+                          </m:sSubPr>
+                          <m:e>
+                            <m:r>
+                              <a:rPr lang="en-US" sz="2000" b="0" i="1" smtClean="0">
+                                <a:latin typeface="Cambria Math" panose="02040503050406030204" pitchFamily="18" charset="0"/>
+                              </a:rPr>
+                              <m:t>𝑟</m:t>
+                            </m:r>
+                          </m:e>
+                          <m:sub>
+                            <m:r>
+                              <a:rPr lang="en-US" sz="2000" b="0" i="1" smtClean="0">
+                                <a:latin typeface="Cambria Math" panose="02040503050406030204" pitchFamily="18" charset="0"/>
+                              </a:rPr>
+                              <m:t>12</m:t>
+                            </m:r>
+                          </m:sub>
+                        </m:sSub>
+                      </m:den>
+                    </m:f>
+                    <m:r>
+                      <a:rPr lang="en-US" sz="2000" b="0" i="1" smtClean="0">
+                        <a:latin typeface="Cambria Math" panose="02040503050406030204" pitchFamily="18" charset="0"/>
+                      </a:rPr>
+                      <m:t>=6.67×</m:t>
+                    </m:r>
+                    <m:sSup>
+                      <m:sSupPr>
+                        <m:ctrlPr>
+                          <a:rPr lang="en-US" sz="2000" b="0" i="1" smtClean="0">
+                            <a:latin typeface="Cambria Math" panose="02040503050406030204" pitchFamily="18" charset="0"/>
+                          </a:rPr>
+                        </m:ctrlPr>
+                      </m:sSupPr>
+                      <m:e>
+                        <m:r>
+                          <a:rPr lang="en-US" sz="2000" b="0" i="1" smtClean="0">
+                            <a:latin typeface="Cambria Math" panose="02040503050406030204" pitchFamily="18" charset="0"/>
+                          </a:rPr>
+                          <m:t>10</m:t>
+                        </m:r>
+                      </m:e>
+                      <m:sup>
+                        <m:r>
+                          <a:rPr lang="en-US" sz="2000" b="0" i="1" smtClean="0">
+                            <a:latin typeface="Cambria Math" panose="02040503050406030204" pitchFamily="18" charset="0"/>
+                          </a:rPr>
+                          <m:t>−11</m:t>
+                        </m:r>
+                      </m:sup>
+                    </m:sSup>
+                    <m:r>
+                      <a:rPr lang="en-US" sz="2000" b="0" i="1" smtClean="0">
+                        <a:latin typeface="Cambria Math" panose="02040503050406030204" pitchFamily="18" charset="0"/>
+                      </a:rPr>
+                      <m:t>𝑁</m:t>
+                    </m:r>
+                    <m:sSup>
+                      <m:sSupPr>
+                        <m:ctrlPr>
+                          <a:rPr lang="en-US" sz="2000" b="0" i="1" smtClean="0">
+                            <a:latin typeface="Cambria Math" panose="02040503050406030204" pitchFamily="18" charset="0"/>
+                          </a:rPr>
+                        </m:ctrlPr>
+                      </m:sSupPr>
+                      <m:e>
+                        <m:r>
+                          <a:rPr lang="en-US" sz="2000" b="0" i="1" smtClean="0">
+                            <a:latin typeface="Cambria Math" panose="02040503050406030204" pitchFamily="18" charset="0"/>
+                          </a:rPr>
+                          <m:t>𝑚</m:t>
+                        </m:r>
+                      </m:e>
+                      <m:sup>
+                        <m:r>
+                          <a:rPr lang="en-US" sz="2000" b="0" i="1" smtClean="0">
+                            <a:latin typeface="Cambria Math" panose="02040503050406030204" pitchFamily="18" charset="0"/>
+                          </a:rPr>
+                          <m:t>2</m:t>
+                        </m:r>
+                      </m:sup>
+                    </m:sSup>
+                    <m:r>
+                      <a:rPr lang="en-US" sz="2000" b="0" i="1" smtClean="0">
+                        <a:latin typeface="Cambria Math" panose="02040503050406030204" pitchFamily="18" charset="0"/>
+                      </a:rPr>
+                      <m:t>𝐾</m:t>
+                    </m:r>
+                    <m:sSup>
+                      <m:sSupPr>
+                        <m:ctrlPr>
+                          <a:rPr lang="en-US" sz="2000" b="0" i="1" smtClean="0">
+                            <a:latin typeface="Cambria Math" panose="02040503050406030204" pitchFamily="18" charset="0"/>
+                          </a:rPr>
+                        </m:ctrlPr>
+                      </m:sSupPr>
+                      <m:e>
+                        <m:r>
+                          <a:rPr lang="en-US" sz="2000" b="0" i="1" smtClean="0">
+                            <a:latin typeface="Cambria Math" panose="02040503050406030204" pitchFamily="18" charset="0"/>
+                          </a:rPr>
+                          <m:t>𝑔</m:t>
+                        </m:r>
+                      </m:e>
+                      <m:sup>
+                        <m:r>
+                          <a:rPr lang="en-US" sz="2000" b="0" i="1" smtClean="0">
+                            <a:latin typeface="Cambria Math" panose="02040503050406030204" pitchFamily="18" charset="0"/>
+                          </a:rPr>
+                          <m:t>−2</m:t>
+                        </m:r>
+                      </m:sup>
+                    </m:sSup>
+                    <m:f>
+                      <m:fPr>
+                        <m:ctrlPr>
+                          <a:rPr lang="en-US" sz="2000" b="0" i="1" smtClean="0">
+                            <a:latin typeface="Cambria Math" panose="02040503050406030204" pitchFamily="18" charset="0"/>
+                          </a:rPr>
+                        </m:ctrlPr>
+                      </m:fPr>
+                      <m:num>
+                        <m:sSup>
+                          <m:sSupPr>
+                            <m:ctrlPr>
+                              <a:rPr lang="en-US" sz="2000" b="0" i="1" smtClean="0">
+                                <a:latin typeface="Cambria Math" panose="02040503050406030204" pitchFamily="18" charset="0"/>
+                              </a:rPr>
+                            </m:ctrlPr>
+                          </m:sSupPr>
+                          <m:e>
+                            <m:d>
+                              <m:dPr>
+                                <m:ctrlPr>
+                                  <a:rPr lang="en-US" sz="2000" b="0" i="1" smtClean="0">
+                                    <a:latin typeface="Cambria Math" panose="02040503050406030204" pitchFamily="18" charset="0"/>
+                                  </a:rPr>
+                                </m:ctrlPr>
+                              </m:dPr>
+                              <m:e>
+                                <m:r>
+                                  <a:rPr lang="en-US" sz="2000" b="0" i="1" smtClean="0">
+                                    <a:latin typeface="Cambria Math" panose="02040503050406030204" pitchFamily="18" charset="0"/>
+                                  </a:rPr>
+                                  <m:t>1.66×</m:t>
+                                </m:r>
+                                <m:sSup>
+                                  <m:sSupPr>
+                                    <m:ctrlPr>
+                                      <a:rPr lang="en-US" sz="2000" b="0" i="1" smtClean="0">
+                                        <a:latin typeface="Cambria Math" panose="02040503050406030204" pitchFamily="18" charset="0"/>
+                                      </a:rPr>
+                                    </m:ctrlPr>
+                                  </m:sSupPr>
+                                  <m:e>
+                                    <m:r>
+                                      <a:rPr lang="en-US" sz="2000" b="0" i="1" smtClean="0">
+                                        <a:latin typeface="Cambria Math" panose="02040503050406030204" pitchFamily="18" charset="0"/>
+                                      </a:rPr>
+                                      <m:t>10</m:t>
+                                    </m:r>
+                                  </m:e>
+                                  <m:sup>
+                                    <m:r>
+                                      <a:rPr lang="en-US" sz="2000" b="0" i="1" smtClean="0">
+                                        <a:latin typeface="Cambria Math" panose="02040503050406030204" pitchFamily="18" charset="0"/>
+                                      </a:rPr>
+                                      <m:t>−27</m:t>
+                                    </m:r>
+                                  </m:sup>
+                                </m:sSup>
+                                <m:r>
+                                  <a:rPr lang="en-US" sz="2000" b="0" i="1" smtClean="0">
+                                    <a:latin typeface="Cambria Math" panose="02040503050406030204" pitchFamily="18" charset="0"/>
+                                  </a:rPr>
+                                  <m:t>𝐾𝑔</m:t>
+                                </m:r>
+                              </m:e>
+                            </m:d>
+                          </m:e>
+                          <m:sup>
+                            <m:r>
+                              <a:rPr lang="en-US" sz="2000" b="0" i="1" smtClean="0">
+                                <a:latin typeface="Cambria Math" panose="02040503050406030204" pitchFamily="18" charset="0"/>
+                              </a:rPr>
+                              <m:t>2</m:t>
+                            </m:r>
+                          </m:sup>
+                        </m:sSup>
+                        <m:r>
+                          <a:rPr lang="en-US" sz="2000" b="0" i="1" smtClean="0">
+                            <a:latin typeface="Cambria Math" panose="02040503050406030204" pitchFamily="18" charset="0"/>
+                          </a:rPr>
+                          <m:t> </m:t>
+                        </m:r>
+                      </m:num>
+                      <m:den>
+                        <m:r>
+                          <a:rPr lang="en-US" sz="2000" b="0" i="1" smtClean="0">
+                            <a:latin typeface="Cambria Math" panose="02040503050406030204" pitchFamily="18" charset="0"/>
+                          </a:rPr>
+                          <m:t>7.414×</m:t>
+                        </m:r>
+                        <m:sSup>
+                          <m:sSupPr>
+                            <m:ctrlPr>
+                              <a:rPr lang="en-US" sz="2000" b="0" i="1" smtClean="0">
+                                <a:latin typeface="Cambria Math" panose="02040503050406030204" pitchFamily="18" charset="0"/>
+                              </a:rPr>
+                            </m:ctrlPr>
+                          </m:sSupPr>
+                          <m:e>
+                            <m:r>
+                              <a:rPr lang="en-US" sz="2000" b="0" i="1" smtClean="0">
+                                <a:latin typeface="Cambria Math" panose="02040503050406030204" pitchFamily="18" charset="0"/>
+                              </a:rPr>
+                              <m:t>10</m:t>
+                            </m:r>
+                          </m:e>
+                          <m:sup>
+                            <m:r>
+                              <a:rPr lang="en-US" sz="2000" b="0" i="1" smtClean="0">
+                                <a:latin typeface="Cambria Math" panose="02040503050406030204" pitchFamily="18" charset="0"/>
+                              </a:rPr>
+                              <m:t>−13</m:t>
+                            </m:r>
+                          </m:sup>
+                        </m:sSup>
+                        <m:r>
+                          <a:rPr lang="en-US" sz="2000" b="0" i="1" smtClean="0">
+                            <a:latin typeface="Cambria Math" panose="02040503050406030204" pitchFamily="18" charset="0"/>
+                          </a:rPr>
+                          <m:t>𝑚</m:t>
+                        </m:r>
+                      </m:den>
+                    </m:f>
+                    <m:r>
+                      <a:rPr lang="en-US" sz="2000" b="0" i="1" smtClean="0">
+                        <a:latin typeface="Cambria Math" panose="02040503050406030204" pitchFamily="18" charset="0"/>
+                      </a:rPr>
+                      <m:t>=1.36×</m:t>
+                    </m:r>
+                    <m:sSup>
+                      <m:sSupPr>
+                        <m:ctrlPr>
+                          <a:rPr lang="en-US" sz="2000" b="0" i="1" smtClean="0">
+                            <a:latin typeface="Cambria Math" panose="02040503050406030204" pitchFamily="18" charset="0"/>
+                          </a:rPr>
+                        </m:ctrlPr>
+                      </m:sSupPr>
+                      <m:e>
+                        <m:r>
+                          <a:rPr lang="en-US" sz="2000" b="0" i="1" smtClean="0">
+                            <a:latin typeface="Cambria Math" panose="02040503050406030204" pitchFamily="18" charset="0"/>
+                          </a:rPr>
+                          <m:t>10</m:t>
+                        </m:r>
+                      </m:e>
+                      <m:sup>
+                        <m:r>
+                          <a:rPr lang="en-US" sz="2000" b="0" i="1" smtClean="0">
+                            <a:latin typeface="Cambria Math" panose="02040503050406030204" pitchFamily="18" charset="0"/>
+                          </a:rPr>
+                          <m:t>−50</m:t>
+                        </m:r>
+                      </m:sup>
+                    </m:sSup>
+                    <m:r>
+                      <a:rPr lang="en-US" sz="2000" b="0" i="1" smtClean="0">
+                        <a:latin typeface="Cambria Math" panose="02040503050406030204" pitchFamily="18" charset="0"/>
+                      </a:rPr>
+                      <m:t>𝑁𝑚</m:t>
+                    </m:r>
+                  </m:oMath>
+                </a14:m>
+                <a:r>
+                  <a:rPr lang="en-CA" sz="2000" dirty="0"/>
+                  <a:t> </a:t>
+                </a:r>
+              </a:p>
+            </p:txBody>
+          </p:sp>
+        </mc:Choice>
+        <mc:Fallback xmlns="">
+          <p:sp>
+            <p:nvSpPr>
+              <p:cNvPr id="3" name="TextBox 2">
+                <a:extLst>
+                  <a:ext uri="{FF2B5EF4-FFF2-40B4-BE49-F238E27FC236}">
+                    <a16:creationId xmlns:a16="http://schemas.microsoft.com/office/drawing/2014/main" id="{CE123312-C1DD-4894-9ACE-533B819D4976}"/>
+                  </a:ext>
+                </a:extLst>
+              </p:cNvPr>
+              <p:cNvSpPr txBox="1">
+                <a:spLocks noRot="1" noChangeAspect="1" noMove="1" noResize="1" noEditPoints="1" noAdjustHandles="1" noChangeArrowheads="1" noChangeShapeType="1" noTextEdit="1"/>
+              </p:cNvSpPr>
+              <p:nvPr/>
+            </p:nvSpPr>
+            <p:spPr>
+              <a:xfrm>
+                <a:off x="1111623" y="4427210"/>
+                <a:ext cx="8094588" cy="580223"/>
+              </a:xfrm>
+              <a:prstGeom prst="rect">
+                <a:avLst/>
+              </a:prstGeom>
+              <a:blipFill>
+                <a:blip r:embed="rId5"/>
+                <a:stretch>
+                  <a:fillRect/>
+                </a:stretch>
+              </a:blipFill>
+            </p:spPr>
+            <p:txBody>
+              <a:bodyPr/>
+              <a:lstStyle/>
+              <a:p>
+                <a:r>
+                  <a:rPr lang="en-CA">
+                    <a:noFill/>
+                  </a:rPr>
+                  <a:t> </a:t>
+                </a:r>
+              </a:p>
+            </p:txBody>
+          </p:sp>
+        </mc:Fallback>
+      </mc:AlternateContent>
+      <mc:AlternateContent xmlns:mc="http://schemas.openxmlformats.org/markup-compatibility/2006" xmlns:a14="http://schemas.microsoft.com/office/drawing/2010/main">
+        <mc:Choice Requires="a14">
+          <p:sp>
+            <p:nvSpPr>
+              <p:cNvPr id="9" name="TextBox 8">
+                <a:extLst>
+                  <a:ext uri="{FF2B5EF4-FFF2-40B4-BE49-F238E27FC236}">
+                    <a16:creationId xmlns:a16="http://schemas.microsoft.com/office/drawing/2014/main" id="{D0B71836-5B10-450E-A6FD-E8E62186D7A1}"/>
+                  </a:ext>
+                </a:extLst>
+              </p:cNvPr>
+              <p:cNvSpPr txBox="1"/>
+              <p:nvPr/>
+            </p:nvSpPr>
+            <p:spPr>
+              <a:xfrm>
+                <a:off x="1111622" y="5044763"/>
+                <a:ext cx="8547533" cy="667875"/>
+              </a:xfrm>
+              <a:prstGeom prst="rect">
+                <a:avLst/>
+              </a:prstGeom>
+              <a:noFill/>
+            </p:spPr>
+            <p:txBody>
+              <a:bodyPr wrap="none" lIns="0" tIns="0" rIns="0" bIns="0" rtlCol="0">
+                <a:spAutoFit/>
+              </a:bodyPr>
+              <a:lstStyle/>
+              <a:p>
+                <a:pPr/>
+                <a14:m>
+                  <m:oMathPara xmlns:m="http://schemas.openxmlformats.org/officeDocument/2006/math">
+                    <m:oMathParaPr>
+                      <m:jc m:val="centerGroup"/>
+                    </m:oMathParaPr>
+                    <m:oMath xmlns:m="http://schemas.openxmlformats.org/officeDocument/2006/math">
+                      <m:sSub>
+                        <m:sSubPr>
+                          <m:ctrlPr>
+                            <a:rPr lang="en-US" sz="2000" b="0" i="1" smtClean="0">
+                              <a:latin typeface="Cambria Math" panose="02040503050406030204" pitchFamily="18" charset="0"/>
+                            </a:rPr>
+                          </m:ctrlPr>
+                        </m:sSubPr>
+                        <m:e>
+                          <m:r>
+                            <a:rPr lang="en-US" sz="2000" b="0" i="1" smtClean="0">
+                              <a:latin typeface="Cambria Math" panose="02040503050406030204" pitchFamily="18" charset="0"/>
+                            </a:rPr>
+                            <m:t>𝐹</m:t>
+                          </m:r>
+                        </m:e>
+                        <m:sub>
+                          <m:r>
+                            <a:rPr lang="en-US" sz="2000" b="0" i="1" smtClean="0">
+                              <a:latin typeface="Cambria Math" panose="02040503050406030204" pitchFamily="18" charset="0"/>
+                            </a:rPr>
+                            <m:t>𝑒</m:t>
+                          </m:r>
+                        </m:sub>
+                      </m:sSub>
+                      <m:r>
+                        <a:rPr lang="en-US" sz="2000" b="0" i="1" smtClean="0">
+                          <a:latin typeface="Cambria Math" panose="02040503050406030204" pitchFamily="18" charset="0"/>
+                        </a:rPr>
+                        <m:t>=</m:t>
+                      </m:r>
+                      <m:sSub>
+                        <m:sSubPr>
+                          <m:ctrlPr>
+                            <a:rPr lang="en-US" sz="2000" b="0" i="1" smtClean="0">
+                              <a:latin typeface="Cambria Math" panose="02040503050406030204" pitchFamily="18" charset="0"/>
+                            </a:rPr>
+                          </m:ctrlPr>
+                        </m:sSubPr>
+                        <m:e>
+                          <m:r>
+                            <a:rPr lang="en-US" sz="2000" b="0" i="1" smtClean="0">
+                              <a:latin typeface="Cambria Math" panose="02040503050406030204" pitchFamily="18" charset="0"/>
+                            </a:rPr>
+                            <m:t>𝑘</m:t>
+                          </m:r>
+                        </m:e>
+                        <m:sub>
+                          <m:r>
+                            <a:rPr lang="en-US" sz="2000" b="0" i="1" smtClean="0">
+                              <a:latin typeface="Cambria Math" panose="02040503050406030204" pitchFamily="18" charset="0"/>
+                            </a:rPr>
+                            <m:t>𝑒</m:t>
+                          </m:r>
+                        </m:sub>
+                      </m:sSub>
+                      <m:f>
+                        <m:fPr>
+                          <m:ctrlPr>
+                            <a:rPr lang="en-US" sz="2000" b="0" i="1" smtClean="0">
+                              <a:latin typeface="Cambria Math" panose="02040503050406030204" pitchFamily="18" charset="0"/>
+                            </a:rPr>
+                          </m:ctrlPr>
+                        </m:fPr>
+                        <m:num>
+                          <m:sSub>
+                            <m:sSubPr>
+                              <m:ctrlPr>
+                                <a:rPr lang="en-US" sz="2000" b="0" i="1" smtClean="0">
+                                  <a:latin typeface="Cambria Math" panose="02040503050406030204" pitchFamily="18" charset="0"/>
+                                </a:rPr>
+                              </m:ctrlPr>
+                            </m:sSubPr>
+                            <m:e>
+                              <m:r>
+                                <a:rPr lang="en-US" sz="2000" b="0" i="1" smtClean="0">
+                                  <a:latin typeface="Cambria Math" panose="02040503050406030204" pitchFamily="18" charset="0"/>
+                                </a:rPr>
+                                <m:t>𝑞</m:t>
+                              </m:r>
+                            </m:e>
+                            <m:sub>
+                              <m:r>
+                                <a:rPr lang="en-US" sz="2000" b="0" i="1" smtClean="0">
+                                  <a:latin typeface="Cambria Math" panose="02040503050406030204" pitchFamily="18" charset="0"/>
+                                </a:rPr>
+                                <m:t>1</m:t>
+                              </m:r>
+                            </m:sub>
+                          </m:sSub>
+                          <m:sSub>
+                            <m:sSubPr>
+                              <m:ctrlPr>
+                                <a:rPr lang="en-US" sz="2000" b="0" i="1" smtClean="0">
+                                  <a:latin typeface="Cambria Math" panose="02040503050406030204" pitchFamily="18" charset="0"/>
+                                </a:rPr>
+                              </m:ctrlPr>
+                            </m:sSubPr>
+                            <m:e>
+                              <m:r>
+                                <a:rPr lang="en-US" sz="2000" b="0" i="1" smtClean="0">
+                                  <a:latin typeface="Cambria Math" panose="02040503050406030204" pitchFamily="18" charset="0"/>
+                                </a:rPr>
+                                <m:t>𝑞</m:t>
+                              </m:r>
+                            </m:e>
+                            <m:sub>
+                              <m:r>
+                                <a:rPr lang="en-US" sz="2000" b="0" i="1" smtClean="0">
+                                  <a:latin typeface="Cambria Math" panose="02040503050406030204" pitchFamily="18" charset="0"/>
+                                </a:rPr>
+                                <m:t>2</m:t>
+                              </m:r>
+                            </m:sub>
+                          </m:sSub>
+                        </m:num>
+                        <m:den>
+                          <m:sSub>
+                            <m:sSubPr>
+                              <m:ctrlPr>
+                                <a:rPr lang="en-US" sz="2000" b="0" i="1" smtClean="0">
+                                  <a:latin typeface="Cambria Math" panose="02040503050406030204" pitchFamily="18" charset="0"/>
+                                </a:rPr>
+                              </m:ctrlPr>
+                            </m:sSubPr>
+                            <m:e>
+                              <m:r>
+                                <a:rPr lang="en-US" sz="2000" b="0" i="1" smtClean="0">
+                                  <a:latin typeface="Cambria Math" panose="02040503050406030204" pitchFamily="18" charset="0"/>
+                                </a:rPr>
+                                <m:t>𝑟</m:t>
+                              </m:r>
+                            </m:e>
+                            <m:sub>
+                              <m:r>
+                                <a:rPr lang="en-US" sz="2000" b="0" i="1" smtClean="0">
+                                  <a:latin typeface="Cambria Math" panose="02040503050406030204" pitchFamily="18" charset="0"/>
+                                </a:rPr>
+                                <m:t>12</m:t>
+                              </m:r>
+                            </m:sub>
+                          </m:sSub>
+                        </m:den>
+                      </m:f>
+                      <m:r>
+                        <a:rPr lang="en-US" sz="2000" b="0" i="1" smtClean="0">
+                          <a:latin typeface="Cambria Math" panose="02040503050406030204" pitchFamily="18" charset="0"/>
+                        </a:rPr>
+                        <m:t>=8.988×</m:t>
+                      </m:r>
+                      <m:sSup>
+                        <m:sSupPr>
+                          <m:ctrlPr>
+                            <a:rPr lang="en-US" sz="2000" b="0" i="1" smtClean="0">
+                              <a:latin typeface="Cambria Math" panose="02040503050406030204" pitchFamily="18" charset="0"/>
+                            </a:rPr>
+                          </m:ctrlPr>
+                        </m:sSupPr>
+                        <m:e>
+                          <m:r>
+                            <a:rPr lang="en-US" sz="2000" b="0" i="1" smtClean="0">
+                              <a:latin typeface="Cambria Math" panose="02040503050406030204" pitchFamily="18" charset="0"/>
+                            </a:rPr>
+                            <m:t>10</m:t>
+                          </m:r>
+                        </m:e>
+                        <m:sup>
+                          <m:r>
+                            <a:rPr lang="en-US" sz="2000" b="0" i="1" smtClean="0">
+                              <a:latin typeface="Cambria Math" panose="02040503050406030204" pitchFamily="18" charset="0"/>
+                            </a:rPr>
+                            <m:t>9</m:t>
+                          </m:r>
+                        </m:sup>
+                      </m:sSup>
+                      <m:r>
+                        <a:rPr lang="en-US" sz="2000" b="0" i="1" smtClean="0">
+                          <a:latin typeface="Cambria Math" panose="02040503050406030204" pitchFamily="18" charset="0"/>
+                        </a:rPr>
+                        <m:t>𝑁</m:t>
+                      </m:r>
+                      <m:sSup>
+                        <m:sSupPr>
+                          <m:ctrlPr>
+                            <a:rPr lang="en-US" sz="2000" b="0" i="1" smtClean="0">
+                              <a:latin typeface="Cambria Math" panose="02040503050406030204" pitchFamily="18" charset="0"/>
+                            </a:rPr>
+                          </m:ctrlPr>
+                        </m:sSupPr>
+                        <m:e>
+                          <m:r>
+                            <a:rPr lang="en-US" sz="2000" b="0" i="1" smtClean="0">
+                              <a:latin typeface="Cambria Math" panose="02040503050406030204" pitchFamily="18" charset="0"/>
+                            </a:rPr>
+                            <m:t>𝑚</m:t>
+                          </m:r>
+                        </m:e>
+                        <m:sup>
+                          <m:r>
+                            <a:rPr lang="en-US" sz="2000" b="0" i="1" smtClean="0">
+                              <a:latin typeface="Cambria Math" panose="02040503050406030204" pitchFamily="18" charset="0"/>
+                            </a:rPr>
+                            <m:t>2</m:t>
+                          </m:r>
+                        </m:sup>
+                      </m:sSup>
+                      <m:sSup>
+                        <m:sSupPr>
+                          <m:ctrlPr>
+                            <a:rPr lang="en-US" sz="2000" b="0" i="1" smtClean="0">
+                              <a:latin typeface="Cambria Math" panose="02040503050406030204" pitchFamily="18" charset="0"/>
+                            </a:rPr>
+                          </m:ctrlPr>
+                        </m:sSupPr>
+                        <m:e>
+                          <m:r>
+                            <a:rPr lang="en-US" sz="2000" b="0" i="1" smtClean="0">
+                              <a:latin typeface="Cambria Math" panose="02040503050406030204" pitchFamily="18" charset="0"/>
+                            </a:rPr>
+                            <m:t>𝐶</m:t>
+                          </m:r>
+                        </m:e>
+                        <m:sup>
+                          <m:r>
+                            <a:rPr lang="en-US" sz="2000" b="0" i="1" smtClean="0">
+                              <a:latin typeface="Cambria Math" panose="02040503050406030204" pitchFamily="18" charset="0"/>
+                            </a:rPr>
+                            <m:t>−2</m:t>
+                          </m:r>
+                        </m:sup>
+                      </m:sSup>
+                      <m:f>
+                        <m:fPr>
+                          <m:ctrlPr>
+                            <a:rPr lang="en-US" sz="2000" b="0" i="1" smtClean="0">
+                              <a:latin typeface="Cambria Math" panose="02040503050406030204" pitchFamily="18" charset="0"/>
+                            </a:rPr>
+                          </m:ctrlPr>
+                        </m:fPr>
+                        <m:num>
+                          <m:sSup>
+                            <m:sSupPr>
+                              <m:ctrlPr>
+                                <a:rPr lang="en-US" sz="2000" b="0" i="1" smtClean="0">
+                                  <a:latin typeface="Cambria Math" panose="02040503050406030204" pitchFamily="18" charset="0"/>
+                                </a:rPr>
+                              </m:ctrlPr>
+                            </m:sSupPr>
+                            <m:e>
+                              <m:d>
+                                <m:dPr>
+                                  <m:ctrlPr>
+                                    <a:rPr lang="en-US" sz="2000" b="0" i="1" smtClean="0">
+                                      <a:latin typeface="Cambria Math" panose="02040503050406030204" pitchFamily="18" charset="0"/>
+                                    </a:rPr>
+                                  </m:ctrlPr>
+                                </m:dPr>
+                                <m:e>
+                                  <m:r>
+                                    <a:rPr lang="en-US" sz="2000" b="0" i="1" smtClean="0">
+                                      <a:latin typeface="Cambria Math" panose="02040503050406030204" pitchFamily="18" charset="0"/>
+                                    </a:rPr>
+                                    <m:t>−1.602×</m:t>
+                                  </m:r>
+                                  <m:sSup>
+                                    <m:sSupPr>
+                                      <m:ctrlPr>
+                                        <a:rPr lang="en-US" sz="2000" b="0" i="1" smtClean="0">
+                                          <a:latin typeface="Cambria Math" panose="02040503050406030204" pitchFamily="18" charset="0"/>
+                                        </a:rPr>
+                                      </m:ctrlPr>
+                                    </m:sSupPr>
+                                    <m:e>
+                                      <m:r>
+                                        <a:rPr lang="en-US" sz="2000" b="0" i="1" smtClean="0">
+                                          <a:latin typeface="Cambria Math" panose="02040503050406030204" pitchFamily="18" charset="0"/>
+                                        </a:rPr>
+                                        <m:t>10</m:t>
+                                      </m:r>
+                                    </m:e>
+                                    <m:sup>
+                                      <m:r>
+                                        <a:rPr lang="en-US" sz="2000" b="0" i="1" smtClean="0">
+                                          <a:latin typeface="Cambria Math" panose="02040503050406030204" pitchFamily="18" charset="0"/>
+                                        </a:rPr>
+                                        <m:t>−19</m:t>
+                                      </m:r>
+                                    </m:sup>
+                                  </m:sSup>
+                                  <m:r>
+                                    <a:rPr lang="en-US" sz="2000" b="0" i="1" smtClean="0">
+                                      <a:latin typeface="Cambria Math" panose="02040503050406030204" pitchFamily="18" charset="0"/>
+                                    </a:rPr>
+                                    <m:t>𝐶</m:t>
+                                  </m:r>
+                                </m:e>
+                              </m:d>
+                            </m:e>
+                            <m:sup>
+                              <m:r>
+                                <a:rPr lang="en-US" sz="2000" b="0" i="1" smtClean="0">
+                                  <a:latin typeface="Cambria Math" panose="02040503050406030204" pitchFamily="18" charset="0"/>
+                                </a:rPr>
+                                <m:t>2</m:t>
+                              </m:r>
+                            </m:sup>
+                          </m:sSup>
+                          <m:r>
+                            <a:rPr lang="en-US" sz="2000" b="0" i="1" smtClean="0">
+                              <a:latin typeface="Cambria Math" panose="02040503050406030204" pitchFamily="18" charset="0"/>
+                            </a:rPr>
+                            <m:t> </m:t>
+                          </m:r>
+                        </m:num>
+                        <m:den>
+                          <m:r>
+                            <a:rPr lang="en-US" sz="2000" b="0" i="1" smtClean="0">
+                              <a:latin typeface="Cambria Math" panose="02040503050406030204" pitchFamily="18" charset="0"/>
+                            </a:rPr>
+                            <m:t>7.414×</m:t>
+                          </m:r>
+                          <m:sSup>
+                            <m:sSupPr>
+                              <m:ctrlPr>
+                                <a:rPr lang="en-US" sz="2000" b="0" i="1" smtClean="0">
+                                  <a:latin typeface="Cambria Math" panose="02040503050406030204" pitchFamily="18" charset="0"/>
+                                </a:rPr>
+                              </m:ctrlPr>
+                            </m:sSupPr>
+                            <m:e>
+                              <m:r>
+                                <a:rPr lang="en-US" sz="2000" b="0" i="1" smtClean="0">
+                                  <a:latin typeface="Cambria Math" panose="02040503050406030204" pitchFamily="18" charset="0"/>
+                                </a:rPr>
+                                <m:t>10</m:t>
+                              </m:r>
+                            </m:e>
+                            <m:sup>
+                              <m:r>
+                                <a:rPr lang="en-US" sz="2000" b="0" i="1" smtClean="0">
+                                  <a:latin typeface="Cambria Math" panose="02040503050406030204" pitchFamily="18" charset="0"/>
+                                </a:rPr>
+                                <m:t>−13</m:t>
+                              </m:r>
+                            </m:sup>
+                          </m:sSup>
+                          <m:r>
+                            <a:rPr lang="en-US" sz="2000" b="0" i="1" smtClean="0">
+                              <a:latin typeface="Cambria Math" panose="02040503050406030204" pitchFamily="18" charset="0"/>
+                            </a:rPr>
+                            <m:t>𝑚</m:t>
+                          </m:r>
+                        </m:den>
+                      </m:f>
+                      <m:r>
+                        <a:rPr lang="en-US" sz="2000" b="0" i="1" smtClean="0">
+                          <a:latin typeface="Cambria Math" panose="02040503050406030204" pitchFamily="18" charset="0"/>
+                        </a:rPr>
+                        <m:t>=1.71×</m:t>
+                      </m:r>
+                      <m:sSup>
+                        <m:sSupPr>
+                          <m:ctrlPr>
+                            <a:rPr lang="en-US" sz="2000" b="0" i="1" smtClean="0">
+                              <a:latin typeface="Cambria Math" panose="02040503050406030204" pitchFamily="18" charset="0"/>
+                            </a:rPr>
+                          </m:ctrlPr>
+                        </m:sSupPr>
+                        <m:e>
+                          <m:r>
+                            <a:rPr lang="en-US" sz="2000" b="0" i="1" smtClean="0">
+                              <a:latin typeface="Cambria Math" panose="02040503050406030204" pitchFamily="18" charset="0"/>
+                            </a:rPr>
+                            <m:t>10</m:t>
+                          </m:r>
+                        </m:e>
+                        <m:sup>
+                          <m:r>
+                            <a:rPr lang="en-US" sz="2000" b="0" i="1" smtClean="0">
+                              <a:latin typeface="Cambria Math" panose="02040503050406030204" pitchFamily="18" charset="0"/>
+                            </a:rPr>
+                            <m:t>−14</m:t>
+                          </m:r>
+                        </m:sup>
+                      </m:sSup>
+                      <m:r>
+                        <a:rPr lang="en-US" sz="2000" b="0" i="1" smtClean="0">
+                          <a:latin typeface="Cambria Math" panose="02040503050406030204" pitchFamily="18" charset="0"/>
+                        </a:rPr>
+                        <m:t>𝑁𝑚</m:t>
+                      </m:r>
+                    </m:oMath>
+                  </m:oMathPara>
+                </a14:m>
+                <a:endParaRPr lang="en-CA" sz="2000" dirty="0"/>
+              </a:p>
+            </p:txBody>
+          </p:sp>
+        </mc:Choice>
+        <mc:Fallback xmlns="">
+          <p:sp>
+            <p:nvSpPr>
+              <p:cNvPr id="9" name="TextBox 8">
+                <a:extLst>
+                  <a:ext uri="{FF2B5EF4-FFF2-40B4-BE49-F238E27FC236}">
+                    <a16:creationId xmlns:a16="http://schemas.microsoft.com/office/drawing/2014/main" id="{D0B71836-5B10-450E-A6FD-E8E62186D7A1}"/>
+                  </a:ext>
+                </a:extLst>
+              </p:cNvPr>
+              <p:cNvSpPr txBox="1">
+                <a:spLocks noRot="1" noChangeAspect="1" noMove="1" noResize="1" noEditPoints="1" noAdjustHandles="1" noChangeArrowheads="1" noChangeShapeType="1" noTextEdit="1"/>
+              </p:cNvSpPr>
+              <p:nvPr/>
+            </p:nvSpPr>
+            <p:spPr>
+              <a:xfrm>
+                <a:off x="1111622" y="5044763"/>
+                <a:ext cx="8547533" cy="667875"/>
+              </a:xfrm>
+              <a:prstGeom prst="rect">
+                <a:avLst/>
+              </a:prstGeom>
+              <a:blipFill>
+                <a:blip r:embed="rId6"/>
+                <a:stretch>
+                  <a:fillRect/>
+                </a:stretch>
+              </a:blipFill>
+            </p:spPr>
+            <p:txBody>
+              <a:bodyPr/>
+              <a:lstStyle/>
+              <a:p>
+                <a:r>
+                  <a:rPr lang="en-CA">
+                    <a:noFill/>
+                  </a:rPr>
+                  <a:t> </a:t>
+                </a:r>
+              </a:p>
+            </p:txBody>
+          </p:sp>
+        </mc:Fallback>
+      </mc:AlternateContent>
+    </p:spTree>
+    <p:extLst>
+      <p:ext uri="{BB962C8B-B14F-4D97-AF65-F5344CB8AC3E}">
+        <p14:creationId xmlns:p14="http://schemas.microsoft.com/office/powerpoint/2010/main" val="179013037"/>
+      </p:ext>
+    </p:extLst>
+  </p:cSld>
+  <p:clrMapOvr>
+    <a:masterClrMapping/>
+  </p:clrMapOvr>
+  <mc:AlternateContent xmlns:mc="http://schemas.openxmlformats.org/markup-compatibility/2006" xmlns:p159="http://schemas.microsoft.com/office/powerpoint/2015/09/main">
+    <mc:Choice Requires="p159">
+      <p:transition xmlns:p14="http://schemas.microsoft.com/office/powerpoint/2010/main" spd="slow" p14:dur="2000">
+        <p159:morph option="byObject"/>
+      </p:transition>
+    </mc:Choice>
+    <mc:Fallback xmlns="">
+      <p:transition spd="slow">
+        <p:fade/>
+      </p:transition>
+    </mc:Fallback>
+  </mc:AlternateContent>
+</p:sld>
+</file>
+
+<file path=ppt/slides/slide9.xml><?xml version="1.0" encoding="utf-8"?>
+<p:sld xmlns:a="http://schemas.openxmlformats.org/drawingml/2006/main" xmlns:r="http://schemas.openxmlformats.org/officeDocument/2006/relationships" xmlns:p="http://schemas.openxmlformats.org/presentationml/2006/main">
+  <p:cSld>
+    <p:spTree>
+      <p:nvGrpSpPr>
+        <p:cNvPr id="1" name=""/>
+        <p:cNvGrpSpPr/>
+        <p:nvPr/>
+      </p:nvGrpSpPr>
+      <p:grpSpPr>
+        <a:xfrm>
+          <a:off x="0" y="0"/>
+          <a:ext cx="0" cy="0"/>
+          <a:chOff x="0" y="0"/>
+          <a:chExt cx="0" cy="0"/>
+        </a:xfrm>
+      </p:grpSpPr>
+      <p:sp>
+        <p:nvSpPr>
+          <p:cNvPr id="10" name="Rectangle 9">
+            <a:extLst>
+              <a:ext uri="{FF2B5EF4-FFF2-40B4-BE49-F238E27FC236}">
+                <a16:creationId xmlns:a16="http://schemas.microsoft.com/office/drawing/2014/main" id="{EBF87945-A001-489F-9D9B-7D9435F0B9CA}"/>
+              </a:ext>
+              <a:ext uri="{C183D7F6-B498-43B3-948B-1728B52AA6E4}">
+                <adec:decorative xmlns:adec="http://schemas.microsoft.com/office/drawing/2017/decorative" val="1"/>
+              </a:ext>
+            </a:extLst>
+          </p:cNvPr>
+          <p:cNvSpPr>
+            <a:spLocks noGrp="1" noRot="1" noChangeAspect="1" noMove="1" noResize="1" noEditPoints="1" noAdjustHandles="1" noChangeArrowheads="1" noChangeShapeType="1" noTextEdit="1"/>
+          </p:cNvSpPr>
+          <p:nvPr>
+            <p:custDataLst>
+              <p:tags r:id="rId1"/>
+            </p:custDataLst>
+            <p:extLst>
+              <p:ext uri="{386F3935-93C4-4BCD-93E2-E3B085C9AB24}">
+                <p16:designElem xmlns:p16="http://schemas.microsoft.com/office/powerpoint/2015/main" val="1"/>
+              </p:ext>
+            </p:extLst>
+          </p:nvPr>
+        </p:nvSpPr>
+        <p:spPr>
+          <a:xfrm>
+            <a:off x="0" y="1"/>
+            <a:ext cx="12192000" cy="1911096"/>
+          </a:xfrm>
+          <a:prstGeom prst="rect">
+            <a:avLst/>
+          </a:prstGeom>
+          <a:solidFill>
+            <a:schemeClr val="accent5"/>
+          </a:solidFill>
+          <a:ln>
+            <a:noFill/>
+          </a:ln>
+        </p:spPr>
+        <p:style>
+          <a:lnRef idx="2">
+            <a:schemeClr val="accent1">
+              <a:shade val="50000"/>
+            </a:schemeClr>
+          </a:lnRef>
+          <a:fillRef idx="1">
+            <a:schemeClr val="accent1"/>
+          </a:fillRef>
+          <a:effectRef idx="0">
+            <a:schemeClr val="accent1"/>
+          </a:effectRef>
+          <a:fontRef idx="minor">
+            <a:schemeClr val="lt1"/>
+          </a:fontRef>
+        </p:style>
+        <p:txBody>
+          <a:bodyPr rtlCol="0" anchor="ctr"/>
+          <a:lstStyle/>
+          <a:p>
+            <a:pPr algn="ctr"/>
+            <a:endParaRPr lang="en-US"/>
+          </a:p>
+        </p:txBody>
+      </p:sp>
+      <p:sp>
+        <p:nvSpPr>
+          <p:cNvPr id="2" name="!!!Title"/>
           <p:cNvSpPr>
             <a:spLocks noGrp="1"/>
           </p:cNvSpPr>
@@ -10195,12 +11950,20 @@
           <a:lstStyle/>
           <a:p>
             <a:r>
+              <a:rPr lang="en-US" dirty="0" err="1">
+                <a:solidFill>
+                  <a:schemeClr val="bg1"/>
+                </a:solidFill>
+              </a:rPr>
+              <a:t>Classique</a:t>
+            </a:r>
+            <a:r>
               <a:rPr lang="en-US" dirty="0">
                 <a:solidFill>
                   <a:schemeClr val="bg1"/>
                 </a:solidFill>
               </a:rPr>
-              <a:t>Notions </a:t>
+              <a:t>                 </a:t>
             </a:r>
             <a:r>
               <a:rPr lang="en-US" dirty="0" err="1">
@@ -10208,7 +11971,23 @@
                   <a:schemeClr val="bg1"/>
                 </a:solidFill>
               </a:rPr>
-              <a:t>préalables</a:t>
+              <a:t>Vs</a:t>
+            </a:r>
+            <a:r>
+              <a:rPr lang="en-US" dirty="0">
+                <a:solidFill>
+                  <a:schemeClr val="bg1"/>
+                </a:solidFill>
+              </a:rPr>
+              <a:t>               </a:t>
+            </a:r>
+            <a:r>
+              <a:rPr lang="en-US" dirty="0" err="1">
+                <a:solidFill>
+                  <a:schemeClr val="bg1"/>
+                </a:solidFill>
+              </a:rPr>
+              <a:t>Quantique</a:t>
             </a:r>
             <a:endParaRPr lang="en-CA" dirty="0">
               <a:solidFill>
@@ -10220,20 +11999,174 @@
       </p:sp>
       <p:sp>
         <p:nvSpPr>
-          <p:cNvPr id="4" name="TextBox 3">
-            <a:extLst>
-              <a:ext uri="{FF2B5EF4-FFF2-40B4-BE49-F238E27FC236}">
-                <a16:creationId xmlns:a16="http://schemas.microsoft.com/office/drawing/2014/main" id="{9E5C05BB-5C43-4EB1-B2CF-1E9B7EE6F6B9}"/>
-              </a:ext>
-            </a:extLst>
-          </p:cNvPr>
+          <p:cNvPr id="8" name="Oval 7"/>
+          <p:cNvSpPr/>
+          <p:nvPr/>
+        </p:nvSpPr>
+        <p:spPr>
+          <a:xfrm>
+            <a:off x="8489576" y="3146611"/>
+            <a:ext cx="188258" cy="179294"/>
+          </a:xfrm>
+          <a:prstGeom prst="ellipse">
+            <a:avLst/>
+          </a:prstGeom>
+        </p:spPr>
+        <p:style>
+          <a:lnRef idx="2">
+            <a:schemeClr val="accent1">
+              <a:shade val="50000"/>
+            </a:schemeClr>
+          </a:lnRef>
+          <a:fillRef idx="1">
+            <a:schemeClr val="accent1"/>
+          </a:fillRef>
+          <a:effectRef idx="0">
+            <a:schemeClr val="accent1"/>
+          </a:effectRef>
+          <a:fontRef idx="minor">
+            <a:schemeClr val="lt1"/>
+          </a:fontRef>
+        </p:style>
+        <p:txBody>
+          <a:bodyPr rtlCol="0" anchor="ctr"/>
+          <a:lstStyle/>
+          <a:p>
+            <a:pPr algn="ctr"/>
+            <a:endParaRPr lang="en-CA"/>
+          </a:p>
+        </p:txBody>
+      </p:sp>
+      <p:sp>
+        <p:nvSpPr>
+          <p:cNvPr id="9" name="Oval 8"/>
+          <p:cNvSpPr/>
+          <p:nvPr/>
+        </p:nvSpPr>
+        <p:spPr>
+          <a:xfrm>
+            <a:off x="8758517" y="3146611"/>
+            <a:ext cx="188258" cy="179294"/>
+          </a:xfrm>
+          <a:prstGeom prst="ellipse">
+            <a:avLst/>
+          </a:prstGeom>
+        </p:spPr>
+        <p:style>
+          <a:lnRef idx="2">
+            <a:schemeClr val="accent1">
+              <a:shade val="50000"/>
+            </a:schemeClr>
+          </a:lnRef>
+          <a:fillRef idx="1">
+            <a:schemeClr val="accent1"/>
+          </a:fillRef>
+          <a:effectRef idx="0">
+            <a:schemeClr val="accent1"/>
+          </a:effectRef>
+          <a:fontRef idx="minor">
+            <a:schemeClr val="lt1"/>
+          </a:fontRef>
+        </p:style>
+        <p:txBody>
+          <a:bodyPr rtlCol="0" anchor="ctr"/>
+          <a:lstStyle/>
+          <a:p>
+            <a:pPr algn="ctr"/>
+            <a:endParaRPr lang="en-CA"/>
+          </a:p>
+        </p:txBody>
+      </p:sp>
+      <p:sp>
+        <p:nvSpPr>
+          <p:cNvPr id="11" name="Oval 10"/>
+          <p:cNvSpPr/>
+          <p:nvPr/>
+        </p:nvSpPr>
+        <p:spPr>
+          <a:xfrm>
+            <a:off x="9009528" y="3146611"/>
+            <a:ext cx="188258" cy="179294"/>
+          </a:xfrm>
+          <a:prstGeom prst="ellipse">
+            <a:avLst/>
+          </a:prstGeom>
+        </p:spPr>
+        <p:style>
+          <a:lnRef idx="2">
+            <a:schemeClr val="accent1">
+              <a:shade val="50000"/>
+            </a:schemeClr>
+          </a:lnRef>
+          <a:fillRef idx="1">
+            <a:schemeClr val="accent1"/>
+          </a:fillRef>
+          <a:effectRef idx="0">
+            <a:schemeClr val="accent1"/>
+          </a:effectRef>
+          <a:fontRef idx="minor">
+            <a:schemeClr val="lt1"/>
+          </a:fontRef>
+        </p:style>
+        <p:txBody>
+          <a:bodyPr rtlCol="0" anchor="ctr"/>
+          <a:lstStyle/>
+          <a:p>
+            <a:pPr algn="ctr"/>
+            <a:endParaRPr lang="en-CA"/>
+          </a:p>
+        </p:txBody>
+      </p:sp>
+      <p:sp>
+        <p:nvSpPr>
+          <p:cNvPr id="12" name="Oval 11"/>
+          <p:cNvSpPr/>
+          <p:nvPr/>
+        </p:nvSpPr>
+        <p:spPr>
+          <a:xfrm>
+            <a:off x="9278469" y="3146611"/>
+            <a:ext cx="188258" cy="179294"/>
+          </a:xfrm>
+          <a:prstGeom prst="ellipse">
+            <a:avLst/>
+          </a:prstGeom>
+        </p:spPr>
+        <p:style>
+          <a:lnRef idx="2">
+            <a:schemeClr val="accent1">
+              <a:shade val="50000"/>
+            </a:schemeClr>
+          </a:lnRef>
+          <a:fillRef idx="1">
+            <a:schemeClr val="accent1"/>
+          </a:fillRef>
+          <a:effectRef idx="0">
+            <a:schemeClr val="accent1"/>
+          </a:effectRef>
+          <a:fontRef idx="minor">
+            <a:schemeClr val="lt1"/>
+          </a:fontRef>
+        </p:style>
+        <p:txBody>
+          <a:bodyPr rtlCol="0" anchor="ctr"/>
+          <a:lstStyle/>
+          <a:p>
+            <a:pPr algn="ctr"/>
+            <a:endParaRPr lang="en-CA"/>
+          </a:p>
+        </p:txBody>
+      </p:sp>
+      <p:sp>
+        <p:nvSpPr>
+          <p:cNvPr id="4" name="TextBox 3"/>
           <p:cNvSpPr txBox="1"/>
           <p:nvPr/>
         </p:nvSpPr>
         <p:spPr>
           <a:xfrm>
-            <a:off x="0" y="2057082"/>
-            <a:ext cx="12192000" cy="3108543"/>
+            <a:off x="8825753" y="2742171"/>
+            <a:ext cx="506870" cy="369332"/>
           </a:xfrm>
           <a:prstGeom prst="rect">
             <a:avLst/>
@@ -10241,83 +12174,102 @@
           <a:noFill/>
         </p:spPr>
         <p:txBody>
-          <a:bodyPr wrap="square" rtlCol="0">
+          <a:bodyPr wrap="none" rtlCol="0">
             <a:spAutoFit/>
           </a:bodyPr>
           <a:lstStyle/>
           <a:p>
-            <a:pPr marL="285750" indent="-285750">
-              <a:buFontTx/>
-              <a:buChar char="-"/>
-            </a:pPr>
-            <a:r>
-              <a:rPr lang="fr-CA" sz="2800" dirty="0"/>
-              <a:t>Mécanique classique</a:t>
-            </a:r>
-          </a:p>
-          <a:p>
-            <a:pPr marL="285750" indent="-285750">
-              <a:buFontTx/>
-              <a:buChar char="-"/>
-            </a:pPr>
-            <a:r>
-              <a:rPr lang="fr-CA" sz="2800" dirty="0"/>
-              <a:t>Fonctions</a:t>
-            </a:r>
-          </a:p>
-          <a:p>
-            <a:pPr marL="285750" indent="-285750">
-              <a:buFontTx/>
-              <a:buChar char="-"/>
-            </a:pPr>
-            <a:r>
-              <a:rPr lang="fr-CA" sz="2800" dirty="0"/>
-              <a:t>Nombre imaginaire</a:t>
-            </a:r>
-          </a:p>
-          <a:p>
-            <a:pPr marL="285750" indent="-285750">
-              <a:buFontTx/>
-              <a:buChar char="-"/>
-            </a:pPr>
-            <a:r>
-              <a:rPr lang="fr-CA" sz="2800" dirty="0"/>
-              <a:t>Dérivé</a:t>
-            </a:r>
-          </a:p>
-          <a:p>
-            <a:pPr marL="285750" indent="-285750">
-              <a:buFontTx/>
-              <a:buChar char="-"/>
-            </a:pPr>
-            <a:r>
-              <a:rPr lang="fr-CA" sz="2800" dirty="0"/>
-              <a:t>Intégrales</a:t>
-            </a:r>
-          </a:p>
-          <a:p>
-            <a:pPr marL="285750" indent="-285750">
-              <a:buFontTx/>
-              <a:buChar char="-"/>
-            </a:pPr>
-            <a:r>
-              <a:rPr lang="fr-CA" sz="2800" dirty="0"/>
-              <a:t>Matrices</a:t>
-            </a:r>
-          </a:p>
-          <a:p>
-            <a:pPr marL="285750" indent="-285750">
-              <a:buFontTx/>
-              <a:buChar char="-"/>
-            </a:pPr>
-            <a:endParaRPr lang="fr-CA" sz="2800" dirty="0"/>
+            <a:r>
+              <a:rPr lang="en-CA" dirty="0"/>
+              <a:t>???</a:t>
+            </a:r>
+          </a:p>
+        </p:txBody>
+      </p:sp>
+      <p:sp>
+        <p:nvSpPr>
+          <p:cNvPr id="13" name="Oval 12"/>
+          <p:cNvSpPr/>
+          <p:nvPr/>
+        </p:nvSpPr>
+        <p:spPr>
+          <a:xfrm>
+            <a:off x="8234084" y="3146611"/>
+            <a:ext cx="188258" cy="179294"/>
+          </a:xfrm>
+          <a:prstGeom prst="ellipse">
+            <a:avLst/>
+          </a:prstGeom>
+        </p:spPr>
+        <p:style>
+          <a:lnRef idx="2">
+            <a:schemeClr val="accent1">
+              <a:shade val="50000"/>
+            </a:schemeClr>
+          </a:lnRef>
+          <a:fillRef idx="1">
+            <a:schemeClr val="accent1"/>
+          </a:fillRef>
+          <a:effectRef idx="0">
+            <a:schemeClr val="accent1"/>
+          </a:effectRef>
+          <a:fontRef idx="minor">
+            <a:schemeClr val="lt1"/>
+          </a:fontRef>
+        </p:style>
+        <p:txBody>
+          <a:bodyPr rtlCol="0" anchor="ctr"/>
+          <a:lstStyle/>
+          <a:p>
+            <a:pPr algn="ctr"/>
+            <a:endParaRPr lang="en-CA"/>
+          </a:p>
+        </p:txBody>
+      </p:sp>
+      <p:sp>
+        <p:nvSpPr>
+          <p:cNvPr id="14" name="Oval 13"/>
+          <p:cNvSpPr/>
+          <p:nvPr/>
+        </p:nvSpPr>
+        <p:spPr>
+          <a:xfrm>
+            <a:off x="9538445" y="3146611"/>
+            <a:ext cx="188258" cy="179294"/>
+          </a:xfrm>
+          <a:prstGeom prst="ellipse">
+            <a:avLst/>
+          </a:prstGeom>
+        </p:spPr>
+        <p:style>
+          <a:lnRef idx="2">
+            <a:schemeClr val="accent1">
+              <a:shade val="50000"/>
+            </a:schemeClr>
+          </a:lnRef>
+          <a:fillRef idx="1">
+            <a:schemeClr val="accent1"/>
+          </a:fillRef>
+          <a:effectRef idx="0">
+            <a:schemeClr val="accent1"/>
+          </a:effectRef>
+          <a:fontRef idx="minor">
+            <a:schemeClr val="lt1"/>
+          </a:fontRef>
+        </p:style>
+        <p:txBody>
+          <a:bodyPr rtlCol="0" anchor="ctr"/>
+          <a:lstStyle/>
+          <a:p>
+            <a:pPr algn="ctr"/>
+            <a:endParaRPr lang="en-CA"/>
           </a:p>
         </p:txBody>
       </p:sp>
     </p:spTree>
     <p:extLst>
       <p:ext uri="{BB962C8B-B14F-4D97-AF65-F5344CB8AC3E}">
-        <p14:creationId xmlns:p14="http://schemas.microsoft.com/office/powerpoint/2010/main" val="2753890676"/>
+        <p14:creationId xmlns:p14="http://schemas.microsoft.com/office/powerpoint/2010/main" val="1232378806"/>
       </p:ext>
     </p:extLst>
   </p:cSld>
@@ -10394,6 +12346,54 @@
 </file>
 
 <file path=ppt/tags/tag2.xml><?xml version="1.0" encoding="utf-8"?>
+<p:tagLst xmlns:a="http://schemas.openxmlformats.org/drawingml/2006/main" xmlns:r="http://schemas.openxmlformats.org/officeDocument/2006/relationships" xmlns:p="http://schemas.openxmlformats.org/presentationml/2006/main">
+  <p:tag name="NUM" val="2"/>
+</p:tagLst>
+</file>
+
+<file path=ppt/tags/tag20.xml><?xml version="1.0" encoding="utf-8"?>
+<p:tagLst xmlns:a="http://schemas.openxmlformats.org/drawingml/2006/main" xmlns:r="http://schemas.openxmlformats.org/officeDocument/2006/relationships" xmlns:p="http://schemas.openxmlformats.org/presentationml/2006/main">
+  <p:tag name="NUM" val="1"/>
+</p:tagLst>
+</file>
+
+<file path=ppt/tags/tag21.xml><?xml version="1.0" encoding="utf-8"?>
+<p:tagLst xmlns:a="http://schemas.openxmlformats.org/drawingml/2006/main" xmlns:r="http://schemas.openxmlformats.org/officeDocument/2006/relationships" xmlns:p="http://schemas.openxmlformats.org/presentationml/2006/main">
+  <p:tag name="NUM" val="2"/>
+</p:tagLst>
+</file>
+
+<file path=ppt/tags/tag22.xml><?xml version="1.0" encoding="utf-8"?>
+<p:tagLst xmlns:a="http://schemas.openxmlformats.org/drawingml/2006/main" xmlns:r="http://schemas.openxmlformats.org/officeDocument/2006/relationships" xmlns:p="http://schemas.openxmlformats.org/presentationml/2006/main">
+  <p:tag name="NUM" val="1"/>
+</p:tagLst>
+</file>
+
+<file path=ppt/tags/tag23.xml><?xml version="1.0" encoding="utf-8"?>
+<p:tagLst xmlns:a="http://schemas.openxmlformats.org/drawingml/2006/main" xmlns:r="http://schemas.openxmlformats.org/officeDocument/2006/relationships" xmlns:p="http://schemas.openxmlformats.org/presentationml/2006/main">
+  <p:tag name="NUM" val="2"/>
+</p:tagLst>
+</file>
+
+<file path=ppt/tags/tag24.xml><?xml version="1.0" encoding="utf-8"?>
+<p:tagLst xmlns:a="http://schemas.openxmlformats.org/drawingml/2006/main" xmlns:r="http://schemas.openxmlformats.org/officeDocument/2006/relationships" xmlns:p="http://schemas.openxmlformats.org/presentationml/2006/main">
+  <p:tag name="NUM" val="1"/>
+</p:tagLst>
+</file>
+
+<file path=ppt/tags/tag25.xml><?xml version="1.0" encoding="utf-8"?>
+<p:tagLst xmlns:a="http://schemas.openxmlformats.org/drawingml/2006/main" xmlns:r="http://schemas.openxmlformats.org/officeDocument/2006/relationships" xmlns:p="http://schemas.openxmlformats.org/presentationml/2006/main">
+  <p:tag name="NUM" val="2"/>
+</p:tagLst>
+</file>
+
+<file path=ppt/tags/tag26.xml><?xml version="1.0" encoding="utf-8"?>
+<p:tagLst xmlns:a="http://schemas.openxmlformats.org/drawingml/2006/main" xmlns:r="http://schemas.openxmlformats.org/officeDocument/2006/relationships" xmlns:p="http://schemas.openxmlformats.org/presentationml/2006/main">
+  <p:tag name="NUM" val="1"/>
+</p:tagLst>
+</file>
+
+<file path=ppt/tags/tag27.xml><?xml version="1.0" encoding="utf-8"?>
 <p:tagLst xmlns:a="http://schemas.openxmlformats.org/drawingml/2006/main" xmlns:r="http://schemas.openxmlformats.org/officeDocument/2006/relationships" xmlns:p="http://schemas.openxmlformats.org/presentationml/2006/main">
   <p:tag name="NUM" val="2"/>
 </p:tagLst>
